--- a/Why We Must Ask Why of Machine Learning.pptx
+++ b/Why We Must Ask Why of Machine Learning.pptx
@@ -7,6 +7,11 @@
   <p:sldIdLst>
     <p:sldId id="256" r:id="rId2"/>
     <p:sldId id="257" r:id="rId3"/>
+    <p:sldId id="258" r:id="rId4"/>
+    <p:sldId id="259" r:id="rId5"/>
+    <p:sldId id="260" r:id="rId6"/>
+    <p:sldId id="262" r:id="rId7"/>
+    <p:sldId id="261" r:id="rId8"/>
   </p:sldIdLst>
   <p:sldSz cx="12192000" cy="6858000"/>
   <p:notesSz cx="6858000" cy="9144000"/>
@@ -5685,12 +5690,8 @@
           <a:lstStyle/>
           <a:p>
             <a:r>
-              <a:rPr lang="en-US"/>
-              <a:t>Why We </a:t>
-            </a:r>
-            <a:r>
               <a:rPr lang="en-US" dirty="0"/>
-              <a:t>Must Ask Why of Machine Learning</a:t>
+              <a:t>Why We Must Ask Why of Machine Learning</a:t>
             </a:r>
           </a:p>
         </p:txBody>
@@ -5711,14 +5712,21 @@
             <p:ph type="subTitle" idx="1"/>
           </p:nvPr>
         </p:nvSpPr>
-        <p:spPr/>
-        <p:txBody>
-          <a:bodyPr/>
-          <a:lstStyle/>
-          <a:p>
-            <a:r>
-              <a:rPr lang="en-US" dirty="0"/>
-              <a:t>caring about interpretability and explainability of machine learning models</a:t>
+        <p:spPr>
+          <a:xfrm>
+            <a:off x="1371600" y="3632200"/>
+            <a:ext cx="9448800" cy="939799"/>
+          </a:xfrm>
+        </p:spPr>
+        <p:txBody>
+          <a:bodyPr>
+            <a:noAutofit/>
+          </a:bodyPr>
+          <a:lstStyle/>
+          <a:p>
+            <a:r>
+              <a:rPr lang="en-US" sz="3200" dirty="0"/>
+              <a:t>interpretability and explainability of machine learning models and why that matters</a:t>
             </a:r>
           </a:p>
         </p:txBody>
@@ -5774,7 +5782,10 @@
           <a:bodyPr/>
           <a:lstStyle/>
           <a:p>
-            <a:endParaRPr lang="en-US" dirty="0"/>
+            <a:r>
+              <a:rPr lang="en-US" dirty="0"/>
+              <a:t>Introduction</a:t>
+            </a:r>
           </a:p>
         </p:txBody>
       </p:sp>
@@ -5794,19 +5805,727 @@
             <p:ph idx="1"/>
           </p:nvPr>
         </p:nvSpPr>
-        <p:spPr/>
-        <p:txBody>
-          <a:bodyPr/>
-          <a:lstStyle/>
-          <a:p>
-            <a:endParaRPr lang="en-US"/>
-          </a:p>
-        </p:txBody>
-      </p:sp>
+        <p:spPr>
+          <a:xfrm>
+            <a:off x="685800" y="2194561"/>
+            <a:ext cx="10820400" cy="4111236"/>
+          </a:xfrm>
+        </p:spPr>
+        <p:txBody>
+          <a:bodyPr>
+            <a:normAutofit/>
+          </a:bodyPr>
+          <a:lstStyle/>
+          <a:p>
+            <a:r>
+              <a:rPr lang="en-US" sz="3200" dirty="0"/>
+              <a:t>Steve (Stephen) Newman</a:t>
+            </a:r>
+          </a:p>
+          <a:p>
+            <a:r>
+              <a:rPr lang="en-US" sz="3200" dirty="0"/>
+              <a:t>Principal Software Engineer</a:t>
+            </a:r>
+          </a:p>
+          <a:p>
+            <a:r>
+              <a:rPr lang="en-US" sz="3200" dirty="0"/>
+              <a:t>Common Cloud Platform on AVEVA Connect</a:t>
+            </a:r>
+          </a:p>
+          <a:p>
+            <a:pPr marL="0" indent="0">
+              <a:buNone/>
+            </a:pPr>
+            <a:endParaRPr lang="en-US" sz="3200" dirty="0"/>
+          </a:p>
+          <a:p>
+            <a:pPr marL="0" indent="0">
+              <a:buNone/>
+            </a:pPr>
+            <a:r>
+              <a:rPr lang="en-US" sz="3200" dirty="0"/>
+              <a:t>	</a:t>
+            </a:r>
+            <a:r>
+              <a:rPr lang="en-US" sz="3200" dirty="0">
+                <a:hlinkClick r:id="rId2">
+                  <a:extLst>
+                    <a:ext uri="{A12FA001-AC4F-418D-AE19-62706E023703}">
+                      <ahyp:hlinkClr xmlns:ahyp="http://schemas.microsoft.com/office/drawing/2018/hyperlinkcolor" val="tx"/>
+                    </a:ext>
+                  </a:extLst>
+                </a:hlinkClick>
+              </a:rPr>
+              <a:t>/newmancodes</a:t>
+            </a:r>
+            <a:endParaRPr lang="en-US" sz="3200" dirty="0"/>
+          </a:p>
+          <a:p>
+            <a:pPr marL="0" indent="0">
+              <a:buNone/>
+            </a:pPr>
+            <a:r>
+              <a:rPr lang="en-US" sz="3200" dirty="0"/>
+              <a:t>	</a:t>
+            </a:r>
+            <a:r>
+              <a:rPr lang="en-US" sz="3200" dirty="0">
+                <a:hlinkClick r:id="rId3">
+                  <a:extLst>
+                    <a:ext uri="{A12FA001-AC4F-418D-AE19-62706E023703}">
+                      <ahyp:hlinkClr xmlns:ahyp="http://schemas.microsoft.com/office/drawing/2018/hyperlinkcolor" val="tx"/>
+                    </a:ext>
+                  </a:extLst>
+                </a:hlinkClick>
+              </a:rPr>
+              <a:t>/newmancodes</a:t>
+            </a:r>
+            <a:endParaRPr lang="en-US" sz="3200" dirty="0"/>
+          </a:p>
+          <a:p>
+            <a:pPr marL="0" indent="0">
+              <a:buNone/>
+            </a:pPr>
+            <a:r>
+              <a:rPr lang="en-US" sz="3200" dirty="0"/>
+              <a:t>	</a:t>
+            </a:r>
+            <a:r>
+              <a:rPr lang="en-US" sz="3200" dirty="0">
+                <a:hlinkClick r:id="rId4">
+                  <a:extLst>
+                    <a:ext uri="{A12FA001-AC4F-418D-AE19-62706E023703}">
+                      <ahyp:hlinkClr xmlns:ahyp="http://schemas.microsoft.com/office/drawing/2018/hyperlinkcolor" val="tx"/>
+                    </a:ext>
+                  </a:extLst>
+                </a:hlinkClick>
+              </a:rPr>
+              <a:t>newman.digital</a:t>
+            </a:r>
+            <a:endParaRPr lang="en-US" sz="3200" dirty="0"/>
+          </a:p>
+          <a:p>
+            <a:pPr marL="0" indent="0">
+              <a:buNone/>
+            </a:pPr>
+            <a:endParaRPr lang="en-US" sz="2800" dirty="0"/>
+          </a:p>
+        </p:txBody>
+      </p:sp>
+      <p:pic>
+        <p:nvPicPr>
+          <p:cNvPr id="5" name="Graphic 4">
+            <a:extLst>
+              <a:ext uri="{FF2B5EF4-FFF2-40B4-BE49-F238E27FC236}">
+                <a16:creationId xmlns:a16="http://schemas.microsoft.com/office/drawing/2014/main" id="{3228597A-48F0-2287-0207-508C4745F193}"/>
+              </a:ext>
+            </a:extLst>
+          </p:cNvPr>
+          <p:cNvPicPr>
+            <a:picLocks noChangeAspect="1"/>
+          </p:cNvPicPr>
+          <p:nvPr/>
+        </p:nvPicPr>
+        <p:blipFill>
+          <a:blip r:embed="rId5">
+            <a:extLst>
+              <a:ext uri="{96DAC541-7B7A-43D3-8B79-37D633B846F1}">
+                <asvg:svgBlip xmlns:asvg="http://schemas.microsoft.com/office/drawing/2016/SVG/main" r:embed="rId6"/>
+              </a:ext>
+            </a:extLst>
+          </a:blip>
+          <a:stretch>
+            <a:fillRect/>
+          </a:stretch>
+        </p:blipFill>
+        <p:spPr>
+          <a:xfrm>
+            <a:off x="1101899" y="4397046"/>
+            <a:ext cx="523702" cy="523702"/>
+          </a:xfrm>
+          <a:prstGeom prst="rect">
+            <a:avLst/>
+          </a:prstGeom>
+        </p:spPr>
+      </p:pic>
+      <p:pic>
+        <p:nvPicPr>
+          <p:cNvPr id="13" name="Graphic 12">
+            <a:extLst>
+              <a:ext uri="{FF2B5EF4-FFF2-40B4-BE49-F238E27FC236}">
+                <a16:creationId xmlns:a16="http://schemas.microsoft.com/office/drawing/2014/main" id="{E943F8BA-EE38-54C0-508E-0DF1FEA4390C}"/>
+              </a:ext>
+            </a:extLst>
+          </p:cNvPr>
+          <p:cNvPicPr>
+            <a:picLocks noChangeAspect="1"/>
+          </p:cNvPicPr>
+          <p:nvPr/>
+        </p:nvPicPr>
+        <p:blipFill>
+          <a:blip r:embed="rId7">
+            <a:extLst>
+              <a:ext uri="{96DAC541-7B7A-43D3-8B79-37D633B846F1}">
+                <asvg:svgBlip xmlns:asvg="http://schemas.microsoft.com/office/drawing/2016/SVG/main" r:embed="rId8"/>
+              </a:ext>
+            </a:extLst>
+          </a:blip>
+          <a:stretch>
+            <a:fillRect/>
+          </a:stretch>
+        </p:blipFill>
+        <p:spPr>
+          <a:xfrm>
+            <a:off x="1073399" y="4976876"/>
+            <a:ext cx="552203" cy="552203"/>
+          </a:xfrm>
+          <a:prstGeom prst="rect">
+            <a:avLst/>
+          </a:prstGeom>
+        </p:spPr>
+      </p:pic>
+      <p:pic>
+        <p:nvPicPr>
+          <p:cNvPr id="15" name="Graphic 14">
+            <a:extLst>
+              <a:ext uri="{FF2B5EF4-FFF2-40B4-BE49-F238E27FC236}">
+                <a16:creationId xmlns:a16="http://schemas.microsoft.com/office/drawing/2014/main" id="{82578EC4-C745-2E0E-4322-E491ACD714CE}"/>
+              </a:ext>
+            </a:extLst>
+          </p:cNvPr>
+          <p:cNvPicPr>
+            <a:picLocks noChangeAspect="1"/>
+          </p:cNvPicPr>
+          <p:nvPr/>
+        </p:nvPicPr>
+        <p:blipFill>
+          <a:blip r:embed="rId9">
+            <a:extLst>
+              <a:ext uri="{96DAC541-7B7A-43D3-8B79-37D633B846F1}">
+                <asvg:svgBlip xmlns:asvg="http://schemas.microsoft.com/office/drawing/2016/SVG/main" r:embed="rId10"/>
+              </a:ext>
+            </a:extLst>
+          </a:blip>
+          <a:stretch>
+            <a:fillRect/>
+          </a:stretch>
+        </p:blipFill>
+        <p:spPr>
+          <a:xfrm>
+            <a:off x="1073398" y="5641336"/>
+            <a:ext cx="552203" cy="552203"/>
+          </a:xfrm>
+          <a:prstGeom prst="rect">
+            <a:avLst/>
+          </a:prstGeom>
+        </p:spPr>
+      </p:pic>
     </p:spTree>
     <p:extLst>
       <p:ext uri="{BB962C8B-B14F-4D97-AF65-F5344CB8AC3E}">
         <p14:creationId xmlns:p14="http://schemas.microsoft.com/office/powerpoint/2010/main" val="953610781"/>
+      </p:ext>
+    </p:extLst>
+  </p:cSld>
+  <p:clrMapOvr>
+    <a:masterClrMapping/>
+  </p:clrMapOvr>
+</p:sld>
+</file>
+
+<file path=ppt/slides/slide3.xml><?xml version="1.0" encoding="utf-8"?>
+<p:sld xmlns:a="http://schemas.openxmlformats.org/drawingml/2006/main" xmlns:r="http://schemas.openxmlformats.org/officeDocument/2006/relationships" xmlns:p="http://schemas.openxmlformats.org/presentationml/2006/main">
+  <p:cSld>
+    <p:spTree>
+      <p:nvGrpSpPr>
+        <p:cNvPr id="1" name=""/>
+        <p:cNvGrpSpPr/>
+        <p:nvPr/>
+      </p:nvGrpSpPr>
+      <p:grpSpPr>
+        <a:xfrm>
+          <a:off x="0" y="0"/>
+          <a:ext cx="0" cy="0"/>
+          <a:chOff x="0" y="0"/>
+          <a:chExt cx="0" cy="0"/>
+        </a:xfrm>
+      </p:grpSpPr>
+      <p:sp>
+        <p:nvSpPr>
+          <p:cNvPr id="2" name="Title 1">
+            <a:extLst>
+              <a:ext uri="{FF2B5EF4-FFF2-40B4-BE49-F238E27FC236}">
+                <a16:creationId xmlns:a16="http://schemas.microsoft.com/office/drawing/2014/main" id="{247CE6F0-EEA5-7DD8-EBF8-EBE13B983F8C}"/>
+              </a:ext>
+            </a:extLst>
+          </p:cNvPr>
+          <p:cNvSpPr>
+            <a:spLocks noGrp="1"/>
+          </p:cNvSpPr>
+          <p:nvPr>
+            <p:ph type="title"/>
+          </p:nvPr>
+        </p:nvSpPr>
+        <p:spPr/>
+        <p:txBody>
+          <a:bodyPr/>
+          <a:lstStyle/>
+          <a:p>
+            <a:r>
+              <a:rPr lang="en-US" dirty="0"/>
+              <a:t>What is Machine Learning?</a:t>
+            </a:r>
+          </a:p>
+        </p:txBody>
+      </p:sp>
+      <p:sp>
+        <p:nvSpPr>
+          <p:cNvPr id="4" name="Content Placeholder 3">
+            <a:extLst>
+              <a:ext uri="{FF2B5EF4-FFF2-40B4-BE49-F238E27FC236}">
+                <a16:creationId xmlns:a16="http://schemas.microsoft.com/office/drawing/2014/main" id="{F89B2F89-9377-A3FA-6EEF-F26A5B7CAF8F}"/>
+              </a:ext>
+            </a:extLst>
+          </p:cNvPr>
+          <p:cNvSpPr>
+            <a:spLocks noGrp="1"/>
+          </p:cNvSpPr>
+          <p:nvPr>
+            <p:ph sz="half" idx="1"/>
+          </p:nvPr>
+        </p:nvSpPr>
+        <p:spPr/>
+        <p:txBody>
+          <a:bodyPr/>
+          <a:lstStyle/>
+          <a:p>
+            <a:r>
+              <a:rPr lang="en-US" sz="3200" dirty="0"/>
+              <a:t>Sub-field of Artificial Intelligence</a:t>
+            </a:r>
+          </a:p>
+          <a:p>
+            <a:endParaRPr lang="en-US" dirty="0"/>
+          </a:p>
+        </p:txBody>
+      </p:sp>
+      <p:sp>
+        <p:nvSpPr>
+          <p:cNvPr id="5" name="Content Placeholder 4">
+            <a:extLst>
+              <a:ext uri="{FF2B5EF4-FFF2-40B4-BE49-F238E27FC236}">
+                <a16:creationId xmlns:a16="http://schemas.microsoft.com/office/drawing/2014/main" id="{4A7FF353-41D1-AA0D-CE4B-2AC6E44752BD}"/>
+              </a:ext>
+            </a:extLst>
+          </p:cNvPr>
+          <p:cNvSpPr>
+            <a:spLocks noGrp="1"/>
+          </p:cNvSpPr>
+          <p:nvPr>
+            <p:ph sz="half" idx="2"/>
+          </p:nvPr>
+        </p:nvSpPr>
+        <p:spPr/>
+        <p:txBody>
+          <a:bodyPr/>
+          <a:lstStyle/>
+          <a:p>
+            <a:pPr marL="0" indent="0">
+              <a:buNone/>
+            </a:pPr>
+            <a:endParaRPr lang="en-US" dirty="0"/>
+          </a:p>
+        </p:txBody>
+      </p:sp>
+    </p:spTree>
+    <p:extLst>
+      <p:ext uri="{BB962C8B-B14F-4D97-AF65-F5344CB8AC3E}">
+        <p14:creationId xmlns:p14="http://schemas.microsoft.com/office/powerpoint/2010/main" val="2372539012"/>
+      </p:ext>
+    </p:extLst>
+  </p:cSld>
+  <p:clrMapOvr>
+    <a:masterClrMapping/>
+  </p:clrMapOvr>
+</p:sld>
+</file>
+
+<file path=ppt/slides/slide4.xml><?xml version="1.0" encoding="utf-8"?>
+<p:sld xmlns:a="http://schemas.openxmlformats.org/drawingml/2006/main" xmlns:r="http://schemas.openxmlformats.org/officeDocument/2006/relationships" xmlns:p="http://schemas.openxmlformats.org/presentationml/2006/main">
+  <p:cSld>
+    <p:spTree>
+      <p:nvGrpSpPr>
+        <p:cNvPr id="1" name=""/>
+        <p:cNvGrpSpPr/>
+        <p:nvPr/>
+      </p:nvGrpSpPr>
+      <p:grpSpPr>
+        <a:xfrm>
+          <a:off x="0" y="0"/>
+          <a:ext cx="0" cy="0"/>
+          <a:chOff x="0" y="0"/>
+          <a:chExt cx="0" cy="0"/>
+        </a:xfrm>
+      </p:grpSpPr>
+      <p:sp>
+        <p:nvSpPr>
+          <p:cNvPr id="5" name="Title 4">
+            <a:extLst>
+              <a:ext uri="{FF2B5EF4-FFF2-40B4-BE49-F238E27FC236}">
+                <a16:creationId xmlns:a16="http://schemas.microsoft.com/office/drawing/2014/main" id="{1898E551-B940-8936-16F4-9A4C98F75F3C}"/>
+              </a:ext>
+            </a:extLst>
+          </p:cNvPr>
+          <p:cNvSpPr>
+            <a:spLocks noGrp="1"/>
+          </p:cNvSpPr>
+          <p:nvPr>
+            <p:ph type="title"/>
+          </p:nvPr>
+        </p:nvSpPr>
+        <p:spPr/>
+        <p:txBody>
+          <a:bodyPr/>
+          <a:lstStyle/>
+          <a:p>
+            <a:r>
+              <a:rPr lang="en-US" dirty="0"/>
+              <a:t>Models Are Not Perfect</a:t>
+            </a:r>
+          </a:p>
+        </p:txBody>
+      </p:sp>
+      <p:sp>
+        <p:nvSpPr>
+          <p:cNvPr id="6" name="Content Placeholder 5">
+            <a:extLst>
+              <a:ext uri="{FF2B5EF4-FFF2-40B4-BE49-F238E27FC236}">
+                <a16:creationId xmlns:a16="http://schemas.microsoft.com/office/drawing/2014/main" id="{2F73ED38-FBED-FB0E-5992-14BAFDADAC06}"/>
+              </a:ext>
+            </a:extLst>
+          </p:cNvPr>
+          <p:cNvSpPr>
+            <a:spLocks noGrp="1"/>
+          </p:cNvSpPr>
+          <p:nvPr>
+            <p:ph idx="1"/>
+          </p:nvPr>
+        </p:nvSpPr>
+        <p:spPr/>
+        <p:txBody>
+          <a:bodyPr>
+            <a:normAutofit/>
+          </a:bodyPr>
+          <a:lstStyle/>
+          <a:p>
+            <a:endParaRPr lang="en-US" sz="3200" dirty="0"/>
+          </a:p>
+        </p:txBody>
+      </p:sp>
+    </p:spTree>
+    <p:extLst>
+      <p:ext uri="{BB962C8B-B14F-4D97-AF65-F5344CB8AC3E}">
+        <p14:creationId xmlns:p14="http://schemas.microsoft.com/office/powerpoint/2010/main" val="1537847009"/>
+      </p:ext>
+    </p:extLst>
+  </p:cSld>
+  <p:clrMapOvr>
+    <a:masterClrMapping/>
+  </p:clrMapOvr>
+</p:sld>
+</file>
+
+<file path=ppt/slides/slide5.xml><?xml version="1.0" encoding="utf-8"?>
+<p:sld xmlns:a="http://schemas.openxmlformats.org/drawingml/2006/main" xmlns:r="http://schemas.openxmlformats.org/officeDocument/2006/relationships" xmlns:p="http://schemas.openxmlformats.org/presentationml/2006/main">
+  <p:cSld>
+    <p:spTree>
+      <p:nvGrpSpPr>
+        <p:cNvPr id="1" name=""/>
+        <p:cNvGrpSpPr/>
+        <p:nvPr/>
+      </p:nvGrpSpPr>
+      <p:grpSpPr>
+        <a:xfrm>
+          <a:off x="0" y="0"/>
+          <a:ext cx="0" cy="0"/>
+          <a:chOff x="0" y="0"/>
+          <a:chExt cx="0" cy="0"/>
+        </a:xfrm>
+      </p:grpSpPr>
+      <p:sp>
+        <p:nvSpPr>
+          <p:cNvPr id="4" name="Title 3">
+            <a:extLst>
+              <a:ext uri="{FF2B5EF4-FFF2-40B4-BE49-F238E27FC236}">
+                <a16:creationId xmlns:a16="http://schemas.microsoft.com/office/drawing/2014/main" id="{65DD1C17-F621-5BF4-1BF3-126EC100E39A}"/>
+              </a:ext>
+            </a:extLst>
+          </p:cNvPr>
+          <p:cNvSpPr>
+            <a:spLocks noGrp="1"/>
+          </p:cNvSpPr>
+          <p:nvPr>
+            <p:ph type="title"/>
+          </p:nvPr>
+        </p:nvSpPr>
+        <p:spPr/>
+        <p:txBody>
+          <a:bodyPr/>
+          <a:lstStyle/>
+          <a:p>
+            <a:r>
+              <a:rPr lang="en-US" dirty="0"/>
+              <a:t>The Growth of Explainable AI</a:t>
+            </a:r>
+          </a:p>
+        </p:txBody>
+      </p:sp>
+      <p:sp>
+        <p:nvSpPr>
+          <p:cNvPr id="7" name="Content Placeholder 6">
+            <a:extLst>
+              <a:ext uri="{FF2B5EF4-FFF2-40B4-BE49-F238E27FC236}">
+                <a16:creationId xmlns:a16="http://schemas.microsoft.com/office/drawing/2014/main" id="{72C30A44-F315-685B-F96E-32B64F667093}"/>
+              </a:ext>
+            </a:extLst>
+          </p:cNvPr>
+          <p:cNvSpPr>
+            <a:spLocks noGrp="1"/>
+          </p:cNvSpPr>
+          <p:nvPr>
+            <p:ph idx="1"/>
+          </p:nvPr>
+        </p:nvSpPr>
+        <p:spPr/>
+        <p:txBody>
+          <a:bodyPr>
+            <a:normAutofit/>
+          </a:bodyPr>
+          <a:lstStyle/>
+          <a:p>
+            <a:endParaRPr lang="en-US" sz="3200" dirty="0"/>
+          </a:p>
+        </p:txBody>
+      </p:sp>
+    </p:spTree>
+    <p:extLst>
+      <p:ext uri="{BB962C8B-B14F-4D97-AF65-F5344CB8AC3E}">
+        <p14:creationId xmlns:p14="http://schemas.microsoft.com/office/powerpoint/2010/main" val="1243274614"/>
+      </p:ext>
+    </p:extLst>
+  </p:cSld>
+  <p:clrMapOvr>
+    <a:masterClrMapping/>
+  </p:clrMapOvr>
+</p:sld>
+</file>
+
+<file path=ppt/slides/slide6.xml><?xml version="1.0" encoding="utf-8"?>
+<p:sld xmlns:a="http://schemas.openxmlformats.org/drawingml/2006/main" xmlns:r="http://schemas.openxmlformats.org/officeDocument/2006/relationships" xmlns:p="http://schemas.openxmlformats.org/presentationml/2006/main">
+  <p:cSld>
+    <p:spTree>
+      <p:nvGrpSpPr>
+        <p:cNvPr id="1" name=""/>
+        <p:cNvGrpSpPr/>
+        <p:nvPr/>
+      </p:nvGrpSpPr>
+      <p:grpSpPr>
+        <a:xfrm>
+          <a:off x="0" y="0"/>
+          <a:ext cx="0" cy="0"/>
+          <a:chOff x="0" y="0"/>
+          <a:chExt cx="0" cy="0"/>
+        </a:xfrm>
+      </p:grpSpPr>
+      <p:sp>
+        <p:nvSpPr>
+          <p:cNvPr id="2" name="Title 1">
+            <a:extLst>
+              <a:ext uri="{FF2B5EF4-FFF2-40B4-BE49-F238E27FC236}">
+                <a16:creationId xmlns:a16="http://schemas.microsoft.com/office/drawing/2014/main" id="{5F91916B-12BD-C9BC-41CF-9A6EC856E2D9}"/>
+              </a:ext>
+            </a:extLst>
+          </p:cNvPr>
+          <p:cNvSpPr>
+            <a:spLocks noGrp="1"/>
+          </p:cNvSpPr>
+          <p:nvPr>
+            <p:ph type="title"/>
+          </p:nvPr>
+        </p:nvSpPr>
+        <p:spPr/>
+        <p:txBody>
+          <a:bodyPr/>
+          <a:lstStyle/>
+          <a:p>
+            <a:r>
+              <a:rPr lang="en-US" dirty="0"/>
+              <a:t>Beneficiaries of XAI</a:t>
+            </a:r>
+          </a:p>
+        </p:txBody>
+      </p:sp>
+      <p:sp>
+        <p:nvSpPr>
+          <p:cNvPr id="3" name="Content Placeholder 2">
+            <a:extLst>
+              <a:ext uri="{FF2B5EF4-FFF2-40B4-BE49-F238E27FC236}">
+                <a16:creationId xmlns:a16="http://schemas.microsoft.com/office/drawing/2014/main" id="{444743BF-497D-3722-4A84-E4692F8B2AE6}"/>
+              </a:ext>
+            </a:extLst>
+          </p:cNvPr>
+          <p:cNvSpPr>
+            <a:spLocks noGrp="1"/>
+          </p:cNvSpPr>
+          <p:nvPr>
+            <p:ph idx="1"/>
+          </p:nvPr>
+        </p:nvSpPr>
+        <p:spPr/>
+        <p:txBody>
+          <a:bodyPr>
+            <a:normAutofit/>
+          </a:bodyPr>
+          <a:lstStyle/>
+          <a:p>
+            <a:endParaRPr lang="en-US" sz="3200" dirty="0"/>
+          </a:p>
+        </p:txBody>
+      </p:sp>
+    </p:spTree>
+    <p:extLst>
+      <p:ext uri="{BB962C8B-B14F-4D97-AF65-F5344CB8AC3E}">
+        <p14:creationId xmlns:p14="http://schemas.microsoft.com/office/powerpoint/2010/main" val="212891757"/>
+      </p:ext>
+    </p:extLst>
+  </p:cSld>
+  <p:clrMapOvr>
+    <a:masterClrMapping/>
+  </p:clrMapOvr>
+</p:sld>
+</file>
+
+<file path=ppt/slides/slide7.xml><?xml version="1.0" encoding="utf-8"?>
+<p:sld xmlns:a="http://schemas.openxmlformats.org/drawingml/2006/main" xmlns:r="http://schemas.openxmlformats.org/officeDocument/2006/relationships" xmlns:p="http://schemas.openxmlformats.org/presentationml/2006/main">
+  <p:cSld>
+    <p:spTree>
+      <p:nvGrpSpPr>
+        <p:cNvPr id="1" name=""/>
+        <p:cNvGrpSpPr/>
+        <p:nvPr/>
+      </p:nvGrpSpPr>
+      <p:grpSpPr>
+        <a:xfrm>
+          <a:off x="0" y="0"/>
+          <a:ext cx="0" cy="0"/>
+          <a:chOff x="0" y="0"/>
+          <a:chExt cx="0" cy="0"/>
+        </a:xfrm>
+      </p:grpSpPr>
+      <p:sp>
+        <p:nvSpPr>
+          <p:cNvPr id="2" name="Title 1">
+            <a:extLst>
+              <a:ext uri="{FF2B5EF4-FFF2-40B4-BE49-F238E27FC236}">
+                <a16:creationId xmlns:a16="http://schemas.microsoft.com/office/drawing/2014/main" id="{9AEFB33A-1E82-7D43-DA22-C979538ED8F6}"/>
+              </a:ext>
+            </a:extLst>
+          </p:cNvPr>
+          <p:cNvSpPr>
+            <a:spLocks noGrp="1"/>
+          </p:cNvSpPr>
+          <p:nvPr>
+            <p:ph type="title"/>
+          </p:nvPr>
+        </p:nvSpPr>
+        <p:spPr/>
+        <p:txBody>
+          <a:bodyPr/>
+          <a:lstStyle/>
+          <a:p>
+            <a:r>
+              <a:rPr lang="en-US" dirty="0"/>
+              <a:t>XAI </a:t>
+            </a:r>
+            <a:r>
+              <a:rPr lang="en-GB" dirty="0"/>
+              <a:t>Flavours</a:t>
+            </a:r>
+          </a:p>
+        </p:txBody>
+      </p:sp>
+      <p:sp>
+        <p:nvSpPr>
+          <p:cNvPr id="3" name="Content Placeholder 2">
+            <a:extLst>
+              <a:ext uri="{FF2B5EF4-FFF2-40B4-BE49-F238E27FC236}">
+                <a16:creationId xmlns:a16="http://schemas.microsoft.com/office/drawing/2014/main" id="{01845DA4-D9AF-2404-7F7C-3244BE18AB83}"/>
+              </a:ext>
+            </a:extLst>
+          </p:cNvPr>
+          <p:cNvSpPr>
+            <a:spLocks noGrp="1"/>
+          </p:cNvSpPr>
+          <p:nvPr>
+            <p:ph sz="half" idx="1"/>
+          </p:nvPr>
+        </p:nvSpPr>
+        <p:spPr/>
+        <p:txBody>
+          <a:bodyPr>
+            <a:normAutofit/>
+          </a:bodyPr>
+          <a:lstStyle/>
+          <a:p>
+            <a:pPr marL="0" indent="0">
+              <a:buNone/>
+            </a:pPr>
+            <a:r>
+              <a:rPr lang="en-US" sz="3200" dirty="0"/>
+              <a:t>Interpretability</a:t>
+            </a:r>
+          </a:p>
+        </p:txBody>
+      </p:sp>
+      <p:sp>
+        <p:nvSpPr>
+          <p:cNvPr id="4" name="Content Placeholder 3">
+            <a:extLst>
+              <a:ext uri="{FF2B5EF4-FFF2-40B4-BE49-F238E27FC236}">
+                <a16:creationId xmlns:a16="http://schemas.microsoft.com/office/drawing/2014/main" id="{44032628-4806-A002-D922-F3859D9F1F64}"/>
+              </a:ext>
+            </a:extLst>
+          </p:cNvPr>
+          <p:cNvSpPr>
+            <a:spLocks noGrp="1"/>
+          </p:cNvSpPr>
+          <p:nvPr>
+            <p:ph sz="half" idx="2"/>
+          </p:nvPr>
+        </p:nvSpPr>
+        <p:spPr/>
+        <p:txBody>
+          <a:bodyPr>
+            <a:normAutofit/>
+          </a:bodyPr>
+          <a:lstStyle/>
+          <a:p>
+            <a:pPr marL="0" indent="0">
+              <a:buNone/>
+            </a:pPr>
+            <a:r>
+              <a:rPr lang="en-US" sz="3200" dirty="0"/>
+              <a:t>Explainability</a:t>
+            </a:r>
+          </a:p>
+        </p:txBody>
+      </p:sp>
+    </p:spTree>
+    <p:extLst>
+      <p:ext uri="{BB962C8B-B14F-4D97-AF65-F5344CB8AC3E}">
+        <p14:creationId xmlns:p14="http://schemas.microsoft.com/office/powerpoint/2010/main" val="4108920408"/>
       </p:ext>
     </p:extLst>
   </p:cSld>

--- a/Why We Must Ask Why of Machine Learning.pptx
+++ b/Why We Must Ask Why of Machine Learning.pptx
@@ -288,7 +288,7 @@
           <a:p>
             <a:fld id="{48A87A34-81AB-432B-8DAE-1953F412C126}" type="datetimeFigureOut">
               <a:rPr lang="en-US" dirty="0"/>
-              <a:t>3/23/23</a:t>
+              <a:t>4/1/2023</a:t>
             </a:fld>
             <a:endParaRPr lang="en-US" dirty="0"/>
           </a:p>
@@ -550,7 +550,7 @@
           <a:p>
             <a:fld id="{48A87A34-81AB-432B-8DAE-1953F412C126}" type="datetimeFigureOut">
               <a:rPr lang="en-US" dirty="0"/>
-              <a:t>3/23/23</a:t>
+              <a:t>4/1/2023</a:t>
             </a:fld>
             <a:endParaRPr lang="en-US" dirty="0"/>
           </a:p>
@@ -777,7 +777,7 @@
             <a:fld id="{48A87A34-81AB-432B-8DAE-1953F412C126}" type="datetimeFigureOut">
               <a:rPr lang="en-US" dirty="0"/>
               <a:pPr/>
-              <a:t>3/23/23</a:t>
+              <a:t>4/1/2023</a:t>
             </a:fld>
             <a:endParaRPr lang="en-US" dirty="0"/>
           </a:p>
@@ -1083,7 +1083,7 @@
             <a:fld id="{48A87A34-81AB-432B-8DAE-1953F412C126}" type="datetimeFigureOut">
               <a:rPr lang="en-US" dirty="0"/>
               <a:pPr/>
-              <a:t>3/23/23</a:t>
+              <a:t>4/1/2023</a:t>
             </a:fld>
             <a:endParaRPr lang="en-US" dirty="0"/>
           </a:p>
@@ -1552,7 +1552,7 @@
             <a:fld id="{48A87A34-81AB-432B-8DAE-1953F412C126}" type="datetimeFigureOut">
               <a:rPr lang="en-US" dirty="0"/>
               <a:pPr/>
-              <a:t>3/23/23</a:t>
+              <a:t>4/1/2023</a:t>
             </a:fld>
             <a:endParaRPr lang="en-US" dirty="0"/>
           </a:p>
@@ -2094,7 +2094,7 @@
           <a:p>
             <a:fld id="{48A87A34-81AB-432B-8DAE-1953F412C126}" type="datetimeFigureOut">
               <a:rPr lang="en-US" dirty="0"/>
-              <a:t>3/23/23</a:t>
+              <a:t>4/1/2023</a:t>
             </a:fld>
             <a:endParaRPr lang="en-US" dirty="0"/>
           </a:p>
@@ -2863,7 +2863,7 @@
           <a:p>
             <a:fld id="{48A87A34-81AB-432B-8DAE-1953F412C126}" type="datetimeFigureOut">
               <a:rPr lang="en-US" dirty="0"/>
-              <a:t>3/23/23</a:t>
+              <a:t>4/1/2023</a:t>
             </a:fld>
             <a:endParaRPr lang="en-US" dirty="0"/>
           </a:p>
@@ -3033,7 +3033,7 @@
           <a:p>
             <a:fld id="{48A87A34-81AB-432B-8DAE-1953F412C126}" type="datetimeFigureOut">
               <a:rPr lang="en-US" dirty="0"/>
-              <a:t>3/23/23</a:t>
+              <a:t>4/1/2023</a:t>
             </a:fld>
             <a:endParaRPr lang="en-US" dirty="0"/>
           </a:p>
@@ -3252,7 +3252,7 @@
             <a:fld id="{48A87A34-81AB-432B-8DAE-1953F412C126}" type="datetimeFigureOut">
               <a:rPr lang="en-US" dirty="0"/>
               <a:pPr/>
-              <a:t>3/23/23</a:t>
+              <a:t>4/1/2023</a:t>
             </a:fld>
             <a:endParaRPr lang="en-US" dirty="0"/>
           </a:p>
@@ -3427,7 +3427,7 @@
           <a:p>
             <a:fld id="{48A87A34-81AB-432B-8DAE-1953F412C126}" type="datetimeFigureOut">
               <a:rPr lang="en-US" dirty="0"/>
-              <a:t>3/23/23</a:t>
+              <a:t>4/1/2023</a:t>
             </a:fld>
             <a:endParaRPr lang="en-US" dirty="0"/>
           </a:p>
@@ -3712,7 +3712,7 @@
             <a:fld id="{48A87A34-81AB-432B-8DAE-1953F412C126}" type="datetimeFigureOut">
               <a:rPr lang="en-US" dirty="0"/>
               <a:pPr/>
-              <a:t>3/23/23</a:t>
+              <a:t>4/1/2023</a:t>
             </a:fld>
             <a:endParaRPr lang="en-US" dirty="0"/>
           </a:p>
@@ -3949,7 +3949,7 @@
           <a:p>
             <a:fld id="{48A87A34-81AB-432B-8DAE-1953F412C126}" type="datetimeFigureOut">
               <a:rPr lang="en-US" dirty="0"/>
-              <a:t>3/23/23</a:t>
+              <a:t>4/1/2023</a:t>
             </a:fld>
             <a:endParaRPr lang="en-US" dirty="0"/>
           </a:p>
@@ -4323,7 +4323,7 @@
           <a:p>
             <a:fld id="{48A87A34-81AB-432B-8DAE-1953F412C126}" type="datetimeFigureOut">
               <a:rPr lang="en-US" dirty="0"/>
-              <a:t>3/23/23</a:t>
+              <a:t>4/1/2023</a:t>
             </a:fld>
             <a:endParaRPr lang="en-US" dirty="0"/>
           </a:p>
@@ -4436,7 +4436,7 @@
           <a:p>
             <a:fld id="{48A87A34-81AB-432B-8DAE-1953F412C126}" type="datetimeFigureOut">
               <a:rPr lang="en-US" dirty="0"/>
-              <a:t>3/23/23</a:t>
+              <a:t>4/1/2023</a:t>
             </a:fld>
             <a:endParaRPr lang="en-US" dirty="0"/>
           </a:p>
@@ -4526,7 +4526,7 @@
           <a:p>
             <a:fld id="{48A87A34-81AB-432B-8DAE-1953F412C126}" type="datetimeFigureOut">
               <a:rPr lang="en-US" dirty="0"/>
-              <a:t>3/23/23</a:t>
+              <a:t>4/1/2023</a:t>
             </a:fld>
             <a:endParaRPr lang="en-US" dirty="0"/>
           </a:p>
@@ -4770,7 +4770,7 @@
           <a:p>
             <a:fld id="{48A87A34-81AB-432B-8DAE-1953F412C126}" type="datetimeFigureOut">
               <a:rPr lang="en-US" dirty="0"/>
-              <a:t>3/23/23</a:t>
+              <a:t>4/1/2023</a:t>
             </a:fld>
             <a:endParaRPr lang="en-US" dirty="0"/>
           </a:p>
@@ -5022,7 +5022,7 @@
           <a:p>
             <a:fld id="{48A87A34-81AB-432B-8DAE-1953F412C126}" type="datetimeFigureOut">
               <a:rPr lang="en-US" dirty="0"/>
-              <a:t>3/23/23</a:t>
+              <a:t>4/1/2023</a:t>
             </a:fld>
             <a:endParaRPr lang="en-US" dirty="0"/>
           </a:p>
@@ -5261,7 +5261,7 @@
             <a:fld id="{48A87A34-81AB-432B-8DAE-1953F412C126}" type="datetimeFigureOut">
               <a:rPr lang="en-US" dirty="0"/>
               <a:pPr/>
-              <a:t>3/23/23</a:t>
+              <a:t>4/1/2023</a:t>
             </a:fld>
             <a:endParaRPr lang="en-US" dirty="0"/>
           </a:p>

--- a/Why We Must Ask Why of Machine Learning.pptx
+++ b/Why We Must Ask Why of Machine Learning.pptx
@@ -4,6 +4,9 @@
   <p:sldMasterIdLst>
     <p:sldMasterId id="2147483648" r:id="rId1"/>
   </p:sldMasterIdLst>
+  <p:notesMasterIdLst>
+    <p:notesMasterId r:id="rId10"/>
+  </p:notesMasterIdLst>
   <p:sldIdLst>
     <p:sldId id="256" r:id="rId2"/>
     <p:sldId id="257" r:id="rId3"/>
@@ -12,6 +15,7 @@
     <p:sldId id="260" r:id="rId6"/>
     <p:sldId id="262" r:id="rId7"/>
     <p:sldId id="261" r:id="rId8"/>
+    <p:sldId id="263" r:id="rId9"/>
   </p:sldIdLst>
   <p:sldSz cx="12192000" cy="6858000"/>
   <p:notesSz cx="6858000" cy="9144000"/>
@@ -118,6 +122,524 @@
 </p:presentation>
 </file>
 
+<file path=ppt/notesMasters/notesMaster1.xml><?xml version="1.0" encoding="utf-8"?>
+<p:notesMaster xmlns:a="http://schemas.openxmlformats.org/drawingml/2006/main" xmlns:r="http://schemas.openxmlformats.org/officeDocument/2006/relationships" xmlns:p="http://schemas.openxmlformats.org/presentationml/2006/main">
+  <p:cSld>
+    <p:bg>
+      <p:bgRef idx="1001">
+        <a:schemeClr val="bg1"/>
+      </p:bgRef>
+    </p:bg>
+    <p:spTree>
+      <p:nvGrpSpPr>
+        <p:cNvPr id="1" name=""/>
+        <p:cNvGrpSpPr/>
+        <p:nvPr/>
+      </p:nvGrpSpPr>
+      <p:grpSpPr>
+        <a:xfrm>
+          <a:off x="0" y="0"/>
+          <a:ext cx="0" cy="0"/>
+          <a:chOff x="0" y="0"/>
+          <a:chExt cx="0" cy="0"/>
+        </a:xfrm>
+      </p:grpSpPr>
+      <p:sp>
+        <p:nvSpPr>
+          <p:cNvPr id="2" name="Header Placeholder 1"/>
+          <p:cNvSpPr>
+            <a:spLocks noGrp="1"/>
+          </p:cNvSpPr>
+          <p:nvPr>
+            <p:ph type="hdr" sz="quarter"/>
+          </p:nvPr>
+        </p:nvSpPr>
+        <p:spPr>
+          <a:xfrm>
+            <a:off x="0" y="0"/>
+            <a:ext cx="2971800" cy="458788"/>
+          </a:xfrm>
+          <a:prstGeom prst="rect">
+            <a:avLst/>
+          </a:prstGeom>
+        </p:spPr>
+        <p:txBody>
+          <a:bodyPr vert="horz" lIns="91440" tIns="45720" rIns="91440" bIns="45720" rtlCol="0"/>
+          <a:lstStyle>
+            <a:lvl1pPr algn="l">
+              <a:defRPr sz="1200"/>
+            </a:lvl1pPr>
+          </a:lstStyle>
+          <a:p>
+            <a:endParaRPr lang="en-GB"/>
+          </a:p>
+        </p:txBody>
+      </p:sp>
+      <p:sp>
+        <p:nvSpPr>
+          <p:cNvPr id="3" name="Date Placeholder 2"/>
+          <p:cNvSpPr>
+            <a:spLocks noGrp="1"/>
+          </p:cNvSpPr>
+          <p:nvPr>
+            <p:ph type="dt" idx="1"/>
+          </p:nvPr>
+        </p:nvSpPr>
+        <p:spPr>
+          <a:xfrm>
+            <a:off x="3884613" y="0"/>
+            <a:ext cx="2971800" cy="458788"/>
+          </a:xfrm>
+          <a:prstGeom prst="rect">
+            <a:avLst/>
+          </a:prstGeom>
+        </p:spPr>
+        <p:txBody>
+          <a:bodyPr vert="horz" lIns="91440" tIns="45720" rIns="91440" bIns="45720" rtlCol="0"/>
+          <a:lstStyle>
+            <a:lvl1pPr algn="r">
+              <a:defRPr sz="1200"/>
+            </a:lvl1pPr>
+          </a:lstStyle>
+          <a:p>
+            <a:fld id="{43B43CC5-0823-464A-8C91-20023191DC16}" type="datetimeFigureOut">
+              <a:rPr lang="en-GB" smtClean="0"/>
+              <a:t>02/04/2023</a:t>
+            </a:fld>
+            <a:endParaRPr lang="en-GB"/>
+          </a:p>
+        </p:txBody>
+      </p:sp>
+      <p:sp>
+        <p:nvSpPr>
+          <p:cNvPr id="4" name="Slide Image Placeholder 3"/>
+          <p:cNvSpPr>
+            <a:spLocks noGrp="1" noRot="1" noChangeAspect="1"/>
+          </p:cNvSpPr>
+          <p:nvPr>
+            <p:ph type="sldImg" idx="2"/>
+          </p:nvPr>
+        </p:nvSpPr>
+        <p:spPr>
+          <a:xfrm>
+            <a:off x="685800" y="1143000"/>
+            <a:ext cx="5486400" cy="3086100"/>
+          </a:xfrm>
+          <a:prstGeom prst="rect">
+            <a:avLst/>
+          </a:prstGeom>
+          <a:noFill/>
+          <a:ln w="12700">
+            <a:solidFill>
+              <a:prstClr val="black"/>
+            </a:solidFill>
+          </a:ln>
+        </p:spPr>
+        <p:txBody>
+          <a:bodyPr vert="horz" lIns="91440" tIns="45720" rIns="91440" bIns="45720" rtlCol="0" anchor="ctr"/>
+          <a:lstStyle/>
+          <a:p>
+            <a:endParaRPr lang="en-GB"/>
+          </a:p>
+        </p:txBody>
+      </p:sp>
+      <p:sp>
+        <p:nvSpPr>
+          <p:cNvPr id="5" name="Notes Placeholder 4"/>
+          <p:cNvSpPr>
+            <a:spLocks noGrp="1"/>
+          </p:cNvSpPr>
+          <p:nvPr>
+            <p:ph type="body" sz="quarter" idx="3"/>
+          </p:nvPr>
+        </p:nvSpPr>
+        <p:spPr>
+          <a:xfrm>
+            <a:off x="685800" y="4400550"/>
+            <a:ext cx="5486400" cy="3600450"/>
+          </a:xfrm>
+          <a:prstGeom prst="rect">
+            <a:avLst/>
+          </a:prstGeom>
+        </p:spPr>
+        <p:txBody>
+          <a:bodyPr vert="horz" lIns="91440" tIns="45720" rIns="91440" bIns="45720" rtlCol="0"/>
+          <a:lstStyle/>
+          <a:p>
+            <a:pPr lvl="0"/>
+            <a:r>
+              <a:rPr lang="en-US"/>
+              <a:t>Click to edit Master text styles</a:t>
+            </a:r>
+          </a:p>
+          <a:p>
+            <a:pPr lvl="1"/>
+            <a:r>
+              <a:rPr lang="en-US"/>
+              <a:t>Second level</a:t>
+            </a:r>
+          </a:p>
+          <a:p>
+            <a:pPr lvl="2"/>
+            <a:r>
+              <a:rPr lang="en-US"/>
+              <a:t>Third level</a:t>
+            </a:r>
+          </a:p>
+          <a:p>
+            <a:pPr lvl="3"/>
+            <a:r>
+              <a:rPr lang="en-US"/>
+              <a:t>Fourth level</a:t>
+            </a:r>
+          </a:p>
+          <a:p>
+            <a:pPr lvl="4"/>
+            <a:r>
+              <a:rPr lang="en-US"/>
+              <a:t>Fifth level</a:t>
+            </a:r>
+            <a:endParaRPr lang="en-GB"/>
+          </a:p>
+        </p:txBody>
+      </p:sp>
+      <p:sp>
+        <p:nvSpPr>
+          <p:cNvPr id="6" name="Footer Placeholder 5"/>
+          <p:cNvSpPr>
+            <a:spLocks noGrp="1"/>
+          </p:cNvSpPr>
+          <p:nvPr>
+            <p:ph type="ftr" sz="quarter" idx="4"/>
+          </p:nvPr>
+        </p:nvSpPr>
+        <p:spPr>
+          <a:xfrm>
+            <a:off x="0" y="8685213"/>
+            <a:ext cx="2971800" cy="458787"/>
+          </a:xfrm>
+          <a:prstGeom prst="rect">
+            <a:avLst/>
+          </a:prstGeom>
+        </p:spPr>
+        <p:txBody>
+          <a:bodyPr vert="horz" lIns="91440" tIns="45720" rIns="91440" bIns="45720" rtlCol="0" anchor="b"/>
+          <a:lstStyle>
+            <a:lvl1pPr algn="l">
+              <a:defRPr sz="1200"/>
+            </a:lvl1pPr>
+          </a:lstStyle>
+          <a:p>
+            <a:endParaRPr lang="en-GB"/>
+          </a:p>
+        </p:txBody>
+      </p:sp>
+      <p:sp>
+        <p:nvSpPr>
+          <p:cNvPr id="7" name="Slide Number Placeholder 6"/>
+          <p:cNvSpPr>
+            <a:spLocks noGrp="1"/>
+          </p:cNvSpPr>
+          <p:nvPr>
+            <p:ph type="sldNum" sz="quarter" idx="5"/>
+          </p:nvPr>
+        </p:nvSpPr>
+        <p:spPr>
+          <a:xfrm>
+            <a:off x="3884613" y="8685213"/>
+            <a:ext cx="2971800" cy="458787"/>
+          </a:xfrm>
+          <a:prstGeom prst="rect">
+            <a:avLst/>
+          </a:prstGeom>
+        </p:spPr>
+        <p:txBody>
+          <a:bodyPr vert="horz" lIns="91440" tIns="45720" rIns="91440" bIns="45720" rtlCol="0" anchor="b"/>
+          <a:lstStyle>
+            <a:lvl1pPr algn="r">
+              <a:defRPr sz="1200"/>
+            </a:lvl1pPr>
+          </a:lstStyle>
+          <a:p>
+            <a:fld id="{07869F30-5F0B-4D33-8AEC-941C8824577E}" type="slidenum">
+              <a:rPr lang="en-GB" smtClean="0"/>
+              <a:t>‹#›</a:t>
+            </a:fld>
+            <a:endParaRPr lang="en-GB"/>
+          </a:p>
+        </p:txBody>
+      </p:sp>
+    </p:spTree>
+    <p:extLst>
+      <p:ext uri="{BB962C8B-B14F-4D97-AF65-F5344CB8AC3E}">
+        <p14:creationId xmlns:p14="http://schemas.microsoft.com/office/powerpoint/2010/main" val="848414398"/>
+      </p:ext>
+    </p:extLst>
+  </p:cSld>
+  <p:clrMap bg1="lt1" tx1="dk1" bg2="lt2" tx2="dk2" accent1="accent1" accent2="accent2" accent3="accent3" accent4="accent4" accent5="accent5" accent6="accent6" hlink="hlink" folHlink="folHlink"/>
+  <p:notesStyle>
+    <a:lvl1pPr marL="0" algn="l" defTabSz="914400" rtl="0" eaLnBrk="1" latinLnBrk="0" hangingPunct="1">
+      <a:defRPr sz="1200" kern="1200">
+        <a:solidFill>
+          <a:schemeClr val="tx1"/>
+        </a:solidFill>
+        <a:latin typeface="+mn-lt"/>
+        <a:ea typeface="+mn-ea"/>
+        <a:cs typeface="+mn-cs"/>
+      </a:defRPr>
+    </a:lvl1pPr>
+    <a:lvl2pPr marL="457200" algn="l" defTabSz="914400" rtl="0" eaLnBrk="1" latinLnBrk="0" hangingPunct="1">
+      <a:defRPr sz="1200" kern="1200">
+        <a:solidFill>
+          <a:schemeClr val="tx1"/>
+        </a:solidFill>
+        <a:latin typeface="+mn-lt"/>
+        <a:ea typeface="+mn-ea"/>
+        <a:cs typeface="+mn-cs"/>
+      </a:defRPr>
+    </a:lvl2pPr>
+    <a:lvl3pPr marL="914400" algn="l" defTabSz="914400" rtl="0" eaLnBrk="1" latinLnBrk="0" hangingPunct="1">
+      <a:defRPr sz="1200" kern="1200">
+        <a:solidFill>
+          <a:schemeClr val="tx1"/>
+        </a:solidFill>
+        <a:latin typeface="+mn-lt"/>
+        <a:ea typeface="+mn-ea"/>
+        <a:cs typeface="+mn-cs"/>
+      </a:defRPr>
+    </a:lvl3pPr>
+    <a:lvl4pPr marL="1371600" algn="l" defTabSz="914400" rtl="0" eaLnBrk="1" latinLnBrk="0" hangingPunct="1">
+      <a:defRPr sz="1200" kern="1200">
+        <a:solidFill>
+          <a:schemeClr val="tx1"/>
+        </a:solidFill>
+        <a:latin typeface="+mn-lt"/>
+        <a:ea typeface="+mn-ea"/>
+        <a:cs typeface="+mn-cs"/>
+      </a:defRPr>
+    </a:lvl4pPr>
+    <a:lvl5pPr marL="1828800" algn="l" defTabSz="914400" rtl="0" eaLnBrk="1" latinLnBrk="0" hangingPunct="1">
+      <a:defRPr sz="1200" kern="1200">
+        <a:solidFill>
+          <a:schemeClr val="tx1"/>
+        </a:solidFill>
+        <a:latin typeface="+mn-lt"/>
+        <a:ea typeface="+mn-ea"/>
+        <a:cs typeface="+mn-cs"/>
+      </a:defRPr>
+    </a:lvl5pPr>
+    <a:lvl6pPr marL="2286000" algn="l" defTabSz="914400" rtl="0" eaLnBrk="1" latinLnBrk="0" hangingPunct="1">
+      <a:defRPr sz="1200" kern="1200">
+        <a:solidFill>
+          <a:schemeClr val="tx1"/>
+        </a:solidFill>
+        <a:latin typeface="+mn-lt"/>
+        <a:ea typeface="+mn-ea"/>
+        <a:cs typeface="+mn-cs"/>
+      </a:defRPr>
+    </a:lvl6pPr>
+    <a:lvl7pPr marL="2743200" algn="l" defTabSz="914400" rtl="0" eaLnBrk="1" latinLnBrk="0" hangingPunct="1">
+      <a:defRPr sz="1200" kern="1200">
+        <a:solidFill>
+          <a:schemeClr val="tx1"/>
+        </a:solidFill>
+        <a:latin typeface="+mn-lt"/>
+        <a:ea typeface="+mn-ea"/>
+        <a:cs typeface="+mn-cs"/>
+      </a:defRPr>
+    </a:lvl7pPr>
+    <a:lvl8pPr marL="3200400" algn="l" defTabSz="914400" rtl="0" eaLnBrk="1" latinLnBrk="0" hangingPunct="1">
+      <a:defRPr sz="1200" kern="1200">
+        <a:solidFill>
+          <a:schemeClr val="tx1"/>
+        </a:solidFill>
+        <a:latin typeface="+mn-lt"/>
+        <a:ea typeface="+mn-ea"/>
+        <a:cs typeface="+mn-cs"/>
+      </a:defRPr>
+    </a:lvl8pPr>
+    <a:lvl9pPr marL="3657600" algn="l" defTabSz="914400" rtl="0" eaLnBrk="1" latinLnBrk="0" hangingPunct="1">
+      <a:defRPr sz="1200" kern="1200">
+        <a:solidFill>
+          <a:schemeClr val="tx1"/>
+        </a:solidFill>
+        <a:latin typeface="+mn-lt"/>
+        <a:ea typeface="+mn-ea"/>
+        <a:cs typeface="+mn-cs"/>
+      </a:defRPr>
+    </a:lvl9pPr>
+  </p:notesStyle>
+</p:notesMaster>
+</file>
+
+<file path=ppt/notesSlides/notesSlide1.xml><?xml version="1.0" encoding="utf-8"?>
+<p:notes xmlns:a="http://schemas.openxmlformats.org/drawingml/2006/main" xmlns:r="http://schemas.openxmlformats.org/officeDocument/2006/relationships" xmlns:p="http://schemas.openxmlformats.org/presentationml/2006/main">
+  <p:cSld>
+    <p:spTree>
+      <p:nvGrpSpPr>
+        <p:cNvPr id="1" name=""/>
+        <p:cNvGrpSpPr/>
+        <p:nvPr/>
+      </p:nvGrpSpPr>
+      <p:grpSpPr>
+        <a:xfrm>
+          <a:off x="0" y="0"/>
+          <a:ext cx="0" cy="0"/>
+          <a:chOff x="0" y="0"/>
+          <a:chExt cx="0" cy="0"/>
+        </a:xfrm>
+      </p:grpSpPr>
+      <p:sp>
+        <p:nvSpPr>
+          <p:cNvPr id="2" name="Slide Image Placeholder 1"/>
+          <p:cNvSpPr>
+            <a:spLocks noGrp="1" noRot="1" noChangeAspect="1"/>
+          </p:cNvSpPr>
+          <p:nvPr>
+            <p:ph type="sldImg"/>
+          </p:nvPr>
+        </p:nvSpPr>
+        <p:spPr/>
+      </p:sp>
+      <p:sp>
+        <p:nvSpPr>
+          <p:cNvPr id="3" name="Notes Placeholder 2"/>
+          <p:cNvSpPr>
+            <a:spLocks noGrp="1"/>
+          </p:cNvSpPr>
+          <p:nvPr>
+            <p:ph type="body" idx="1"/>
+          </p:nvPr>
+        </p:nvSpPr>
+        <p:spPr/>
+        <p:txBody>
+          <a:bodyPr/>
+          <a:lstStyle/>
+          <a:p>
+            <a:endParaRPr lang="en-GB" dirty="0"/>
+          </a:p>
+        </p:txBody>
+      </p:sp>
+      <p:sp>
+        <p:nvSpPr>
+          <p:cNvPr id="4" name="Slide Number Placeholder 3"/>
+          <p:cNvSpPr>
+            <a:spLocks noGrp="1"/>
+          </p:cNvSpPr>
+          <p:nvPr>
+            <p:ph type="sldNum" sz="quarter" idx="5"/>
+          </p:nvPr>
+        </p:nvSpPr>
+        <p:spPr/>
+        <p:txBody>
+          <a:bodyPr/>
+          <a:lstStyle/>
+          <a:p>
+            <a:fld id="{07869F30-5F0B-4D33-8AEC-941C8824577E}" type="slidenum">
+              <a:rPr lang="en-GB" smtClean="0"/>
+              <a:t>2</a:t>
+            </a:fld>
+            <a:endParaRPr lang="en-GB"/>
+          </a:p>
+        </p:txBody>
+      </p:sp>
+    </p:spTree>
+    <p:extLst>
+      <p:ext uri="{BB962C8B-B14F-4D97-AF65-F5344CB8AC3E}">
+        <p14:creationId xmlns:p14="http://schemas.microsoft.com/office/powerpoint/2010/main" val="4072648355"/>
+      </p:ext>
+    </p:extLst>
+  </p:cSld>
+  <p:clrMapOvr>
+    <a:masterClrMapping/>
+  </p:clrMapOvr>
+</p:notes>
+</file>
+
+<file path=ppt/notesSlides/notesSlide2.xml><?xml version="1.0" encoding="utf-8"?>
+<p:notes xmlns:a="http://schemas.openxmlformats.org/drawingml/2006/main" xmlns:r="http://schemas.openxmlformats.org/officeDocument/2006/relationships" xmlns:p="http://schemas.openxmlformats.org/presentationml/2006/main">
+  <p:cSld>
+    <p:spTree>
+      <p:nvGrpSpPr>
+        <p:cNvPr id="1" name=""/>
+        <p:cNvGrpSpPr/>
+        <p:nvPr/>
+      </p:nvGrpSpPr>
+      <p:grpSpPr>
+        <a:xfrm>
+          <a:off x="0" y="0"/>
+          <a:ext cx="0" cy="0"/>
+          <a:chOff x="0" y="0"/>
+          <a:chExt cx="0" cy="0"/>
+        </a:xfrm>
+      </p:grpSpPr>
+      <p:sp>
+        <p:nvSpPr>
+          <p:cNvPr id="2" name="Slide Image Placeholder 1"/>
+          <p:cNvSpPr>
+            <a:spLocks noGrp="1" noRot="1" noChangeAspect="1"/>
+          </p:cNvSpPr>
+          <p:nvPr>
+            <p:ph type="sldImg"/>
+          </p:nvPr>
+        </p:nvSpPr>
+        <p:spPr/>
+      </p:sp>
+      <p:sp>
+        <p:nvSpPr>
+          <p:cNvPr id="3" name="Notes Placeholder 2"/>
+          <p:cNvSpPr>
+            <a:spLocks noGrp="1"/>
+          </p:cNvSpPr>
+          <p:nvPr>
+            <p:ph type="body" idx="1"/>
+          </p:nvPr>
+        </p:nvSpPr>
+        <p:spPr/>
+        <p:txBody>
+          <a:bodyPr/>
+          <a:lstStyle/>
+          <a:p>
+            <a:endParaRPr lang="en-GB" dirty="0"/>
+          </a:p>
+        </p:txBody>
+      </p:sp>
+      <p:sp>
+        <p:nvSpPr>
+          <p:cNvPr id="4" name="Slide Number Placeholder 3"/>
+          <p:cNvSpPr>
+            <a:spLocks noGrp="1"/>
+          </p:cNvSpPr>
+          <p:nvPr>
+            <p:ph type="sldNum" sz="quarter" idx="5"/>
+          </p:nvPr>
+        </p:nvSpPr>
+        <p:spPr/>
+        <p:txBody>
+          <a:bodyPr/>
+          <a:lstStyle/>
+          <a:p>
+            <a:fld id="{07869F30-5F0B-4D33-8AEC-941C8824577E}" type="slidenum">
+              <a:rPr lang="en-GB" smtClean="0"/>
+              <a:t>3</a:t>
+            </a:fld>
+            <a:endParaRPr lang="en-GB"/>
+          </a:p>
+        </p:txBody>
+      </p:sp>
+    </p:spTree>
+    <p:extLst>
+      <p:ext uri="{BB962C8B-B14F-4D97-AF65-F5344CB8AC3E}">
+        <p14:creationId xmlns:p14="http://schemas.microsoft.com/office/powerpoint/2010/main" val="2328428070"/>
+      </p:ext>
+    </p:extLst>
+  </p:cSld>
+  <p:clrMapOvr>
+    <a:masterClrMapping/>
+  </p:clrMapOvr>
+</p:notes>
+</file>
+
 <file path=ppt/slideLayouts/slideLayout1.xml><?xml version="1.0" encoding="utf-8"?>
 <p:sldLayout xmlns:a="http://schemas.openxmlformats.org/drawingml/2006/main" xmlns:r="http://schemas.openxmlformats.org/officeDocument/2006/relationships" xmlns:p="http://schemas.openxmlformats.org/presentationml/2006/main" type="title" preserve="1">
   <p:cSld name="Title Slide">
@@ -288,7 +810,7 @@
           <a:p>
             <a:fld id="{48A87A34-81AB-432B-8DAE-1953F412C126}" type="datetimeFigureOut">
               <a:rPr lang="en-US" dirty="0"/>
-              <a:t>4/1/2023</a:t>
+              <a:t>4/2/2023</a:t>
             </a:fld>
             <a:endParaRPr lang="en-US" dirty="0"/>
           </a:p>
@@ -550,7 +1072,7 @@
           <a:p>
             <a:fld id="{48A87A34-81AB-432B-8DAE-1953F412C126}" type="datetimeFigureOut">
               <a:rPr lang="en-US" dirty="0"/>
-              <a:t>4/1/2023</a:t>
+              <a:t>4/2/2023</a:t>
             </a:fld>
             <a:endParaRPr lang="en-US" dirty="0"/>
           </a:p>
@@ -777,7 +1299,7 @@
             <a:fld id="{48A87A34-81AB-432B-8DAE-1953F412C126}" type="datetimeFigureOut">
               <a:rPr lang="en-US" dirty="0"/>
               <a:pPr/>
-              <a:t>4/1/2023</a:t>
+              <a:t>4/2/2023</a:t>
             </a:fld>
             <a:endParaRPr lang="en-US" dirty="0"/>
           </a:p>
@@ -1083,7 +1605,7 @@
             <a:fld id="{48A87A34-81AB-432B-8DAE-1953F412C126}" type="datetimeFigureOut">
               <a:rPr lang="en-US" dirty="0"/>
               <a:pPr/>
-              <a:t>4/1/2023</a:t>
+              <a:t>4/2/2023</a:t>
             </a:fld>
             <a:endParaRPr lang="en-US" dirty="0"/>
           </a:p>
@@ -1552,7 +2074,7 @@
             <a:fld id="{48A87A34-81AB-432B-8DAE-1953F412C126}" type="datetimeFigureOut">
               <a:rPr lang="en-US" dirty="0"/>
               <a:pPr/>
-              <a:t>4/1/2023</a:t>
+              <a:t>4/2/2023</a:t>
             </a:fld>
             <a:endParaRPr lang="en-US" dirty="0"/>
           </a:p>
@@ -2094,7 +2616,7 @@
           <a:p>
             <a:fld id="{48A87A34-81AB-432B-8DAE-1953F412C126}" type="datetimeFigureOut">
               <a:rPr lang="en-US" dirty="0"/>
-              <a:t>4/1/2023</a:t>
+              <a:t>4/2/2023</a:t>
             </a:fld>
             <a:endParaRPr lang="en-US" dirty="0"/>
           </a:p>
@@ -2863,7 +3385,7 @@
           <a:p>
             <a:fld id="{48A87A34-81AB-432B-8DAE-1953F412C126}" type="datetimeFigureOut">
               <a:rPr lang="en-US" dirty="0"/>
-              <a:t>4/1/2023</a:t>
+              <a:t>4/2/2023</a:t>
             </a:fld>
             <a:endParaRPr lang="en-US" dirty="0"/>
           </a:p>
@@ -3033,7 +3555,7 @@
           <a:p>
             <a:fld id="{48A87A34-81AB-432B-8DAE-1953F412C126}" type="datetimeFigureOut">
               <a:rPr lang="en-US" dirty="0"/>
-              <a:t>4/1/2023</a:t>
+              <a:t>4/2/2023</a:t>
             </a:fld>
             <a:endParaRPr lang="en-US" dirty="0"/>
           </a:p>
@@ -3252,7 +3774,7 @@
             <a:fld id="{48A87A34-81AB-432B-8DAE-1953F412C126}" type="datetimeFigureOut">
               <a:rPr lang="en-US" dirty="0"/>
               <a:pPr/>
-              <a:t>4/1/2023</a:t>
+              <a:t>4/2/2023</a:t>
             </a:fld>
             <a:endParaRPr lang="en-US" dirty="0"/>
           </a:p>
@@ -3427,7 +3949,7 @@
           <a:p>
             <a:fld id="{48A87A34-81AB-432B-8DAE-1953F412C126}" type="datetimeFigureOut">
               <a:rPr lang="en-US" dirty="0"/>
-              <a:t>4/1/2023</a:t>
+              <a:t>4/2/2023</a:t>
             </a:fld>
             <a:endParaRPr lang="en-US" dirty="0"/>
           </a:p>
@@ -3712,7 +4234,7 @@
             <a:fld id="{48A87A34-81AB-432B-8DAE-1953F412C126}" type="datetimeFigureOut">
               <a:rPr lang="en-US" dirty="0"/>
               <a:pPr/>
-              <a:t>4/1/2023</a:t>
+              <a:t>4/2/2023</a:t>
             </a:fld>
             <a:endParaRPr lang="en-US" dirty="0"/>
           </a:p>
@@ -3949,7 +4471,7 @@
           <a:p>
             <a:fld id="{48A87A34-81AB-432B-8DAE-1953F412C126}" type="datetimeFigureOut">
               <a:rPr lang="en-US" dirty="0"/>
-              <a:t>4/1/2023</a:t>
+              <a:t>4/2/2023</a:t>
             </a:fld>
             <a:endParaRPr lang="en-US" dirty="0"/>
           </a:p>
@@ -4323,7 +4845,7 @@
           <a:p>
             <a:fld id="{48A87A34-81AB-432B-8DAE-1953F412C126}" type="datetimeFigureOut">
               <a:rPr lang="en-US" dirty="0"/>
-              <a:t>4/1/2023</a:t>
+              <a:t>4/2/2023</a:t>
             </a:fld>
             <a:endParaRPr lang="en-US" dirty="0"/>
           </a:p>
@@ -4436,7 +4958,7 @@
           <a:p>
             <a:fld id="{48A87A34-81AB-432B-8DAE-1953F412C126}" type="datetimeFigureOut">
               <a:rPr lang="en-US" dirty="0"/>
-              <a:t>4/1/2023</a:t>
+              <a:t>4/2/2023</a:t>
             </a:fld>
             <a:endParaRPr lang="en-US" dirty="0"/>
           </a:p>
@@ -4526,7 +5048,7 @@
           <a:p>
             <a:fld id="{48A87A34-81AB-432B-8DAE-1953F412C126}" type="datetimeFigureOut">
               <a:rPr lang="en-US" dirty="0"/>
-              <a:t>4/1/2023</a:t>
+              <a:t>4/2/2023</a:t>
             </a:fld>
             <a:endParaRPr lang="en-US" dirty="0"/>
           </a:p>
@@ -4770,7 +5292,7 @@
           <a:p>
             <a:fld id="{48A87A34-81AB-432B-8DAE-1953F412C126}" type="datetimeFigureOut">
               <a:rPr lang="en-US" dirty="0"/>
-              <a:t>4/1/2023</a:t>
+              <a:t>4/2/2023</a:t>
             </a:fld>
             <a:endParaRPr lang="en-US" dirty="0"/>
           </a:p>
@@ -5022,7 +5544,7 @@
           <a:p>
             <a:fld id="{48A87A34-81AB-432B-8DAE-1953F412C126}" type="datetimeFigureOut">
               <a:rPr lang="en-US" dirty="0"/>
-              <a:t>4/1/2023</a:t>
+              <a:t>4/2/2023</a:t>
             </a:fld>
             <a:endParaRPr lang="en-US" dirty="0"/>
           </a:p>
@@ -5261,7 +5783,7 @@
             <a:fld id="{48A87A34-81AB-432B-8DAE-1953F412C126}" type="datetimeFigureOut">
               <a:rPr lang="en-US" dirty="0"/>
               <a:pPr/>
-              <a:t>4/1/2023</a:t>
+              <a:t>4/2/2023</a:t>
             </a:fld>
             <a:endParaRPr lang="en-US" dirty="0"/>
           </a:p>
@@ -5819,7 +6341,7 @@
           <a:p>
             <a:r>
               <a:rPr lang="en-US" sz="3200" dirty="0"/>
-              <a:t>Steve (Stephen) Newman</a:t>
+              <a:t>Stephen (Steve) Newman</a:t>
             </a:r>
           </a:p>
           <a:p>
@@ -5838,28 +6360,6 @@
             <a:pPr marL="0" indent="0">
               <a:buNone/>
             </a:pPr>
-            <a:endParaRPr lang="en-US" sz="3200" dirty="0"/>
-          </a:p>
-          <a:p>
-            <a:pPr marL="0" indent="0">
-              <a:buNone/>
-            </a:pPr>
-            <a:r>
-              <a:rPr lang="en-US" sz="3200" dirty="0"/>
-              <a:t>	</a:t>
-            </a:r>
-            <a:r>
-              <a:rPr lang="en-US" sz="3200" dirty="0">
-                <a:hlinkClick r:id="rId2">
-                  <a:extLst>
-                    <a:ext uri="{A12FA001-AC4F-418D-AE19-62706E023703}">
-                      <ahyp:hlinkClr xmlns:ahyp="http://schemas.microsoft.com/office/drawing/2018/hyperlinkcolor" val="tx"/>
-                    </a:ext>
-                  </a:extLst>
-                </a:hlinkClick>
-              </a:rPr>
-              <a:t>/newmancodes</a:t>
-            </a:r>
             <a:endParaRPr lang="en-US" sz="3200" dirty="0"/>
           </a:p>
           <a:p>
@@ -5902,6 +6402,28 @@
                   </a:extLst>
                 </a:hlinkClick>
               </a:rPr>
+              <a:t>/newmancodes</a:t>
+            </a:r>
+            <a:endParaRPr lang="en-US" sz="3200" dirty="0"/>
+          </a:p>
+          <a:p>
+            <a:pPr marL="0" indent="0">
+              <a:buNone/>
+            </a:pPr>
+            <a:r>
+              <a:rPr lang="en-US" sz="3200" dirty="0"/>
+              <a:t>	</a:t>
+            </a:r>
+            <a:r>
+              <a:rPr lang="en-US" sz="3200" dirty="0">
+                <a:hlinkClick r:id="rId5">
+                  <a:extLst>
+                    <a:ext uri="{A12FA001-AC4F-418D-AE19-62706E023703}">
+                      <ahyp:hlinkClr xmlns:ahyp="http://schemas.microsoft.com/office/drawing/2018/hyperlinkcolor" val="tx"/>
+                    </a:ext>
+                  </a:extLst>
+                </a:hlinkClick>
+              </a:rPr>
               <a:t>newman.digital</a:t>
             </a:r>
             <a:endParaRPr lang="en-US" sz="3200" dirty="0"/>
@@ -5916,7 +6438,7 @@
       </p:sp>
       <p:pic>
         <p:nvPicPr>
-          <p:cNvPr id="5" name="Graphic 4">
+          <p:cNvPr id="5" name="Graphic 4" descr="Twitter Logo">
             <a:extLst>
               <a:ext uri="{FF2B5EF4-FFF2-40B4-BE49-F238E27FC236}">
                 <a16:creationId xmlns:a16="http://schemas.microsoft.com/office/drawing/2014/main" id="{3228597A-48F0-2287-0207-508C4745F193}"/>
@@ -5929,10 +6451,10 @@
           <p:nvPr/>
         </p:nvPicPr>
         <p:blipFill>
-          <a:blip r:embed="rId5">
+          <a:blip r:embed="rId6">
             <a:extLst>
               <a:ext uri="{96DAC541-7B7A-43D3-8B79-37D633B846F1}">
-                <asvg:svgBlip xmlns:asvg="http://schemas.microsoft.com/office/drawing/2016/SVG/main" r:embed="rId6"/>
+                <asvg:svgBlip xmlns:asvg="http://schemas.microsoft.com/office/drawing/2016/SVG/main" r:embed="rId7"/>
               </a:ext>
             </a:extLst>
           </a:blip>
@@ -5952,7 +6474,7 @@
       </p:pic>
       <p:pic>
         <p:nvPicPr>
-          <p:cNvPr id="13" name="Graphic 12">
+          <p:cNvPr id="13" name="Graphic 12" descr="GitHub Logo">
             <a:extLst>
               <a:ext uri="{FF2B5EF4-FFF2-40B4-BE49-F238E27FC236}">
                 <a16:creationId xmlns:a16="http://schemas.microsoft.com/office/drawing/2014/main" id="{E943F8BA-EE38-54C0-508E-0DF1FEA4390C}"/>
@@ -5965,10 +6487,10 @@
           <p:nvPr/>
         </p:nvPicPr>
         <p:blipFill>
-          <a:blip r:embed="rId7">
+          <a:blip r:embed="rId8">
             <a:extLst>
               <a:ext uri="{96DAC541-7B7A-43D3-8B79-37D633B846F1}">
-                <asvg:svgBlip xmlns:asvg="http://schemas.microsoft.com/office/drawing/2016/SVG/main" r:embed="rId8"/>
+                <asvg:svgBlip xmlns:asvg="http://schemas.microsoft.com/office/drawing/2016/SVG/main" r:embed="rId9"/>
               </a:ext>
             </a:extLst>
           </a:blip>
@@ -5988,7 +6510,7 @@
       </p:pic>
       <p:pic>
         <p:nvPicPr>
-          <p:cNvPr id="15" name="Graphic 14">
+          <p:cNvPr id="15" name="Graphic 14" descr="http:// Logo">
             <a:extLst>
               <a:ext uri="{FF2B5EF4-FFF2-40B4-BE49-F238E27FC236}">
                 <a16:creationId xmlns:a16="http://schemas.microsoft.com/office/drawing/2014/main" id="{82578EC4-C745-2E0E-4322-E491ACD714CE}"/>
@@ -6001,10 +6523,10 @@
           <p:nvPr/>
         </p:nvPicPr>
         <p:blipFill>
-          <a:blip r:embed="rId9">
+          <a:blip r:embed="rId10">
             <a:extLst>
               <a:ext uri="{96DAC541-7B7A-43D3-8B79-37D633B846F1}">
-                <asvg:svgBlip xmlns:asvg="http://schemas.microsoft.com/office/drawing/2016/SVG/main" r:embed="rId10"/>
+                <asvg:svgBlip xmlns:asvg="http://schemas.microsoft.com/office/drawing/2016/SVG/main" r:embed="rId11"/>
               </a:ext>
             </a:extLst>
           </a:blip>
@@ -6102,40 +6624,104 @@
           <a:lstStyle/>
           <a:p>
             <a:r>
+              <a:rPr lang="en-US" sz="3600" dirty="0"/>
+              <a:t>Sub-field of Artificial Intelligence (AI)</a:t>
+            </a:r>
+          </a:p>
+          <a:p>
+            <a:pPr lvl="1"/>
+            <a:r>
               <a:rPr lang="en-US" sz="3200" dirty="0"/>
-              <a:t>Sub-field of Artificial Intelligence</a:t>
-            </a:r>
-          </a:p>
-          <a:p>
-            <a:endParaRPr lang="en-US" dirty="0"/>
-          </a:p>
-        </p:txBody>
-      </p:sp>
-      <p:sp>
-        <p:nvSpPr>
-          <p:cNvPr id="5" name="Content Placeholder 4">
+              <a:t>Supervised</a:t>
+            </a:r>
+          </a:p>
+          <a:p>
+            <a:pPr lvl="1"/>
+            <a:r>
+              <a:rPr lang="en-US" sz="3200" dirty="0"/>
+              <a:t>Unsupervised</a:t>
+            </a:r>
+          </a:p>
+          <a:p>
+            <a:pPr lvl="1"/>
+            <a:r>
+              <a:rPr lang="en-US" sz="3200" dirty="0"/>
+              <a:t>Semi-Supervised</a:t>
+            </a:r>
+            <a:endParaRPr lang="en-US" sz="3000" dirty="0"/>
+          </a:p>
+          <a:p>
+            <a:endParaRPr lang="en-US" dirty="0"/>
+          </a:p>
+        </p:txBody>
+      </p:sp>
+      <p:pic>
+        <p:nvPicPr>
+          <p:cNvPr id="3" name="Content Placeholder 2" descr="Shows the difference between programming with and without machine learning.&#10;&#10;When not leveraging machine learning a machine is given a collection of very specific instructions to follow. When using machine learning the machine is provided with data in order to discover how to map inputs to predictions.">
             <a:extLst>
               <a:ext uri="{FF2B5EF4-FFF2-40B4-BE49-F238E27FC236}">
-                <a16:creationId xmlns:a16="http://schemas.microsoft.com/office/drawing/2014/main" id="{4A7FF353-41D1-AA0D-CE4B-2AC6E44752BD}"/>
+                <a16:creationId xmlns:a16="http://schemas.microsoft.com/office/drawing/2014/main" id="{413E6EA6-0FDB-6297-DE64-793DD89018B3}"/>
               </a:ext>
             </a:extLst>
           </p:cNvPr>
-          <p:cNvSpPr>
-            <a:spLocks noGrp="1"/>
-          </p:cNvSpPr>
+          <p:cNvPicPr>
+            <a:picLocks noGrp="1" noChangeAspect="1"/>
+          </p:cNvPicPr>
           <p:nvPr>
             <p:ph sz="half" idx="2"/>
           </p:nvPr>
-        </p:nvSpPr>
-        <p:spPr/>
-        <p:txBody>
-          <a:bodyPr/>
-          <a:lstStyle/>
-          <a:p>
-            <a:pPr marL="0" indent="0">
-              <a:buNone/>
-            </a:pPr>
-            <a:endParaRPr lang="en-US" dirty="0"/>
+        </p:nvPicPr>
+        <p:blipFill>
+          <a:blip r:embed="rId3"/>
+          <a:stretch>
+            <a:fillRect/>
+          </a:stretch>
+        </p:blipFill>
+        <p:spPr>
+          <a:xfrm>
+            <a:off x="6172200" y="2859458"/>
+            <a:ext cx="5334000" cy="2693246"/>
+          </a:xfrm>
+          <a:prstGeom prst="rect">
+            <a:avLst/>
+          </a:prstGeom>
+        </p:spPr>
+      </p:pic>
+      <p:sp>
+        <p:nvSpPr>
+          <p:cNvPr id="6" name="TextBox 5">
+            <a:extLst>
+              <a:ext uri="{FF2B5EF4-FFF2-40B4-BE49-F238E27FC236}">
+                <a16:creationId xmlns:a16="http://schemas.microsoft.com/office/drawing/2014/main" id="{71C0AADC-FA1E-17C5-EB81-E45270151AB4}"/>
+              </a:ext>
+            </a:extLst>
+          </p:cNvPr>
+          <p:cNvSpPr txBox="1"/>
+          <p:nvPr/>
+        </p:nvSpPr>
+        <p:spPr>
+          <a:xfrm>
+            <a:off x="9932795" y="5291094"/>
+            <a:ext cx="1573405" cy="261610"/>
+          </a:xfrm>
+          <a:prstGeom prst="rect">
+            <a:avLst/>
+          </a:prstGeom>
+          <a:noFill/>
+        </p:spPr>
+        <p:txBody>
+          <a:bodyPr wrap="square" rtlCol="0">
+            <a:spAutoFit/>
+          </a:bodyPr>
+          <a:lstStyle/>
+          <a:p>
+            <a:r>
+              <a:rPr lang="en-GB" sz="1100" dirty="0">
+                <a:hlinkClick r:id="rId4"/>
+              </a:rPr>
+              <a:t>christophm.github.io</a:t>
+            </a:r>
+            <a:endParaRPr lang="en-GB" sz="1100" dirty="0"/>
           </a:p>
         </p:txBody>
       </p:sp>
@@ -6199,10 +6785,10 @@
       </p:sp>
       <p:sp>
         <p:nvSpPr>
-          <p:cNvPr id="6" name="Content Placeholder 5">
+          <p:cNvPr id="2" name="Content Placeholder 1">
             <a:extLst>
               <a:ext uri="{FF2B5EF4-FFF2-40B4-BE49-F238E27FC236}">
-                <a16:creationId xmlns:a16="http://schemas.microsoft.com/office/drawing/2014/main" id="{2F73ED38-FBED-FB0E-5992-14BAFDADAC06}"/>
+                <a16:creationId xmlns:a16="http://schemas.microsoft.com/office/drawing/2014/main" id="{67757EDF-A475-674A-B2CB-CF35A08A241F}"/>
               </a:ext>
             </a:extLst>
           </p:cNvPr>
@@ -6210,7 +6796,7 @@
             <a:spLocks noGrp="1"/>
           </p:cNvSpPr>
           <p:nvPr>
-            <p:ph idx="1"/>
+            <p:ph sz="half" idx="1"/>
           </p:nvPr>
         </p:nvSpPr>
         <p:spPr/>
@@ -6220,7 +6806,47 @@
           </a:bodyPr>
           <a:lstStyle/>
           <a:p>
-            <a:endParaRPr lang="en-US" sz="3200" dirty="0"/>
+            <a:r>
+              <a:rPr lang="en-GB" sz="3200" dirty="0"/>
+              <a:t>Predicting outputs </a:t>
+            </a:r>
+            <a:r>
+              <a:rPr lang="en-GB" sz="3200"/>
+              <a:t>from inputs</a:t>
+            </a:r>
+          </a:p>
+          <a:p>
+            <a:endParaRPr lang="en-GB" sz="3200" dirty="0"/>
+          </a:p>
+        </p:txBody>
+      </p:sp>
+      <p:sp>
+        <p:nvSpPr>
+          <p:cNvPr id="3" name="Content Placeholder 2">
+            <a:extLst>
+              <a:ext uri="{FF2B5EF4-FFF2-40B4-BE49-F238E27FC236}">
+                <a16:creationId xmlns:a16="http://schemas.microsoft.com/office/drawing/2014/main" id="{6BE8D434-67D7-D7B0-B4DC-6706BAF3E2E3}"/>
+              </a:ext>
+            </a:extLst>
+          </p:cNvPr>
+          <p:cNvSpPr>
+            <a:spLocks noGrp="1"/>
+          </p:cNvSpPr>
+          <p:nvPr>
+            <p:ph sz="half" idx="2"/>
+          </p:nvPr>
+        </p:nvSpPr>
+        <p:spPr/>
+        <p:txBody>
+          <a:bodyPr>
+            <a:normAutofit/>
+          </a:bodyPr>
+          <a:lstStyle/>
+          <a:p>
+            <a:pPr marL="0" indent="0">
+              <a:buNone/>
+            </a:pPr>
+            <a:endParaRPr lang="en-GB" sz="3200" dirty="0"/>
           </a:p>
         </p:txBody>
       </p:sp>
@@ -6284,10 +6910,10 @@
       </p:sp>
       <p:sp>
         <p:nvSpPr>
-          <p:cNvPr id="7" name="Content Placeholder 6">
+          <p:cNvPr id="2" name="Content Placeholder 1">
             <a:extLst>
               <a:ext uri="{FF2B5EF4-FFF2-40B4-BE49-F238E27FC236}">
-                <a16:creationId xmlns:a16="http://schemas.microsoft.com/office/drawing/2014/main" id="{72C30A44-F315-685B-F96E-32B64F667093}"/>
+                <a16:creationId xmlns:a16="http://schemas.microsoft.com/office/drawing/2014/main" id="{7DF24FA3-846E-12C2-C28A-2A216E6A17B8}"/>
               </a:ext>
             </a:extLst>
           </p:cNvPr>
@@ -6295,7 +6921,7 @@
             <a:spLocks noGrp="1"/>
           </p:cNvSpPr>
           <p:nvPr>
-            <p:ph idx="1"/>
+            <p:ph sz="half" idx="1"/>
           </p:nvPr>
         </p:nvSpPr>
         <p:spPr/>
@@ -6305,7 +6931,37 @@
           </a:bodyPr>
           <a:lstStyle/>
           <a:p>
-            <a:endParaRPr lang="en-US" sz="3200" dirty="0"/>
+            <a:endParaRPr lang="en-GB" sz="3200" dirty="0"/>
+          </a:p>
+        </p:txBody>
+      </p:sp>
+      <p:sp>
+        <p:nvSpPr>
+          <p:cNvPr id="3" name="Content Placeholder 2">
+            <a:extLst>
+              <a:ext uri="{FF2B5EF4-FFF2-40B4-BE49-F238E27FC236}">
+                <a16:creationId xmlns:a16="http://schemas.microsoft.com/office/drawing/2014/main" id="{B253B4BA-2862-ACD1-9F5D-D4FE7FA3B7E2}"/>
+              </a:ext>
+            </a:extLst>
+          </p:cNvPr>
+          <p:cNvSpPr>
+            <a:spLocks noGrp="1"/>
+          </p:cNvSpPr>
+          <p:nvPr>
+            <p:ph sz="half" idx="2"/>
+          </p:nvPr>
+        </p:nvSpPr>
+        <p:spPr/>
+        <p:txBody>
+          <a:bodyPr>
+            <a:normAutofit/>
+          </a:bodyPr>
+          <a:lstStyle/>
+          <a:p>
+            <a:pPr marL="0" indent="0">
+              <a:buNone/>
+            </a:pPr>
+            <a:endParaRPr lang="en-GB" sz="3200" dirty="0"/>
           </a:p>
         </p:txBody>
       </p:sp>
@@ -6362,17 +7018,17 @@
           <a:p>
             <a:r>
               <a:rPr lang="en-US" dirty="0"/>
-              <a:t>Beneficiaries of XAI</a:t>
-            </a:r>
-          </a:p>
-        </p:txBody>
-      </p:sp>
-      <p:sp>
-        <p:nvSpPr>
-          <p:cNvPr id="3" name="Content Placeholder 2">
+              <a:t>XAI Stakeholders</a:t>
+            </a:r>
+          </a:p>
+        </p:txBody>
+      </p:sp>
+      <p:sp>
+        <p:nvSpPr>
+          <p:cNvPr id="4" name="Content Placeholder 3">
             <a:extLst>
               <a:ext uri="{FF2B5EF4-FFF2-40B4-BE49-F238E27FC236}">
-                <a16:creationId xmlns:a16="http://schemas.microsoft.com/office/drawing/2014/main" id="{444743BF-497D-3722-4A84-E4692F8B2AE6}"/>
+                <a16:creationId xmlns:a16="http://schemas.microsoft.com/office/drawing/2014/main" id="{B61B8E6C-1040-1AE6-9EE9-AA9B28A37E45}"/>
               </a:ext>
             </a:extLst>
           </p:cNvPr>
@@ -6380,7 +7036,7 @@
             <a:spLocks noGrp="1"/>
           </p:cNvSpPr>
           <p:nvPr>
-            <p:ph idx="1"/>
+            <p:ph sz="half" idx="1"/>
           </p:nvPr>
         </p:nvSpPr>
         <p:spPr/>
@@ -6390,7 +7046,58 @@
           </a:bodyPr>
           <a:lstStyle/>
           <a:p>
-            <a:endParaRPr lang="en-US" sz="3200" dirty="0"/>
+            <a:r>
+              <a:rPr lang="en-GB" sz="3200" dirty="0"/>
+              <a:t>Developers</a:t>
+            </a:r>
+          </a:p>
+          <a:p>
+            <a:r>
+              <a:rPr lang="en-GB" sz="3200" dirty="0"/>
+              <a:t>Users</a:t>
+            </a:r>
+          </a:p>
+          <a:p>
+            <a:r>
+              <a:rPr lang="en-GB" sz="3200" dirty="0"/>
+              <a:t>Theorists</a:t>
+            </a:r>
+          </a:p>
+          <a:p>
+            <a:r>
+              <a:rPr lang="en-GB" sz="3200" dirty="0"/>
+              <a:t>Ethicists</a:t>
+            </a:r>
+          </a:p>
+        </p:txBody>
+      </p:sp>
+      <p:sp>
+        <p:nvSpPr>
+          <p:cNvPr id="5" name="Content Placeholder 4">
+            <a:extLst>
+              <a:ext uri="{FF2B5EF4-FFF2-40B4-BE49-F238E27FC236}">
+                <a16:creationId xmlns:a16="http://schemas.microsoft.com/office/drawing/2014/main" id="{53A200A6-A379-280B-743A-7E1590C2C366}"/>
+              </a:ext>
+            </a:extLst>
+          </p:cNvPr>
+          <p:cNvSpPr>
+            <a:spLocks noGrp="1"/>
+          </p:cNvSpPr>
+          <p:nvPr>
+            <p:ph sz="half" idx="2"/>
+          </p:nvPr>
+        </p:nvSpPr>
+        <p:spPr/>
+        <p:txBody>
+          <a:bodyPr>
+            <a:normAutofit/>
+          </a:bodyPr>
+          <a:lstStyle/>
+          <a:p>
+            <a:pPr marL="0" indent="0">
+              <a:buNone/>
+            </a:pPr>
+            <a:endParaRPr lang="en-GB" sz="3200" dirty="0"/>
           </a:p>
         </p:txBody>
       </p:sp>
@@ -6526,6 +7233,106 @@
     <p:extLst>
       <p:ext uri="{BB962C8B-B14F-4D97-AF65-F5344CB8AC3E}">
         <p14:creationId xmlns:p14="http://schemas.microsoft.com/office/powerpoint/2010/main" val="4108920408"/>
+      </p:ext>
+    </p:extLst>
+  </p:cSld>
+  <p:clrMapOvr>
+    <a:masterClrMapping/>
+  </p:clrMapOvr>
+</p:sld>
+</file>
+
+<file path=ppt/slides/slide8.xml><?xml version="1.0" encoding="utf-8"?>
+<p:sld xmlns:a="http://schemas.openxmlformats.org/drawingml/2006/main" xmlns:r="http://schemas.openxmlformats.org/officeDocument/2006/relationships" xmlns:p="http://schemas.openxmlformats.org/presentationml/2006/main">
+  <p:cSld>
+    <p:spTree>
+      <p:nvGrpSpPr>
+        <p:cNvPr id="1" name=""/>
+        <p:cNvGrpSpPr/>
+        <p:nvPr/>
+      </p:nvGrpSpPr>
+      <p:grpSpPr>
+        <a:xfrm>
+          <a:off x="0" y="0"/>
+          <a:ext cx="0" cy="0"/>
+          <a:chOff x="0" y="0"/>
+          <a:chExt cx="0" cy="0"/>
+        </a:xfrm>
+      </p:grpSpPr>
+      <p:sp>
+        <p:nvSpPr>
+          <p:cNvPr id="2" name="Title 1">
+            <a:extLst>
+              <a:ext uri="{FF2B5EF4-FFF2-40B4-BE49-F238E27FC236}">
+                <a16:creationId xmlns:a16="http://schemas.microsoft.com/office/drawing/2014/main" id="{0FF74EBB-47B0-A310-C683-F013BF8BBD65}"/>
+              </a:ext>
+            </a:extLst>
+          </p:cNvPr>
+          <p:cNvSpPr>
+            <a:spLocks noGrp="1"/>
+          </p:cNvSpPr>
+          <p:nvPr>
+            <p:ph type="title"/>
+          </p:nvPr>
+        </p:nvSpPr>
+        <p:spPr/>
+        <p:txBody>
+          <a:bodyPr/>
+          <a:lstStyle/>
+          <a:p>
+            <a:r>
+              <a:rPr lang="en-GB" dirty="0"/>
+              <a:t>Conclusion</a:t>
+            </a:r>
+          </a:p>
+        </p:txBody>
+      </p:sp>
+      <p:sp>
+        <p:nvSpPr>
+          <p:cNvPr id="5" name="Content Placeholder 4">
+            <a:extLst>
+              <a:ext uri="{FF2B5EF4-FFF2-40B4-BE49-F238E27FC236}">
+                <a16:creationId xmlns:a16="http://schemas.microsoft.com/office/drawing/2014/main" id="{AF5FBFD3-2BEE-34F9-AFB5-4DEBD48BB601}"/>
+              </a:ext>
+            </a:extLst>
+          </p:cNvPr>
+          <p:cNvSpPr>
+            <a:spLocks noGrp="1"/>
+          </p:cNvSpPr>
+          <p:nvPr>
+            <p:ph idx="1"/>
+          </p:nvPr>
+        </p:nvSpPr>
+        <p:spPr/>
+        <p:txBody>
+          <a:bodyPr>
+            <a:normAutofit/>
+          </a:bodyPr>
+          <a:lstStyle/>
+          <a:p>
+            <a:r>
+              <a:rPr lang="en-GB" sz="3200" dirty="0"/>
+              <a:t>Determine if an ML Model has XAI needs</a:t>
+            </a:r>
+          </a:p>
+          <a:p>
+            <a:r>
+              <a:rPr lang="en-GB" sz="3200" dirty="0"/>
+              <a:t>Prefer Transparent over Opaque ML Models</a:t>
+            </a:r>
+          </a:p>
+          <a:p>
+            <a:r>
+              <a:rPr lang="en-GB" sz="3200" dirty="0"/>
+              <a:t>Include Explainer Functions in MLOps pipeline</a:t>
+            </a:r>
+          </a:p>
+        </p:txBody>
+      </p:sp>
+    </p:spTree>
+    <p:extLst>
+      <p:ext uri="{BB962C8B-B14F-4D97-AF65-F5344CB8AC3E}">
+        <p14:creationId xmlns:p14="http://schemas.microsoft.com/office/powerpoint/2010/main" val="1708057894"/>
       </p:ext>
     </p:extLst>
   </p:cSld>
@@ -6803,4 +7610,299 @@
     </a:ext>
   </a:extLst>
 </a:theme>
+</file>
+
+<file path=ppt/theme/theme2.xml><?xml version="1.0" encoding="utf-8"?>
+<a:theme xmlns:a="http://schemas.openxmlformats.org/drawingml/2006/main" name="Office Theme">
+  <a:themeElements>
+    <a:clrScheme name="Office">
+      <a:dk1>
+        <a:sysClr val="windowText" lastClr="000000"/>
+      </a:dk1>
+      <a:lt1>
+        <a:sysClr val="window" lastClr="FFFFFF"/>
+      </a:lt1>
+      <a:dk2>
+        <a:srgbClr val="44546A"/>
+      </a:dk2>
+      <a:lt2>
+        <a:srgbClr val="E7E6E6"/>
+      </a:lt2>
+      <a:accent1>
+        <a:srgbClr val="4472C4"/>
+      </a:accent1>
+      <a:accent2>
+        <a:srgbClr val="ED7D31"/>
+      </a:accent2>
+      <a:accent3>
+        <a:srgbClr val="A5A5A5"/>
+      </a:accent3>
+      <a:accent4>
+        <a:srgbClr val="FFC000"/>
+      </a:accent4>
+      <a:accent5>
+        <a:srgbClr val="5B9BD5"/>
+      </a:accent5>
+      <a:accent6>
+        <a:srgbClr val="70AD47"/>
+      </a:accent6>
+      <a:hlink>
+        <a:srgbClr val="0563C1"/>
+      </a:hlink>
+      <a:folHlink>
+        <a:srgbClr val="954F72"/>
+      </a:folHlink>
+    </a:clrScheme>
+    <a:fontScheme name="Office">
+      <a:majorFont>
+        <a:latin typeface="Calibri Light" panose="020F0302020204030204"/>
+        <a:ea typeface=""/>
+        <a:cs typeface=""/>
+        <a:font script="Jpan" typeface="游ゴシック Light"/>
+        <a:font script="Hang" typeface="맑은 고딕"/>
+        <a:font script="Hans" typeface="等线 Light"/>
+        <a:font script="Hant" typeface="新細明體"/>
+        <a:font script="Arab" typeface="Times New Roman"/>
+        <a:font script="Hebr" typeface="Times New Roman"/>
+        <a:font script="Thai" typeface="Angsana New"/>
+        <a:font script="Ethi" typeface="Nyala"/>
+        <a:font script="Beng" typeface="Vrinda"/>
+        <a:font script="Gujr" typeface="Shruti"/>
+        <a:font script="Khmr" typeface="MoolBoran"/>
+        <a:font script="Knda" typeface="Tunga"/>
+        <a:font script="Guru" typeface="Raavi"/>
+        <a:font script="Cans" typeface="Euphemia"/>
+        <a:font script="Cher" typeface="Plantagenet Cherokee"/>
+        <a:font script="Yiii" typeface="Microsoft Yi Baiti"/>
+        <a:font script="Tibt" typeface="Microsoft Himalaya"/>
+        <a:font script="Thaa" typeface="MV Boli"/>
+        <a:font script="Deva" typeface="Mangal"/>
+        <a:font script="Telu" typeface="Gautami"/>
+        <a:font script="Taml" typeface="Latha"/>
+        <a:font script="Syrc" typeface="Estrangelo Edessa"/>
+        <a:font script="Orya" typeface="Kalinga"/>
+        <a:font script="Mlym" typeface="Kartika"/>
+        <a:font script="Laoo" typeface="DokChampa"/>
+        <a:font script="Sinh" typeface="Iskoola Pota"/>
+        <a:font script="Mong" typeface="Mongolian Baiti"/>
+        <a:font script="Viet" typeface="Times New Roman"/>
+        <a:font script="Uigh" typeface="Microsoft Uighur"/>
+        <a:font script="Geor" typeface="Sylfaen"/>
+        <a:font script="Armn" typeface="Arial"/>
+        <a:font script="Bugi" typeface="Leelawadee UI"/>
+        <a:font script="Bopo" typeface="Microsoft JhengHei"/>
+        <a:font script="Java" typeface="Javanese Text"/>
+        <a:font script="Lisu" typeface="Segoe UI"/>
+        <a:font script="Mymr" typeface="Myanmar Text"/>
+        <a:font script="Nkoo" typeface="Ebrima"/>
+        <a:font script="Olck" typeface="Nirmala UI"/>
+        <a:font script="Osma" typeface="Ebrima"/>
+        <a:font script="Phag" typeface="Phagspa"/>
+        <a:font script="Syrn" typeface="Estrangelo Edessa"/>
+        <a:font script="Syrj" typeface="Estrangelo Edessa"/>
+        <a:font script="Syre" typeface="Estrangelo Edessa"/>
+        <a:font script="Sora" typeface="Nirmala UI"/>
+        <a:font script="Tale" typeface="Microsoft Tai Le"/>
+        <a:font script="Talu" typeface="Microsoft New Tai Lue"/>
+        <a:font script="Tfng" typeface="Ebrima"/>
+      </a:majorFont>
+      <a:minorFont>
+        <a:latin typeface="Calibri" panose="020F0502020204030204"/>
+        <a:ea typeface=""/>
+        <a:cs typeface=""/>
+        <a:font script="Jpan" typeface="游ゴシック"/>
+        <a:font script="Hang" typeface="맑은 고딕"/>
+        <a:font script="Hans" typeface="等线"/>
+        <a:font script="Hant" typeface="新細明體"/>
+        <a:font script="Arab" typeface="Arial"/>
+        <a:font script="Hebr" typeface="Arial"/>
+        <a:font script="Thai" typeface="Cordia New"/>
+        <a:font script="Ethi" typeface="Nyala"/>
+        <a:font script="Beng" typeface="Vrinda"/>
+        <a:font script="Gujr" typeface="Shruti"/>
+        <a:font script="Khmr" typeface="DaunPenh"/>
+        <a:font script="Knda" typeface="Tunga"/>
+        <a:font script="Guru" typeface="Raavi"/>
+        <a:font script="Cans" typeface="Euphemia"/>
+        <a:font script="Cher" typeface="Plantagenet Cherokee"/>
+        <a:font script="Yiii" typeface="Microsoft Yi Baiti"/>
+        <a:font script="Tibt" typeface="Microsoft Himalaya"/>
+        <a:font script="Thaa" typeface="MV Boli"/>
+        <a:font script="Deva" typeface="Mangal"/>
+        <a:font script="Telu" typeface="Gautami"/>
+        <a:font script="Taml" typeface="Latha"/>
+        <a:font script="Syrc" typeface="Estrangelo Edessa"/>
+        <a:font script="Orya" typeface="Kalinga"/>
+        <a:font script="Mlym" typeface="Kartika"/>
+        <a:font script="Laoo" typeface="DokChampa"/>
+        <a:font script="Sinh" typeface="Iskoola Pota"/>
+        <a:font script="Mong" typeface="Mongolian Baiti"/>
+        <a:font script="Viet" typeface="Arial"/>
+        <a:font script="Uigh" typeface="Microsoft Uighur"/>
+        <a:font script="Geor" typeface="Sylfaen"/>
+        <a:font script="Armn" typeface="Arial"/>
+        <a:font script="Bugi" typeface="Leelawadee UI"/>
+        <a:font script="Bopo" typeface="Microsoft JhengHei"/>
+        <a:font script="Java" typeface="Javanese Text"/>
+        <a:font script="Lisu" typeface="Segoe UI"/>
+        <a:font script="Mymr" typeface="Myanmar Text"/>
+        <a:font script="Nkoo" typeface="Ebrima"/>
+        <a:font script="Olck" typeface="Nirmala UI"/>
+        <a:font script="Osma" typeface="Ebrima"/>
+        <a:font script="Phag" typeface="Phagspa"/>
+        <a:font script="Syrn" typeface="Estrangelo Edessa"/>
+        <a:font script="Syrj" typeface="Estrangelo Edessa"/>
+        <a:font script="Syre" typeface="Estrangelo Edessa"/>
+        <a:font script="Sora" typeface="Nirmala UI"/>
+        <a:font script="Tale" typeface="Microsoft Tai Le"/>
+        <a:font script="Talu" typeface="Microsoft New Tai Lue"/>
+        <a:font script="Tfng" typeface="Ebrima"/>
+      </a:minorFont>
+    </a:fontScheme>
+    <a:fmtScheme name="Office">
+      <a:fillStyleLst>
+        <a:solidFill>
+          <a:schemeClr val="phClr"/>
+        </a:solidFill>
+        <a:gradFill rotWithShape="1">
+          <a:gsLst>
+            <a:gs pos="0">
+              <a:schemeClr val="phClr">
+                <a:lumMod val="110000"/>
+                <a:satMod val="105000"/>
+                <a:tint val="67000"/>
+              </a:schemeClr>
+            </a:gs>
+            <a:gs pos="50000">
+              <a:schemeClr val="phClr">
+                <a:lumMod val="105000"/>
+                <a:satMod val="103000"/>
+                <a:tint val="73000"/>
+              </a:schemeClr>
+            </a:gs>
+            <a:gs pos="100000">
+              <a:schemeClr val="phClr">
+                <a:lumMod val="105000"/>
+                <a:satMod val="109000"/>
+                <a:tint val="81000"/>
+              </a:schemeClr>
+            </a:gs>
+          </a:gsLst>
+          <a:lin ang="5400000" scaled="0"/>
+        </a:gradFill>
+        <a:gradFill rotWithShape="1">
+          <a:gsLst>
+            <a:gs pos="0">
+              <a:schemeClr val="phClr">
+                <a:satMod val="103000"/>
+                <a:lumMod val="102000"/>
+                <a:tint val="94000"/>
+              </a:schemeClr>
+            </a:gs>
+            <a:gs pos="50000">
+              <a:schemeClr val="phClr">
+                <a:satMod val="110000"/>
+                <a:lumMod val="100000"/>
+                <a:shade val="100000"/>
+              </a:schemeClr>
+            </a:gs>
+            <a:gs pos="100000">
+              <a:schemeClr val="phClr">
+                <a:lumMod val="99000"/>
+                <a:satMod val="120000"/>
+                <a:shade val="78000"/>
+              </a:schemeClr>
+            </a:gs>
+          </a:gsLst>
+          <a:lin ang="5400000" scaled="0"/>
+        </a:gradFill>
+      </a:fillStyleLst>
+      <a:lnStyleLst>
+        <a:ln w="6350" cap="flat" cmpd="sng" algn="ctr">
+          <a:solidFill>
+            <a:schemeClr val="phClr"/>
+          </a:solidFill>
+          <a:prstDash val="solid"/>
+          <a:miter lim="800000"/>
+        </a:ln>
+        <a:ln w="12700" cap="flat" cmpd="sng" algn="ctr">
+          <a:solidFill>
+            <a:schemeClr val="phClr"/>
+          </a:solidFill>
+          <a:prstDash val="solid"/>
+          <a:miter lim="800000"/>
+        </a:ln>
+        <a:ln w="19050" cap="flat" cmpd="sng" algn="ctr">
+          <a:solidFill>
+            <a:schemeClr val="phClr"/>
+          </a:solidFill>
+          <a:prstDash val="solid"/>
+          <a:miter lim="800000"/>
+        </a:ln>
+      </a:lnStyleLst>
+      <a:effectStyleLst>
+        <a:effectStyle>
+          <a:effectLst/>
+        </a:effectStyle>
+        <a:effectStyle>
+          <a:effectLst/>
+        </a:effectStyle>
+        <a:effectStyle>
+          <a:effectLst>
+            <a:outerShdw blurRad="57150" dist="19050" dir="5400000" algn="ctr" rotWithShape="0">
+              <a:srgbClr val="000000">
+                <a:alpha val="63000"/>
+              </a:srgbClr>
+            </a:outerShdw>
+          </a:effectLst>
+        </a:effectStyle>
+      </a:effectStyleLst>
+      <a:bgFillStyleLst>
+        <a:solidFill>
+          <a:schemeClr val="phClr"/>
+        </a:solidFill>
+        <a:solidFill>
+          <a:schemeClr val="phClr">
+            <a:tint val="95000"/>
+            <a:satMod val="170000"/>
+          </a:schemeClr>
+        </a:solidFill>
+        <a:gradFill rotWithShape="1">
+          <a:gsLst>
+            <a:gs pos="0">
+              <a:schemeClr val="phClr">
+                <a:tint val="93000"/>
+                <a:satMod val="150000"/>
+                <a:shade val="98000"/>
+                <a:lumMod val="102000"/>
+              </a:schemeClr>
+            </a:gs>
+            <a:gs pos="50000">
+              <a:schemeClr val="phClr">
+                <a:tint val="98000"/>
+                <a:satMod val="130000"/>
+                <a:shade val="90000"/>
+                <a:lumMod val="103000"/>
+              </a:schemeClr>
+            </a:gs>
+            <a:gs pos="100000">
+              <a:schemeClr val="phClr">
+                <a:shade val="63000"/>
+                <a:satMod val="120000"/>
+              </a:schemeClr>
+            </a:gs>
+          </a:gsLst>
+          <a:lin ang="5400000" scaled="0"/>
+        </a:gradFill>
+      </a:bgFillStyleLst>
+    </a:fmtScheme>
+  </a:themeElements>
+  <a:objectDefaults/>
+  <a:extraClrSchemeLst/>
+  <a:extLst>
+    <a:ext uri="{05A4C25C-085E-4340-85A3-A5531E510DB2}">
+      <thm15:themeFamily xmlns:thm15="http://schemas.microsoft.com/office/thememl/2012/main" name="Office Theme" id="{62F939B6-93AF-4DB8-9C6B-D6C7DFDC589F}" vid="{4A3C46E8-61CC-4603-A589-7422A47A8E4A}"/>
+    </a:ext>
+  </a:extLst>
+</a:theme>
 </file>
--- a/Why We Must Ask Why of Machine Learning.pptx
+++ b/Why We Must Ask Why of Machine Learning.pptx
@@ -5,7 +5,7 @@
     <p:sldMasterId id="2147483648" r:id="rId1"/>
   </p:sldMasterIdLst>
   <p:notesMasterIdLst>
-    <p:notesMasterId r:id="rId10"/>
+    <p:notesMasterId r:id="rId15"/>
   </p:notesMasterIdLst>
   <p:sldIdLst>
     <p:sldId id="256" r:id="rId2"/>
@@ -15,7 +15,12 @@
     <p:sldId id="260" r:id="rId6"/>
     <p:sldId id="262" r:id="rId7"/>
     <p:sldId id="261" r:id="rId8"/>
-    <p:sldId id="263" r:id="rId9"/>
+    <p:sldId id="264" r:id="rId9"/>
+    <p:sldId id="265" r:id="rId10"/>
+    <p:sldId id="266" r:id="rId11"/>
+    <p:sldId id="267" r:id="rId12"/>
+    <p:sldId id="263" r:id="rId13"/>
+    <p:sldId id="268" r:id="rId14"/>
   </p:sldIdLst>
   <p:sldSz cx="12192000" cy="6858000"/>
   <p:notesSz cx="6858000" cy="9144000"/>
@@ -204,7 +209,7 @@
           <a:p>
             <a:fld id="{43B43CC5-0823-464A-8C91-20023191DC16}" type="datetimeFigureOut">
               <a:rPr lang="en-GB" smtClean="0"/>
-              <a:t>02/04/2023</a:t>
+              <a:t>05/04/2023</a:t>
             </a:fld>
             <a:endParaRPr lang="en-GB"/>
           </a:p>
@@ -556,6 +561,246 @@
 </p:notes>
 </file>
 
+<file path=ppt/notesSlides/notesSlide10.xml><?xml version="1.0" encoding="utf-8"?>
+<p:notes xmlns:a="http://schemas.openxmlformats.org/drawingml/2006/main" xmlns:r="http://schemas.openxmlformats.org/officeDocument/2006/relationships" xmlns:p="http://schemas.openxmlformats.org/presentationml/2006/main">
+  <p:cSld>
+    <p:spTree>
+      <p:nvGrpSpPr>
+        <p:cNvPr id="1" name=""/>
+        <p:cNvGrpSpPr/>
+        <p:nvPr/>
+      </p:nvGrpSpPr>
+      <p:grpSpPr>
+        <a:xfrm>
+          <a:off x="0" y="0"/>
+          <a:ext cx="0" cy="0"/>
+          <a:chOff x="0" y="0"/>
+          <a:chExt cx="0" cy="0"/>
+        </a:xfrm>
+      </p:grpSpPr>
+      <p:sp>
+        <p:nvSpPr>
+          <p:cNvPr id="2" name="Slide Image Placeholder 1"/>
+          <p:cNvSpPr>
+            <a:spLocks noGrp="1" noRot="1" noChangeAspect="1"/>
+          </p:cNvSpPr>
+          <p:nvPr>
+            <p:ph type="sldImg"/>
+          </p:nvPr>
+        </p:nvSpPr>
+        <p:spPr/>
+      </p:sp>
+      <p:sp>
+        <p:nvSpPr>
+          <p:cNvPr id="3" name="Notes Placeholder 2"/>
+          <p:cNvSpPr>
+            <a:spLocks noGrp="1"/>
+          </p:cNvSpPr>
+          <p:nvPr>
+            <p:ph type="body" idx="1"/>
+          </p:nvPr>
+        </p:nvSpPr>
+        <p:spPr/>
+        <p:txBody>
+          <a:bodyPr/>
+          <a:lstStyle/>
+          <a:p>
+            <a:r>
+              <a:rPr lang="en-GB" dirty="0"/>
+              <a:t>Emerging set of best practices around productionising ML</a:t>
+            </a:r>
+          </a:p>
+          <a:p>
+            <a:r>
+              <a:rPr lang="en-GB" dirty="0"/>
+              <a:t>Forms a feedback loop which can trigger to need to train a new model</a:t>
+            </a:r>
+          </a:p>
+          <a:p>
+            <a:r>
+              <a:rPr lang="en-GB" dirty="0"/>
+              <a:t>For example, over time a model may cease to be sufficiently generalised as the novel data moves away from the training data</a:t>
+            </a:r>
+          </a:p>
+          <a:p>
+            <a:r>
+              <a:rPr lang="en-GB" dirty="0"/>
+              <a:t>This should trigger the model be evolved or a new model be developed</a:t>
+            </a:r>
+          </a:p>
+          <a:p>
+            <a:endParaRPr lang="en-GB" dirty="0"/>
+          </a:p>
+          <a:p>
+            <a:r>
+              <a:rPr lang="en-GB" dirty="0"/>
+              <a:t>Future requests from XAI stakeholders may mean we need to be able to explain a historic model outcome</a:t>
+            </a:r>
+          </a:p>
+          <a:p>
+            <a:r>
+              <a:rPr lang="en-GB" dirty="0"/>
+              <a:t>Do we capture enough to be able to do that?</a:t>
+            </a:r>
+          </a:p>
+          <a:p>
+            <a:r>
+              <a:rPr lang="en-GB" dirty="0"/>
+              <a:t>Do we record the model outcome and it’s explainer outcomes?</a:t>
+            </a:r>
+          </a:p>
+        </p:txBody>
+      </p:sp>
+      <p:sp>
+        <p:nvSpPr>
+          <p:cNvPr id="4" name="Slide Number Placeholder 3"/>
+          <p:cNvSpPr>
+            <a:spLocks noGrp="1"/>
+          </p:cNvSpPr>
+          <p:nvPr>
+            <p:ph type="sldNum" sz="quarter" idx="5"/>
+          </p:nvPr>
+        </p:nvSpPr>
+        <p:spPr/>
+        <p:txBody>
+          <a:bodyPr/>
+          <a:lstStyle/>
+          <a:p>
+            <a:fld id="{07869F30-5F0B-4D33-8AEC-941C8824577E}" type="slidenum">
+              <a:rPr lang="en-GB" smtClean="0"/>
+              <a:t>11</a:t>
+            </a:fld>
+            <a:endParaRPr lang="en-GB"/>
+          </a:p>
+        </p:txBody>
+      </p:sp>
+    </p:spTree>
+    <p:extLst>
+      <p:ext uri="{BB962C8B-B14F-4D97-AF65-F5344CB8AC3E}">
+        <p14:creationId xmlns:p14="http://schemas.microsoft.com/office/powerpoint/2010/main" val="197462465"/>
+      </p:ext>
+    </p:extLst>
+  </p:cSld>
+  <p:clrMapOvr>
+    <a:masterClrMapping/>
+  </p:clrMapOvr>
+</p:notes>
+</file>
+
+<file path=ppt/notesSlides/notesSlide11.xml><?xml version="1.0" encoding="utf-8"?>
+<p:notes xmlns:a="http://schemas.openxmlformats.org/drawingml/2006/main" xmlns:r="http://schemas.openxmlformats.org/officeDocument/2006/relationships" xmlns:p="http://schemas.openxmlformats.org/presentationml/2006/main">
+  <p:cSld>
+    <p:spTree>
+      <p:nvGrpSpPr>
+        <p:cNvPr id="1" name=""/>
+        <p:cNvGrpSpPr/>
+        <p:nvPr/>
+      </p:nvGrpSpPr>
+      <p:grpSpPr>
+        <a:xfrm>
+          <a:off x="0" y="0"/>
+          <a:ext cx="0" cy="0"/>
+          <a:chOff x="0" y="0"/>
+          <a:chExt cx="0" cy="0"/>
+        </a:xfrm>
+      </p:grpSpPr>
+      <p:sp>
+        <p:nvSpPr>
+          <p:cNvPr id="2" name="Slide Image Placeholder 1"/>
+          <p:cNvSpPr>
+            <a:spLocks noGrp="1" noRot="1" noChangeAspect="1"/>
+          </p:cNvSpPr>
+          <p:nvPr>
+            <p:ph type="sldImg"/>
+          </p:nvPr>
+        </p:nvSpPr>
+        <p:spPr/>
+      </p:sp>
+      <p:sp>
+        <p:nvSpPr>
+          <p:cNvPr id="3" name="Notes Placeholder 2"/>
+          <p:cNvSpPr>
+            <a:spLocks noGrp="1"/>
+          </p:cNvSpPr>
+          <p:nvPr>
+            <p:ph type="body" idx="1"/>
+          </p:nvPr>
+        </p:nvSpPr>
+        <p:spPr/>
+        <p:txBody>
+          <a:bodyPr/>
+          <a:lstStyle/>
+          <a:p>
+            <a:r>
+              <a:rPr lang="en-GB" dirty="0"/>
+              <a:t>Be alert to AI not always getting it right</a:t>
+            </a:r>
+          </a:p>
+          <a:p>
+            <a:r>
+              <a:rPr lang="en-GB" dirty="0"/>
+              <a:t>Determine what XAI needs your specific scenario has</a:t>
+            </a:r>
+          </a:p>
+          <a:p>
+            <a:r>
+              <a:rPr lang="en-GB" dirty="0"/>
+              <a:t>Favour transparent over opaque models if possible</a:t>
+            </a:r>
+          </a:p>
+          <a:p>
+            <a:r>
+              <a:rPr lang="en-GB" dirty="0"/>
+              <a:t>Remember that your machine learning pipeline may need to produce extra artifacts (e.g. explainers)</a:t>
+            </a:r>
+          </a:p>
+          <a:p>
+            <a:r>
+              <a:rPr lang="en-GB" dirty="0"/>
+              <a:t>When buying models in, ask the vendor how they have met the explainability challenge</a:t>
+            </a:r>
+          </a:p>
+          <a:p>
+            <a:endParaRPr lang="en-GB" dirty="0"/>
+          </a:p>
+        </p:txBody>
+      </p:sp>
+      <p:sp>
+        <p:nvSpPr>
+          <p:cNvPr id="4" name="Slide Number Placeholder 3"/>
+          <p:cNvSpPr>
+            <a:spLocks noGrp="1"/>
+          </p:cNvSpPr>
+          <p:nvPr>
+            <p:ph type="sldNum" sz="quarter" idx="5"/>
+          </p:nvPr>
+        </p:nvSpPr>
+        <p:spPr/>
+        <p:txBody>
+          <a:bodyPr/>
+          <a:lstStyle/>
+          <a:p>
+            <a:fld id="{07869F30-5F0B-4D33-8AEC-941C8824577E}" type="slidenum">
+              <a:rPr lang="en-GB" smtClean="0"/>
+              <a:t>12</a:t>
+            </a:fld>
+            <a:endParaRPr lang="en-GB"/>
+          </a:p>
+        </p:txBody>
+      </p:sp>
+    </p:spTree>
+    <p:extLst>
+      <p:ext uri="{BB962C8B-B14F-4D97-AF65-F5344CB8AC3E}">
+        <p14:creationId xmlns:p14="http://schemas.microsoft.com/office/powerpoint/2010/main" val="2177805520"/>
+      </p:ext>
+    </p:extLst>
+  </p:cSld>
+  <p:clrMapOvr>
+    <a:masterClrMapping/>
+  </p:clrMapOvr>
+</p:notes>
+</file>
+
 <file path=ppt/notesSlides/notesSlide2.xml><?xml version="1.0" encoding="utf-8"?>
 <p:notes xmlns:a="http://schemas.openxmlformats.org/drawingml/2006/main" xmlns:r="http://schemas.openxmlformats.org/officeDocument/2006/relationships" xmlns:p="http://schemas.openxmlformats.org/presentationml/2006/main">
   <p:cSld>
@@ -600,7 +845,140 @@
           <a:bodyPr/>
           <a:lstStyle/>
           <a:p>
+            <a:r>
+              <a:rPr lang="en-GB" dirty="0"/>
+              <a:t>A sub-field of Artificial Intelligence</a:t>
+            </a:r>
+          </a:p>
+          <a:p>
             <a:endParaRPr lang="en-GB" dirty="0"/>
+          </a:p>
+          <a:p>
+            <a:pPr marL="171450" indent="-171450">
+              <a:buFont typeface="Arial" panose="020B0604020202020204" pitchFamily="34" charset="0"/>
+              <a:buChar char="•"/>
+            </a:pPr>
+            <a:r>
+              <a:rPr lang="en-GB" dirty="0"/>
+              <a:t>Supervised learning involves data that is labelled in some way</a:t>
+            </a:r>
+          </a:p>
+          <a:p>
+            <a:pPr marL="628650" lvl="1" indent="-171450">
+              <a:buFont typeface="Arial" panose="020B0604020202020204" pitchFamily="34" charset="0"/>
+              <a:buChar char="•"/>
+            </a:pPr>
+            <a:r>
+              <a:rPr lang="en-GB" dirty="0"/>
+              <a:t>Classification – assign data to categories</a:t>
+            </a:r>
+          </a:p>
+          <a:p>
+            <a:pPr marL="628650" lvl="1" indent="-171450">
+              <a:buFont typeface="Arial" panose="020B0604020202020204" pitchFamily="34" charset="0"/>
+              <a:buChar char="•"/>
+            </a:pPr>
+            <a:r>
+              <a:rPr lang="en-GB" dirty="0"/>
+              <a:t>Regression – find relationships between independent and dependent values where the output is a continuous value e.g. </a:t>
+            </a:r>
+          </a:p>
+          <a:p>
+            <a:pPr marL="171450" indent="-171450">
+              <a:buFont typeface="Arial" panose="020B0604020202020204" pitchFamily="34" charset="0"/>
+              <a:buChar char="•"/>
+            </a:pPr>
+            <a:r>
+              <a:rPr lang="en-GB" dirty="0"/>
+              <a:t>Unsupervised learning involves no labelled data</a:t>
+            </a:r>
+          </a:p>
+          <a:p>
+            <a:pPr marL="628650" lvl="1" indent="-171450">
+              <a:buFont typeface="Arial" panose="020B0604020202020204" pitchFamily="34" charset="0"/>
+              <a:buChar char="•"/>
+            </a:pPr>
+            <a:r>
+              <a:rPr lang="en-GB" dirty="0"/>
+              <a:t>Clustering – put similar things together</a:t>
+            </a:r>
+          </a:p>
+          <a:p>
+            <a:pPr marL="628650" lvl="1" indent="-171450">
+              <a:buFont typeface="Arial" panose="020B0604020202020204" pitchFamily="34" charset="0"/>
+              <a:buChar char="•"/>
+            </a:pPr>
+            <a:r>
+              <a:rPr lang="en-GB" dirty="0"/>
+              <a:t>Association – find relationships, good for recommendation engines</a:t>
+            </a:r>
+          </a:p>
+          <a:p>
+            <a:pPr marL="628650" lvl="1" indent="-171450">
+              <a:buFont typeface="Arial" panose="020B0604020202020204" pitchFamily="34" charset="0"/>
+              <a:buChar char="•"/>
+            </a:pPr>
+            <a:r>
+              <a:rPr lang="en-GB" dirty="0"/>
+              <a:t>Dimensionality Reduction – reduce the number of features in a dataset without harming integrity</a:t>
+            </a:r>
+          </a:p>
+          <a:p>
+            <a:pPr marL="171450" indent="-171450">
+              <a:buFont typeface="Arial" panose="020B0604020202020204" pitchFamily="34" charset="0"/>
+              <a:buChar char="•"/>
+            </a:pPr>
+            <a:r>
+              <a:rPr lang="en-GB" dirty="0"/>
+              <a:t>Semi-supervised learning has a small amount of labelled data and large amount of unlabelled data</a:t>
+            </a:r>
+          </a:p>
+          <a:p>
+            <a:pPr marL="171450" indent="-171450">
+              <a:buFont typeface="Arial" panose="020B0604020202020204" pitchFamily="34" charset="0"/>
+              <a:buChar char="•"/>
+            </a:pPr>
+            <a:r>
+              <a:rPr lang="en-GB" dirty="0"/>
+              <a:t>Reinforcement</a:t>
+            </a:r>
+          </a:p>
+          <a:p>
+            <a:pPr marL="628650" lvl="1" indent="-171450">
+              <a:buFont typeface="Arial" panose="020B0604020202020204" pitchFamily="34" charset="0"/>
+              <a:buChar char="•"/>
+            </a:pPr>
+            <a:r>
+              <a:rPr lang="en-GB" dirty="0"/>
+              <a:t>Reward or punish the AI to encourage/discourage behaviour</a:t>
+            </a:r>
+          </a:p>
+          <a:p>
+            <a:pPr marL="171450" indent="-171450">
+              <a:buFont typeface="Arial" panose="020B0604020202020204" pitchFamily="34" charset="0"/>
+              <a:buChar char="•"/>
+            </a:pPr>
+            <a:endParaRPr lang="en-GB" dirty="0"/>
+          </a:p>
+          <a:p>
+            <a:pPr marL="0" indent="0">
+              <a:buFont typeface="Arial" panose="020B0604020202020204" pitchFamily="34" charset="0"/>
+              <a:buNone/>
+            </a:pPr>
+            <a:r>
+              <a:rPr lang="en-GB" dirty="0"/>
+              <a:t>Instead of specific instructions that represent the rules to the machine</a:t>
+            </a:r>
+          </a:p>
+          <a:p>
+            <a:pPr marL="0" indent="0">
+              <a:buFont typeface="Arial" panose="020B0604020202020204" pitchFamily="34" charset="0"/>
+              <a:buNone/>
+            </a:pPr>
+            <a:r>
+              <a:rPr lang="en-GB" dirty="0"/>
+              <a:t>We provide this data and the machine attempts to derive the rules from the dataset</a:t>
+            </a:r>
           </a:p>
         </p:txBody>
       </p:sp>
@@ -631,6 +1009,1158 @@
     <p:extLst>
       <p:ext uri="{BB962C8B-B14F-4D97-AF65-F5344CB8AC3E}">
         <p14:creationId xmlns:p14="http://schemas.microsoft.com/office/powerpoint/2010/main" val="2328428070"/>
+      </p:ext>
+    </p:extLst>
+  </p:cSld>
+  <p:clrMapOvr>
+    <a:masterClrMapping/>
+  </p:clrMapOvr>
+</p:notes>
+</file>
+
+<file path=ppt/notesSlides/notesSlide3.xml><?xml version="1.0" encoding="utf-8"?>
+<p:notes xmlns:a="http://schemas.openxmlformats.org/drawingml/2006/main" xmlns:r="http://schemas.openxmlformats.org/officeDocument/2006/relationships" xmlns:p="http://schemas.openxmlformats.org/presentationml/2006/main">
+  <p:cSld>
+    <p:spTree>
+      <p:nvGrpSpPr>
+        <p:cNvPr id="1" name=""/>
+        <p:cNvGrpSpPr/>
+        <p:nvPr/>
+      </p:nvGrpSpPr>
+      <p:grpSpPr>
+        <a:xfrm>
+          <a:off x="0" y="0"/>
+          <a:ext cx="0" cy="0"/>
+          <a:chOff x="0" y="0"/>
+          <a:chExt cx="0" cy="0"/>
+        </a:xfrm>
+      </p:grpSpPr>
+      <p:sp>
+        <p:nvSpPr>
+          <p:cNvPr id="2" name="Slide Image Placeholder 1"/>
+          <p:cNvSpPr>
+            <a:spLocks noGrp="1" noRot="1" noChangeAspect="1"/>
+          </p:cNvSpPr>
+          <p:nvPr>
+            <p:ph type="sldImg"/>
+          </p:nvPr>
+        </p:nvSpPr>
+        <p:spPr/>
+      </p:sp>
+      <p:sp>
+        <p:nvSpPr>
+          <p:cNvPr id="3" name="Notes Placeholder 2"/>
+          <p:cNvSpPr>
+            <a:spLocks noGrp="1"/>
+          </p:cNvSpPr>
+          <p:nvPr>
+            <p:ph type="body" idx="1"/>
+          </p:nvPr>
+        </p:nvSpPr>
+        <p:spPr/>
+        <p:txBody>
+          <a:bodyPr/>
+          <a:lstStyle/>
+          <a:p>
+            <a:r>
+              <a:rPr lang="en-GB" dirty="0"/>
+              <a:t>Models are trained to consume input and make a prediction or take some action</a:t>
+            </a:r>
+          </a:p>
+          <a:p>
+            <a:r>
+              <a:rPr lang="en-GB" dirty="0"/>
+              <a:t>Can obtain very high accuracy levels</a:t>
+            </a:r>
+          </a:p>
+          <a:p>
+            <a:r>
+              <a:rPr lang="en-GB" dirty="0"/>
+              <a:t>But are not perfect and should not be blindly trusted</a:t>
+            </a:r>
+          </a:p>
+          <a:p>
+            <a:endParaRPr lang="en-GB" dirty="0"/>
+          </a:p>
+          <a:p>
+            <a:r>
+              <a:rPr lang="en-GB" dirty="0"/>
+              <a:t>Researchers in 2018 found that a CNN could look at the wrong thing</a:t>
+            </a:r>
+          </a:p>
+          <a:p>
+            <a:r>
+              <a:rPr lang="en-GB" dirty="0"/>
+              <a:t>During training an AI recognised that portable scans were stamped as such</a:t>
+            </a:r>
+          </a:p>
+          <a:p>
+            <a:r>
+              <a:rPr lang="en-GB" dirty="0"/>
+              <a:t>The model found a correlation between portable scans and pneumonia likelihood and began looking for the portable stamp rather than evidence of pneumonia</a:t>
+            </a:r>
+          </a:p>
+          <a:p>
+            <a:endParaRPr lang="en-GB" dirty="0"/>
+          </a:p>
+          <a:p>
+            <a:r>
+              <a:rPr lang="en-GB" dirty="0"/>
+              <a:t>Organisations attempting to sell their model are disincentivised from making too much public</a:t>
+            </a:r>
+          </a:p>
+          <a:p>
+            <a:r>
+              <a:rPr lang="en-GB" dirty="0"/>
+              <a:t>How and with what were the model trained, what is their internal configuration, what are the weights</a:t>
+            </a:r>
+          </a:p>
+          <a:p>
+            <a:endParaRPr lang="en-GB" dirty="0"/>
+          </a:p>
+          <a:p>
+            <a:r>
+              <a:rPr lang="en-GB" dirty="0"/>
+              <a:t>Humans are limited as to how much they can hold in their brains at once 7±2</a:t>
+            </a:r>
+          </a:p>
+          <a:p>
+            <a:r>
+              <a:rPr lang="en-GB" dirty="0"/>
+              <a:t>Some models are incredibly complex to the point where the become impenetrable</a:t>
+            </a:r>
+          </a:p>
+        </p:txBody>
+      </p:sp>
+      <p:sp>
+        <p:nvSpPr>
+          <p:cNvPr id="4" name="Slide Number Placeholder 3"/>
+          <p:cNvSpPr>
+            <a:spLocks noGrp="1"/>
+          </p:cNvSpPr>
+          <p:nvPr>
+            <p:ph type="sldNum" sz="quarter" idx="5"/>
+          </p:nvPr>
+        </p:nvSpPr>
+        <p:spPr/>
+        <p:txBody>
+          <a:bodyPr/>
+          <a:lstStyle/>
+          <a:p>
+            <a:fld id="{07869F30-5F0B-4D33-8AEC-941C8824577E}" type="slidenum">
+              <a:rPr lang="en-GB" smtClean="0"/>
+              <a:t>4</a:t>
+            </a:fld>
+            <a:endParaRPr lang="en-GB"/>
+          </a:p>
+        </p:txBody>
+      </p:sp>
+    </p:spTree>
+    <p:extLst>
+      <p:ext uri="{BB962C8B-B14F-4D97-AF65-F5344CB8AC3E}">
+        <p14:creationId xmlns:p14="http://schemas.microsoft.com/office/powerpoint/2010/main" val="2822137148"/>
+      </p:ext>
+    </p:extLst>
+  </p:cSld>
+  <p:clrMapOvr>
+    <a:masterClrMapping/>
+  </p:clrMapOvr>
+</p:notes>
+</file>
+
+<file path=ppt/notesSlides/notesSlide4.xml><?xml version="1.0" encoding="utf-8"?>
+<p:notes xmlns:a="http://schemas.openxmlformats.org/drawingml/2006/main" xmlns:r="http://schemas.openxmlformats.org/officeDocument/2006/relationships" xmlns:p="http://schemas.openxmlformats.org/presentationml/2006/main">
+  <p:cSld>
+    <p:spTree>
+      <p:nvGrpSpPr>
+        <p:cNvPr id="1" name=""/>
+        <p:cNvGrpSpPr/>
+        <p:nvPr/>
+      </p:nvGrpSpPr>
+      <p:grpSpPr>
+        <a:xfrm>
+          <a:off x="0" y="0"/>
+          <a:ext cx="0" cy="0"/>
+          <a:chOff x="0" y="0"/>
+          <a:chExt cx="0" cy="0"/>
+        </a:xfrm>
+      </p:grpSpPr>
+      <p:sp>
+        <p:nvSpPr>
+          <p:cNvPr id="2" name="Slide Image Placeholder 1"/>
+          <p:cNvSpPr>
+            <a:spLocks noGrp="1" noRot="1" noChangeAspect="1"/>
+          </p:cNvSpPr>
+          <p:nvPr>
+            <p:ph type="sldImg"/>
+          </p:nvPr>
+        </p:nvSpPr>
+        <p:spPr/>
+      </p:sp>
+      <p:sp>
+        <p:nvSpPr>
+          <p:cNvPr id="3" name="Notes Placeholder 2"/>
+          <p:cNvSpPr>
+            <a:spLocks noGrp="1"/>
+          </p:cNvSpPr>
+          <p:nvPr>
+            <p:ph type="body" idx="1"/>
+          </p:nvPr>
+        </p:nvSpPr>
+        <p:spPr/>
+        <p:txBody>
+          <a:bodyPr/>
+          <a:lstStyle/>
+          <a:p>
+            <a:r>
+              <a:rPr lang="en-GB" dirty="0"/>
+              <a:t>Expert Systems developed in the 70s and 80s discovered a need for explainability</a:t>
+            </a:r>
+          </a:p>
+          <a:p>
+            <a:r>
+              <a:rPr lang="en-GB" dirty="0"/>
+              <a:t>Both to aid system development and the grow user trust</a:t>
+            </a:r>
+          </a:p>
+          <a:p>
+            <a:endParaRPr lang="en-GB" dirty="0"/>
+          </a:p>
+          <a:p>
+            <a:r>
+              <a:rPr lang="en-GB" dirty="0"/>
+              <a:t>An active area of research within the AI community</a:t>
+            </a:r>
+          </a:p>
+          <a:p>
+            <a:endParaRPr lang="en-GB" dirty="0"/>
+          </a:p>
+          <a:p>
+            <a:r>
+              <a:rPr lang="en-GB" dirty="0"/>
+              <a:t>Mixture of terms being used within the XAI umbrella</a:t>
+            </a:r>
+          </a:p>
+          <a:p>
+            <a:pPr marL="171450" indent="-171450">
+              <a:buFont typeface="Arial" panose="020B0604020202020204" pitchFamily="34" charset="0"/>
+              <a:buChar char="•"/>
+            </a:pPr>
+            <a:r>
+              <a:rPr lang="en-GB" dirty="0"/>
+              <a:t>Interpretability – a model is inherently understandable by a domain expert</a:t>
+            </a:r>
+          </a:p>
+          <a:p>
+            <a:pPr marL="171450" indent="-171450">
+              <a:buFont typeface="Arial" panose="020B0604020202020204" pitchFamily="34" charset="0"/>
+              <a:buChar char="•"/>
+            </a:pPr>
+            <a:r>
+              <a:rPr lang="en-GB" dirty="0"/>
+              <a:t>Explainability – a mechanism by which a prediction reason (or semi-reason) can be extracted</a:t>
+            </a:r>
+          </a:p>
+          <a:p>
+            <a:pPr marL="0" indent="0">
+              <a:buFont typeface="Arial" panose="020B0604020202020204" pitchFamily="34" charset="0"/>
+              <a:buNone/>
+            </a:pPr>
+            <a:endParaRPr lang="en-GB" dirty="0"/>
+          </a:p>
+          <a:p>
+            <a:pPr marL="0" indent="0">
+              <a:buFont typeface="Arial" panose="020B0604020202020204" pitchFamily="34" charset="0"/>
+              <a:buNone/>
+            </a:pPr>
+            <a:r>
+              <a:rPr lang="en-GB" dirty="0"/>
+              <a:t>Increasing Importance</a:t>
+            </a:r>
+          </a:p>
+          <a:p>
+            <a:pPr marL="171450" indent="-171450">
+              <a:buFont typeface="Arial" panose="020B0604020202020204" pitchFamily="34" charset="0"/>
+              <a:buChar char="•"/>
+            </a:pPr>
+            <a:r>
+              <a:rPr lang="en-GB" dirty="0"/>
+              <a:t>EU Artificial Intelligence Act reached draft proposal in April 2021</a:t>
+            </a:r>
+          </a:p>
+          <a:p>
+            <a:pPr marL="171450" indent="-171450">
+              <a:buFont typeface="Arial" panose="020B0604020202020204" pitchFamily="34" charset="0"/>
+              <a:buChar char="•"/>
+            </a:pPr>
+            <a:r>
+              <a:rPr lang="en-GB" dirty="0"/>
+              <a:t>Italy banning the use of Chat-GPT over privacy concerns</a:t>
+            </a:r>
+          </a:p>
+          <a:p>
+            <a:pPr marL="171450" indent="-171450">
+              <a:buFont typeface="Arial" panose="020B0604020202020204" pitchFamily="34" charset="0"/>
+              <a:buChar char="•"/>
+            </a:pPr>
+            <a:r>
+              <a:rPr lang="en-GB" dirty="0"/>
+              <a:t>Organisations are building products to aid in this space (e.g. IBM’s AI Explainability 360 toolkit)</a:t>
+            </a:r>
+          </a:p>
+          <a:p>
+            <a:pPr marL="171450" indent="-171450">
+              <a:buFont typeface="Arial" panose="020B0604020202020204" pitchFamily="34" charset="0"/>
+              <a:buChar char="•"/>
+            </a:pPr>
+            <a:r>
+              <a:rPr lang="en-GB" dirty="0"/>
+              <a:t>From estimated $3.5bn in 2020 to $21bn by 2030 (Research Markets Nov. 2021)</a:t>
+            </a:r>
+          </a:p>
+        </p:txBody>
+      </p:sp>
+      <p:sp>
+        <p:nvSpPr>
+          <p:cNvPr id="4" name="Slide Number Placeholder 3"/>
+          <p:cNvSpPr>
+            <a:spLocks noGrp="1"/>
+          </p:cNvSpPr>
+          <p:nvPr>
+            <p:ph type="sldNum" sz="quarter" idx="5"/>
+          </p:nvPr>
+        </p:nvSpPr>
+        <p:spPr/>
+        <p:txBody>
+          <a:bodyPr/>
+          <a:lstStyle/>
+          <a:p>
+            <a:fld id="{07869F30-5F0B-4D33-8AEC-941C8824577E}" type="slidenum">
+              <a:rPr lang="en-GB" smtClean="0"/>
+              <a:t>5</a:t>
+            </a:fld>
+            <a:endParaRPr lang="en-GB"/>
+          </a:p>
+        </p:txBody>
+      </p:sp>
+    </p:spTree>
+    <p:extLst>
+      <p:ext uri="{BB962C8B-B14F-4D97-AF65-F5344CB8AC3E}">
+        <p14:creationId xmlns:p14="http://schemas.microsoft.com/office/powerpoint/2010/main" val="684808771"/>
+      </p:ext>
+    </p:extLst>
+  </p:cSld>
+  <p:clrMapOvr>
+    <a:masterClrMapping/>
+  </p:clrMapOvr>
+</p:notes>
+</file>
+
+<file path=ppt/notesSlides/notesSlide5.xml><?xml version="1.0" encoding="utf-8"?>
+<p:notes xmlns:a="http://schemas.openxmlformats.org/drawingml/2006/main" xmlns:r="http://schemas.openxmlformats.org/officeDocument/2006/relationships" xmlns:p="http://schemas.openxmlformats.org/presentationml/2006/main">
+  <p:cSld>
+    <p:spTree>
+      <p:nvGrpSpPr>
+        <p:cNvPr id="1" name=""/>
+        <p:cNvGrpSpPr/>
+        <p:nvPr/>
+      </p:nvGrpSpPr>
+      <p:grpSpPr>
+        <a:xfrm>
+          <a:off x="0" y="0"/>
+          <a:ext cx="0" cy="0"/>
+          <a:chOff x="0" y="0"/>
+          <a:chExt cx="0" cy="0"/>
+        </a:xfrm>
+      </p:grpSpPr>
+      <p:sp>
+        <p:nvSpPr>
+          <p:cNvPr id="2" name="Slide Image Placeholder 1"/>
+          <p:cNvSpPr>
+            <a:spLocks noGrp="1" noRot="1" noChangeAspect="1"/>
+          </p:cNvSpPr>
+          <p:nvPr>
+            <p:ph type="sldImg"/>
+          </p:nvPr>
+        </p:nvSpPr>
+        <p:spPr/>
+      </p:sp>
+      <p:sp>
+        <p:nvSpPr>
+          <p:cNvPr id="3" name="Notes Placeholder 2"/>
+          <p:cNvSpPr>
+            <a:spLocks noGrp="1"/>
+          </p:cNvSpPr>
+          <p:nvPr>
+            <p:ph type="body" idx="1"/>
+          </p:nvPr>
+        </p:nvSpPr>
+        <p:spPr/>
+        <p:txBody>
+          <a:bodyPr/>
+          <a:lstStyle/>
+          <a:p>
+            <a:r>
+              <a:rPr lang="en-GB" dirty="0"/>
+              <a:t>Developers</a:t>
+            </a:r>
+          </a:p>
+          <a:p>
+            <a:pPr marL="171450" indent="-171450">
+              <a:buFont typeface="Arial" panose="020B0604020202020204" pitchFamily="34" charset="0"/>
+              <a:buChar char="•"/>
+            </a:pPr>
+            <a:r>
+              <a:rPr lang="en-GB" dirty="0"/>
+              <a:t>System Testing</a:t>
+            </a:r>
+          </a:p>
+          <a:p>
+            <a:pPr marL="171450" indent="-171450">
+              <a:buFont typeface="Arial" panose="020B0604020202020204" pitchFamily="34" charset="0"/>
+              <a:buChar char="•"/>
+            </a:pPr>
+            <a:r>
+              <a:rPr lang="en-GB" dirty="0"/>
+              <a:t>Debugging</a:t>
+            </a:r>
+          </a:p>
+          <a:p>
+            <a:pPr marL="171450" indent="-171450">
+              <a:buFont typeface="Arial" panose="020B0604020202020204" pitchFamily="34" charset="0"/>
+              <a:buChar char="•"/>
+            </a:pPr>
+            <a:r>
+              <a:rPr lang="en-GB" dirty="0"/>
+              <a:t>Evaluating Results</a:t>
+            </a:r>
+          </a:p>
+          <a:p>
+            <a:pPr marL="0" indent="0">
+              <a:buFont typeface="Arial" panose="020B0604020202020204" pitchFamily="34" charset="0"/>
+              <a:buNone/>
+            </a:pPr>
+            <a:endParaRPr lang="en-GB" dirty="0"/>
+          </a:p>
+          <a:p>
+            <a:pPr marL="0" indent="0">
+              <a:buFont typeface="Arial" panose="020B0604020202020204" pitchFamily="34" charset="0"/>
+              <a:buNone/>
+            </a:pPr>
+            <a:r>
+              <a:rPr lang="en-GB" dirty="0"/>
+              <a:t>Users</a:t>
+            </a:r>
+          </a:p>
+          <a:p>
+            <a:pPr marL="171450" indent="-171450">
+              <a:buFont typeface="Arial" panose="020B0604020202020204" pitchFamily="34" charset="0"/>
+              <a:buChar char="•"/>
+            </a:pPr>
+            <a:r>
+              <a:rPr lang="en-GB" dirty="0"/>
+              <a:t>Should I act based on this prediction</a:t>
+            </a:r>
+          </a:p>
+          <a:p>
+            <a:pPr marL="171450" indent="-171450">
+              <a:buFont typeface="Arial" panose="020B0604020202020204" pitchFamily="34" charset="0"/>
+              <a:buChar char="•"/>
+            </a:pPr>
+            <a:r>
+              <a:rPr lang="en-GB" dirty="0"/>
+              <a:t>How do I justify my action</a:t>
+            </a:r>
+          </a:p>
+          <a:p>
+            <a:pPr marL="171450" indent="-171450">
+              <a:buFont typeface="Arial" panose="020B0604020202020204" pitchFamily="34" charset="0"/>
+              <a:buChar char="•"/>
+            </a:pPr>
+            <a:r>
+              <a:rPr lang="en-GB" dirty="0"/>
+              <a:t>Do I trust this outcome</a:t>
+            </a:r>
+          </a:p>
+          <a:p>
+            <a:pPr marL="171450" indent="-171450">
+              <a:buFont typeface="Arial" panose="020B0604020202020204" pitchFamily="34" charset="0"/>
+              <a:buChar char="•"/>
+            </a:pPr>
+            <a:endParaRPr lang="en-GB" dirty="0"/>
+          </a:p>
+          <a:p>
+            <a:pPr marL="0" indent="0">
+              <a:buFont typeface="Arial" panose="020B0604020202020204" pitchFamily="34" charset="0"/>
+              <a:buNone/>
+            </a:pPr>
+            <a:r>
+              <a:rPr lang="en-GB" dirty="0"/>
+              <a:t>Theorists</a:t>
+            </a:r>
+          </a:p>
+          <a:p>
+            <a:pPr marL="171450" indent="-171450">
+              <a:buFont typeface="Arial" panose="020B0604020202020204" pitchFamily="34" charset="0"/>
+              <a:buChar char="•"/>
+            </a:pPr>
+            <a:r>
+              <a:rPr lang="en-GB" dirty="0"/>
+              <a:t>Mostly academics and researchers</a:t>
+            </a:r>
+          </a:p>
+          <a:p>
+            <a:pPr marL="171450" indent="-171450">
+              <a:buFont typeface="Arial" panose="020B0604020202020204" pitchFamily="34" charset="0"/>
+              <a:buChar char="•"/>
+            </a:pPr>
+            <a:r>
+              <a:rPr lang="en-GB" dirty="0"/>
+              <a:t>Pushing the boundaries</a:t>
+            </a:r>
+          </a:p>
+          <a:p>
+            <a:pPr marL="171450" indent="-171450">
+              <a:buFont typeface="Arial" panose="020B0604020202020204" pitchFamily="34" charset="0"/>
+              <a:buChar char="•"/>
+            </a:pPr>
+            <a:r>
+              <a:rPr lang="en-GB" dirty="0"/>
+              <a:t>May be more interested in models being easier to understand rather than explain outputs</a:t>
+            </a:r>
+          </a:p>
+          <a:p>
+            <a:pPr marL="0" indent="0">
+              <a:buFont typeface="Arial" panose="020B0604020202020204" pitchFamily="34" charset="0"/>
+              <a:buNone/>
+            </a:pPr>
+            <a:endParaRPr lang="en-GB" dirty="0"/>
+          </a:p>
+          <a:p>
+            <a:pPr marL="0" indent="0">
+              <a:buFont typeface="Arial" panose="020B0604020202020204" pitchFamily="34" charset="0"/>
+              <a:buNone/>
+            </a:pPr>
+            <a:r>
+              <a:rPr lang="en-GB" dirty="0"/>
+              <a:t>Ethicists</a:t>
+            </a:r>
+          </a:p>
+          <a:p>
+            <a:pPr marL="171450" indent="-171450">
+              <a:buFont typeface="Arial" panose="020B0604020202020204" pitchFamily="34" charset="0"/>
+              <a:buChar char="•"/>
+            </a:pPr>
+            <a:r>
+              <a:rPr lang="en-GB" dirty="0"/>
+              <a:t>Interested in Fairness, Accountability, and Transparency of AI systems</a:t>
+            </a:r>
+          </a:p>
+          <a:p>
+            <a:pPr marL="171450" indent="-171450">
+              <a:buFont typeface="Arial" panose="020B0604020202020204" pitchFamily="34" charset="0"/>
+              <a:buChar char="•"/>
+            </a:pPr>
+            <a:r>
+              <a:rPr lang="en-GB" dirty="0"/>
+              <a:t>Wide section of society</a:t>
+            </a:r>
+          </a:p>
+          <a:p>
+            <a:pPr marL="171450" indent="-171450">
+              <a:buFont typeface="Arial" panose="020B0604020202020204" pitchFamily="34" charset="0"/>
+              <a:buChar char="•"/>
+            </a:pPr>
+            <a:r>
+              <a:rPr lang="en-GB" dirty="0"/>
+              <a:t>Regulators, Legislatures</a:t>
+            </a:r>
+          </a:p>
+        </p:txBody>
+      </p:sp>
+      <p:sp>
+        <p:nvSpPr>
+          <p:cNvPr id="4" name="Slide Number Placeholder 3"/>
+          <p:cNvSpPr>
+            <a:spLocks noGrp="1"/>
+          </p:cNvSpPr>
+          <p:nvPr>
+            <p:ph type="sldNum" sz="quarter" idx="5"/>
+          </p:nvPr>
+        </p:nvSpPr>
+        <p:spPr/>
+        <p:txBody>
+          <a:bodyPr/>
+          <a:lstStyle/>
+          <a:p>
+            <a:fld id="{07869F30-5F0B-4D33-8AEC-941C8824577E}" type="slidenum">
+              <a:rPr lang="en-GB" smtClean="0"/>
+              <a:t>6</a:t>
+            </a:fld>
+            <a:endParaRPr lang="en-GB"/>
+          </a:p>
+        </p:txBody>
+      </p:sp>
+    </p:spTree>
+    <p:extLst>
+      <p:ext uri="{BB962C8B-B14F-4D97-AF65-F5344CB8AC3E}">
+        <p14:creationId xmlns:p14="http://schemas.microsoft.com/office/powerpoint/2010/main" val="1842525742"/>
+      </p:ext>
+    </p:extLst>
+  </p:cSld>
+  <p:clrMapOvr>
+    <a:masterClrMapping/>
+  </p:clrMapOvr>
+</p:notes>
+</file>
+
+<file path=ppt/notesSlides/notesSlide6.xml><?xml version="1.0" encoding="utf-8"?>
+<p:notes xmlns:a="http://schemas.openxmlformats.org/drawingml/2006/main" xmlns:r="http://schemas.openxmlformats.org/officeDocument/2006/relationships" xmlns:p="http://schemas.openxmlformats.org/presentationml/2006/main">
+  <p:cSld>
+    <p:spTree>
+      <p:nvGrpSpPr>
+        <p:cNvPr id="1" name=""/>
+        <p:cNvGrpSpPr/>
+        <p:nvPr/>
+      </p:nvGrpSpPr>
+      <p:grpSpPr>
+        <a:xfrm>
+          <a:off x="0" y="0"/>
+          <a:ext cx="0" cy="0"/>
+          <a:chOff x="0" y="0"/>
+          <a:chExt cx="0" cy="0"/>
+        </a:xfrm>
+      </p:grpSpPr>
+      <p:sp>
+        <p:nvSpPr>
+          <p:cNvPr id="2" name="Slide Image Placeholder 1"/>
+          <p:cNvSpPr>
+            <a:spLocks noGrp="1" noRot="1" noChangeAspect="1"/>
+          </p:cNvSpPr>
+          <p:nvPr>
+            <p:ph type="sldImg"/>
+          </p:nvPr>
+        </p:nvSpPr>
+        <p:spPr/>
+      </p:sp>
+      <p:sp>
+        <p:nvSpPr>
+          <p:cNvPr id="3" name="Notes Placeholder 2"/>
+          <p:cNvSpPr>
+            <a:spLocks noGrp="1"/>
+          </p:cNvSpPr>
+          <p:nvPr>
+            <p:ph type="body" idx="1"/>
+          </p:nvPr>
+        </p:nvSpPr>
+        <p:spPr/>
+        <p:txBody>
+          <a:bodyPr/>
+          <a:lstStyle/>
+          <a:p>
+            <a:endParaRPr lang="en-GB" dirty="0"/>
+          </a:p>
+        </p:txBody>
+      </p:sp>
+      <p:sp>
+        <p:nvSpPr>
+          <p:cNvPr id="4" name="Slide Number Placeholder 3"/>
+          <p:cNvSpPr>
+            <a:spLocks noGrp="1"/>
+          </p:cNvSpPr>
+          <p:nvPr>
+            <p:ph type="sldNum" sz="quarter" idx="5"/>
+          </p:nvPr>
+        </p:nvSpPr>
+        <p:spPr/>
+        <p:txBody>
+          <a:bodyPr/>
+          <a:lstStyle/>
+          <a:p>
+            <a:fld id="{07869F30-5F0B-4D33-8AEC-941C8824577E}" type="slidenum">
+              <a:rPr lang="en-GB" smtClean="0"/>
+              <a:t>7</a:t>
+            </a:fld>
+            <a:endParaRPr lang="en-GB"/>
+          </a:p>
+        </p:txBody>
+      </p:sp>
+    </p:spTree>
+    <p:extLst>
+      <p:ext uri="{BB962C8B-B14F-4D97-AF65-F5344CB8AC3E}">
+        <p14:creationId xmlns:p14="http://schemas.microsoft.com/office/powerpoint/2010/main" val="2830987384"/>
+      </p:ext>
+    </p:extLst>
+  </p:cSld>
+  <p:clrMapOvr>
+    <a:masterClrMapping/>
+  </p:clrMapOvr>
+</p:notes>
+</file>
+
+<file path=ppt/notesSlides/notesSlide7.xml><?xml version="1.0" encoding="utf-8"?>
+<p:notes xmlns:a="http://schemas.openxmlformats.org/drawingml/2006/main" xmlns:r="http://schemas.openxmlformats.org/officeDocument/2006/relationships" xmlns:p="http://schemas.openxmlformats.org/presentationml/2006/main">
+  <p:cSld>
+    <p:spTree>
+      <p:nvGrpSpPr>
+        <p:cNvPr id="1" name=""/>
+        <p:cNvGrpSpPr/>
+        <p:nvPr/>
+      </p:nvGrpSpPr>
+      <p:grpSpPr>
+        <a:xfrm>
+          <a:off x="0" y="0"/>
+          <a:ext cx="0" cy="0"/>
+          <a:chOff x="0" y="0"/>
+          <a:chExt cx="0" cy="0"/>
+        </a:xfrm>
+      </p:grpSpPr>
+      <p:sp>
+        <p:nvSpPr>
+          <p:cNvPr id="2" name="Slide Image Placeholder 1"/>
+          <p:cNvSpPr>
+            <a:spLocks noGrp="1" noRot="1" noChangeAspect="1"/>
+          </p:cNvSpPr>
+          <p:nvPr>
+            <p:ph type="sldImg"/>
+          </p:nvPr>
+        </p:nvSpPr>
+        <p:spPr/>
+      </p:sp>
+      <p:sp>
+        <p:nvSpPr>
+          <p:cNvPr id="3" name="Notes Placeholder 2"/>
+          <p:cNvSpPr>
+            <a:spLocks noGrp="1"/>
+          </p:cNvSpPr>
+          <p:nvPr>
+            <p:ph type="body" idx="1"/>
+          </p:nvPr>
+        </p:nvSpPr>
+        <p:spPr/>
+        <p:txBody>
+          <a:bodyPr/>
+          <a:lstStyle/>
+          <a:p>
+            <a:r>
+              <a:rPr lang="en-GB" dirty="0"/>
+              <a:t>60,000 in the training set</a:t>
+            </a:r>
+          </a:p>
+          <a:p>
+            <a:r>
+              <a:rPr lang="en-GB" dirty="0"/>
+              <a:t>10,000 in the test set</a:t>
+            </a:r>
+          </a:p>
+          <a:p>
+            <a:endParaRPr lang="en-GB" dirty="0"/>
+          </a:p>
+          <a:p>
+            <a:r>
+              <a:rPr lang="en-GB" dirty="0"/>
+              <a:t>32 filters, each of them with size 3x3 – 1 param for each of the filter cells – 9 per filter applied to the 1 dimension we have plus a bias = this layer has 9x32x1+32 parameters (320)</a:t>
+            </a:r>
+          </a:p>
+          <a:p>
+            <a:r>
+              <a:rPr lang="en-GB" dirty="0"/>
+              <a:t>Max pooling 2x2 takes our 26x26x32 result and shrinks each result – 13x13x32</a:t>
+            </a:r>
+          </a:p>
+          <a:p>
+            <a:r>
+              <a:rPr lang="en-GB" dirty="0"/>
+              <a:t>64 filters, each of them with size 3x3 – 1 param for each of the filter cells, plus a bias – 9 per filter applied to the 32 dimensions we have plus a bias = this layer has 9x64x32+64 parameters (18,496)</a:t>
+            </a:r>
+          </a:p>
+          <a:p>
+            <a:pPr marL="0" marR="0" lvl="0" indent="0" algn="l" defTabSz="914400" rtl="0" eaLnBrk="1" fontAlgn="auto" latinLnBrk="0" hangingPunct="1">
+              <a:lnSpc>
+                <a:spcPct val="100000"/>
+              </a:lnSpc>
+              <a:spcBef>
+                <a:spcPts val="0"/>
+              </a:spcBef>
+              <a:spcAft>
+                <a:spcPts val="0"/>
+              </a:spcAft>
+              <a:buClrTx/>
+              <a:buSzTx/>
+              <a:buFontTx/>
+              <a:buNone/>
+              <a:tabLst/>
+              <a:defRPr/>
+            </a:pPr>
+            <a:r>
+              <a:rPr lang="en-GB" dirty="0"/>
+              <a:t>Max pooling 2x2 takes out 11x11x64 results and shrinks each result – 5x5x64</a:t>
+            </a:r>
+          </a:p>
+          <a:p>
+            <a:r>
+              <a:rPr lang="en-GB" dirty="0"/>
+              <a:t>Flatten layer results in 5x5x64 neurons in this layer – 1,600 neurons</a:t>
+            </a:r>
+          </a:p>
+          <a:p>
+            <a:r>
+              <a:rPr lang="en-GB" dirty="0"/>
+              <a:t>Dropout layer doesn’t affect the shape – 1,600 neurons</a:t>
+            </a:r>
+          </a:p>
+          <a:p>
+            <a:r>
+              <a:rPr lang="en-GB" dirty="0"/>
+              <a:t>Dense layer connects each of the 1,600 to the output 10 neurons (1 per digit in the classification target 0-9), plus a bias for each – 16,010 parameters</a:t>
+            </a:r>
+          </a:p>
+          <a:p>
+            <a:r>
+              <a:rPr lang="en-GB" dirty="0"/>
+              <a:t>So a total of 34,826 trainable parameters</a:t>
+            </a:r>
+          </a:p>
+          <a:p>
+            <a:endParaRPr lang="en-GB" dirty="0"/>
+          </a:p>
+          <a:p>
+            <a:r>
+              <a:rPr lang="en-GB" dirty="0"/>
+              <a:t>While we “could” do the mathematics here to generate the correct result, not sure it would tell us anything – we’d just be doing by hand what the ML model is doing for us</a:t>
+            </a:r>
+          </a:p>
+          <a:p>
+            <a:r>
+              <a:rPr lang="en-GB" dirty="0"/>
+              <a:t>We need some way of visualising what the model cares about</a:t>
+            </a:r>
+          </a:p>
+        </p:txBody>
+      </p:sp>
+      <p:sp>
+        <p:nvSpPr>
+          <p:cNvPr id="4" name="Slide Number Placeholder 3"/>
+          <p:cNvSpPr>
+            <a:spLocks noGrp="1"/>
+          </p:cNvSpPr>
+          <p:nvPr>
+            <p:ph type="sldNum" sz="quarter" idx="5"/>
+          </p:nvPr>
+        </p:nvSpPr>
+        <p:spPr/>
+        <p:txBody>
+          <a:bodyPr/>
+          <a:lstStyle/>
+          <a:p>
+            <a:fld id="{07869F30-5F0B-4D33-8AEC-941C8824577E}" type="slidenum">
+              <a:rPr lang="en-GB" smtClean="0"/>
+              <a:t>8</a:t>
+            </a:fld>
+            <a:endParaRPr lang="en-GB"/>
+          </a:p>
+        </p:txBody>
+      </p:sp>
+    </p:spTree>
+    <p:extLst>
+      <p:ext uri="{BB962C8B-B14F-4D97-AF65-F5344CB8AC3E}">
+        <p14:creationId xmlns:p14="http://schemas.microsoft.com/office/powerpoint/2010/main" val="1132513050"/>
+      </p:ext>
+    </p:extLst>
+  </p:cSld>
+  <p:clrMapOvr>
+    <a:masterClrMapping/>
+  </p:clrMapOvr>
+</p:notes>
+</file>
+
+<file path=ppt/notesSlides/notesSlide8.xml><?xml version="1.0" encoding="utf-8"?>
+<p:notes xmlns:a="http://schemas.openxmlformats.org/drawingml/2006/main" xmlns:r="http://schemas.openxmlformats.org/officeDocument/2006/relationships" xmlns:p="http://schemas.openxmlformats.org/presentationml/2006/main">
+  <p:cSld>
+    <p:spTree>
+      <p:nvGrpSpPr>
+        <p:cNvPr id="1" name=""/>
+        <p:cNvGrpSpPr/>
+        <p:nvPr/>
+      </p:nvGrpSpPr>
+      <p:grpSpPr>
+        <a:xfrm>
+          <a:off x="0" y="0"/>
+          <a:ext cx="0" cy="0"/>
+          <a:chOff x="0" y="0"/>
+          <a:chExt cx="0" cy="0"/>
+        </a:xfrm>
+      </p:grpSpPr>
+      <p:sp>
+        <p:nvSpPr>
+          <p:cNvPr id="2" name="Slide Image Placeholder 1"/>
+          <p:cNvSpPr>
+            <a:spLocks noGrp="1" noRot="1" noChangeAspect="1"/>
+          </p:cNvSpPr>
+          <p:nvPr>
+            <p:ph type="sldImg"/>
+          </p:nvPr>
+        </p:nvSpPr>
+        <p:spPr/>
+      </p:sp>
+      <p:sp>
+        <p:nvSpPr>
+          <p:cNvPr id="3" name="Notes Placeholder 2"/>
+          <p:cNvSpPr>
+            <a:spLocks noGrp="1"/>
+          </p:cNvSpPr>
+          <p:nvPr>
+            <p:ph type="body" idx="1"/>
+          </p:nvPr>
+        </p:nvSpPr>
+        <p:spPr/>
+        <p:txBody>
+          <a:bodyPr/>
+          <a:lstStyle/>
+          <a:p>
+            <a:r>
+              <a:rPr lang="en-GB" dirty="0"/>
+              <a:t>We can think of each pixel in our 28x28 image is a player</a:t>
+            </a:r>
+          </a:p>
+          <a:p>
+            <a:r>
+              <a:rPr lang="en-GB" dirty="0"/>
+              <a:t>The more red a “player” is, the more it contributed to this classification</a:t>
+            </a:r>
+          </a:p>
+          <a:p>
+            <a:r>
+              <a:rPr lang="en-GB" dirty="0"/>
+              <a:t>The more blue a “player” is, the more it dissuaded from this classification</a:t>
+            </a:r>
+          </a:p>
+          <a:p>
+            <a:endParaRPr lang="en-GB" dirty="0"/>
+          </a:p>
+          <a:p>
+            <a:r>
+              <a:rPr lang="en-GB" dirty="0"/>
+              <a:t>Here we can see our zero has red in the middle – the fact that those “players” were not set, meant it was more likely to be a zero, similarly the blue in the centre of the 8 signifies that as these players were not set, it’s less likely to be an eight</a:t>
+            </a:r>
+          </a:p>
+          <a:p>
+            <a:r>
+              <a:rPr lang="en-GB" dirty="0"/>
+              <a:t>Similarly with our four. The fact that the top was closed moves the prediction away from a nine and towards a four</a:t>
+            </a:r>
+          </a:p>
+          <a:p>
+            <a:endParaRPr lang="en-GB" dirty="0"/>
+          </a:p>
+        </p:txBody>
+      </p:sp>
+      <p:sp>
+        <p:nvSpPr>
+          <p:cNvPr id="4" name="Slide Number Placeholder 3"/>
+          <p:cNvSpPr>
+            <a:spLocks noGrp="1"/>
+          </p:cNvSpPr>
+          <p:nvPr>
+            <p:ph type="sldNum" sz="quarter" idx="5"/>
+          </p:nvPr>
+        </p:nvSpPr>
+        <p:spPr/>
+        <p:txBody>
+          <a:bodyPr/>
+          <a:lstStyle/>
+          <a:p>
+            <a:fld id="{07869F30-5F0B-4D33-8AEC-941C8824577E}" type="slidenum">
+              <a:rPr lang="en-GB" smtClean="0"/>
+              <a:t>9</a:t>
+            </a:fld>
+            <a:endParaRPr lang="en-GB"/>
+          </a:p>
+        </p:txBody>
+      </p:sp>
+    </p:spTree>
+    <p:extLst>
+      <p:ext uri="{BB962C8B-B14F-4D97-AF65-F5344CB8AC3E}">
+        <p14:creationId xmlns:p14="http://schemas.microsoft.com/office/powerpoint/2010/main" val="2725943110"/>
+      </p:ext>
+    </p:extLst>
+  </p:cSld>
+  <p:clrMapOvr>
+    <a:masterClrMapping/>
+  </p:clrMapOvr>
+</p:notes>
+</file>
+
+<file path=ppt/notesSlides/notesSlide9.xml><?xml version="1.0" encoding="utf-8"?>
+<p:notes xmlns:a="http://schemas.openxmlformats.org/drawingml/2006/main" xmlns:r="http://schemas.openxmlformats.org/officeDocument/2006/relationships" xmlns:p="http://schemas.openxmlformats.org/presentationml/2006/main">
+  <p:cSld>
+    <p:spTree>
+      <p:nvGrpSpPr>
+        <p:cNvPr id="1" name=""/>
+        <p:cNvGrpSpPr/>
+        <p:nvPr/>
+      </p:nvGrpSpPr>
+      <p:grpSpPr>
+        <a:xfrm>
+          <a:off x="0" y="0"/>
+          <a:ext cx="0" cy="0"/>
+          <a:chOff x="0" y="0"/>
+          <a:chExt cx="0" cy="0"/>
+        </a:xfrm>
+      </p:grpSpPr>
+      <p:sp>
+        <p:nvSpPr>
+          <p:cNvPr id="2" name="Slide Image Placeholder 1"/>
+          <p:cNvSpPr>
+            <a:spLocks noGrp="1" noRot="1" noChangeAspect="1"/>
+          </p:cNvSpPr>
+          <p:nvPr>
+            <p:ph type="sldImg"/>
+          </p:nvPr>
+        </p:nvSpPr>
+        <p:spPr/>
+      </p:sp>
+      <p:sp>
+        <p:nvSpPr>
+          <p:cNvPr id="3" name="Notes Placeholder 2"/>
+          <p:cNvSpPr>
+            <a:spLocks noGrp="1"/>
+          </p:cNvSpPr>
+          <p:nvPr>
+            <p:ph type="body" idx="1"/>
+          </p:nvPr>
+        </p:nvSpPr>
+        <p:spPr/>
+        <p:txBody>
+          <a:bodyPr/>
+          <a:lstStyle/>
+          <a:p>
+            <a:r>
+              <a:rPr lang="en-GB" dirty="0"/>
+              <a:t>The MNIST example is sufficiently basic that it may not need much in the way of XAI</a:t>
+            </a:r>
+          </a:p>
+          <a:p>
+            <a:r>
+              <a:rPr lang="en-GB" dirty="0"/>
+              <a:t>But if the domain we are applying AI is novel, then they may skew us towards wanting to get a view as to how the model is working</a:t>
+            </a:r>
+          </a:p>
+          <a:p>
+            <a:endParaRPr lang="en-GB" dirty="0"/>
+          </a:p>
+          <a:p>
+            <a:r>
+              <a:rPr lang="en-GB" dirty="0"/>
+              <a:t>If the domain is higher risk e.g. breast cancer samples being classified as benign or malignant, recommending repair or replacement of valves in an industrial setting</a:t>
+            </a:r>
+          </a:p>
+          <a:p>
+            <a:r>
+              <a:rPr lang="en-GB" dirty="0"/>
+              <a:t>If the model is wrong, we may elect to pessimistically classify a mass or the state of a component</a:t>
+            </a:r>
+          </a:p>
+          <a:p>
+            <a:pPr marL="0" marR="0" lvl="0" indent="0" algn="l" defTabSz="914400" rtl="0" eaLnBrk="1" fontAlgn="auto" latinLnBrk="0" hangingPunct="1">
+              <a:lnSpc>
+                <a:spcPct val="100000"/>
+              </a:lnSpc>
+              <a:spcBef>
+                <a:spcPts val="0"/>
+              </a:spcBef>
+              <a:spcAft>
+                <a:spcPts val="0"/>
+              </a:spcAft>
+              <a:buClrTx/>
+              <a:buSzTx/>
+              <a:buFontTx/>
+              <a:buNone/>
+              <a:tabLst/>
+              <a:defRPr/>
+            </a:pPr>
+            <a:r>
+              <a:rPr lang="en-GB" dirty="0"/>
+              <a:t>We would likely be pulled towards supplying an interpretable or explainable model for such high risk domains</a:t>
+            </a:r>
+          </a:p>
+          <a:p>
+            <a:r>
+              <a:rPr lang="en-GB" dirty="0"/>
+              <a:t>But perhaps less so for recommendation engines</a:t>
+            </a:r>
+          </a:p>
+          <a:p>
+            <a:endParaRPr lang="en-GB" dirty="0"/>
+          </a:p>
+          <a:p>
+            <a:r>
+              <a:rPr lang="en-GB" dirty="0"/>
+              <a:t>However, even for scenarios which feel low risk, we cannot necessarily ignore XAI</a:t>
+            </a:r>
+          </a:p>
+          <a:p>
+            <a:r>
+              <a:rPr lang="en-GB" dirty="0"/>
+              <a:t>For example, if a content platform’s recommendation engine is found to biased this can affect the monetisation potential of a content creator</a:t>
+            </a:r>
+          </a:p>
+          <a:p>
+            <a:r>
+              <a:rPr lang="en-GB" dirty="0"/>
+              <a:t>But it’s possible the content consumer is less concerned</a:t>
+            </a:r>
+          </a:p>
+          <a:p>
+            <a:endParaRPr lang="en-GB" dirty="0"/>
+          </a:p>
+          <a:p>
+            <a:r>
+              <a:rPr lang="en-GB" dirty="0"/>
+              <a:t>In the recent Payment Protection Insurance scandal in the UK</a:t>
+            </a:r>
+          </a:p>
+          <a:p>
+            <a:r>
+              <a:rPr lang="en-GB" dirty="0"/>
+              <a:t>Financial institutions had to provide evidence that they had not mis-sold PPI</a:t>
+            </a:r>
+          </a:p>
+          <a:p>
+            <a:r>
+              <a:rPr lang="en-GB" dirty="0"/>
+              <a:t>What if a ML model had taken part in that decision?</a:t>
+            </a:r>
+          </a:p>
+        </p:txBody>
+      </p:sp>
+      <p:sp>
+        <p:nvSpPr>
+          <p:cNvPr id="4" name="Slide Number Placeholder 3"/>
+          <p:cNvSpPr>
+            <a:spLocks noGrp="1"/>
+          </p:cNvSpPr>
+          <p:nvPr>
+            <p:ph type="sldNum" sz="quarter" idx="5"/>
+          </p:nvPr>
+        </p:nvSpPr>
+        <p:spPr/>
+        <p:txBody>
+          <a:bodyPr/>
+          <a:lstStyle/>
+          <a:p>
+            <a:fld id="{07869F30-5F0B-4D33-8AEC-941C8824577E}" type="slidenum">
+              <a:rPr lang="en-GB" smtClean="0"/>
+              <a:t>10</a:t>
+            </a:fld>
+            <a:endParaRPr lang="en-GB"/>
+          </a:p>
+        </p:txBody>
+      </p:sp>
+    </p:spTree>
+    <p:extLst>
+      <p:ext uri="{BB962C8B-B14F-4D97-AF65-F5344CB8AC3E}">
+        <p14:creationId xmlns:p14="http://schemas.microsoft.com/office/powerpoint/2010/main" val="1424679041"/>
       </p:ext>
     </p:extLst>
   </p:cSld>
@@ -810,7 +2340,7 @@
           <a:p>
             <a:fld id="{48A87A34-81AB-432B-8DAE-1953F412C126}" type="datetimeFigureOut">
               <a:rPr lang="en-US" dirty="0"/>
-              <a:t>4/2/2023</a:t>
+              <a:t>4/5/2023</a:t>
             </a:fld>
             <a:endParaRPr lang="en-US" dirty="0"/>
           </a:p>
@@ -1072,7 +2602,7 @@
           <a:p>
             <a:fld id="{48A87A34-81AB-432B-8DAE-1953F412C126}" type="datetimeFigureOut">
               <a:rPr lang="en-US" dirty="0"/>
-              <a:t>4/2/2023</a:t>
+              <a:t>4/5/2023</a:t>
             </a:fld>
             <a:endParaRPr lang="en-US" dirty="0"/>
           </a:p>
@@ -1299,7 +2829,7 @@
             <a:fld id="{48A87A34-81AB-432B-8DAE-1953F412C126}" type="datetimeFigureOut">
               <a:rPr lang="en-US" dirty="0"/>
               <a:pPr/>
-              <a:t>4/2/2023</a:t>
+              <a:t>4/5/2023</a:t>
             </a:fld>
             <a:endParaRPr lang="en-US" dirty="0"/>
           </a:p>
@@ -1605,7 +3135,7 @@
             <a:fld id="{48A87A34-81AB-432B-8DAE-1953F412C126}" type="datetimeFigureOut">
               <a:rPr lang="en-US" dirty="0"/>
               <a:pPr/>
-              <a:t>4/2/2023</a:t>
+              <a:t>4/5/2023</a:t>
             </a:fld>
             <a:endParaRPr lang="en-US" dirty="0"/>
           </a:p>
@@ -2074,7 +3604,7 @@
             <a:fld id="{48A87A34-81AB-432B-8DAE-1953F412C126}" type="datetimeFigureOut">
               <a:rPr lang="en-US" dirty="0"/>
               <a:pPr/>
-              <a:t>4/2/2023</a:t>
+              <a:t>4/5/2023</a:t>
             </a:fld>
             <a:endParaRPr lang="en-US" dirty="0"/>
           </a:p>
@@ -2616,7 +4146,7 @@
           <a:p>
             <a:fld id="{48A87A34-81AB-432B-8DAE-1953F412C126}" type="datetimeFigureOut">
               <a:rPr lang="en-US" dirty="0"/>
-              <a:t>4/2/2023</a:t>
+              <a:t>4/5/2023</a:t>
             </a:fld>
             <a:endParaRPr lang="en-US" dirty="0"/>
           </a:p>
@@ -3385,7 +4915,7 @@
           <a:p>
             <a:fld id="{48A87A34-81AB-432B-8DAE-1953F412C126}" type="datetimeFigureOut">
               <a:rPr lang="en-US" dirty="0"/>
-              <a:t>4/2/2023</a:t>
+              <a:t>4/5/2023</a:t>
             </a:fld>
             <a:endParaRPr lang="en-US" dirty="0"/>
           </a:p>
@@ -3555,7 +5085,7 @@
           <a:p>
             <a:fld id="{48A87A34-81AB-432B-8DAE-1953F412C126}" type="datetimeFigureOut">
               <a:rPr lang="en-US" dirty="0"/>
-              <a:t>4/2/2023</a:t>
+              <a:t>4/5/2023</a:t>
             </a:fld>
             <a:endParaRPr lang="en-US" dirty="0"/>
           </a:p>
@@ -3774,7 +5304,7 @@
             <a:fld id="{48A87A34-81AB-432B-8DAE-1953F412C126}" type="datetimeFigureOut">
               <a:rPr lang="en-US" dirty="0"/>
               <a:pPr/>
-              <a:t>4/2/2023</a:t>
+              <a:t>4/5/2023</a:t>
             </a:fld>
             <a:endParaRPr lang="en-US" dirty="0"/>
           </a:p>
@@ -3949,7 +5479,7 @@
           <a:p>
             <a:fld id="{48A87A34-81AB-432B-8DAE-1953F412C126}" type="datetimeFigureOut">
               <a:rPr lang="en-US" dirty="0"/>
-              <a:t>4/2/2023</a:t>
+              <a:t>4/5/2023</a:t>
             </a:fld>
             <a:endParaRPr lang="en-US" dirty="0"/>
           </a:p>
@@ -4234,7 +5764,7 @@
             <a:fld id="{48A87A34-81AB-432B-8DAE-1953F412C126}" type="datetimeFigureOut">
               <a:rPr lang="en-US" dirty="0"/>
               <a:pPr/>
-              <a:t>4/2/2023</a:t>
+              <a:t>4/5/2023</a:t>
             </a:fld>
             <a:endParaRPr lang="en-US" dirty="0"/>
           </a:p>
@@ -4471,7 +6001,7 @@
           <a:p>
             <a:fld id="{48A87A34-81AB-432B-8DAE-1953F412C126}" type="datetimeFigureOut">
               <a:rPr lang="en-US" dirty="0"/>
-              <a:t>4/2/2023</a:t>
+              <a:t>4/5/2023</a:t>
             </a:fld>
             <a:endParaRPr lang="en-US" dirty="0"/>
           </a:p>
@@ -4845,7 +6375,7 @@
           <a:p>
             <a:fld id="{48A87A34-81AB-432B-8DAE-1953F412C126}" type="datetimeFigureOut">
               <a:rPr lang="en-US" dirty="0"/>
-              <a:t>4/2/2023</a:t>
+              <a:t>4/5/2023</a:t>
             </a:fld>
             <a:endParaRPr lang="en-US" dirty="0"/>
           </a:p>
@@ -4958,7 +6488,7 @@
           <a:p>
             <a:fld id="{48A87A34-81AB-432B-8DAE-1953F412C126}" type="datetimeFigureOut">
               <a:rPr lang="en-US" dirty="0"/>
-              <a:t>4/2/2023</a:t>
+              <a:t>4/5/2023</a:t>
             </a:fld>
             <a:endParaRPr lang="en-US" dirty="0"/>
           </a:p>
@@ -5048,7 +6578,7 @@
           <a:p>
             <a:fld id="{48A87A34-81AB-432B-8DAE-1953F412C126}" type="datetimeFigureOut">
               <a:rPr lang="en-US" dirty="0"/>
-              <a:t>4/2/2023</a:t>
+              <a:t>4/5/2023</a:t>
             </a:fld>
             <a:endParaRPr lang="en-US" dirty="0"/>
           </a:p>
@@ -5292,7 +6822,7 @@
           <a:p>
             <a:fld id="{48A87A34-81AB-432B-8DAE-1953F412C126}" type="datetimeFigureOut">
               <a:rPr lang="en-US" dirty="0"/>
-              <a:t>4/2/2023</a:t>
+              <a:t>4/5/2023</a:t>
             </a:fld>
             <a:endParaRPr lang="en-US" dirty="0"/>
           </a:p>
@@ -5544,7 +7074,7 @@
           <a:p>
             <a:fld id="{48A87A34-81AB-432B-8DAE-1953F412C126}" type="datetimeFigureOut">
               <a:rPr lang="en-US" dirty="0"/>
-              <a:t>4/2/2023</a:t>
+              <a:t>4/5/2023</a:t>
             </a:fld>
             <a:endParaRPr lang="en-US" dirty="0"/>
           </a:p>
@@ -5783,7 +7313,7 @@
             <a:fld id="{48A87A34-81AB-432B-8DAE-1953F412C126}" type="datetimeFigureOut">
               <a:rPr lang="en-US" dirty="0"/>
               <a:pPr/>
-              <a:t>4/2/2023</a:t>
+              <a:t>4/5/2023</a:t>
             </a:fld>
             <a:endParaRPr lang="en-US" dirty="0"/>
           </a:p>
@@ -6266,6 +7796,1374 @@
 </p:sld>
 </file>
 
+<file path=ppt/slides/slide10.xml><?xml version="1.0" encoding="utf-8"?>
+<p:sld xmlns:a="http://schemas.openxmlformats.org/drawingml/2006/main" xmlns:r="http://schemas.openxmlformats.org/officeDocument/2006/relationships" xmlns:p="http://schemas.openxmlformats.org/presentationml/2006/main">
+  <p:cSld>
+    <p:spTree>
+      <p:nvGrpSpPr>
+        <p:cNvPr id="1" name=""/>
+        <p:cNvGrpSpPr/>
+        <p:nvPr/>
+      </p:nvGrpSpPr>
+      <p:grpSpPr>
+        <a:xfrm>
+          <a:off x="0" y="0"/>
+          <a:ext cx="0" cy="0"/>
+          <a:chOff x="0" y="0"/>
+          <a:chExt cx="0" cy="0"/>
+        </a:xfrm>
+      </p:grpSpPr>
+      <p:sp>
+        <p:nvSpPr>
+          <p:cNvPr id="2" name="Title 1">
+            <a:extLst>
+              <a:ext uri="{FF2B5EF4-FFF2-40B4-BE49-F238E27FC236}">
+                <a16:creationId xmlns:a16="http://schemas.microsoft.com/office/drawing/2014/main" id="{29556CE9-3507-51D7-16D6-8C9C3C62CB4D}"/>
+              </a:ext>
+            </a:extLst>
+          </p:cNvPr>
+          <p:cNvSpPr>
+            <a:spLocks noGrp="1"/>
+          </p:cNvSpPr>
+          <p:nvPr>
+            <p:ph type="title"/>
+          </p:nvPr>
+        </p:nvSpPr>
+        <p:spPr/>
+        <p:txBody>
+          <a:bodyPr/>
+          <a:lstStyle/>
+          <a:p>
+            <a:r>
+              <a:rPr lang="en-GB" dirty="0"/>
+              <a:t>Is This Always Necessary?</a:t>
+            </a:r>
+          </a:p>
+        </p:txBody>
+      </p:sp>
+      <p:sp>
+        <p:nvSpPr>
+          <p:cNvPr id="3" name="Content Placeholder 2">
+            <a:extLst>
+              <a:ext uri="{FF2B5EF4-FFF2-40B4-BE49-F238E27FC236}">
+                <a16:creationId xmlns:a16="http://schemas.microsoft.com/office/drawing/2014/main" id="{2EBD957A-600F-8586-DBBF-6DB3AC71823D}"/>
+              </a:ext>
+            </a:extLst>
+          </p:cNvPr>
+          <p:cNvSpPr>
+            <a:spLocks noGrp="1"/>
+          </p:cNvSpPr>
+          <p:nvPr>
+            <p:ph sz="half" idx="1"/>
+          </p:nvPr>
+        </p:nvSpPr>
+        <p:spPr/>
+        <p:txBody>
+          <a:bodyPr>
+            <a:normAutofit/>
+          </a:bodyPr>
+          <a:lstStyle/>
+          <a:p>
+            <a:r>
+              <a:rPr lang="en-GB" sz="3200" dirty="0"/>
+              <a:t>Is the problem considered solved?</a:t>
+            </a:r>
+          </a:p>
+          <a:p>
+            <a:r>
+              <a:rPr lang="en-GB" sz="3200" dirty="0"/>
+              <a:t>How High Risk is the domain?</a:t>
+            </a:r>
+          </a:p>
+          <a:p>
+            <a:r>
+              <a:rPr lang="en-GB" sz="3200" dirty="0"/>
+              <a:t>Consider different stakeholder viewpoints</a:t>
+            </a:r>
+          </a:p>
+          <a:p>
+            <a:r>
+              <a:rPr lang="en-GB" sz="3200" dirty="0"/>
+              <a:t>Consider the passing of time</a:t>
+            </a:r>
+          </a:p>
+        </p:txBody>
+      </p:sp>
+      <p:pic>
+        <p:nvPicPr>
+          <p:cNvPr id="4098" name="Picture 2" descr="eferro's random stuff: &quot;It depends&quot; / Jocelyn Goldfein model for ...">
+            <a:extLst>
+              <a:ext uri="{FF2B5EF4-FFF2-40B4-BE49-F238E27FC236}">
+                <a16:creationId xmlns:a16="http://schemas.microsoft.com/office/drawing/2014/main" id="{F5C32890-7B74-CF5B-799A-71DD96E5E138}"/>
+              </a:ext>
+            </a:extLst>
+          </p:cNvPr>
+          <p:cNvPicPr>
+            <a:picLocks noGrp="1" noChangeAspect="1" noChangeArrowheads="1"/>
+          </p:cNvPicPr>
+          <p:nvPr>
+            <p:ph sz="half" idx="2"/>
+          </p:nvPr>
+        </p:nvPicPr>
+        <p:blipFill>
+          <a:blip r:embed="rId3">
+            <a:extLst>
+              <a:ext uri="{28A0092B-C50C-407E-A947-70E740481C1C}">
+                <a14:useLocalDpi xmlns:a14="http://schemas.microsoft.com/office/drawing/2010/main" val="0"/>
+              </a:ext>
+            </a:extLst>
+          </a:blip>
+          <a:srcRect/>
+          <a:stretch>
+            <a:fillRect/>
+          </a:stretch>
+        </p:blipFill>
+        <p:spPr bwMode="auto">
+          <a:xfrm>
+            <a:off x="6581775" y="2810669"/>
+            <a:ext cx="4514850" cy="2790825"/>
+          </a:xfrm>
+          <a:prstGeom prst="rect">
+            <a:avLst/>
+          </a:prstGeom>
+          <a:noFill/>
+          <a:extLst>
+            <a:ext uri="{909E8E84-426E-40DD-AFC4-6F175D3DCCD1}">
+              <a14:hiddenFill xmlns:a14="http://schemas.microsoft.com/office/drawing/2010/main">
+                <a:solidFill>
+                  <a:srgbClr val="FFFFFF"/>
+                </a:solidFill>
+              </a14:hiddenFill>
+            </a:ext>
+          </a:extLst>
+        </p:spPr>
+      </p:pic>
+    </p:spTree>
+    <p:extLst>
+      <p:ext uri="{BB962C8B-B14F-4D97-AF65-F5344CB8AC3E}">
+        <p14:creationId xmlns:p14="http://schemas.microsoft.com/office/powerpoint/2010/main" val="3415307277"/>
+      </p:ext>
+    </p:extLst>
+  </p:cSld>
+  <p:clrMapOvr>
+    <a:masterClrMapping/>
+  </p:clrMapOvr>
+  <p:timing>
+    <p:tnLst>
+      <p:par>
+        <p:cTn id="1" dur="indefinite" restart="never" nodeType="tmRoot">
+          <p:childTnLst>
+            <p:seq concurrent="1" nextAc="seek">
+              <p:cTn id="2" dur="indefinite" nodeType="mainSeq">
+                <p:childTnLst>
+                  <p:par>
+                    <p:cTn id="3" fill="hold">
+                      <p:stCondLst>
+                        <p:cond delay="indefinite"/>
+                      </p:stCondLst>
+                      <p:childTnLst>
+                        <p:par>
+                          <p:cTn id="4" fill="hold">
+                            <p:stCondLst>
+                              <p:cond delay="0"/>
+                            </p:stCondLst>
+                            <p:childTnLst>
+                              <p:par>
+                                <p:cTn id="5" presetID="1" presetClass="entr" presetSubtype="0" fill="hold" grpId="0" nodeType="clickEffect">
+                                  <p:stCondLst>
+                                    <p:cond delay="0"/>
+                                  </p:stCondLst>
+                                  <p:childTnLst>
+                                    <p:set>
+                                      <p:cBhvr>
+                                        <p:cTn id="6" dur="1" fill="hold">
+                                          <p:stCondLst>
+                                            <p:cond delay="0"/>
+                                          </p:stCondLst>
+                                        </p:cTn>
+                                        <p:tgtEl>
+                                          <p:spTgt spid="3">
+                                            <p:txEl>
+                                              <p:pRg st="0" end="0"/>
+                                            </p:txEl>
+                                          </p:spTgt>
+                                        </p:tgtEl>
+                                        <p:attrNameLst>
+                                          <p:attrName>style.visibility</p:attrName>
+                                        </p:attrNameLst>
+                                      </p:cBhvr>
+                                      <p:to>
+                                        <p:strVal val="visible"/>
+                                      </p:to>
+                                    </p:set>
+                                  </p:childTnLst>
+                                </p:cTn>
+                              </p:par>
+                            </p:childTnLst>
+                          </p:cTn>
+                        </p:par>
+                      </p:childTnLst>
+                    </p:cTn>
+                  </p:par>
+                  <p:par>
+                    <p:cTn id="7" fill="hold">
+                      <p:stCondLst>
+                        <p:cond delay="indefinite"/>
+                      </p:stCondLst>
+                      <p:childTnLst>
+                        <p:par>
+                          <p:cTn id="8" fill="hold">
+                            <p:stCondLst>
+                              <p:cond delay="0"/>
+                            </p:stCondLst>
+                            <p:childTnLst>
+                              <p:par>
+                                <p:cTn id="9" presetID="1" presetClass="entr" presetSubtype="0" fill="hold" grpId="0" nodeType="clickEffect">
+                                  <p:stCondLst>
+                                    <p:cond delay="0"/>
+                                  </p:stCondLst>
+                                  <p:childTnLst>
+                                    <p:set>
+                                      <p:cBhvr>
+                                        <p:cTn id="10" dur="1" fill="hold">
+                                          <p:stCondLst>
+                                            <p:cond delay="0"/>
+                                          </p:stCondLst>
+                                        </p:cTn>
+                                        <p:tgtEl>
+                                          <p:spTgt spid="3">
+                                            <p:txEl>
+                                              <p:pRg st="1" end="1"/>
+                                            </p:txEl>
+                                          </p:spTgt>
+                                        </p:tgtEl>
+                                        <p:attrNameLst>
+                                          <p:attrName>style.visibility</p:attrName>
+                                        </p:attrNameLst>
+                                      </p:cBhvr>
+                                      <p:to>
+                                        <p:strVal val="visible"/>
+                                      </p:to>
+                                    </p:set>
+                                  </p:childTnLst>
+                                </p:cTn>
+                              </p:par>
+                            </p:childTnLst>
+                          </p:cTn>
+                        </p:par>
+                      </p:childTnLst>
+                    </p:cTn>
+                  </p:par>
+                  <p:par>
+                    <p:cTn id="11" fill="hold">
+                      <p:stCondLst>
+                        <p:cond delay="indefinite"/>
+                      </p:stCondLst>
+                      <p:childTnLst>
+                        <p:par>
+                          <p:cTn id="12" fill="hold">
+                            <p:stCondLst>
+                              <p:cond delay="0"/>
+                            </p:stCondLst>
+                            <p:childTnLst>
+                              <p:par>
+                                <p:cTn id="13" presetID="1" presetClass="entr" presetSubtype="0" fill="hold" grpId="0" nodeType="clickEffect">
+                                  <p:stCondLst>
+                                    <p:cond delay="0"/>
+                                  </p:stCondLst>
+                                  <p:childTnLst>
+                                    <p:set>
+                                      <p:cBhvr>
+                                        <p:cTn id="14" dur="1" fill="hold">
+                                          <p:stCondLst>
+                                            <p:cond delay="0"/>
+                                          </p:stCondLst>
+                                        </p:cTn>
+                                        <p:tgtEl>
+                                          <p:spTgt spid="3">
+                                            <p:txEl>
+                                              <p:pRg st="2" end="2"/>
+                                            </p:txEl>
+                                          </p:spTgt>
+                                        </p:tgtEl>
+                                        <p:attrNameLst>
+                                          <p:attrName>style.visibility</p:attrName>
+                                        </p:attrNameLst>
+                                      </p:cBhvr>
+                                      <p:to>
+                                        <p:strVal val="visible"/>
+                                      </p:to>
+                                    </p:set>
+                                  </p:childTnLst>
+                                </p:cTn>
+                              </p:par>
+                            </p:childTnLst>
+                          </p:cTn>
+                        </p:par>
+                      </p:childTnLst>
+                    </p:cTn>
+                  </p:par>
+                  <p:par>
+                    <p:cTn id="15" fill="hold">
+                      <p:stCondLst>
+                        <p:cond delay="indefinite"/>
+                      </p:stCondLst>
+                      <p:childTnLst>
+                        <p:par>
+                          <p:cTn id="16" fill="hold">
+                            <p:stCondLst>
+                              <p:cond delay="0"/>
+                            </p:stCondLst>
+                            <p:childTnLst>
+                              <p:par>
+                                <p:cTn id="17" presetID="1" presetClass="entr" presetSubtype="0" fill="hold" grpId="0" nodeType="clickEffect">
+                                  <p:stCondLst>
+                                    <p:cond delay="0"/>
+                                  </p:stCondLst>
+                                  <p:childTnLst>
+                                    <p:set>
+                                      <p:cBhvr>
+                                        <p:cTn id="18" dur="1" fill="hold">
+                                          <p:stCondLst>
+                                            <p:cond delay="0"/>
+                                          </p:stCondLst>
+                                        </p:cTn>
+                                        <p:tgtEl>
+                                          <p:spTgt spid="3">
+                                            <p:txEl>
+                                              <p:pRg st="3" end="3"/>
+                                            </p:txEl>
+                                          </p:spTgt>
+                                        </p:tgtEl>
+                                        <p:attrNameLst>
+                                          <p:attrName>style.visibility</p:attrName>
+                                        </p:attrNameLst>
+                                      </p:cBhvr>
+                                      <p:to>
+                                        <p:strVal val="visible"/>
+                                      </p:to>
+                                    </p:set>
+                                  </p:childTnLst>
+                                </p:cTn>
+                              </p:par>
+                            </p:childTnLst>
+                          </p:cTn>
+                        </p:par>
+                      </p:childTnLst>
+                    </p:cTn>
+                  </p:par>
+                </p:childTnLst>
+              </p:cTn>
+              <p:prevCondLst>
+                <p:cond evt="onPrev" delay="0">
+                  <p:tgtEl>
+                    <p:sldTgt/>
+                  </p:tgtEl>
+                </p:cond>
+              </p:prevCondLst>
+              <p:nextCondLst>
+                <p:cond evt="onNext" delay="0">
+                  <p:tgtEl>
+                    <p:sldTgt/>
+                  </p:tgtEl>
+                </p:cond>
+              </p:nextCondLst>
+            </p:seq>
+          </p:childTnLst>
+        </p:cTn>
+      </p:par>
+    </p:tnLst>
+    <p:bldLst>
+      <p:bldP spid="3" grpId="0" build="p"/>
+    </p:bldLst>
+  </p:timing>
+</p:sld>
+</file>
+
+<file path=ppt/slides/slide11.xml><?xml version="1.0" encoding="utf-8"?>
+<p:sld xmlns:a="http://schemas.openxmlformats.org/drawingml/2006/main" xmlns:r="http://schemas.openxmlformats.org/officeDocument/2006/relationships" xmlns:p="http://schemas.openxmlformats.org/presentationml/2006/main">
+  <p:cSld>
+    <p:bg>
+      <p:bgPr>
+        <a:solidFill>
+          <a:schemeClr val="bg1"/>
+        </a:solidFill>
+        <a:effectLst/>
+      </p:bgPr>
+    </p:bg>
+    <p:spTree>
+      <p:nvGrpSpPr>
+        <p:cNvPr id="1" name=""/>
+        <p:cNvGrpSpPr/>
+        <p:nvPr/>
+      </p:nvGrpSpPr>
+      <p:grpSpPr>
+        <a:xfrm>
+          <a:off x="0" y="0"/>
+          <a:ext cx="0" cy="0"/>
+          <a:chOff x="0" y="0"/>
+          <a:chExt cx="0" cy="0"/>
+        </a:xfrm>
+      </p:grpSpPr>
+      <p:pic>
+        <p:nvPicPr>
+          <p:cNvPr id="11" name="Picture 10">
+            <a:extLst>
+              <a:ext uri="{FF2B5EF4-FFF2-40B4-BE49-F238E27FC236}">
+                <a16:creationId xmlns:a16="http://schemas.microsoft.com/office/drawing/2014/main" id="{BDFADFB3-3D44-49A8-AE3B-A87C61607F7E}"/>
+              </a:ext>
+              <a:ext uri="{C183D7F6-B498-43B3-948B-1728B52AA6E4}">
+                <adec:decorative xmlns:adec="http://schemas.microsoft.com/office/drawing/2017/decorative" val="1"/>
+              </a:ext>
+            </a:extLst>
+          </p:cNvPr>
+          <p:cNvPicPr>
+            <a:picLocks noGrp="1" noRot="1" noChangeAspect="1" noMove="1" noResize="1" noEditPoints="1" noAdjustHandles="1" noChangeArrowheads="1" noChangeShapeType="1" noCrop="1"/>
+          </p:cNvPicPr>
+          <p:nvPr>
+            <p:extLst>
+              <p:ext uri="{386F3935-93C4-4BCD-93E2-E3B085C9AB24}">
+                <p16:designElem xmlns:p16="http://schemas.microsoft.com/office/powerpoint/2015/main" val="1"/>
+              </p:ext>
+            </p:extLst>
+          </p:nvPr>
+        </p:nvPicPr>
+        <p:blipFill>
+          <a:blip r:embed="rId3">
+            <a:extLst>
+              <a:ext uri="{28A0092B-C50C-407E-A947-70E740481C1C}">
+                <a14:useLocalDpi xmlns:a14="http://schemas.microsoft.com/office/drawing/2010/main" val="0"/>
+              </a:ext>
+            </a:extLst>
+          </a:blip>
+          <a:stretch>
+            <a:fillRect/>
+          </a:stretch>
+        </p:blipFill>
+        <p:spPr>
+          <a:xfrm>
+            <a:off x="0" y="0"/>
+            <a:ext cx="12192000" cy="1441450"/>
+          </a:xfrm>
+          <a:prstGeom prst="rect">
+            <a:avLst/>
+          </a:prstGeom>
+        </p:spPr>
+      </p:pic>
+      <p:sp useBgFill="1">
+        <p:nvSpPr>
+          <p:cNvPr id="13" name="Rounded Rectangle 14">
+            <a:extLst>
+              <a:ext uri="{FF2B5EF4-FFF2-40B4-BE49-F238E27FC236}">
+                <a16:creationId xmlns:a16="http://schemas.microsoft.com/office/drawing/2014/main" id="{1FDFF85F-F105-40D5-9793-90419158C3BD}"/>
+              </a:ext>
+              <a:ext uri="{C183D7F6-B498-43B3-948B-1728B52AA6E4}">
+                <adec:decorative xmlns:adec="http://schemas.microsoft.com/office/drawing/2017/decorative" val="1"/>
+              </a:ext>
+            </a:extLst>
+          </p:cNvPr>
+          <p:cNvSpPr>
+            <a:spLocks noGrp="1" noRot="1" noChangeAspect="1" noMove="1" noResize="1" noEditPoints="1" noAdjustHandles="1" noChangeArrowheads="1" noChangeShapeType="1" noTextEdit="1"/>
+          </p:cNvSpPr>
+          <p:nvPr>
+            <p:extLst>
+              <p:ext uri="{386F3935-93C4-4BCD-93E2-E3B085C9AB24}">
+                <p16:designElem xmlns:p16="http://schemas.microsoft.com/office/powerpoint/2015/main" val="1"/>
+              </p:ext>
+            </p:extLst>
+          </p:nvPr>
+        </p:nvSpPr>
+        <p:spPr>
+          <a:xfrm>
+            <a:off x="4636008" y="0"/>
+            <a:ext cx="7555992" cy="6858000"/>
+          </a:xfrm>
+          <a:prstGeom prst="roundRect">
+            <a:avLst>
+              <a:gd name="adj" fmla="val 0"/>
+            </a:avLst>
+          </a:prstGeom>
+          <a:ln>
+            <a:noFill/>
+          </a:ln>
+          <a:effectLst/>
+        </p:spPr>
+        <p:style>
+          <a:lnRef idx="2">
+            <a:schemeClr val="accent1">
+              <a:shade val="50000"/>
+            </a:schemeClr>
+          </a:lnRef>
+          <a:fillRef idx="1">
+            <a:schemeClr val="accent1"/>
+          </a:fillRef>
+          <a:effectRef idx="0">
+            <a:schemeClr val="accent1"/>
+          </a:effectRef>
+          <a:fontRef idx="minor">
+            <a:schemeClr val="lt1"/>
+          </a:fontRef>
+        </p:style>
+        <p:txBody>
+          <a:bodyPr rtlCol="0" anchor="ctr"/>
+          <a:lstStyle/>
+          <a:p>
+            <a:pPr marL="0" marR="0" lvl="0" indent="0" algn="ctr" defTabSz="457200" rtl="0" eaLnBrk="1" fontAlgn="auto" latinLnBrk="0" hangingPunct="1">
+              <a:lnSpc>
+                <a:spcPct val="100000"/>
+              </a:lnSpc>
+              <a:spcBef>
+                <a:spcPts val="0"/>
+              </a:spcBef>
+              <a:spcAft>
+                <a:spcPts val="0"/>
+              </a:spcAft>
+              <a:buClrTx/>
+              <a:buSzTx/>
+              <a:buFontTx/>
+              <a:buNone/>
+              <a:tabLst/>
+              <a:defRPr/>
+            </a:pPr>
+            <a:endParaRPr kumimoji="0" lang="en-US" sz="1800" b="0" i="0" u="none" strike="noStrike" kern="1200" cap="none" spc="0" normalizeH="0" baseline="0" noProof="0">
+              <a:ln>
+                <a:noFill/>
+              </a:ln>
+              <a:solidFill>
+                <a:prstClr val="white"/>
+              </a:solidFill>
+              <a:effectLst/>
+              <a:uLnTx/>
+              <a:uFillTx/>
+              <a:latin typeface="Century Gothic" panose="020B0502020202020204"/>
+              <a:ea typeface="+mn-ea"/>
+              <a:cs typeface="+mn-cs"/>
+            </a:endParaRPr>
+          </a:p>
+        </p:txBody>
+      </p:sp>
+      <p:sp>
+        <p:nvSpPr>
+          <p:cNvPr id="15" name="Rectangle 14">
+            <a:extLst>
+              <a:ext uri="{FF2B5EF4-FFF2-40B4-BE49-F238E27FC236}">
+                <a16:creationId xmlns:a16="http://schemas.microsoft.com/office/drawing/2014/main" id="{35AB47A4-BA8C-4250-88BD-D49C68C5F9E9}"/>
+              </a:ext>
+              <a:ext uri="{C183D7F6-B498-43B3-948B-1728B52AA6E4}">
+                <adec:decorative xmlns:adec="http://schemas.microsoft.com/office/drawing/2017/decorative" val="1"/>
+              </a:ext>
+            </a:extLst>
+          </p:cNvPr>
+          <p:cNvSpPr>
+            <a:spLocks noGrp="1" noRot="1" noChangeAspect="1" noMove="1" noResize="1" noEditPoints="1" noAdjustHandles="1" noChangeArrowheads="1" noChangeShapeType="1" noTextEdit="1"/>
+          </p:cNvSpPr>
+          <p:nvPr>
+            <p:extLst>
+              <p:ext uri="{386F3935-93C4-4BCD-93E2-E3B085C9AB24}">
+                <p16:designElem xmlns:p16="http://schemas.microsoft.com/office/powerpoint/2015/main" val="1"/>
+              </p:ext>
+            </p:extLst>
+          </p:nvPr>
+        </p:nvSpPr>
+        <p:spPr>
+          <a:xfrm>
+            <a:off x="0" y="0"/>
+            <a:ext cx="4636008" cy="6858000"/>
+          </a:xfrm>
+          <a:prstGeom prst="rect">
+            <a:avLst/>
+          </a:prstGeom>
+          <a:solidFill>
+            <a:schemeClr val="tx1"/>
+          </a:solidFill>
+          <a:ln>
+            <a:noFill/>
+          </a:ln>
+          <a:effectLst>
+            <a:outerShdw blurRad="63500" dist="38100" algn="l" rotWithShape="0">
+              <a:prstClr val="black">
+                <a:alpha val="40000"/>
+              </a:prstClr>
+            </a:outerShdw>
+          </a:effectLst>
+        </p:spPr>
+        <p:style>
+          <a:lnRef idx="2">
+            <a:schemeClr val="accent1">
+              <a:shade val="50000"/>
+            </a:schemeClr>
+          </a:lnRef>
+          <a:fillRef idx="1">
+            <a:schemeClr val="accent1"/>
+          </a:fillRef>
+          <a:effectRef idx="0">
+            <a:schemeClr val="accent1"/>
+          </a:effectRef>
+          <a:fontRef idx="minor">
+            <a:schemeClr val="lt1"/>
+          </a:fontRef>
+        </p:style>
+        <p:txBody>
+          <a:bodyPr rtlCol="0" anchor="ctr"/>
+          <a:lstStyle/>
+          <a:p>
+            <a:pPr marL="0" marR="0" lvl="0" indent="0" algn="ctr" defTabSz="457200" rtl="0" eaLnBrk="1" fontAlgn="auto" latinLnBrk="0" hangingPunct="1">
+              <a:lnSpc>
+                <a:spcPct val="100000"/>
+              </a:lnSpc>
+              <a:spcBef>
+                <a:spcPts val="0"/>
+              </a:spcBef>
+              <a:spcAft>
+                <a:spcPts val="0"/>
+              </a:spcAft>
+              <a:buClrTx/>
+              <a:buSzTx/>
+              <a:buFontTx/>
+              <a:buNone/>
+              <a:tabLst/>
+              <a:defRPr/>
+            </a:pPr>
+            <a:endParaRPr kumimoji="0" lang="en-US" sz="1800" b="0" i="0" u="none" strike="noStrike" kern="1200" cap="none" spc="0" normalizeH="0" baseline="0" noProof="0">
+              <a:ln>
+                <a:noFill/>
+              </a:ln>
+              <a:solidFill>
+                <a:prstClr val="white"/>
+              </a:solidFill>
+              <a:effectLst/>
+              <a:uLnTx/>
+              <a:uFillTx/>
+              <a:latin typeface="Century Gothic" panose="020B0502020202020204"/>
+              <a:ea typeface="+mn-ea"/>
+              <a:cs typeface="+mn-cs"/>
+            </a:endParaRPr>
+          </a:p>
+        </p:txBody>
+      </p:sp>
+      <p:pic>
+        <p:nvPicPr>
+          <p:cNvPr id="17" name="Picture 16">
+            <a:extLst>
+              <a:ext uri="{FF2B5EF4-FFF2-40B4-BE49-F238E27FC236}">
+                <a16:creationId xmlns:a16="http://schemas.microsoft.com/office/drawing/2014/main" id="{66C8958D-EB99-414F-B735-863B67BB14D3}"/>
+              </a:ext>
+              <a:ext uri="{C183D7F6-B498-43B3-948B-1728B52AA6E4}">
+                <adec:decorative xmlns:adec="http://schemas.microsoft.com/office/drawing/2017/decorative" val="1"/>
+              </a:ext>
+            </a:extLst>
+          </p:cNvPr>
+          <p:cNvPicPr>
+            <a:picLocks noGrp="1" noRot="1" noChangeAspect="1" noMove="1" noResize="1" noEditPoints="1" noAdjustHandles="1" noChangeArrowheads="1" noChangeShapeType="1" noCrop="1"/>
+          </p:cNvPicPr>
+          <p:nvPr>
+            <p:extLst>
+              <p:ext uri="{386F3935-93C4-4BCD-93E2-E3B085C9AB24}">
+                <p16:designElem xmlns:p16="http://schemas.microsoft.com/office/powerpoint/2015/main" val="1"/>
+              </p:ext>
+            </p:extLst>
+          </p:nvPr>
+        </p:nvPicPr>
+        <p:blipFill rotWithShape="1">
+          <a:blip r:embed="rId3">
+            <a:extLst>
+              <a:ext uri="{28A0092B-C50C-407E-A947-70E740481C1C}">
+                <a14:useLocalDpi xmlns:a14="http://schemas.microsoft.com/office/drawing/2010/main" val="0"/>
+              </a:ext>
+            </a:extLst>
+          </a:blip>
+          <a:srcRect r="61975"/>
+          <a:stretch/>
+        </p:blipFill>
+        <p:spPr>
+          <a:xfrm>
+            <a:off x="0" y="0"/>
+            <a:ext cx="4636008" cy="1441450"/>
+          </a:xfrm>
+          <a:prstGeom prst="rect">
+            <a:avLst/>
+          </a:prstGeom>
+        </p:spPr>
+      </p:pic>
+      <p:sp>
+        <p:nvSpPr>
+          <p:cNvPr id="2" name="Title 1">
+            <a:extLst>
+              <a:ext uri="{FF2B5EF4-FFF2-40B4-BE49-F238E27FC236}">
+                <a16:creationId xmlns:a16="http://schemas.microsoft.com/office/drawing/2014/main" id="{6CD4856C-DEEC-B7A9-8362-C744CC5BF7FD}"/>
+              </a:ext>
+            </a:extLst>
+          </p:cNvPr>
+          <p:cNvSpPr>
+            <a:spLocks noGrp="1"/>
+          </p:cNvSpPr>
+          <p:nvPr>
+            <p:ph type="title"/>
+          </p:nvPr>
+        </p:nvSpPr>
+        <p:spPr>
+          <a:xfrm>
+            <a:off x="685800" y="764373"/>
+            <a:ext cx="3687417" cy="1920372"/>
+          </a:xfrm>
+        </p:spPr>
+        <p:txBody>
+          <a:bodyPr vert="horz" lIns="91440" tIns="45720" rIns="91440" bIns="45720" rtlCol="0" anchor="ctr">
+            <a:normAutofit/>
+          </a:bodyPr>
+          <a:lstStyle/>
+          <a:p>
+            <a:pPr algn="l"/>
+            <a:r>
+              <a:rPr lang="en-US" sz="3600" kern="1200" cap="all" baseline="0">
+                <a:solidFill>
+                  <a:schemeClr val="bg1"/>
+                </a:solidFill>
+                <a:latin typeface="+mj-lt"/>
+                <a:ea typeface="+mj-ea"/>
+                <a:cs typeface="+mj-cs"/>
+              </a:rPr>
+              <a:t>MLOps</a:t>
+            </a:r>
+          </a:p>
+        </p:txBody>
+      </p:sp>
+      <p:pic>
+        <p:nvPicPr>
+          <p:cNvPr id="19" name="Picture 18">
+            <a:extLst>
+              <a:ext uri="{FF2B5EF4-FFF2-40B4-BE49-F238E27FC236}">
+                <a16:creationId xmlns:a16="http://schemas.microsoft.com/office/drawing/2014/main" id="{39E5F3CB-7BDD-4E64-B274-CD900F08C6F3}"/>
+              </a:ext>
+              <a:ext uri="{C183D7F6-B498-43B3-948B-1728B52AA6E4}">
+                <adec:decorative xmlns:adec="http://schemas.microsoft.com/office/drawing/2017/decorative" val="1"/>
+              </a:ext>
+            </a:extLst>
+          </p:cNvPr>
+          <p:cNvPicPr>
+            <a:picLocks noGrp="1" noRot="1" noChangeAspect="1" noMove="1" noResize="1" noEditPoints="1" noAdjustHandles="1" noChangeArrowheads="1" noChangeShapeType="1" noCrop="1"/>
+          </p:cNvPicPr>
+          <p:nvPr>
+            <p:extLst>
+              <p:ext uri="{386F3935-93C4-4BCD-93E2-E3B085C9AB24}">
+                <p16:designElem xmlns:p16="http://schemas.microsoft.com/office/powerpoint/2015/main" val="1"/>
+              </p:ext>
+            </p:extLst>
+          </p:nvPr>
+        </p:nvPicPr>
+        <p:blipFill rotWithShape="1">
+          <a:blip r:embed="rId4">
+            <a:extLst>
+              <a:ext uri="{28A0092B-C50C-407E-A947-70E740481C1C}">
+                <a14:useLocalDpi xmlns:a14="http://schemas.microsoft.com/office/drawing/2010/main" val="0"/>
+              </a:ext>
+            </a:extLst>
+          </a:blip>
+          <a:srcRect r="61975"/>
+          <a:stretch/>
+        </p:blipFill>
+        <p:spPr>
+          <a:xfrm>
+            <a:off x="0" y="4375150"/>
+            <a:ext cx="4636008" cy="2482850"/>
+          </a:xfrm>
+          <a:prstGeom prst="rect">
+            <a:avLst/>
+          </a:prstGeom>
+        </p:spPr>
+      </p:pic>
+      <p:sp>
+        <p:nvSpPr>
+          <p:cNvPr id="3" name="Content Placeholder 2">
+            <a:extLst>
+              <a:ext uri="{FF2B5EF4-FFF2-40B4-BE49-F238E27FC236}">
+                <a16:creationId xmlns:a16="http://schemas.microsoft.com/office/drawing/2014/main" id="{4FAD55FF-108B-EFBE-B9B6-D217D7A20A06}"/>
+              </a:ext>
+            </a:extLst>
+          </p:cNvPr>
+          <p:cNvSpPr>
+            <a:spLocks noGrp="1"/>
+          </p:cNvSpPr>
+          <p:nvPr>
+            <p:ph sz="half" idx="1"/>
+          </p:nvPr>
+        </p:nvSpPr>
+        <p:spPr>
+          <a:xfrm>
+            <a:off x="685800" y="2821774"/>
+            <a:ext cx="3687417" cy="3148329"/>
+          </a:xfrm>
+        </p:spPr>
+        <p:txBody>
+          <a:bodyPr vert="horz" lIns="91440" tIns="45720" rIns="91440" bIns="45720" rtlCol="0">
+            <a:noAutofit/>
+          </a:bodyPr>
+          <a:lstStyle/>
+          <a:p>
+            <a:r>
+              <a:rPr lang="en-US" sz="3200" dirty="0">
+                <a:solidFill>
+                  <a:schemeClr val="bg1"/>
+                </a:solidFill>
+              </a:rPr>
+              <a:t>Similar to DevOps, </a:t>
+            </a:r>
+            <a:r>
+              <a:rPr lang="en-US" sz="3200" dirty="0" err="1">
+                <a:solidFill>
+                  <a:schemeClr val="bg1"/>
+                </a:solidFill>
+              </a:rPr>
+              <a:t>DevSecOps</a:t>
+            </a:r>
+            <a:r>
+              <a:rPr lang="en-US" sz="3200" dirty="0">
+                <a:solidFill>
+                  <a:schemeClr val="bg1"/>
+                </a:solidFill>
+              </a:rPr>
+              <a:t> etc.</a:t>
+            </a:r>
+          </a:p>
+        </p:txBody>
+      </p:sp>
+      <p:pic>
+        <p:nvPicPr>
+          <p:cNvPr id="6" name="Content Placeholder 5" descr="Diagram&#10;&#10;Description automatically generated">
+            <a:extLst>
+              <a:ext uri="{FF2B5EF4-FFF2-40B4-BE49-F238E27FC236}">
+                <a16:creationId xmlns:a16="http://schemas.microsoft.com/office/drawing/2014/main" id="{C27407CE-48F5-8A47-38DF-C671F3A5D33B}"/>
+              </a:ext>
+            </a:extLst>
+          </p:cNvPr>
+          <p:cNvPicPr>
+            <a:picLocks noGrp="1" noChangeAspect="1"/>
+          </p:cNvPicPr>
+          <p:nvPr>
+            <p:ph sz="half" idx="2"/>
+          </p:nvPr>
+        </p:nvPicPr>
+        <p:blipFill>
+          <a:blip r:embed="rId5"/>
+          <a:stretch>
+            <a:fillRect/>
+          </a:stretch>
+        </p:blipFill>
+        <p:spPr>
+          <a:xfrm>
+            <a:off x="5781676" y="643467"/>
+            <a:ext cx="5264655" cy="5571066"/>
+          </a:xfrm>
+          <a:prstGeom prst="rect">
+            <a:avLst/>
+          </a:prstGeom>
+        </p:spPr>
+      </p:pic>
+      <p:sp>
+        <p:nvSpPr>
+          <p:cNvPr id="7" name="TextBox 6">
+            <a:extLst>
+              <a:ext uri="{FF2B5EF4-FFF2-40B4-BE49-F238E27FC236}">
+                <a16:creationId xmlns:a16="http://schemas.microsoft.com/office/drawing/2014/main" id="{9B42F68D-5DBD-5831-0804-A5EA60B86A9B}"/>
+              </a:ext>
+            </a:extLst>
+          </p:cNvPr>
+          <p:cNvSpPr txBox="1"/>
+          <p:nvPr/>
+        </p:nvSpPr>
+        <p:spPr>
+          <a:xfrm>
+            <a:off x="9552230" y="6083728"/>
+            <a:ext cx="2122790" cy="261610"/>
+          </a:xfrm>
+          <a:prstGeom prst="rect">
+            <a:avLst/>
+          </a:prstGeom>
+          <a:noFill/>
+        </p:spPr>
+        <p:txBody>
+          <a:bodyPr wrap="square" rtlCol="0">
+            <a:spAutoFit/>
+          </a:bodyPr>
+          <a:lstStyle/>
+          <a:p>
+            <a:r>
+              <a:rPr lang="en-GB" sz="1100" dirty="0">
+                <a:hlinkClick r:id="rId6"/>
+              </a:rPr>
+              <a:t>Introducing MLOps - O'Reilly</a:t>
+            </a:r>
+            <a:endParaRPr lang="en-GB" sz="1100" dirty="0"/>
+          </a:p>
+        </p:txBody>
+      </p:sp>
+    </p:spTree>
+    <p:extLst>
+      <p:ext uri="{BB962C8B-B14F-4D97-AF65-F5344CB8AC3E}">
+        <p14:creationId xmlns:p14="http://schemas.microsoft.com/office/powerpoint/2010/main" val="105117343"/>
+      </p:ext>
+    </p:extLst>
+  </p:cSld>
+  <p:clrMapOvr>
+    <a:overrideClrMapping bg1="lt1" tx1="dk1" bg2="lt2" tx2="dk2" accent1="accent1" accent2="accent2" accent3="accent3" accent4="accent4" accent5="accent5" accent6="accent6" hlink="hlink" folHlink="folHlink"/>
+  </p:clrMapOvr>
+</p:sld>
+</file>
+
+<file path=ppt/slides/slide12.xml><?xml version="1.0" encoding="utf-8"?>
+<p:sld xmlns:a="http://schemas.openxmlformats.org/drawingml/2006/main" xmlns:r="http://schemas.openxmlformats.org/officeDocument/2006/relationships" xmlns:p="http://schemas.openxmlformats.org/presentationml/2006/main">
+  <p:cSld>
+    <p:spTree>
+      <p:nvGrpSpPr>
+        <p:cNvPr id="1" name=""/>
+        <p:cNvGrpSpPr/>
+        <p:nvPr/>
+      </p:nvGrpSpPr>
+      <p:grpSpPr>
+        <a:xfrm>
+          <a:off x="0" y="0"/>
+          <a:ext cx="0" cy="0"/>
+          <a:chOff x="0" y="0"/>
+          <a:chExt cx="0" cy="0"/>
+        </a:xfrm>
+      </p:grpSpPr>
+      <p:sp>
+        <p:nvSpPr>
+          <p:cNvPr id="2" name="Title 1">
+            <a:extLst>
+              <a:ext uri="{FF2B5EF4-FFF2-40B4-BE49-F238E27FC236}">
+                <a16:creationId xmlns:a16="http://schemas.microsoft.com/office/drawing/2014/main" id="{0FF74EBB-47B0-A310-C683-F013BF8BBD65}"/>
+              </a:ext>
+            </a:extLst>
+          </p:cNvPr>
+          <p:cNvSpPr>
+            <a:spLocks noGrp="1"/>
+          </p:cNvSpPr>
+          <p:nvPr>
+            <p:ph type="title"/>
+          </p:nvPr>
+        </p:nvSpPr>
+        <p:spPr/>
+        <p:txBody>
+          <a:bodyPr/>
+          <a:lstStyle/>
+          <a:p>
+            <a:r>
+              <a:rPr lang="en-GB" dirty="0"/>
+              <a:t>Take Aways</a:t>
+            </a:r>
+          </a:p>
+        </p:txBody>
+      </p:sp>
+      <p:sp>
+        <p:nvSpPr>
+          <p:cNvPr id="5" name="Content Placeholder 4">
+            <a:extLst>
+              <a:ext uri="{FF2B5EF4-FFF2-40B4-BE49-F238E27FC236}">
+                <a16:creationId xmlns:a16="http://schemas.microsoft.com/office/drawing/2014/main" id="{AF5FBFD3-2BEE-34F9-AFB5-4DEBD48BB601}"/>
+              </a:ext>
+            </a:extLst>
+          </p:cNvPr>
+          <p:cNvSpPr>
+            <a:spLocks noGrp="1"/>
+          </p:cNvSpPr>
+          <p:nvPr>
+            <p:ph idx="1"/>
+          </p:nvPr>
+        </p:nvSpPr>
+        <p:spPr/>
+        <p:txBody>
+          <a:bodyPr>
+            <a:normAutofit/>
+          </a:bodyPr>
+          <a:lstStyle/>
+          <a:p>
+            <a:r>
+              <a:rPr lang="en-GB" sz="3200" dirty="0"/>
+              <a:t>Don’t blindly believe AI</a:t>
+            </a:r>
+          </a:p>
+          <a:p>
+            <a:r>
+              <a:rPr lang="en-GB" sz="3200" dirty="0"/>
+              <a:t>Identify and Communicate XAI needs</a:t>
+            </a:r>
+          </a:p>
+          <a:p>
+            <a:r>
+              <a:rPr lang="en-GB" sz="3200" dirty="0"/>
+              <a:t>Transparent &gt; Opaque</a:t>
+            </a:r>
+          </a:p>
+          <a:p>
+            <a:r>
+              <a:rPr lang="en-GB" sz="3200" dirty="0"/>
+              <a:t>MLOps pipeline</a:t>
+            </a:r>
+          </a:p>
+          <a:p>
+            <a:r>
+              <a:rPr lang="en-GB" sz="3200" dirty="0"/>
+              <a:t>Ask model vendors about interpretability and explainability</a:t>
+            </a:r>
+          </a:p>
+          <a:p>
+            <a:endParaRPr lang="en-GB" sz="3200" dirty="0"/>
+          </a:p>
+          <a:p>
+            <a:endParaRPr lang="en-GB" sz="3200" dirty="0"/>
+          </a:p>
+        </p:txBody>
+      </p:sp>
+    </p:spTree>
+    <p:extLst>
+      <p:ext uri="{BB962C8B-B14F-4D97-AF65-F5344CB8AC3E}">
+        <p14:creationId xmlns:p14="http://schemas.microsoft.com/office/powerpoint/2010/main" val="1708057894"/>
+      </p:ext>
+    </p:extLst>
+  </p:cSld>
+  <p:clrMapOvr>
+    <a:masterClrMapping/>
+  </p:clrMapOvr>
+  <p:timing>
+    <p:tnLst>
+      <p:par>
+        <p:cTn id="1" dur="indefinite" restart="never" nodeType="tmRoot">
+          <p:childTnLst>
+            <p:seq concurrent="1" nextAc="seek">
+              <p:cTn id="2" dur="indefinite" nodeType="mainSeq">
+                <p:childTnLst>
+                  <p:par>
+                    <p:cTn id="3" fill="hold">
+                      <p:stCondLst>
+                        <p:cond delay="indefinite"/>
+                      </p:stCondLst>
+                      <p:childTnLst>
+                        <p:par>
+                          <p:cTn id="4" fill="hold">
+                            <p:stCondLst>
+                              <p:cond delay="0"/>
+                            </p:stCondLst>
+                            <p:childTnLst>
+                              <p:par>
+                                <p:cTn id="5" presetID="1" presetClass="entr" presetSubtype="0" fill="hold" grpId="0" nodeType="clickEffect">
+                                  <p:stCondLst>
+                                    <p:cond delay="0"/>
+                                  </p:stCondLst>
+                                  <p:childTnLst>
+                                    <p:set>
+                                      <p:cBhvr>
+                                        <p:cTn id="6" dur="1" fill="hold">
+                                          <p:stCondLst>
+                                            <p:cond delay="0"/>
+                                          </p:stCondLst>
+                                        </p:cTn>
+                                        <p:tgtEl>
+                                          <p:spTgt spid="5">
+                                            <p:txEl>
+                                              <p:pRg st="0" end="0"/>
+                                            </p:txEl>
+                                          </p:spTgt>
+                                        </p:tgtEl>
+                                        <p:attrNameLst>
+                                          <p:attrName>style.visibility</p:attrName>
+                                        </p:attrNameLst>
+                                      </p:cBhvr>
+                                      <p:to>
+                                        <p:strVal val="visible"/>
+                                      </p:to>
+                                    </p:set>
+                                  </p:childTnLst>
+                                </p:cTn>
+                              </p:par>
+                            </p:childTnLst>
+                          </p:cTn>
+                        </p:par>
+                      </p:childTnLst>
+                    </p:cTn>
+                  </p:par>
+                  <p:par>
+                    <p:cTn id="7" fill="hold">
+                      <p:stCondLst>
+                        <p:cond delay="indefinite"/>
+                      </p:stCondLst>
+                      <p:childTnLst>
+                        <p:par>
+                          <p:cTn id="8" fill="hold">
+                            <p:stCondLst>
+                              <p:cond delay="0"/>
+                            </p:stCondLst>
+                            <p:childTnLst>
+                              <p:par>
+                                <p:cTn id="9" presetID="1" presetClass="entr" presetSubtype="0" fill="hold" grpId="0" nodeType="clickEffect">
+                                  <p:stCondLst>
+                                    <p:cond delay="0"/>
+                                  </p:stCondLst>
+                                  <p:childTnLst>
+                                    <p:set>
+                                      <p:cBhvr>
+                                        <p:cTn id="10" dur="1" fill="hold">
+                                          <p:stCondLst>
+                                            <p:cond delay="0"/>
+                                          </p:stCondLst>
+                                        </p:cTn>
+                                        <p:tgtEl>
+                                          <p:spTgt spid="5">
+                                            <p:txEl>
+                                              <p:pRg st="1" end="1"/>
+                                            </p:txEl>
+                                          </p:spTgt>
+                                        </p:tgtEl>
+                                        <p:attrNameLst>
+                                          <p:attrName>style.visibility</p:attrName>
+                                        </p:attrNameLst>
+                                      </p:cBhvr>
+                                      <p:to>
+                                        <p:strVal val="visible"/>
+                                      </p:to>
+                                    </p:set>
+                                  </p:childTnLst>
+                                </p:cTn>
+                              </p:par>
+                            </p:childTnLst>
+                          </p:cTn>
+                        </p:par>
+                      </p:childTnLst>
+                    </p:cTn>
+                  </p:par>
+                  <p:par>
+                    <p:cTn id="11" fill="hold">
+                      <p:stCondLst>
+                        <p:cond delay="indefinite"/>
+                      </p:stCondLst>
+                      <p:childTnLst>
+                        <p:par>
+                          <p:cTn id="12" fill="hold">
+                            <p:stCondLst>
+                              <p:cond delay="0"/>
+                            </p:stCondLst>
+                            <p:childTnLst>
+                              <p:par>
+                                <p:cTn id="13" presetID="1" presetClass="entr" presetSubtype="0" fill="hold" grpId="0" nodeType="clickEffect">
+                                  <p:stCondLst>
+                                    <p:cond delay="0"/>
+                                  </p:stCondLst>
+                                  <p:childTnLst>
+                                    <p:set>
+                                      <p:cBhvr>
+                                        <p:cTn id="14" dur="1" fill="hold">
+                                          <p:stCondLst>
+                                            <p:cond delay="0"/>
+                                          </p:stCondLst>
+                                        </p:cTn>
+                                        <p:tgtEl>
+                                          <p:spTgt spid="5">
+                                            <p:txEl>
+                                              <p:pRg st="2" end="2"/>
+                                            </p:txEl>
+                                          </p:spTgt>
+                                        </p:tgtEl>
+                                        <p:attrNameLst>
+                                          <p:attrName>style.visibility</p:attrName>
+                                        </p:attrNameLst>
+                                      </p:cBhvr>
+                                      <p:to>
+                                        <p:strVal val="visible"/>
+                                      </p:to>
+                                    </p:set>
+                                  </p:childTnLst>
+                                </p:cTn>
+                              </p:par>
+                            </p:childTnLst>
+                          </p:cTn>
+                        </p:par>
+                      </p:childTnLst>
+                    </p:cTn>
+                  </p:par>
+                  <p:par>
+                    <p:cTn id="15" fill="hold">
+                      <p:stCondLst>
+                        <p:cond delay="indefinite"/>
+                      </p:stCondLst>
+                      <p:childTnLst>
+                        <p:par>
+                          <p:cTn id="16" fill="hold">
+                            <p:stCondLst>
+                              <p:cond delay="0"/>
+                            </p:stCondLst>
+                            <p:childTnLst>
+                              <p:par>
+                                <p:cTn id="17" presetID="1" presetClass="entr" presetSubtype="0" fill="hold" grpId="0" nodeType="clickEffect">
+                                  <p:stCondLst>
+                                    <p:cond delay="0"/>
+                                  </p:stCondLst>
+                                  <p:childTnLst>
+                                    <p:set>
+                                      <p:cBhvr>
+                                        <p:cTn id="18" dur="1" fill="hold">
+                                          <p:stCondLst>
+                                            <p:cond delay="0"/>
+                                          </p:stCondLst>
+                                        </p:cTn>
+                                        <p:tgtEl>
+                                          <p:spTgt spid="5">
+                                            <p:txEl>
+                                              <p:pRg st="3" end="3"/>
+                                            </p:txEl>
+                                          </p:spTgt>
+                                        </p:tgtEl>
+                                        <p:attrNameLst>
+                                          <p:attrName>style.visibility</p:attrName>
+                                        </p:attrNameLst>
+                                      </p:cBhvr>
+                                      <p:to>
+                                        <p:strVal val="visible"/>
+                                      </p:to>
+                                    </p:set>
+                                  </p:childTnLst>
+                                </p:cTn>
+                              </p:par>
+                            </p:childTnLst>
+                          </p:cTn>
+                        </p:par>
+                      </p:childTnLst>
+                    </p:cTn>
+                  </p:par>
+                  <p:par>
+                    <p:cTn id="19" fill="hold">
+                      <p:stCondLst>
+                        <p:cond delay="indefinite"/>
+                      </p:stCondLst>
+                      <p:childTnLst>
+                        <p:par>
+                          <p:cTn id="20" fill="hold">
+                            <p:stCondLst>
+                              <p:cond delay="0"/>
+                            </p:stCondLst>
+                            <p:childTnLst>
+                              <p:par>
+                                <p:cTn id="21" presetID="1" presetClass="entr" presetSubtype="0" fill="hold" grpId="0" nodeType="clickEffect">
+                                  <p:stCondLst>
+                                    <p:cond delay="0"/>
+                                  </p:stCondLst>
+                                  <p:childTnLst>
+                                    <p:set>
+                                      <p:cBhvr>
+                                        <p:cTn id="22" dur="1" fill="hold">
+                                          <p:stCondLst>
+                                            <p:cond delay="0"/>
+                                          </p:stCondLst>
+                                        </p:cTn>
+                                        <p:tgtEl>
+                                          <p:spTgt spid="5">
+                                            <p:txEl>
+                                              <p:pRg st="4" end="4"/>
+                                            </p:txEl>
+                                          </p:spTgt>
+                                        </p:tgtEl>
+                                        <p:attrNameLst>
+                                          <p:attrName>style.visibility</p:attrName>
+                                        </p:attrNameLst>
+                                      </p:cBhvr>
+                                      <p:to>
+                                        <p:strVal val="visible"/>
+                                      </p:to>
+                                    </p:set>
+                                  </p:childTnLst>
+                                </p:cTn>
+                              </p:par>
+                            </p:childTnLst>
+                          </p:cTn>
+                        </p:par>
+                      </p:childTnLst>
+                    </p:cTn>
+                  </p:par>
+                </p:childTnLst>
+              </p:cTn>
+              <p:prevCondLst>
+                <p:cond evt="onPrev" delay="0">
+                  <p:tgtEl>
+                    <p:sldTgt/>
+                  </p:tgtEl>
+                </p:cond>
+              </p:prevCondLst>
+              <p:nextCondLst>
+                <p:cond evt="onNext" delay="0">
+                  <p:tgtEl>
+                    <p:sldTgt/>
+                  </p:tgtEl>
+                </p:cond>
+              </p:nextCondLst>
+            </p:seq>
+          </p:childTnLst>
+        </p:cTn>
+      </p:par>
+    </p:tnLst>
+    <p:bldLst>
+      <p:bldP spid="5" grpId="0" build="p"/>
+    </p:bldLst>
+  </p:timing>
+</p:sld>
+</file>
+
+<file path=ppt/slides/slide13.xml><?xml version="1.0" encoding="utf-8"?>
+<p:sld xmlns:a="http://schemas.openxmlformats.org/drawingml/2006/main" xmlns:r="http://schemas.openxmlformats.org/officeDocument/2006/relationships" xmlns:p="http://schemas.openxmlformats.org/presentationml/2006/main">
+  <p:cSld>
+    <p:spTree>
+      <p:nvGrpSpPr>
+        <p:cNvPr id="1" name=""/>
+        <p:cNvGrpSpPr/>
+        <p:nvPr/>
+      </p:nvGrpSpPr>
+      <p:grpSpPr>
+        <a:xfrm>
+          <a:off x="0" y="0"/>
+          <a:ext cx="0" cy="0"/>
+          <a:chOff x="0" y="0"/>
+          <a:chExt cx="0" cy="0"/>
+        </a:xfrm>
+      </p:grpSpPr>
+      <p:sp>
+        <p:nvSpPr>
+          <p:cNvPr id="2" name="Title 1">
+            <a:extLst>
+              <a:ext uri="{FF2B5EF4-FFF2-40B4-BE49-F238E27FC236}">
+                <a16:creationId xmlns:a16="http://schemas.microsoft.com/office/drawing/2014/main" id="{919094DA-100A-BDE5-BF71-22601DE7467B}"/>
+              </a:ext>
+            </a:extLst>
+          </p:cNvPr>
+          <p:cNvSpPr>
+            <a:spLocks noGrp="1"/>
+          </p:cNvSpPr>
+          <p:nvPr>
+            <p:ph type="title"/>
+          </p:nvPr>
+        </p:nvSpPr>
+        <p:spPr/>
+        <p:txBody>
+          <a:bodyPr/>
+          <a:lstStyle/>
+          <a:p>
+            <a:r>
+              <a:rPr lang="en-GB" dirty="0"/>
+              <a:t>Questions</a:t>
+            </a:r>
+          </a:p>
+        </p:txBody>
+      </p:sp>
+    </p:spTree>
+    <p:extLst>
+      <p:ext uri="{BB962C8B-B14F-4D97-AF65-F5344CB8AC3E}">
+        <p14:creationId xmlns:p14="http://schemas.microsoft.com/office/powerpoint/2010/main" val="3995182729"/>
+      </p:ext>
+    </p:extLst>
+  </p:cSld>
+  <p:clrMapOvr>
+    <a:masterClrMapping/>
+  </p:clrMapOvr>
+</p:sld>
+</file>
+
 <file path=ppt/slides/slide2.xml><?xml version="1.0" encoding="utf-8"?>
 <p:sld xmlns:a="http://schemas.openxmlformats.org/drawingml/2006/main" xmlns:r="http://schemas.openxmlformats.org/officeDocument/2006/relationships" xmlns:p="http://schemas.openxmlformats.org/presentationml/2006/main">
   <p:cSld>
@@ -6624,31 +9522,27 @@
           <a:lstStyle/>
           <a:p>
             <a:r>
-              <a:rPr lang="en-US" sz="3600" dirty="0"/>
-              <a:t>Sub-field of Artificial Intelligence (AI)</a:t>
-            </a:r>
-          </a:p>
-          <a:p>
-            <a:pPr lvl="1"/>
-            <a:r>
               <a:rPr lang="en-US" sz="3200" dirty="0"/>
               <a:t>Supervised</a:t>
             </a:r>
           </a:p>
           <a:p>
-            <a:pPr lvl="1"/>
             <a:r>
               <a:rPr lang="en-US" sz="3200" dirty="0"/>
               <a:t>Unsupervised</a:t>
             </a:r>
           </a:p>
           <a:p>
-            <a:pPr lvl="1"/>
             <a:r>
               <a:rPr lang="en-US" sz="3200" dirty="0"/>
               <a:t>Semi-Supervised</a:t>
             </a:r>
-            <a:endParaRPr lang="en-US" sz="3000" dirty="0"/>
+          </a:p>
+          <a:p>
+            <a:r>
+              <a:rPr lang="en-US" sz="3200" dirty="0"/>
+              <a:t>Reinforcement</a:t>
+            </a:r>
           </a:p>
           <a:p>
             <a:endParaRPr lang="en-US" dirty="0"/>
@@ -6735,6 +9629,308 @@
   <p:clrMapOvr>
     <a:masterClrMapping/>
   </p:clrMapOvr>
+  <p:timing>
+    <p:tnLst>
+      <p:par>
+        <p:cTn id="1" dur="indefinite" restart="never" nodeType="tmRoot">
+          <p:childTnLst>
+            <p:seq concurrent="1" nextAc="seek">
+              <p:cTn id="2" dur="indefinite" nodeType="mainSeq">
+                <p:childTnLst>
+                  <p:par>
+                    <p:cTn id="3" fill="hold">
+                      <p:stCondLst>
+                        <p:cond delay="indefinite"/>
+                      </p:stCondLst>
+                      <p:childTnLst>
+                        <p:par>
+                          <p:cTn id="4" fill="hold">
+                            <p:stCondLst>
+                              <p:cond delay="0"/>
+                            </p:stCondLst>
+                            <p:childTnLst>
+                              <p:par>
+                                <p:cTn id="5" presetID="1" presetClass="entr" presetSubtype="0" fill="hold" grpId="0" nodeType="clickEffect">
+                                  <p:stCondLst>
+                                    <p:cond delay="0"/>
+                                  </p:stCondLst>
+                                  <p:childTnLst>
+                                    <p:set>
+                                      <p:cBhvr>
+                                        <p:cTn id="6" dur="1" fill="hold">
+                                          <p:stCondLst>
+                                            <p:cond delay="0"/>
+                                          </p:stCondLst>
+                                        </p:cTn>
+                                        <p:tgtEl>
+                                          <p:spTgt spid="4">
+                                            <p:txEl>
+                                              <p:pRg st="0" end="0"/>
+                                            </p:txEl>
+                                          </p:spTgt>
+                                        </p:tgtEl>
+                                        <p:attrNameLst>
+                                          <p:attrName>style.visibility</p:attrName>
+                                        </p:attrNameLst>
+                                      </p:cBhvr>
+                                      <p:to>
+                                        <p:strVal val="visible"/>
+                                      </p:to>
+                                    </p:set>
+                                  </p:childTnLst>
+                                </p:cTn>
+                              </p:par>
+                            </p:childTnLst>
+                          </p:cTn>
+                        </p:par>
+                      </p:childTnLst>
+                    </p:cTn>
+                  </p:par>
+                  <p:par>
+                    <p:cTn id="7" fill="hold">
+                      <p:stCondLst>
+                        <p:cond delay="indefinite"/>
+                      </p:stCondLst>
+                      <p:childTnLst>
+                        <p:par>
+                          <p:cTn id="8" fill="hold">
+                            <p:stCondLst>
+                              <p:cond delay="0"/>
+                            </p:stCondLst>
+                            <p:childTnLst>
+                              <p:par>
+                                <p:cTn id="9" presetID="1" presetClass="entr" presetSubtype="0" fill="hold" grpId="0" nodeType="clickEffect">
+                                  <p:stCondLst>
+                                    <p:cond delay="0"/>
+                                  </p:stCondLst>
+                                  <p:childTnLst>
+                                    <p:set>
+                                      <p:cBhvr>
+                                        <p:cTn id="10" dur="1" fill="hold">
+                                          <p:stCondLst>
+                                            <p:cond delay="0"/>
+                                          </p:stCondLst>
+                                        </p:cTn>
+                                        <p:tgtEl>
+                                          <p:spTgt spid="4">
+                                            <p:txEl>
+                                              <p:pRg st="1" end="1"/>
+                                            </p:txEl>
+                                          </p:spTgt>
+                                        </p:tgtEl>
+                                        <p:attrNameLst>
+                                          <p:attrName>style.visibility</p:attrName>
+                                        </p:attrNameLst>
+                                      </p:cBhvr>
+                                      <p:to>
+                                        <p:strVal val="visible"/>
+                                      </p:to>
+                                    </p:set>
+                                  </p:childTnLst>
+                                </p:cTn>
+                              </p:par>
+                            </p:childTnLst>
+                          </p:cTn>
+                        </p:par>
+                      </p:childTnLst>
+                    </p:cTn>
+                  </p:par>
+                  <p:par>
+                    <p:cTn id="11" fill="hold">
+                      <p:stCondLst>
+                        <p:cond delay="indefinite"/>
+                      </p:stCondLst>
+                      <p:childTnLst>
+                        <p:par>
+                          <p:cTn id="12" fill="hold">
+                            <p:stCondLst>
+                              <p:cond delay="0"/>
+                            </p:stCondLst>
+                            <p:childTnLst>
+                              <p:par>
+                                <p:cTn id="13" presetID="1" presetClass="entr" presetSubtype="0" fill="hold" grpId="0" nodeType="clickEffect">
+                                  <p:stCondLst>
+                                    <p:cond delay="0"/>
+                                  </p:stCondLst>
+                                  <p:childTnLst>
+                                    <p:set>
+                                      <p:cBhvr>
+                                        <p:cTn id="14" dur="1" fill="hold">
+                                          <p:stCondLst>
+                                            <p:cond delay="0"/>
+                                          </p:stCondLst>
+                                        </p:cTn>
+                                        <p:tgtEl>
+                                          <p:spTgt spid="4">
+                                            <p:txEl>
+                                              <p:pRg st="2" end="2"/>
+                                            </p:txEl>
+                                          </p:spTgt>
+                                        </p:tgtEl>
+                                        <p:attrNameLst>
+                                          <p:attrName>style.visibility</p:attrName>
+                                        </p:attrNameLst>
+                                      </p:cBhvr>
+                                      <p:to>
+                                        <p:strVal val="visible"/>
+                                      </p:to>
+                                    </p:set>
+                                  </p:childTnLst>
+                                </p:cTn>
+                              </p:par>
+                            </p:childTnLst>
+                          </p:cTn>
+                        </p:par>
+                      </p:childTnLst>
+                    </p:cTn>
+                  </p:par>
+                  <p:par>
+                    <p:cTn id="15" fill="hold">
+                      <p:stCondLst>
+                        <p:cond delay="indefinite"/>
+                      </p:stCondLst>
+                      <p:childTnLst>
+                        <p:par>
+                          <p:cTn id="16" fill="hold">
+                            <p:stCondLst>
+                              <p:cond delay="0"/>
+                            </p:stCondLst>
+                            <p:childTnLst>
+                              <p:par>
+                                <p:cTn id="17" presetID="1" presetClass="entr" presetSubtype="0" fill="hold" grpId="0" nodeType="clickEffect">
+                                  <p:stCondLst>
+                                    <p:cond delay="0"/>
+                                  </p:stCondLst>
+                                  <p:childTnLst>
+                                    <p:set>
+                                      <p:cBhvr>
+                                        <p:cTn id="18" dur="1" fill="hold">
+                                          <p:stCondLst>
+                                            <p:cond delay="0"/>
+                                          </p:stCondLst>
+                                        </p:cTn>
+                                        <p:tgtEl>
+                                          <p:spTgt spid="4">
+                                            <p:txEl>
+                                              <p:pRg st="3" end="3"/>
+                                            </p:txEl>
+                                          </p:spTgt>
+                                        </p:tgtEl>
+                                        <p:attrNameLst>
+                                          <p:attrName>style.visibility</p:attrName>
+                                        </p:attrNameLst>
+                                      </p:cBhvr>
+                                      <p:to>
+                                        <p:strVal val="visible"/>
+                                      </p:to>
+                                    </p:set>
+                                  </p:childTnLst>
+                                </p:cTn>
+                              </p:par>
+                            </p:childTnLst>
+                          </p:cTn>
+                        </p:par>
+                      </p:childTnLst>
+                    </p:cTn>
+                  </p:par>
+                  <p:par>
+                    <p:cTn id="19" fill="hold">
+                      <p:stCondLst>
+                        <p:cond delay="indefinite"/>
+                      </p:stCondLst>
+                      <p:childTnLst>
+                        <p:par>
+                          <p:cTn id="20" fill="hold">
+                            <p:stCondLst>
+                              <p:cond delay="0"/>
+                            </p:stCondLst>
+                            <p:childTnLst>
+                              <p:par>
+                                <p:cTn id="21" presetID="1" presetClass="entr" presetSubtype="0" fill="hold" nodeType="clickEffect">
+                                  <p:stCondLst>
+                                    <p:cond delay="0"/>
+                                  </p:stCondLst>
+                                  <p:childTnLst>
+                                    <p:set>
+                                      <p:cBhvr>
+                                        <p:cTn id="22" dur="1" fill="hold">
+                                          <p:stCondLst>
+                                            <p:cond delay="0"/>
+                                          </p:stCondLst>
+                                        </p:cTn>
+                                        <p:tgtEl>
+                                          <p:spTgt spid="3"/>
+                                        </p:tgtEl>
+                                        <p:attrNameLst>
+                                          <p:attrName>style.visibility</p:attrName>
+                                        </p:attrNameLst>
+                                      </p:cBhvr>
+                                      <p:to>
+                                        <p:strVal val="visible"/>
+                                      </p:to>
+                                    </p:set>
+                                  </p:childTnLst>
+                                </p:cTn>
+                              </p:par>
+                              <p:par>
+                                <p:cTn id="23" presetID="1" presetClass="entr" presetSubtype="0" fill="hold" grpId="0" nodeType="withEffect">
+                                  <p:stCondLst>
+                                    <p:cond delay="0"/>
+                                  </p:stCondLst>
+                                  <p:childTnLst>
+                                    <p:set>
+                                      <p:cBhvr>
+                                        <p:cTn id="24" dur="1" fill="hold">
+                                          <p:stCondLst>
+                                            <p:cond delay="0"/>
+                                          </p:stCondLst>
+                                        </p:cTn>
+                                        <p:tgtEl>
+                                          <p:spTgt spid="6"/>
+                                        </p:tgtEl>
+                                        <p:attrNameLst>
+                                          <p:attrName>style.visibility</p:attrName>
+                                        </p:attrNameLst>
+                                      </p:cBhvr>
+                                      <p:to>
+                                        <p:strVal val="visible"/>
+                                      </p:to>
+                                    </p:set>
+                                  </p:childTnLst>
+                                </p:cTn>
+                              </p:par>
+                            </p:childTnLst>
+                          </p:cTn>
+                        </p:par>
+                      </p:childTnLst>
+                    </p:cTn>
+                  </p:par>
+                </p:childTnLst>
+              </p:cTn>
+              <p:prevCondLst>
+                <p:cond evt="onPrev" delay="0">
+                  <p:tgtEl>
+                    <p:sldTgt/>
+                  </p:tgtEl>
+                </p:cond>
+              </p:prevCondLst>
+              <p:nextCondLst>
+                <p:cond evt="onNext" delay="0">
+                  <p:tgtEl>
+                    <p:sldTgt/>
+                  </p:tgtEl>
+                </p:cond>
+              </p:nextCondLst>
+            </p:seq>
+          </p:childTnLst>
+        </p:cTn>
+      </p:par>
+    </p:tnLst>
+    <p:bldLst>
+      <p:bldP spid="4" grpId="0" build="p"/>
+      <p:bldP spid="6" grpId="0"/>
+    </p:bldLst>
+  </p:timing>
 </p:sld>
 </file>
 
@@ -6778,7 +9974,7 @@
           <a:p>
             <a:r>
               <a:rPr lang="en-US" dirty="0"/>
-              <a:t>Models Are Not Perfect</a:t>
+              <a:t>What is in a Model?</a:t>
             </a:r>
           </a:p>
         </p:txBody>
@@ -6808,48 +10004,82 @@
           <a:p>
             <a:r>
               <a:rPr lang="en-GB" sz="3200" dirty="0"/>
-              <a:t>Predicting outputs </a:t>
-            </a:r>
-            <a:r>
-              <a:rPr lang="en-GB" sz="3200"/>
-              <a:t>from inputs</a:t>
-            </a:r>
-          </a:p>
-          <a:p>
-            <a:endParaRPr lang="en-GB" sz="3200" dirty="0"/>
-          </a:p>
-        </p:txBody>
-      </p:sp>
-      <p:sp>
-        <p:nvSpPr>
-          <p:cNvPr id="3" name="Content Placeholder 2">
+              <a:t>Model is some predictor ƒ</a:t>
+            </a:r>
+            <a:r>
+              <a:rPr lang="en-GB" sz="3200" i="1" dirty="0"/>
+              <a:t>(x)</a:t>
+            </a:r>
+          </a:p>
+          <a:p>
+            <a:r>
+              <a:rPr lang="en-GB" sz="3200" dirty="0"/>
+              <a:t>Model may be looking at the wrong thing</a:t>
+            </a:r>
+          </a:p>
+          <a:p>
+            <a:r>
+              <a:rPr lang="en-GB" sz="3200" dirty="0"/>
+              <a:t>Some models are proprietary</a:t>
+            </a:r>
+          </a:p>
+          <a:p>
+            <a:r>
+              <a:rPr lang="en-GB" sz="3200" dirty="0"/>
+              <a:t>Some models are too complex to understand</a:t>
+            </a:r>
+          </a:p>
+        </p:txBody>
+      </p:sp>
+      <p:pic>
+        <p:nvPicPr>
+          <p:cNvPr id="1026" name="Picture 2" descr="Putting neural networks under the microscope | Neural networks, Natural ...">
             <a:extLst>
               <a:ext uri="{FF2B5EF4-FFF2-40B4-BE49-F238E27FC236}">
-                <a16:creationId xmlns:a16="http://schemas.microsoft.com/office/drawing/2014/main" id="{6BE8D434-67D7-D7B0-B4DC-6706BAF3E2E3}"/>
+                <a16:creationId xmlns:a16="http://schemas.microsoft.com/office/drawing/2014/main" id="{114EEFF0-D263-150E-1739-A853415F502A}"/>
               </a:ext>
             </a:extLst>
           </p:cNvPr>
-          <p:cNvSpPr>
-            <a:spLocks noGrp="1"/>
-          </p:cNvSpPr>
+          <p:cNvPicPr>
+            <a:picLocks noGrp="1" noChangeAspect="1" noChangeArrowheads="1"/>
+          </p:cNvPicPr>
           <p:nvPr>
             <p:ph sz="half" idx="2"/>
           </p:nvPr>
-        </p:nvSpPr>
-        <p:spPr/>
-        <p:txBody>
-          <a:bodyPr>
-            <a:normAutofit/>
-          </a:bodyPr>
-          <a:lstStyle/>
-          <a:p>
-            <a:pPr marL="0" indent="0">
-              <a:buNone/>
-            </a:pPr>
-            <a:endParaRPr lang="en-GB" sz="3200" dirty="0"/>
-          </a:p>
-        </p:txBody>
-      </p:sp>
+        </p:nvPicPr>
+        <p:blipFill>
+          <a:blip r:embed="rId3">
+            <a:extLst>
+              <a:ext uri="{28A0092B-C50C-407E-A947-70E740481C1C}">
+                <a14:useLocalDpi xmlns:a14="http://schemas.microsoft.com/office/drawing/2010/main" val="0"/>
+              </a:ext>
+            </a:extLst>
+          </a:blip>
+          <a:srcRect/>
+          <a:stretch>
+            <a:fillRect/>
+          </a:stretch>
+        </p:blipFill>
+        <p:spPr bwMode="auto">
+          <a:xfrm>
+            <a:off x="6172200" y="2428081"/>
+            <a:ext cx="5334000" cy="3556000"/>
+          </a:xfrm>
+          <a:prstGeom prst="rect">
+            <a:avLst/>
+          </a:prstGeom>
+          <a:noFill/>
+          <a:extLst>
+            <a:ext uri="{909E8E84-426E-40DD-AFC4-6F175D3DCCD1}">
+              <a14:hiddenFill xmlns:a14="http://schemas.microsoft.com/office/drawing/2010/main">
+                <a:solidFill>
+                  <a:srgbClr val="FFFFFF"/>
+                </a:solidFill>
+              </a14:hiddenFill>
+            </a:ext>
+          </a:extLst>
+        </p:spPr>
+      </p:pic>
     </p:spTree>
     <p:extLst>
       <p:ext uri="{BB962C8B-B14F-4D97-AF65-F5344CB8AC3E}">
@@ -6860,6 +10090,235 @@
   <p:clrMapOvr>
     <a:masterClrMapping/>
   </p:clrMapOvr>
+  <p:timing>
+    <p:tnLst>
+      <p:par>
+        <p:cTn id="1" dur="indefinite" restart="never" nodeType="tmRoot">
+          <p:childTnLst>
+            <p:seq concurrent="1" nextAc="seek">
+              <p:cTn id="2" dur="indefinite" nodeType="mainSeq">
+                <p:childTnLst>
+                  <p:par>
+                    <p:cTn id="3" fill="hold">
+                      <p:stCondLst>
+                        <p:cond delay="indefinite"/>
+                      </p:stCondLst>
+                      <p:childTnLst>
+                        <p:par>
+                          <p:cTn id="4" fill="hold">
+                            <p:stCondLst>
+                              <p:cond delay="0"/>
+                            </p:stCondLst>
+                            <p:childTnLst>
+                              <p:par>
+                                <p:cTn id="5" presetID="1" presetClass="entr" presetSubtype="0" fill="hold" grpId="0" nodeType="clickEffect">
+                                  <p:stCondLst>
+                                    <p:cond delay="0"/>
+                                  </p:stCondLst>
+                                  <p:childTnLst>
+                                    <p:set>
+                                      <p:cBhvr>
+                                        <p:cTn id="6" dur="1" fill="hold">
+                                          <p:stCondLst>
+                                            <p:cond delay="0"/>
+                                          </p:stCondLst>
+                                        </p:cTn>
+                                        <p:tgtEl>
+                                          <p:spTgt spid="2">
+                                            <p:txEl>
+                                              <p:pRg st="0" end="0"/>
+                                            </p:txEl>
+                                          </p:spTgt>
+                                        </p:tgtEl>
+                                        <p:attrNameLst>
+                                          <p:attrName>style.visibility</p:attrName>
+                                        </p:attrNameLst>
+                                      </p:cBhvr>
+                                      <p:to>
+                                        <p:strVal val="visible"/>
+                                      </p:to>
+                                    </p:set>
+                                  </p:childTnLst>
+                                </p:cTn>
+                              </p:par>
+                            </p:childTnLst>
+                          </p:cTn>
+                        </p:par>
+                      </p:childTnLst>
+                    </p:cTn>
+                  </p:par>
+                  <p:par>
+                    <p:cTn id="7" fill="hold">
+                      <p:stCondLst>
+                        <p:cond delay="indefinite"/>
+                      </p:stCondLst>
+                      <p:childTnLst>
+                        <p:par>
+                          <p:cTn id="8" fill="hold">
+                            <p:stCondLst>
+                              <p:cond delay="0"/>
+                            </p:stCondLst>
+                            <p:childTnLst>
+                              <p:par>
+                                <p:cTn id="9" presetID="1" presetClass="entr" presetSubtype="0" fill="hold" grpId="0" nodeType="clickEffect">
+                                  <p:stCondLst>
+                                    <p:cond delay="0"/>
+                                  </p:stCondLst>
+                                  <p:childTnLst>
+                                    <p:set>
+                                      <p:cBhvr>
+                                        <p:cTn id="10" dur="1" fill="hold">
+                                          <p:stCondLst>
+                                            <p:cond delay="0"/>
+                                          </p:stCondLst>
+                                        </p:cTn>
+                                        <p:tgtEl>
+                                          <p:spTgt spid="2">
+                                            <p:txEl>
+                                              <p:pRg st="1" end="1"/>
+                                            </p:txEl>
+                                          </p:spTgt>
+                                        </p:tgtEl>
+                                        <p:attrNameLst>
+                                          <p:attrName>style.visibility</p:attrName>
+                                        </p:attrNameLst>
+                                      </p:cBhvr>
+                                      <p:to>
+                                        <p:strVal val="visible"/>
+                                      </p:to>
+                                    </p:set>
+                                  </p:childTnLst>
+                                </p:cTn>
+                              </p:par>
+                            </p:childTnLst>
+                          </p:cTn>
+                        </p:par>
+                      </p:childTnLst>
+                    </p:cTn>
+                  </p:par>
+                  <p:par>
+                    <p:cTn id="11" fill="hold">
+                      <p:stCondLst>
+                        <p:cond delay="indefinite"/>
+                      </p:stCondLst>
+                      <p:childTnLst>
+                        <p:par>
+                          <p:cTn id="12" fill="hold">
+                            <p:stCondLst>
+                              <p:cond delay="0"/>
+                            </p:stCondLst>
+                            <p:childTnLst>
+                              <p:par>
+                                <p:cTn id="13" presetID="1" presetClass="entr" presetSubtype="0" fill="hold" grpId="0" nodeType="clickEffect">
+                                  <p:stCondLst>
+                                    <p:cond delay="0"/>
+                                  </p:stCondLst>
+                                  <p:childTnLst>
+                                    <p:set>
+                                      <p:cBhvr>
+                                        <p:cTn id="14" dur="1" fill="hold">
+                                          <p:stCondLst>
+                                            <p:cond delay="0"/>
+                                          </p:stCondLst>
+                                        </p:cTn>
+                                        <p:tgtEl>
+                                          <p:spTgt spid="2">
+                                            <p:txEl>
+                                              <p:pRg st="2" end="2"/>
+                                            </p:txEl>
+                                          </p:spTgt>
+                                        </p:tgtEl>
+                                        <p:attrNameLst>
+                                          <p:attrName>style.visibility</p:attrName>
+                                        </p:attrNameLst>
+                                      </p:cBhvr>
+                                      <p:to>
+                                        <p:strVal val="visible"/>
+                                      </p:to>
+                                    </p:set>
+                                  </p:childTnLst>
+                                </p:cTn>
+                              </p:par>
+                            </p:childTnLst>
+                          </p:cTn>
+                        </p:par>
+                      </p:childTnLst>
+                    </p:cTn>
+                  </p:par>
+                  <p:par>
+                    <p:cTn id="15" fill="hold">
+                      <p:stCondLst>
+                        <p:cond delay="indefinite"/>
+                      </p:stCondLst>
+                      <p:childTnLst>
+                        <p:par>
+                          <p:cTn id="16" fill="hold">
+                            <p:stCondLst>
+                              <p:cond delay="0"/>
+                            </p:stCondLst>
+                            <p:childTnLst>
+                              <p:par>
+                                <p:cTn id="17" presetID="1" presetClass="entr" presetSubtype="0" fill="hold" grpId="0" nodeType="clickEffect">
+                                  <p:stCondLst>
+                                    <p:cond delay="0"/>
+                                  </p:stCondLst>
+                                  <p:childTnLst>
+                                    <p:set>
+                                      <p:cBhvr>
+                                        <p:cTn id="18" dur="1" fill="hold">
+                                          <p:stCondLst>
+                                            <p:cond delay="0"/>
+                                          </p:stCondLst>
+                                        </p:cTn>
+                                        <p:tgtEl>
+                                          <p:spTgt spid="2">
+                                            <p:txEl>
+                                              <p:pRg st="3" end="3"/>
+                                            </p:txEl>
+                                          </p:spTgt>
+                                        </p:tgtEl>
+                                        <p:attrNameLst>
+                                          <p:attrName>style.visibility</p:attrName>
+                                        </p:attrNameLst>
+                                      </p:cBhvr>
+                                      <p:to>
+                                        <p:strVal val="visible"/>
+                                      </p:to>
+                                    </p:set>
+                                  </p:childTnLst>
+                                </p:cTn>
+                              </p:par>
+                            </p:childTnLst>
+                          </p:cTn>
+                        </p:par>
+                      </p:childTnLst>
+                    </p:cTn>
+                  </p:par>
+                </p:childTnLst>
+              </p:cTn>
+              <p:prevCondLst>
+                <p:cond evt="onPrev" delay="0">
+                  <p:tgtEl>
+                    <p:sldTgt/>
+                  </p:tgtEl>
+                </p:cond>
+              </p:prevCondLst>
+              <p:nextCondLst>
+                <p:cond evt="onNext" delay="0">
+                  <p:tgtEl>
+                    <p:sldTgt/>
+                  </p:tgtEl>
+                </p:cond>
+              </p:nextCondLst>
+            </p:seq>
+          </p:childTnLst>
+        </p:cTn>
+      </p:par>
+    </p:tnLst>
+    <p:bldLst>
+      <p:bldP spid="2" grpId="0" build="p"/>
+    </p:bldLst>
+  </p:timing>
 </p:sld>
 </file>
 
@@ -6903,7 +10362,7 @@
           <a:p>
             <a:r>
               <a:rPr lang="en-US" dirty="0"/>
-              <a:t>The Growth of Explainable AI</a:t>
+              <a:t>Enter Explainable AI</a:t>
             </a:r>
           </a:p>
         </p:txBody>
@@ -6931,40 +10390,86 @@
           </a:bodyPr>
           <a:lstStyle/>
           <a:p>
+            <a:r>
+              <a:rPr lang="en-GB" sz="3200" dirty="0"/>
+              <a:t>Not a new concept</a:t>
+            </a:r>
+          </a:p>
+          <a:p>
+            <a:r>
+              <a:rPr lang="en-GB" sz="3200" dirty="0"/>
+              <a:t>Not solved</a:t>
+            </a:r>
+          </a:p>
+          <a:p>
+            <a:r>
+              <a:rPr lang="en-GB" sz="3200" dirty="0"/>
+              <a:t>Language is not always consistent</a:t>
+            </a:r>
+          </a:p>
+          <a:p>
+            <a:r>
+              <a:rPr lang="en-GB" sz="3200" dirty="0"/>
+              <a:t>Of increasing importance</a:t>
+            </a:r>
+          </a:p>
+          <a:p>
             <a:endParaRPr lang="en-GB" sz="3200" dirty="0"/>
           </a:p>
-        </p:txBody>
-      </p:sp>
-      <p:sp>
-        <p:nvSpPr>
-          <p:cNvPr id="3" name="Content Placeholder 2">
+          <a:p>
+            <a:endParaRPr lang="en-GB" sz="3200" dirty="0"/>
+          </a:p>
+        </p:txBody>
+      </p:sp>
+      <p:pic>
+        <p:nvPicPr>
+          <p:cNvPr id="2050" name="Picture 2" descr="Decision Trees | CS-301">
             <a:extLst>
               <a:ext uri="{FF2B5EF4-FFF2-40B4-BE49-F238E27FC236}">
-                <a16:creationId xmlns:a16="http://schemas.microsoft.com/office/drawing/2014/main" id="{B253B4BA-2862-ACD1-9F5D-D4FE7FA3B7E2}"/>
+                <a16:creationId xmlns:a16="http://schemas.microsoft.com/office/drawing/2014/main" id="{48C9C22F-712A-B023-6955-E04083D5B06A}"/>
               </a:ext>
             </a:extLst>
           </p:cNvPr>
-          <p:cNvSpPr>
-            <a:spLocks noGrp="1"/>
-          </p:cNvSpPr>
+          <p:cNvPicPr>
+            <a:picLocks noGrp="1" noChangeAspect="1" noChangeArrowheads="1"/>
+          </p:cNvPicPr>
           <p:nvPr>
             <p:ph sz="half" idx="2"/>
           </p:nvPr>
-        </p:nvSpPr>
-        <p:spPr/>
-        <p:txBody>
-          <a:bodyPr>
-            <a:normAutofit/>
-          </a:bodyPr>
-          <a:lstStyle/>
-          <a:p>
-            <a:pPr marL="0" indent="0">
-              <a:buNone/>
-            </a:pPr>
-            <a:endParaRPr lang="en-GB" sz="3200" dirty="0"/>
-          </a:p>
-        </p:txBody>
-      </p:sp>
+        </p:nvPicPr>
+        <p:blipFill>
+          <a:blip r:embed="rId3">
+            <a:extLst>
+              <a:ext uri="{28A0092B-C50C-407E-A947-70E740481C1C}">
+                <a14:useLocalDpi xmlns:a14="http://schemas.microsoft.com/office/drawing/2010/main" val="0"/>
+              </a:ext>
+            </a:extLst>
+          </a:blip>
+          <a:srcRect/>
+          <a:stretch>
+            <a:fillRect/>
+          </a:stretch>
+        </p:blipFill>
+        <p:spPr bwMode="auto">
+          <a:xfrm>
+            <a:off x="6172200" y="2361765"/>
+            <a:ext cx="5334000" cy="3688633"/>
+          </a:xfrm>
+          <a:prstGeom prst="rect">
+            <a:avLst/>
+          </a:prstGeom>
+          <a:noFill/>
+          <a:extLst>
+            <a:ext uri="{909E8E84-426E-40DD-AFC4-6F175D3DCCD1}">
+              <a14:hiddenFill xmlns:a14="http://schemas.microsoft.com/office/drawing/2010/main">
+                <a:solidFill>
+                  <a:srgbClr val="FFFFFF"/>
+                </a:solidFill>
+              </a14:hiddenFill>
+            </a:ext>
+          </a:extLst>
+        </p:spPr>
+      </p:pic>
     </p:spTree>
     <p:extLst>
       <p:ext uri="{BB962C8B-B14F-4D97-AF65-F5344CB8AC3E}">
@@ -6975,6 +10480,235 @@
   <p:clrMapOvr>
     <a:masterClrMapping/>
   </p:clrMapOvr>
+  <p:timing>
+    <p:tnLst>
+      <p:par>
+        <p:cTn id="1" dur="indefinite" restart="never" nodeType="tmRoot">
+          <p:childTnLst>
+            <p:seq concurrent="1" nextAc="seek">
+              <p:cTn id="2" dur="indefinite" nodeType="mainSeq">
+                <p:childTnLst>
+                  <p:par>
+                    <p:cTn id="3" fill="hold">
+                      <p:stCondLst>
+                        <p:cond delay="indefinite"/>
+                      </p:stCondLst>
+                      <p:childTnLst>
+                        <p:par>
+                          <p:cTn id="4" fill="hold">
+                            <p:stCondLst>
+                              <p:cond delay="0"/>
+                            </p:stCondLst>
+                            <p:childTnLst>
+                              <p:par>
+                                <p:cTn id="5" presetID="1" presetClass="entr" presetSubtype="0" fill="hold" grpId="0" nodeType="clickEffect">
+                                  <p:stCondLst>
+                                    <p:cond delay="0"/>
+                                  </p:stCondLst>
+                                  <p:childTnLst>
+                                    <p:set>
+                                      <p:cBhvr>
+                                        <p:cTn id="6" dur="1" fill="hold">
+                                          <p:stCondLst>
+                                            <p:cond delay="0"/>
+                                          </p:stCondLst>
+                                        </p:cTn>
+                                        <p:tgtEl>
+                                          <p:spTgt spid="2">
+                                            <p:txEl>
+                                              <p:pRg st="0" end="0"/>
+                                            </p:txEl>
+                                          </p:spTgt>
+                                        </p:tgtEl>
+                                        <p:attrNameLst>
+                                          <p:attrName>style.visibility</p:attrName>
+                                        </p:attrNameLst>
+                                      </p:cBhvr>
+                                      <p:to>
+                                        <p:strVal val="visible"/>
+                                      </p:to>
+                                    </p:set>
+                                  </p:childTnLst>
+                                </p:cTn>
+                              </p:par>
+                            </p:childTnLst>
+                          </p:cTn>
+                        </p:par>
+                      </p:childTnLst>
+                    </p:cTn>
+                  </p:par>
+                  <p:par>
+                    <p:cTn id="7" fill="hold">
+                      <p:stCondLst>
+                        <p:cond delay="indefinite"/>
+                      </p:stCondLst>
+                      <p:childTnLst>
+                        <p:par>
+                          <p:cTn id="8" fill="hold">
+                            <p:stCondLst>
+                              <p:cond delay="0"/>
+                            </p:stCondLst>
+                            <p:childTnLst>
+                              <p:par>
+                                <p:cTn id="9" presetID="1" presetClass="entr" presetSubtype="0" fill="hold" grpId="0" nodeType="clickEffect">
+                                  <p:stCondLst>
+                                    <p:cond delay="0"/>
+                                  </p:stCondLst>
+                                  <p:childTnLst>
+                                    <p:set>
+                                      <p:cBhvr>
+                                        <p:cTn id="10" dur="1" fill="hold">
+                                          <p:stCondLst>
+                                            <p:cond delay="0"/>
+                                          </p:stCondLst>
+                                        </p:cTn>
+                                        <p:tgtEl>
+                                          <p:spTgt spid="2">
+                                            <p:txEl>
+                                              <p:pRg st="1" end="1"/>
+                                            </p:txEl>
+                                          </p:spTgt>
+                                        </p:tgtEl>
+                                        <p:attrNameLst>
+                                          <p:attrName>style.visibility</p:attrName>
+                                        </p:attrNameLst>
+                                      </p:cBhvr>
+                                      <p:to>
+                                        <p:strVal val="visible"/>
+                                      </p:to>
+                                    </p:set>
+                                  </p:childTnLst>
+                                </p:cTn>
+                              </p:par>
+                            </p:childTnLst>
+                          </p:cTn>
+                        </p:par>
+                      </p:childTnLst>
+                    </p:cTn>
+                  </p:par>
+                  <p:par>
+                    <p:cTn id="11" fill="hold">
+                      <p:stCondLst>
+                        <p:cond delay="indefinite"/>
+                      </p:stCondLst>
+                      <p:childTnLst>
+                        <p:par>
+                          <p:cTn id="12" fill="hold">
+                            <p:stCondLst>
+                              <p:cond delay="0"/>
+                            </p:stCondLst>
+                            <p:childTnLst>
+                              <p:par>
+                                <p:cTn id="13" presetID="1" presetClass="entr" presetSubtype="0" fill="hold" grpId="0" nodeType="clickEffect">
+                                  <p:stCondLst>
+                                    <p:cond delay="0"/>
+                                  </p:stCondLst>
+                                  <p:childTnLst>
+                                    <p:set>
+                                      <p:cBhvr>
+                                        <p:cTn id="14" dur="1" fill="hold">
+                                          <p:stCondLst>
+                                            <p:cond delay="0"/>
+                                          </p:stCondLst>
+                                        </p:cTn>
+                                        <p:tgtEl>
+                                          <p:spTgt spid="2">
+                                            <p:txEl>
+                                              <p:pRg st="2" end="2"/>
+                                            </p:txEl>
+                                          </p:spTgt>
+                                        </p:tgtEl>
+                                        <p:attrNameLst>
+                                          <p:attrName>style.visibility</p:attrName>
+                                        </p:attrNameLst>
+                                      </p:cBhvr>
+                                      <p:to>
+                                        <p:strVal val="visible"/>
+                                      </p:to>
+                                    </p:set>
+                                  </p:childTnLst>
+                                </p:cTn>
+                              </p:par>
+                            </p:childTnLst>
+                          </p:cTn>
+                        </p:par>
+                      </p:childTnLst>
+                    </p:cTn>
+                  </p:par>
+                  <p:par>
+                    <p:cTn id="15" fill="hold">
+                      <p:stCondLst>
+                        <p:cond delay="indefinite"/>
+                      </p:stCondLst>
+                      <p:childTnLst>
+                        <p:par>
+                          <p:cTn id="16" fill="hold">
+                            <p:stCondLst>
+                              <p:cond delay="0"/>
+                            </p:stCondLst>
+                            <p:childTnLst>
+                              <p:par>
+                                <p:cTn id="17" presetID="1" presetClass="entr" presetSubtype="0" fill="hold" grpId="0" nodeType="clickEffect">
+                                  <p:stCondLst>
+                                    <p:cond delay="0"/>
+                                  </p:stCondLst>
+                                  <p:childTnLst>
+                                    <p:set>
+                                      <p:cBhvr>
+                                        <p:cTn id="18" dur="1" fill="hold">
+                                          <p:stCondLst>
+                                            <p:cond delay="0"/>
+                                          </p:stCondLst>
+                                        </p:cTn>
+                                        <p:tgtEl>
+                                          <p:spTgt spid="2">
+                                            <p:txEl>
+                                              <p:pRg st="3" end="3"/>
+                                            </p:txEl>
+                                          </p:spTgt>
+                                        </p:tgtEl>
+                                        <p:attrNameLst>
+                                          <p:attrName>style.visibility</p:attrName>
+                                        </p:attrNameLst>
+                                      </p:cBhvr>
+                                      <p:to>
+                                        <p:strVal val="visible"/>
+                                      </p:to>
+                                    </p:set>
+                                  </p:childTnLst>
+                                </p:cTn>
+                              </p:par>
+                            </p:childTnLst>
+                          </p:cTn>
+                        </p:par>
+                      </p:childTnLst>
+                    </p:cTn>
+                  </p:par>
+                </p:childTnLst>
+              </p:cTn>
+              <p:prevCondLst>
+                <p:cond evt="onPrev" delay="0">
+                  <p:tgtEl>
+                    <p:sldTgt/>
+                  </p:tgtEl>
+                </p:cond>
+              </p:prevCondLst>
+              <p:nextCondLst>
+                <p:cond evt="onNext" delay="0">
+                  <p:tgtEl>
+                    <p:sldTgt/>
+                  </p:tgtEl>
+                </p:cond>
+              </p:nextCondLst>
+            </p:seq>
+          </p:childTnLst>
+        </p:cTn>
+      </p:par>
+    </p:tnLst>
+    <p:bldLst>
+      <p:bldP spid="2" grpId="0" build="p"/>
+    </p:bldLst>
+  </p:timing>
 </p:sld>
 </file>
 
@@ -7071,36 +10805,55 @@
           </a:p>
         </p:txBody>
       </p:sp>
-      <p:sp>
-        <p:nvSpPr>
-          <p:cNvPr id="5" name="Content Placeholder 4">
+      <p:pic>
+        <p:nvPicPr>
+          <p:cNvPr id="3074" name="Picture 2" descr="Stakeholders Management, WHAT, WHY, and HOW? - Mohamed Sami">
             <a:extLst>
               <a:ext uri="{FF2B5EF4-FFF2-40B4-BE49-F238E27FC236}">
-                <a16:creationId xmlns:a16="http://schemas.microsoft.com/office/drawing/2014/main" id="{53A200A6-A379-280B-743A-7E1590C2C366}"/>
+                <a16:creationId xmlns:a16="http://schemas.microsoft.com/office/drawing/2014/main" id="{C1EA1306-C8ED-DF68-1A40-97050CD80E92}"/>
               </a:ext>
             </a:extLst>
           </p:cNvPr>
-          <p:cNvSpPr>
-            <a:spLocks noGrp="1"/>
-          </p:cNvSpPr>
+          <p:cNvPicPr>
+            <a:picLocks noGrp="1" noChangeAspect="1" noChangeArrowheads="1"/>
+          </p:cNvPicPr>
           <p:nvPr>
             <p:ph sz="half" idx="2"/>
           </p:nvPr>
-        </p:nvSpPr>
-        <p:spPr/>
-        <p:txBody>
-          <a:bodyPr>
-            <a:normAutofit/>
-          </a:bodyPr>
-          <a:lstStyle/>
-          <a:p>
-            <a:pPr marL="0" indent="0">
-              <a:buNone/>
-            </a:pPr>
-            <a:endParaRPr lang="en-GB" sz="3200" dirty="0"/>
-          </a:p>
-        </p:txBody>
-      </p:sp>
+        </p:nvPicPr>
+        <p:blipFill>
+          <a:blip r:embed="rId3">
+            <a:extLst>
+              <a:ext uri="{28A0092B-C50C-407E-A947-70E740481C1C}">
+                <a14:useLocalDpi xmlns:a14="http://schemas.microsoft.com/office/drawing/2010/main" val="0"/>
+              </a:ext>
+            </a:extLst>
+          </a:blip>
+          <a:srcRect/>
+          <a:stretch>
+            <a:fillRect/>
+          </a:stretch>
+        </p:blipFill>
+        <p:spPr bwMode="auto">
+          <a:xfrm>
+            <a:off x="6172200" y="3164285"/>
+            <a:ext cx="5334000" cy="2083593"/>
+          </a:xfrm>
+          <a:prstGeom prst="rect">
+            <a:avLst/>
+          </a:prstGeom>
+          <a:noFill/>
+          <a:extLst>
+            <a:ext uri="{909E8E84-426E-40DD-AFC4-6F175D3DCCD1}">
+              <a14:hiddenFill xmlns:a14="http://schemas.microsoft.com/office/drawing/2010/main">
+                <a:solidFill>
+                  <a:srgbClr val="FFFFFF"/>
+                </a:solidFill>
+              </a14:hiddenFill>
+            </a:ext>
+          </a:extLst>
+        </p:spPr>
+      </p:pic>
     </p:spTree>
     <p:extLst>
       <p:ext uri="{BB962C8B-B14F-4D97-AF65-F5344CB8AC3E}">
@@ -7111,6 +10864,235 @@
   <p:clrMapOvr>
     <a:masterClrMapping/>
   </p:clrMapOvr>
+  <p:timing>
+    <p:tnLst>
+      <p:par>
+        <p:cTn id="1" dur="indefinite" restart="never" nodeType="tmRoot">
+          <p:childTnLst>
+            <p:seq concurrent="1" nextAc="seek">
+              <p:cTn id="2" dur="indefinite" nodeType="mainSeq">
+                <p:childTnLst>
+                  <p:par>
+                    <p:cTn id="3" fill="hold">
+                      <p:stCondLst>
+                        <p:cond delay="indefinite"/>
+                      </p:stCondLst>
+                      <p:childTnLst>
+                        <p:par>
+                          <p:cTn id="4" fill="hold">
+                            <p:stCondLst>
+                              <p:cond delay="0"/>
+                            </p:stCondLst>
+                            <p:childTnLst>
+                              <p:par>
+                                <p:cTn id="5" presetID="1" presetClass="entr" presetSubtype="0" fill="hold" grpId="0" nodeType="clickEffect">
+                                  <p:stCondLst>
+                                    <p:cond delay="0"/>
+                                  </p:stCondLst>
+                                  <p:childTnLst>
+                                    <p:set>
+                                      <p:cBhvr>
+                                        <p:cTn id="6" dur="1" fill="hold">
+                                          <p:stCondLst>
+                                            <p:cond delay="0"/>
+                                          </p:stCondLst>
+                                        </p:cTn>
+                                        <p:tgtEl>
+                                          <p:spTgt spid="4">
+                                            <p:txEl>
+                                              <p:pRg st="0" end="0"/>
+                                            </p:txEl>
+                                          </p:spTgt>
+                                        </p:tgtEl>
+                                        <p:attrNameLst>
+                                          <p:attrName>style.visibility</p:attrName>
+                                        </p:attrNameLst>
+                                      </p:cBhvr>
+                                      <p:to>
+                                        <p:strVal val="visible"/>
+                                      </p:to>
+                                    </p:set>
+                                  </p:childTnLst>
+                                </p:cTn>
+                              </p:par>
+                            </p:childTnLst>
+                          </p:cTn>
+                        </p:par>
+                      </p:childTnLst>
+                    </p:cTn>
+                  </p:par>
+                  <p:par>
+                    <p:cTn id="7" fill="hold">
+                      <p:stCondLst>
+                        <p:cond delay="indefinite"/>
+                      </p:stCondLst>
+                      <p:childTnLst>
+                        <p:par>
+                          <p:cTn id="8" fill="hold">
+                            <p:stCondLst>
+                              <p:cond delay="0"/>
+                            </p:stCondLst>
+                            <p:childTnLst>
+                              <p:par>
+                                <p:cTn id="9" presetID="1" presetClass="entr" presetSubtype="0" fill="hold" grpId="0" nodeType="clickEffect">
+                                  <p:stCondLst>
+                                    <p:cond delay="0"/>
+                                  </p:stCondLst>
+                                  <p:childTnLst>
+                                    <p:set>
+                                      <p:cBhvr>
+                                        <p:cTn id="10" dur="1" fill="hold">
+                                          <p:stCondLst>
+                                            <p:cond delay="0"/>
+                                          </p:stCondLst>
+                                        </p:cTn>
+                                        <p:tgtEl>
+                                          <p:spTgt spid="4">
+                                            <p:txEl>
+                                              <p:pRg st="1" end="1"/>
+                                            </p:txEl>
+                                          </p:spTgt>
+                                        </p:tgtEl>
+                                        <p:attrNameLst>
+                                          <p:attrName>style.visibility</p:attrName>
+                                        </p:attrNameLst>
+                                      </p:cBhvr>
+                                      <p:to>
+                                        <p:strVal val="visible"/>
+                                      </p:to>
+                                    </p:set>
+                                  </p:childTnLst>
+                                </p:cTn>
+                              </p:par>
+                            </p:childTnLst>
+                          </p:cTn>
+                        </p:par>
+                      </p:childTnLst>
+                    </p:cTn>
+                  </p:par>
+                  <p:par>
+                    <p:cTn id="11" fill="hold">
+                      <p:stCondLst>
+                        <p:cond delay="indefinite"/>
+                      </p:stCondLst>
+                      <p:childTnLst>
+                        <p:par>
+                          <p:cTn id="12" fill="hold">
+                            <p:stCondLst>
+                              <p:cond delay="0"/>
+                            </p:stCondLst>
+                            <p:childTnLst>
+                              <p:par>
+                                <p:cTn id="13" presetID="1" presetClass="entr" presetSubtype="0" fill="hold" grpId="0" nodeType="clickEffect">
+                                  <p:stCondLst>
+                                    <p:cond delay="0"/>
+                                  </p:stCondLst>
+                                  <p:childTnLst>
+                                    <p:set>
+                                      <p:cBhvr>
+                                        <p:cTn id="14" dur="1" fill="hold">
+                                          <p:stCondLst>
+                                            <p:cond delay="0"/>
+                                          </p:stCondLst>
+                                        </p:cTn>
+                                        <p:tgtEl>
+                                          <p:spTgt spid="4">
+                                            <p:txEl>
+                                              <p:pRg st="2" end="2"/>
+                                            </p:txEl>
+                                          </p:spTgt>
+                                        </p:tgtEl>
+                                        <p:attrNameLst>
+                                          <p:attrName>style.visibility</p:attrName>
+                                        </p:attrNameLst>
+                                      </p:cBhvr>
+                                      <p:to>
+                                        <p:strVal val="visible"/>
+                                      </p:to>
+                                    </p:set>
+                                  </p:childTnLst>
+                                </p:cTn>
+                              </p:par>
+                            </p:childTnLst>
+                          </p:cTn>
+                        </p:par>
+                      </p:childTnLst>
+                    </p:cTn>
+                  </p:par>
+                  <p:par>
+                    <p:cTn id="15" fill="hold">
+                      <p:stCondLst>
+                        <p:cond delay="indefinite"/>
+                      </p:stCondLst>
+                      <p:childTnLst>
+                        <p:par>
+                          <p:cTn id="16" fill="hold">
+                            <p:stCondLst>
+                              <p:cond delay="0"/>
+                            </p:stCondLst>
+                            <p:childTnLst>
+                              <p:par>
+                                <p:cTn id="17" presetID="1" presetClass="entr" presetSubtype="0" fill="hold" grpId="0" nodeType="clickEffect">
+                                  <p:stCondLst>
+                                    <p:cond delay="0"/>
+                                  </p:stCondLst>
+                                  <p:childTnLst>
+                                    <p:set>
+                                      <p:cBhvr>
+                                        <p:cTn id="18" dur="1" fill="hold">
+                                          <p:stCondLst>
+                                            <p:cond delay="0"/>
+                                          </p:stCondLst>
+                                        </p:cTn>
+                                        <p:tgtEl>
+                                          <p:spTgt spid="4">
+                                            <p:txEl>
+                                              <p:pRg st="3" end="3"/>
+                                            </p:txEl>
+                                          </p:spTgt>
+                                        </p:tgtEl>
+                                        <p:attrNameLst>
+                                          <p:attrName>style.visibility</p:attrName>
+                                        </p:attrNameLst>
+                                      </p:cBhvr>
+                                      <p:to>
+                                        <p:strVal val="visible"/>
+                                      </p:to>
+                                    </p:set>
+                                  </p:childTnLst>
+                                </p:cTn>
+                              </p:par>
+                            </p:childTnLst>
+                          </p:cTn>
+                        </p:par>
+                      </p:childTnLst>
+                    </p:cTn>
+                  </p:par>
+                </p:childTnLst>
+              </p:cTn>
+              <p:prevCondLst>
+                <p:cond evt="onPrev" delay="0">
+                  <p:tgtEl>
+                    <p:sldTgt/>
+                  </p:tgtEl>
+                </p:cond>
+              </p:prevCondLst>
+              <p:nextCondLst>
+                <p:cond evt="onNext" delay="0">
+                  <p:tgtEl>
+                    <p:sldTgt/>
+                  </p:tgtEl>
+                </p:cond>
+              </p:nextCondLst>
+            </p:seq>
+          </p:childTnLst>
+        </p:cTn>
+      </p:par>
+    </p:tnLst>
+    <p:bldLst>
+      <p:bldP spid="4" grpId="0" build="p"/>
+    </p:bldLst>
+  </p:timing>
 </p:sld>
 </file>
 
@@ -7190,8 +11172,33 @@
               <a:buNone/>
             </a:pPr>
             <a:r>
+              <a:rPr lang="en-US" sz="3600" dirty="0"/>
+              <a:t>Interpretability</a:t>
+            </a:r>
+            <a:endParaRPr lang="en-US" sz="3200" dirty="0"/>
+          </a:p>
+          <a:p>
+            <a:pPr marL="0" indent="0">
+              <a:buNone/>
+            </a:pPr>
+            <a:endParaRPr lang="en-US" sz="3200" dirty="0"/>
+          </a:p>
+          <a:p>
+            <a:pPr marL="0" indent="0">
+              <a:buNone/>
+            </a:pPr>
+            <a:r>
               <a:rPr lang="en-US" sz="3200" dirty="0"/>
-              <a:t>Interpretability</a:t>
+              <a:t>Transparent</a:t>
+            </a:r>
+          </a:p>
+          <a:p>
+            <a:pPr marL="0" indent="0">
+              <a:buNone/>
+            </a:pPr>
+            <a:r>
+              <a:rPr lang="en-US" sz="3200" dirty="0"/>
+              <a:t>Domain Expert</a:t>
             </a:r>
           </a:p>
         </p:txBody>
@@ -7223,8 +11230,41 @@
               <a:buNone/>
             </a:pPr>
             <a:r>
+              <a:rPr lang="en-US" sz="3600" dirty="0"/>
+              <a:t>Explainability</a:t>
+            </a:r>
+          </a:p>
+          <a:p>
+            <a:pPr marL="0" indent="0">
+              <a:buNone/>
+            </a:pPr>
+            <a:endParaRPr lang="en-US" sz="3200" dirty="0"/>
+          </a:p>
+          <a:p>
+            <a:pPr marL="0" indent="0">
+              <a:buNone/>
+            </a:pPr>
+            <a:r>
               <a:rPr lang="en-US" sz="3200" dirty="0"/>
-              <a:t>Explainability</a:t>
+              <a:t>Opaque</a:t>
+            </a:r>
+          </a:p>
+          <a:p>
+            <a:pPr marL="0" indent="0">
+              <a:buNone/>
+            </a:pPr>
+            <a:r>
+              <a:rPr lang="en-US" sz="3200" dirty="0"/>
+              <a:t>Highlight Parts of Input that Matter</a:t>
+            </a:r>
+          </a:p>
+          <a:p>
+            <a:pPr marL="0" indent="0">
+              <a:buNone/>
+            </a:pPr>
+            <a:r>
+              <a:rPr lang="en-US" sz="3200" dirty="0"/>
+              <a:t>Companion Predictor</a:t>
             </a:r>
           </a:p>
         </p:txBody>
@@ -7239,6 +11279,285 @@
   <p:clrMapOvr>
     <a:masterClrMapping/>
   </p:clrMapOvr>
+  <p:timing>
+    <p:tnLst>
+      <p:par>
+        <p:cTn id="1" dur="indefinite" restart="never" nodeType="tmRoot">
+          <p:childTnLst>
+            <p:seq concurrent="1" nextAc="seek">
+              <p:cTn id="2" dur="indefinite" nodeType="mainSeq">
+                <p:childTnLst>
+                  <p:par>
+                    <p:cTn id="3" fill="hold">
+                      <p:stCondLst>
+                        <p:cond delay="indefinite"/>
+                      </p:stCondLst>
+                      <p:childTnLst>
+                        <p:par>
+                          <p:cTn id="4" fill="hold">
+                            <p:stCondLst>
+                              <p:cond delay="0"/>
+                            </p:stCondLst>
+                            <p:childTnLst>
+                              <p:par>
+                                <p:cTn id="5" presetID="1" presetClass="entr" presetSubtype="0" fill="hold" grpId="0" nodeType="clickEffect">
+                                  <p:stCondLst>
+                                    <p:cond delay="0"/>
+                                  </p:stCondLst>
+                                  <p:childTnLst>
+                                    <p:set>
+                                      <p:cBhvr>
+                                        <p:cTn id="6" dur="1" fill="hold">
+                                          <p:stCondLst>
+                                            <p:cond delay="0"/>
+                                          </p:stCondLst>
+                                        </p:cTn>
+                                        <p:tgtEl>
+                                          <p:spTgt spid="3">
+                                            <p:txEl>
+                                              <p:pRg st="2" end="2"/>
+                                            </p:txEl>
+                                          </p:spTgt>
+                                        </p:tgtEl>
+                                        <p:attrNameLst>
+                                          <p:attrName>style.visibility</p:attrName>
+                                        </p:attrNameLst>
+                                      </p:cBhvr>
+                                      <p:to>
+                                        <p:strVal val="visible"/>
+                                      </p:to>
+                                    </p:set>
+                                  </p:childTnLst>
+                                </p:cTn>
+                              </p:par>
+                            </p:childTnLst>
+                          </p:cTn>
+                        </p:par>
+                      </p:childTnLst>
+                    </p:cTn>
+                  </p:par>
+                  <p:par>
+                    <p:cTn id="7" fill="hold">
+                      <p:stCondLst>
+                        <p:cond delay="indefinite"/>
+                      </p:stCondLst>
+                      <p:childTnLst>
+                        <p:par>
+                          <p:cTn id="8" fill="hold">
+                            <p:stCondLst>
+                              <p:cond delay="0"/>
+                            </p:stCondLst>
+                            <p:childTnLst>
+                              <p:par>
+                                <p:cTn id="9" presetID="1" presetClass="entr" presetSubtype="0" fill="hold" grpId="0" nodeType="clickEffect">
+                                  <p:stCondLst>
+                                    <p:cond delay="0"/>
+                                  </p:stCondLst>
+                                  <p:childTnLst>
+                                    <p:set>
+                                      <p:cBhvr>
+                                        <p:cTn id="10" dur="1" fill="hold">
+                                          <p:stCondLst>
+                                            <p:cond delay="0"/>
+                                          </p:stCondLst>
+                                        </p:cTn>
+                                        <p:tgtEl>
+                                          <p:spTgt spid="4">
+                                            <p:txEl>
+                                              <p:pRg st="2" end="2"/>
+                                            </p:txEl>
+                                          </p:spTgt>
+                                        </p:tgtEl>
+                                        <p:attrNameLst>
+                                          <p:attrName>style.visibility</p:attrName>
+                                        </p:attrNameLst>
+                                      </p:cBhvr>
+                                      <p:to>
+                                        <p:strVal val="visible"/>
+                                      </p:to>
+                                    </p:set>
+                                  </p:childTnLst>
+                                </p:cTn>
+                              </p:par>
+                            </p:childTnLst>
+                          </p:cTn>
+                        </p:par>
+                      </p:childTnLst>
+                    </p:cTn>
+                  </p:par>
+                  <p:par>
+                    <p:cTn id="11" fill="hold">
+                      <p:stCondLst>
+                        <p:cond delay="indefinite"/>
+                      </p:stCondLst>
+                      <p:childTnLst>
+                        <p:par>
+                          <p:cTn id="12" fill="hold">
+                            <p:stCondLst>
+                              <p:cond delay="0"/>
+                            </p:stCondLst>
+                            <p:childTnLst>
+                              <p:par>
+                                <p:cTn id="13" presetID="1" presetClass="entr" presetSubtype="0" fill="hold" grpId="0" nodeType="clickEffect">
+                                  <p:stCondLst>
+                                    <p:cond delay="0"/>
+                                  </p:stCondLst>
+                                  <p:childTnLst>
+                                    <p:set>
+                                      <p:cBhvr>
+                                        <p:cTn id="14" dur="1" fill="hold">
+                                          <p:stCondLst>
+                                            <p:cond delay="0"/>
+                                          </p:stCondLst>
+                                        </p:cTn>
+                                        <p:tgtEl>
+                                          <p:spTgt spid="3">
+                                            <p:txEl>
+                                              <p:pRg st="3" end="3"/>
+                                            </p:txEl>
+                                          </p:spTgt>
+                                        </p:tgtEl>
+                                        <p:attrNameLst>
+                                          <p:attrName>style.visibility</p:attrName>
+                                        </p:attrNameLst>
+                                      </p:cBhvr>
+                                      <p:to>
+                                        <p:strVal val="visible"/>
+                                      </p:to>
+                                    </p:set>
+                                  </p:childTnLst>
+                                </p:cTn>
+                              </p:par>
+                            </p:childTnLst>
+                          </p:cTn>
+                        </p:par>
+                      </p:childTnLst>
+                    </p:cTn>
+                  </p:par>
+                  <p:par>
+                    <p:cTn id="15" fill="hold">
+                      <p:stCondLst>
+                        <p:cond delay="indefinite"/>
+                      </p:stCondLst>
+                      <p:childTnLst>
+                        <p:par>
+                          <p:cTn id="16" fill="hold">
+                            <p:stCondLst>
+                              <p:cond delay="0"/>
+                            </p:stCondLst>
+                            <p:childTnLst>
+                              <p:par>
+                                <p:cTn id="17" presetID="1" presetClass="entr" presetSubtype="0" fill="hold" grpId="0" nodeType="clickEffect">
+                                  <p:stCondLst>
+                                    <p:cond delay="0"/>
+                                  </p:stCondLst>
+                                  <p:childTnLst>
+                                    <p:set>
+                                      <p:cBhvr>
+                                        <p:cTn id="18" dur="1" fill="hold">
+                                          <p:stCondLst>
+                                            <p:cond delay="0"/>
+                                          </p:stCondLst>
+                                        </p:cTn>
+                                        <p:tgtEl>
+                                          <p:spTgt spid="4">
+                                            <p:txEl>
+                                              <p:pRg st="3" end="3"/>
+                                            </p:txEl>
+                                          </p:spTgt>
+                                        </p:tgtEl>
+                                        <p:attrNameLst>
+                                          <p:attrName>style.visibility</p:attrName>
+                                        </p:attrNameLst>
+                                      </p:cBhvr>
+                                      <p:to>
+                                        <p:strVal val="visible"/>
+                                      </p:to>
+                                    </p:set>
+                                  </p:childTnLst>
+                                </p:cTn>
+                              </p:par>
+                            </p:childTnLst>
+                          </p:cTn>
+                        </p:par>
+                      </p:childTnLst>
+                    </p:cTn>
+                  </p:par>
+                  <p:par>
+                    <p:cTn id="19" fill="hold">
+                      <p:stCondLst>
+                        <p:cond delay="indefinite"/>
+                      </p:stCondLst>
+                      <p:childTnLst>
+                        <p:par>
+                          <p:cTn id="20" fill="hold">
+                            <p:stCondLst>
+                              <p:cond delay="0"/>
+                            </p:stCondLst>
+                            <p:childTnLst>
+                              <p:par>
+                                <p:cTn id="21" presetID="1" presetClass="entr" presetSubtype="0" fill="hold" grpId="0" nodeType="clickEffect">
+                                  <p:stCondLst>
+                                    <p:cond delay="0"/>
+                                  </p:stCondLst>
+                                  <p:childTnLst>
+                                    <p:set>
+                                      <p:cBhvr>
+                                        <p:cTn id="22" dur="1" fill="hold">
+                                          <p:stCondLst>
+                                            <p:cond delay="0"/>
+                                          </p:stCondLst>
+                                        </p:cTn>
+                                        <p:tgtEl>
+                                          <p:spTgt spid="4">
+                                            <p:txEl>
+                                              <p:pRg st="4" end="4"/>
+                                            </p:txEl>
+                                          </p:spTgt>
+                                        </p:tgtEl>
+                                        <p:attrNameLst>
+                                          <p:attrName>style.visibility</p:attrName>
+                                        </p:attrNameLst>
+                                      </p:cBhvr>
+                                      <p:to>
+                                        <p:strVal val="visible"/>
+                                      </p:to>
+                                    </p:set>
+                                  </p:childTnLst>
+                                </p:cTn>
+                              </p:par>
+                            </p:childTnLst>
+                          </p:cTn>
+                        </p:par>
+                      </p:childTnLst>
+                    </p:cTn>
+                  </p:par>
+                </p:childTnLst>
+              </p:cTn>
+              <p:prevCondLst>
+                <p:cond evt="onPrev" delay="0">
+                  <p:tgtEl>
+                    <p:sldTgt/>
+                  </p:tgtEl>
+                </p:cond>
+              </p:prevCondLst>
+              <p:nextCondLst>
+                <p:cond evt="onNext" delay="0">
+                  <p:tgtEl>
+                    <p:sldTgt/>
+                  </p:tgtEl>
+                </p:cond>
+              </p:nextCondLst>
+            </p:seq>
+          </p:childTnLst>
+        </p:cTn>
+      </p:par>
+    </p:tnLst>
+    <p:bldLst>
+      <p:bldP spid="3" grpId="0" uiExpand="1" build="p"/>
+      <p:bldP spid="4" grpId="0" uiExpand="1" build="p"/>
+    </p:bldLst>
+  </p:timing>
 </p:sld>
 </file>
 
@@ -7264,7 +11583,7 @@
           <p:cNvPr id="2" name="Title 1">
             <a:extLst>
               <a:ext uri="{FF2B5EF4-FFF2-40B4-BE49-F238E27FC236}">
-                <a16:creationId xmlns:a16="http://schemas.microsoft.com/office/drawing/2014/main" id="{0FF74EBB-47B0-A310-C683-F013BF8BBD65}"/>
+                <a16:creationId xmlns:a16="http://schemas.microsoft.com/office/drawing/2014/main" id="{B1EF7706-CA2C-01FF-6200-1B683296FB10}"/>
               </a:ext>
             </a:extLst>
           </p:cNvPr>
@@ -7282,17 +11601,17 @@
           <a:p>
             <a:r>
               <a:rPr lang="en-GB" dirty="0"/>
-              <a:t>Conclusion</a:t>
-            </a:r>
-          </a:p>
-        </p:txBody>
-      </p:sp>
-      <p:sp>
-        <p:nvSpPr>
-          <p:cNvPr id="5" name="Content Placeholder 4">
+              <a:t>MNIST Example</a:t>
+            </a:r>
+          </a:p>
+        </p:txBody>
+      </p:sp>
+      <p:sp>
+        <p:nvSpPr>
+          <p:cNvPr id="3" name="Content Placeholder 2">
             <a:extLst>
               <a:ext uri="{FF2B5EF4-FFF2-40B4-BE49-F238E27FC236}">
-                <a16:creationId xmlns:a16="http://schemas.microsoft.com/office/drawing/2014/main" id="{AF5FBFD3-2BEE-34F9-AFB5-4DEBD48BB601}"/>
+                <a16:creationId xmlns:a16="http://schemas.microsoft.com/office/drawing/2014/main" id="{2A0DC8AE-CFA9-5B0D-908B-6101A4D4854C}"/>
               </a:ext>
             </a:extLst>
           </p:cNvPr>
@@ -7300,31 +11619,121 @@
             <a:spLocks noGrp="1"/>
           </p:cNvSpPr>
           <p:nvPr>
-            <p:ph idx="1"/>
+            <p:ph sz="half" idx="1"/>
           </p:nvPr>
         </p:nvSpPr>
         <p:spPr/>
         <p:txBody>
           <a:bodyPr>
-            <a:normAutofit/>
+            <a:normAutofit fontScale="92500" lnSpcReduction="10000"/>
           </a:bodyPr>
           <a:lstStyle/>
           <a:p>
             <a:r>
               <a:rPr lang="en-GB" sz="3200" dirty="0"/>
-              <a:t>Determine if an ML Model has XAI needs</a:t>
+              <a:t>ML “Hello, World!”</a:t>
             </a:r>
           </a:p>
           <a:p>
             <a:r>
               <a:rPr lang="en-GB" sz="3200" dirty="0"/>
-              <a:t>Prefer Transparent over Opaque ML Models</a:t>
+              <a:t>Supervised Learning</a:t>
             </a:r>
           </a:p>
           <a:p>
             <a:r>
               <a:rPr lang="en-GB" sz="3200" dirty="0"/>
-              <a:t>Include Explainer Functions in MLOps pipeline</a:t>
+              <a:t>Handwritten Digit Classification</a:t>
+            </a:r>
+          </a:p>
+          <a:p>
+            <a:r>
+              <a:rPr lang="en-GB" sz="3200" dirty="0"/>
+              <a:t>70,000 28x28 greyscale handwritten digits</a:t>
+            </a:r>
+          </a:p>
+          <a:p>
+            <a:r>
+              <a:rPr lang="en-GB" sz="3200" dirty="0"/>
+              <a:t>CNN</a:t>
+            </a:r>
+          </a:p>
+          <a:p>
+            <a:r>
+              <a:rPr lang="en-GB" sz="3200" dirty="0"/>
+              <a:t>&gt;99% Accuracy</a:t>
+            </a:r>
+          </a:p>
+        </p:txBody>
+      </p:sp>
+      <p:sp>
+        <p:nvSpPr>
+          <p:cNvPr id="4" name="Content Placeholder 3">
+            <a:extLst>
+              <a:ext uri="{FF2B5EF4-FFF2-40B4-BE49-F238E27FC236}">
+                <a16:creationId xmlns:a16="http://schemas.microsoft.com/office/drawing/2014/main" id="{0EA7A712-2B15-9C8C-9067-D8AA01C1D676}"/>
+              </a:ext>
+            </a:extLst>
+          </p:cNvPr>
+          <p:cNvSpPr>
+            <a:spLocks noGrp="1"/>
+          </p:cNvSpPr>
+          <p:nvPr>
+            <p:ph sz="half" idx="2"/>
+          </p:nvPr>
+        </p:nvSpPr>
+        <p:spPr/>
+        <p:txBody>
+          <a:bodyPr>
+            <a:normAutofit fontScale="92500" lnSpcReduction="10000"/>
+          </a:bodyPr>
+          <a:lstStyle/>
+          <a:p>
+            <a:r>
+              <a:rPr lang="en-GB" sz="3200" dirty="0"/>
+              <a:t>32 3x3 Convolutional</a:t>
+            </a:r>
+          </a:p>
+          <a:p>
+            <a:r>
+              <a:rPr lang="en-GB" sz="3200" dirty="0"/>
+              <a:t>2x2 Max Pooling</a:t>
+            </a:r>
+          </a:p>
+          <a:p>
+            <a:r>
+              <a:rPr lang="en-GB" sz="3200" dirty="0"/>
+              <a:t>64 3x3 Convolutional</a:t>
+            </a:r>
+          </a:p>
+          <a:p>
+            <a:r>
+              <a:rPr lang="en-GB" sz="3200" dirty="0"/>
+              <a:t>2x2 Max Pooling</a:t>
+            </a:r>
+          </a:p>
+          <a:p>
+            <a:r>
+              <a:rPr lang="en-GB" sz="3200" dirty="0"/>
+              <a:t>Flatten</a:t>
+            </a:r>
+          </a:p>
+          <a:p>
+            <a:r>
+              <a:rPr lang="en-GB" sz="3200" dirty="0"/>
+              <a:t>Dropout</a:t>
+            </a:r>
+          </a:p>
+          <a:p>
+            <a:r>
+              <a:rPr lang="en-GB" sz="3200" dirty="0"/>
+              <a:t>Dense</a:t>
+            </a:r>
+          </a:p>
+          <a:p>
+            <a:r>
+              <a:rPr lang="en-GB" sz="3200" dirty="0"/>
+              <a:t>34,826 Trainable Params</a:t>
             </a:r>
           </a:p>
         </p:txBody>
@@ -7332,13 +11741,1350 @@
     </p:spTree>
     <p:extLst>
       <p:ext uri="{BB962C8B-B14F-4D97-AF65-F5344CB8AC3E}">
-        <p14:creationId xmlns:p14="http://schemas.microsoft.com/office/powerpoint/2010/main" val="1708057894"/>
+        <p14:creationId xmlns:p14="http://schemas.microsoft.com/office/powerpoint/2010/main" val="2445166680"/>
       </p:ext>
     </p:extLst>
   </p:cSld>
   <p:clrMapOvr>
     <a:masterClrMapping/>
   </p:clrMapOvr>
+  <p:timing>
+    <p:tnLst>
+      <p:par>
+        <p:cTn id="1" dur="indefinite" restart="never" nodeType="tmRoot">
+          <p:childTnLst>
+            <p:seq concurrent="1" nextAc="seek">
+              <p:cTn id="2" dur="indefinite" nodeType="mainSeq">
+                <p:childTnLst>
+                  <p:par>
+                    <p:cTn id="3" fill="hold">
+                      <p:stCondLst>
+                        <p:cond delay="indefinite"/>
+                      </p:stCondLst>
+                      <p:childTnLst>
+                        <p:par>
+                          <p:cTn id="4" fill="hold">
+                            <p:stCondLst>
+                              <p:cond delay="0"/>
+                            </p:stCondLst>
+                            <p:childTnLst>
+                              <p:par>
+                                <p:cTn id="5" presetID="1" presetClass="entr" presetSubtype="0" fill="hold" grpId="0" nodeType="clickEffect">
+                                  <p:stCondLst>
+                                    <p:cond delay="0"/>
+                                  </p:stCondLst>
+                                  <p:childTnLst>
+                                    <p:set>
+                                      <p:cBhvr>
+                                        <p:cTn id="6" dur="1" fill="hold">
+                                          <p:stCondLst>
+                                            <p:cond delay="0"/>
+                                          </p:stCondLst>
+                                        </p:cTn>
+                                        <p:tgtEl>
+                                          <p:spTgt spid="3">
+                                            <p:txEl>
+                                              <p:pRg st="0" end="0"/>
+                                            </p:txEl>
+                                          </p:spTgt>
+                                        </p:tgtEl>
+                                        <p:attrNameLst>
+                                          <p:attrName>style.visibility</p:attrName>
+                                        </p:attrNameLst>
+                                      </p:cBhvr>
+                                      <p:to>
+                                        <p:strVal val="visible"/>
+                                      </p:to>
+                                    </p:set>
+                                  </p:childTnLst>
+                                </p:cTn>
+                              </p:par>
+                            </p:childTnLst>
+                          </p:cTn>
+                        </p:par>
+                      </p:childTnLst>
+                    </p:cTn>
+                  </p:par>
+                  <p:par>
+                    <p:cTn id="7" fill="hold">
+                      <p:stCondLst>
+                        <p:cond delay="indefinite"/>
+                      </p:stCondLst>
+                      <p:childTnLst>
+                        <p:par>
+                          <p:cTn id="8" fill="hold">
+                            <p:stCondLst>
+                              <p:cond delay="0"/>
+                            </p:stCondLst>
+                            <p:childTnLst>
+                              <p:par>
+                                <p:cTn id="9" presetID="1" presetClass="entr" presetSubtype="0" fill="hold" grpId="0" nodeType="clickEffect">
+                                  <p:stCondLst>
+                                    <p:cond delay="0"/>
+                                  </p:stCondLst>
+                                  <p:childTnLst>
+                                    <p:set>
+                                      <p:cBhvr>
+                                        <p:cTn id="10" dur="1" fill="hold">
+                                          <p:stCondLst>
+                                            <p:cond delay="0"/>
+                                          </p:stCondLst>
+                                        </p:cTn>
+                                        <p:tgtEl>
+                                          <p:spTgt spid="3">
+                                            <p:txEl>
+                                              <p:pRg st="1" end="1"/>
+                                            </p:txEl>
+                                          </p:spTgt>
+                                        </p:tgtEl>
+                                        <p:attrNameLst>
+                                          <p:attrName>style.visibility</p:attrName>
+                                        </p:attrNameLst>
+                                      </p:cBhvr>
+                                      <p:to>
+                                        <p:strVal val="visible"/>
+                                      </p:to>
+                                    </p:set>
+                                  </p:childTnLst>
+                                </p:cTn>
+                              </p:par>
+                            </p:childTnLst>
+                          </p:cTn>
+                        </p:par>
+                      </p:childTnLst>
+                    </p:cTn>
+                  </p:par>
+                  <p:par>
+                    <p:cTn id="11" fill="hold">
+                      <p:stCondLst>
+                        <p:cond delay="indefinite"/>
+                      </p:stCondLst>
+                      <p:childTnLst>
+                        <p:par>
+                          <p:cTn id="12" fill="hold">
+                            <p:stCondLst>
+                              <p:cond delay="0"/>
+                            </p:stCondLst>
+                            <p:childTnLst>
+                              <p:par>
+                                <p:cTn id="13" presetID="1" presetClass="entr" presetSubtype="0" fill="hold" grpId="0" nodeType="clickEffect">
+                                  <p:stCondLst>
+                                    <p:cond delay="0"/>
+                                  </p:stCondLst>
+                                  <p:childTnLst>
+                                    <p:set>
+                                      <p:cBhvr>
+                                        <p:cTn id="14" dur="1" fill="hold">
+                                          <p:stCondLst>
+                                            <p:cond delay="0"/>
+                                          </p:stCondLst>
+                                        </p:cTn>
+                                        <p:tgtEl>
+                                          <p:spTgt spid="3">
+                                            <p:txEl>
+                                              <p:pRg st="2" end="2"/>
+                                            </p:txEl>
+                                          </p:spTgt>
+                                        </p:tgtEl>
+                                        <p:attrNameLst>
+                                          <p:attrName>style.visibility</p:attrName>
+                                        </p:attrNameLst>
+                                      </p:cBhvr>
+                                      <p:to>
+                                        <p:strVal val="visible"/>
+                                      </p:to>
+                                    </p:set>
+                                  </p:childTnLst>
+                                </p:cTn>
+                              </p:par>
+                            </p:childTnLst>
+                          </p:cTn>
+                        </p:par>
+                      </p:childTnLst>
+                    </p:cTn>
+                  </p:par>
+                  <p:par>
+                    <p:cTn id="15" fill="hold">
+                      <p:stCondLst>
+                        <p:cond delay="indefinite"/>
+                      </p:stCondLst>
+                      <p:childTnLst>
+                        <p:par>
+                          <p:cTn id="16" fill="hold">
+                            <p:stCondLst>
+                              <p:cond delay="0"/>
+                            </p:stCondLst>
+                            <p:childTnLst>
+                              <p:par>
+                                <p:cTn id="17" presetID="1" presetClass="entr" presetSubtype="0" fill="hold" grpId="0" nodeType="clickEffect">
+                                  <p:stCondLst>
+                                    <p:cond delay="0"/>
+                                  </p:stCondLst>
+                                  <p:childTnLst>
+                                    <p:set>
+                                      <p:cBhvr>
+                                        <p:cTn id="18" dur="1" fill="hold">
+                                          <p:stCondLst>
+                                            <p:cond delay="0"/>
+                                          </p:stCondLst>
+                                        </p:cTn>
+                                        <p:tgtEl>
+                                          <p:spTgt spid="3">
+                                            <p:txEl>
+                                              <p:pRg st="3" end="3"/>
+                                            </p:txEl>
+                                          </p:spTgt>
+                                        </p:tgtEl>
+                                        <p:attrNameLst>
+                                          <p:attrName>style.visibility</p:attrName>
+                                        </p:attrNameLst>
+                                      </p:cBhvr>
+                                      <p:to>
+                                        <p:strVal val="visible"/>
+                                      </p:to>
+                                    </p:set>
+                                  </p:childTnLst>
+                                </p:cTn>
+                              </p:par>
+                            </p:childTnLst>
+                          </p:cTn>
+                        </p:par>
+                      </p:childTnLst>
+                    </p:cTn>
+                  </p:par>
+                  <p:par>
+                    <p:cTn id="19" fill="hold">
+                      <p:stCondLst>
+                        <p:cond delay="indefinite"/>
+                      </p:stCondLst>
+                      <p:childTnLst>
+                        <p:par>
+                          <p:cTn id="20" fill="hold">
+                            <p:stCondLst>
+                              <p:cond delay="0"/>
+                            </p:stCondLst>
+                            <p:childTnLst>
+                              <p:par>
+                                <p:cTn id="21" presetID="1" presetClass="entr" presetSubtype="0" fill="hold" grpId="0" nodeType="clickEffect">
+                                  <p:stCondLst>
+                                    <p:cond delay="0"/>
+                                  </p:stCondLst>
+                                  <p:childTnLst>
+                                    <p:set>
+                                      <p:cBhvr>
+                                        <p:cTn id="22" dur="1" fill="hold">
+                                          <p:stCondLst>
+                                            <p:cond delay="0"/>
+                                          </p:stCondLst>
+                                        </p:cTn>
+                                        <p:tgtEl>
+                                          <p:spTgt spid="3">
+                                            <p:txEl>
+                                              <p:pRg st="4" end="4"/>
+                                            </p:txEl>
+                                          </p:spTgt>
+                                        </p:tgtEl>
+                                        <p:attrNameLst>
+                                          <p:attrName>style.visibility</p:attrName>
+                                        </p:attrNameLst>
+                                      </p:cBhvr>
+                                      <p:to>
+                                        <p:strVal val="visible"/>
+                                      </p:to>
+                                    </p:set>
+                                  </p:childTnLst>
+                                </p:cTn>
+                              </p:par>
+                            </p:childTnLst>
+                          </p:cTn>
+                        </p:par>
+                      </p:childTnLst>
+                    </p:cTn>
+                  </p:par>
+                  <p:par>
+                    <p:cTn id="23" fill="hold">
+                      <p:stCondLst>
+                        <p:cond delay="indefinite"/>
+                      </p:stCondLst>
+                      <p:childTnLst>
+                        <p:par>
+                          <p:cTn id="24" fill="hold">
+                            <p:stCondLst>
+                              <p:cond delay="0"/>
+                            </p:stCondLst>
+                            <p:childTnLst>
+                              <p:par>
+                                <p:cTn id="25" presetID="1" presetClass="entr" presetSubtype="0" fill="hold" grpId="0" nodeType="clickEffect">
+                                  <p:stCondLst>
+                                    <p:cond delay="0"/>
+                                  </p:stCondLst>
+                                  <p:childTnLst>
+                                    <p:set>
+                                      <p:cBhvr>
+                                        <p:cTn id="26" dur="1" fill="hold">
+                                          <p:stCondLst>
+                                            <p:cond delay="0"/>
+                                          </p:stCondLst>
+                                        </p:cTn>
+                                        <p:tgtEl>
+                                          <p:spTgt spid="3">
+                                            <p:txEl>
+                                              <p:pRg st="5" end="5"/>
+                                            </p:txEl>
+                                          </p:spTgt>
+                                        </p:tgtEl>
+                                        <p:attrNameLst>
+                                          <p:attrName>style.visibility</p:attrName>
+                                        </p:attrNameLst>
+                                      </p:cBhvr>
+                                      <p:to>
+                                        <p:strVal val="visible"/>
+                                      </p:to>
+                                    </p:set>
+                                  </p:childTnLst>
+                                </p:cTn>
+                              </p:par>
+                            </p:childTnLst>
+                          </p:cTn>
+                        </p:par>
+                      </p:childTnLst>
+                    </p:cTn>
+                  </p:par>
+                  <p:par>
+                    <p:cTn id="27" fill="hold">
+                      <p:stCondLst>
+                        <p:cond delay="indefinite"/>
+                      </p:stCondLst>
+                      <p:childTnLst>
+                        <p:par>
+                          <p:cTn id="28" fill="hold">
+                            <p:stCondLst>
+                              <p:cond delay="0"/>
+                            </p:stCondLst>
+                            <p:childTnLst>
+                              <p:par>
+                                <p:cTn id="29" presetID="1" presetClass="entr" presetSubtype="0" fill="hold" grpId="0" nodeType="clickEffect">
+                                  <p:stCondLst>
+                                    <p:cond delay="0"/>
+                                  </p:stCondLst>
+                                  <p:childTnLst>
+                                    <p:set>
+                                      <p:cBhvr>
+                                        <p:cTn id="30" dur="1" fill="hold">
+                                          <p:stCondLst>
+                                            <p:cond delay="0"/>
+                                          </p:stCondLst>
+                                        </p:cTn>
+                                        <p:tgtEl>
+                                          <p:spTgt spid="4">
+                                            <p:txEl>
+                                              <p:pRg st="0" end="0"/>
+                                            </p:txEl>
+                                          </p:spTgt>
+                                        </p:tgtEl>
+                                        <p:attrNameLst>
+                                          <p:attrName>style.visibility</p:attrName>
+                                        </p:attrNameLst>
+                                      </p:cBhvr>
+                                      <p:to>
+                                        <p:strVal val="visible"/>
+                                      </p:to>
+                                    </p:set>
+                                  </p:childTnLst>
+                                </p:cTn>
+                              </p:par>
+                            </p:childTnLst>
+                          </p:cTn>
+                        </p:par>
+                      </p:childTnLst>
+                    </p:cTn>
+                  </p:par>
+                  <p:par>
+                    <p:cTn id="31" fill="hold">
+                      <p:stCondLst>
+                        <p:cond delay="indefinite"/>
+                      </p:stCondLst>
+                      <p:childTnLst>
+                        <p:par>
+                          <p:cTn id="32" fill="hold">
+                            <p:stCondLst>
+                              <p:cond delay="0"/>
+                            </p:stCondLst>
+                            <p:childTnLst>
+                              <p:par>
+                                <p:cTn id="33" presetID="1" presetClass="entr" presetSubtype="0" fill="hold" grpId="0" nodeType="clickEffect">
+                                  <p:stCondLst>
+                                    <p:cond delay="0"/>
+                                  </p:stCondLst>
+                                  <p:childTnLst>
+                                    <p:set>
+                                      <p:cBhvr>
+                                        <p:cTn id="34" dur="1" fill="hold">
+                                          <p:stCondLst>
+                                            <p:cond delay="0"/>
+                                          </p:stCondLst>
+                                        </p:cTn>
+                                        <p:tgtEl>
+                                          <p:spTgt spid="4">
+                                            <p:txEl>
+                                              <p:pRg st="1" end="1"/>
+                                            </p:txEl>
+                                          </p:spTgt>
+                                        </p:tgtEl>
+                                        <p:attrNameLst>
+                                          <p:attrName>style.visibility</p:attrName>
+                                        </p:attrNameLst>
+                                      </p:cBhvr>
+                                      <p:to>
+                                        <p:strVal val="visible"/>
+                                      </p:to>
+                                    </p:set>
+                                  </p:childTnLst>
+                                </p:cTn>
+                              </p:par>
+                            </p:childTnLst>
+                          </p:cTn>
+                        </p:par>
+                      </p:childTnLst>
+                    </p:cTn>
+                  </p:par>
+                  <p:par>
+                    <p:cTn id="35" fill="hold">
+                      <p:stCondLst>
+                        <p:cond delay="indefinite"/>
+                      </p:stCondLst>
+                      <p:childTnLst>
+                        <p:par>
+                          <p:cTn id="36" fill="hold">
+                            <p:stCondLst>
+                              <p:cond delay="0"/>
+                            </p:stCondLst>
+                            <p:childTnLst>
+                              <p:par>
+                                <p:cTn id="37" presetID="1" presetClass="entr" presetSubtype="0" fill="hold" grpId="0" nodeType="clickEffect">
+                                  <p:stCondLst>
+                                    <p:cond delay="0"/>
+                                  </p:stCondLst>
+                                  <p:childTnLst>
+                                    <p:set>
+                                      <p:cBhvr>
+                                        <p:cTn id="38" dur="1" fill="hold">
+                                          <p:stCondLst>
+                                            <p:cond delay="0"/>
+                                          </p:stCondLst>
+                                        </p:cTn>
+                                        <p:tgtEl>
+                                          <p:spTgt spid="4">
+                                            <p:txEl>
+                                              <p:pRg st="2" end="2"/>
+                                            </p:txEl>
+                                          </p:spTgt>
+                                        </p:tgtEl>
+                                        <p:attrNameLst>
+                                          <p:attrName>style.visibility</p:attrName>
+                                        </p:attrNameLst>
+                                      </p:cBhvr>
+                                      <p:to>
+                                        <p:strVal val="visible"/>
+                                      </p:to>
+                                    </p:set>
+                                  </p:childTnLst>
+                                </p:cTn>
+                              </p:par>
+                            </p:childTnLst>
+                          </p:cTn>
+                        </p:par>
+                      </p:childTnLst>
+                    </p:cTn>
+                  </p:par>
+                  <p:par>
+                    <p:cTn id="39" fill="hold">
+                      <p:stCondLst>
+                        <p:cond delay="indefinite"/>
+                      </p:stCondLst>
+                      <p:childTnLst>
+                        <p:par>
+                          <p:cTn id="40" fill="hold">
+                            <p:stCondLst>
+                              <p:cond delay="0"/>
+                            </p:stCondLst>
+                            <p:childTnLst>
+                              <p:par>
+                                <p:cTn id="41" presetID="1" presetClass="entr" presetSubtype="0" fill="hold" grpId="0" nodeType="clickEffect">
+                                  <p:stCondLst>
+                                    <p:cond delay="0"/>
+                                  </p:stCondLst>
+                                  <p:childTnLst>
+                                    <p:set>
+                                      <p:cBhvr>
+                                        <p:cTn id="42" dur="1" fill="hold">
+                                          <p:stCondLst>
+                                            <p:cond delay="0"/>
+                                          </p:stCondLst>
+                                        </p:cTn>
+                                        <p:tgtEl>
+                                          <p:spTgt spid="4">
+                                            <p:txEl>
+                                              <p:pRg st="3" end="3"/>
+                                            </p:txEl>
+                                          </p:spTgt>
+                                        </p:tgtEl>
+                                        <p:attrNameLst>
+                                          <p:attrName>style.visibility</p:attrName>
+                                        </p:attrNameLst>
+                                      </p:cBhvr>
+                                      <p:to>
+                                        <p:strVal val="visible"/>
+                                      </p:to>
+                                    </p:set>
+                                  </p:childTnLst>
+                                </p:cTn>
+                              </p:par>
+                            </p:childTnLst>
+                          </p:cTn>
+                        </p:par>
+                      </p:childTnLst>
+                    </p:cTn>
+                  </p:par>
+                  <p:par>
+                    <p:cTn id="43" fill="hold">
+                      <p:stCondLst>
+                        <p:cond delay="indefinite"/>
+                      </p:stCondLst>
+                      <p:childTnLst>
+                        <p:par>
+                          <p:cTn id="44" fill="hold">
+                            <p:stCondLst>
+                              <p:cond delay="0"/>
+                            </p:stCondLst>
+                            <p:childTnLst>
+                              <p:par>
+                                <p:cTn id="45" presetID="1" presetClass="entr" presetSubtype="0" fill="hold" grpId="0" nodeType="clickEffect">
+                                  <p:stCondLst>
+                                    <p:cond delay="0"/>
+                                  </p:stCondLst>
+                                  <p:childTnLst>
+                                    <p:set>
+                                      <p:cBhvr>
+                                        <p:cTn id="46" dur="1" fill="hold">
+                                          <p:stCondLst>
+                                            <p:cond delay="0"/>
+                                          </p:stCondLst>
+                                        </p:cTn>
+                                        <p:tgtEl>
+                                          <p:spTgt spid="4">
+                                            <p:txEl>
+                                              <p:pRg st="4" end="4"/>
+                                            </p:txEl>
+                                          </p:spTgt>
+                                        </p:tgtEl>
+                                        <p:attrNameLst>
+                                          <p:attrName>style.visibility</p:attrName>
+                                        </p:attrNameLst>
+                                      </p:cBhvr>
+                                      <p:to>
+                                        <p:strVal val="visible"/>
+                                      </p:to>
+                                    </p:set>
+                                  </p:childTnLst>
+                                </p:cTn>
+                              </p:par>
+                            </p:childTnLst>
+                          </p:cTn>
+                        </p:par>
+                      </p:childTnLst>
+                    </p:cTn>
+                  </p:par>
+                  <p:par>
+                    <p:cTn id="47" fill="hold">
+                      <p:stCondLst>
+                        <p:cond delay="indefinite"/>
+                      </p:stCondLst>
+                      <p:childTnLst>
+                        <p:par>
+                          <p:cTn id="48" fill="hold">
+                            <p:stCondLst>
+                              <p:cond delay="0"/>
+                            </p:stCondLst>
+                            <p:childTnLst>
+                              <p:par>
+                                <p:cTn id="49" presetID="1" presetClass="entr" presetSubtype="0" fill="hold" grpId="0" nodeType="clickEffect">
+                                  <p:stCondLst>
+                                    <p:cond delay="0"/>
+                                  </p:stCondLst>
+                                  <p:childTnLst>
+                                    <p:set>
+                                      <p:cBhvr>
+                                        <p:cTn id="50" dur="1" fill="hold">
+                                          <p:stCondLst>
+                                            <p:cond delay="0"/>
+                                          </p:stCondLst>
+                                        </p:cTn>
+                                        <p:tgtEl>
+                                          <p:spTgt spid="4">
+                                            <p:txEl>
+                                              <p:pRg st="5" end="5"/>
+                                            </p:txEl>
+                                          </p:spTgt>
+                                        </p:tgtEl>
+                                        <p:attrNameLst>
+                                          <p:attrName>style.visibility</p:attrName>
+                                        </p:attrNameLst>
+                                      </p:cBhvr>
+                                      <p:to>
+                                        <p:strVal val="visible"/>
+                                      </p:to>
+                                    </p:set>
+                                  </p:childTnLst>
+                                </p:cTn>
+                              </p:par>
+                            </p:childTnLst>
+                          </p:cTn>
+                        </p:par>
+                      </p:childTnLst>
+                    </p:cTn>
+                  </p:par>
+                  <p:par>
+                    <p:cTn id="51" fill="hold">
+                      <p:stCondLst>
+                        <p:cond delay="indefinite"/>
+                      </p:stCondLst>
+                      <p:childTnLst>
+                        <p:par>
+                          <p:cTn id="52" fill="hold">
+                            <p:stCondLst>
+                              <p:cond delay="0"/>
+                            </p:stCondLst>
+                            <p:childTnLst>
+                              <p:par>
+                                <p:cTn id="53" presetID="1" presetClass="entr" presetSubtype="0" fill="hold" grpId="0" nodeType="clickEffect">
+                                  <p:stCondLst>
+                                    <p:cond delay="0"/>
+                                  </p:stCondLst>
+                                  <p:childTnLst>
+                                    <p:set>
+                                      <p:cBhvr>
+                                        <p:cTn id="54" dur="1" fill="hold">
+                                          <p:stCondLst>
+                                            <p:cond delay="0"/>
+                                          </p:stCondLst>
+                                        </p:cTn>
+                                        <p:tgtEl>
+                                          <p:spTgt spid="4">
+                                            <p:txEl>
+                                              <p:pRg st="6" end="6"/>
+                                            </p:txEl>
+                                          </p:spTgt>
+                                        </p:tgtEl>
+                                        <p:attrNameLst>
+                                          <p:attrName>style.visibility</p:attrName>
+                                        </p:attrNameLst>
+                                      </p:cBhvr>
+                                      <p:to>
+                                        <p:strVal val="visible"/>
+                                      </p:to>
+                                    </p:set>
+                                  </p:childTnLst>
+                                </p:cTn>
+                              </p:par>
+                            </p:childTnLst>
+                          </p:cTn>
+                        </p:par>
+                      </p:childTnLst>
+                    </p:cTn>
+                  </p:par>
+                  <p:par>
+                    <p:cTn id="55" fill="hold">
+                      <p:stCondLst>
+                        <p:cond delay="indefinite"/>
+                      </p:stCondLst>
+                      <p:childTnLst>
+                        <p:par>
+                          <p:cTn id="56" fill="hold">
+                            <p:stCondLst>
+                              <p:cond delay="0"/>
+                            </p:stCondLst>
+                            <p:childTnLst>
+                              <p:par>
+                                <p:cTn id="57" presetID="1" presetClass="entr" presetSubtype="0" fill="hold" grpId="0" nodeType="clickEffect">
+                                  <p:stCondLst>
+                                    <p:cond delay="0"/>
+                                  </p:stCondLst>
+                                  <p:childTnLst>
+                                    <p:set>
+                                      <p:cBhvr>
+                                        <p:cTn id="58" dur="1" fill="hold">
+                                          <p:stCondLst>
+                                            <p:cond delay="0"/>
+                                          </p:stCondLst>
+                                        </p:cTn>
+                                        <p:tgtEl>
+                                          <p:spTgt spid="4">
+                                            <p:txEl>
+                                              <p:pRg st="7" end="7"/>
+                                            </p:txEl>
+                                          </p:spTgt>
+                                        </p:tgtEl>
+                                        <p:attrNameLst>
+                                          <p:attrName>style.visibility</p:attrName>
+                                        </p:attrNameLst>
+                                      </p:cBhvr>
+                                      <p:to>
+                                        <p:strVal val="visible"/>
+                                      </p:to>
+                                    </p:set>
+                                  </p:childTnLst>
+                                </p:cTn>
+                              </p:par>
+                            </p:childTnLst>
+                          </p:cTn>
+                        </p:par>
+                      </p:childTnLst>
+                    </p:cTn>
+                  </p:par>
+                </p:childTnLst>
+              </p:cTn>
+              <p:prevCondLst>
+                <p:cond evt="onPrev" delay="0">
+                  <p:tgtEl>
+                    <p:sldTgt/>
+                  </p:tgtEl>
+                </p:cond>
+              </p:prevCondLst>
+              <p:nextCondLst>
+                <p:cond evt="onNext" delay="0">
+                  <p:tgtEl>
+                    <p:sldTgt/>
+                  </p:tgtEl>
+                </p:cond>
+              </p:nextCondLst>
+            </p:seq>
+          </p:childTnLst>
+        </p:cTn>
+      </p:par>
+    </p:tnLst>
+    <p:bldLst>
+      <p:bldP spid="3" grpId="0" build="p"/>
+      <p:bldP spid="4" grpId="0" build="p"/>
+    </p:bldLst>
+  </p:timing>
+</p:sld>
+</file>
+
+<file path=ppt/slides/slide9.xml><?xml version="1.0" encoding="utf-8"?>
+<p:sld xmlns:a="http://schemas.openxmlformats.org/drawingml/2006/main" xmlns:r="http://schemas.openxmlformats.org/officeDocument/2006/relationships" xmlns:p="http://schemas.openxmlformats.org/presentationml/2006/main">
+  <p:cSld>
+    <p:bg>
+      <p:bgPr>
+        <a:solidFill>
+          <a:schemeClr val="bg1"/>
+        </a:solidFill>
+        <a:effectLst/>
+      </p:bgPr>
+    </p:bg>
+    <p:spTree>
+      <p:nvGrpSpPr>
+        <p:cNvPr id="1" name=""/>
+        <p:cNvGrpSpPr/>
+        <p:nvPr/>
+      </p:nvGrpSpPr>
+      <p:grpSpPr>
+        <a:xfrm>
+          <a:off x="0" y="0"/>
+          <a:ext cx="0" cy="0"/>
+          <a:chOff x="0" y="0"/>
+          <a:chExt cx="0" cy="0"/>
+        </a:xfrm>
+      </p:grpSpPr>
+      <p:pic>
+        <p:nvPicPr>
+          <p:cNvPr id="11" name="Picture 10">
+            <a:extLst>
+              <a:ext uri="{FF2B5EF4-FFF2-40B4-BE49-F238E27FC236}">
+                <a16:creationId xmlns:a16="http://schemas.microsoft.com/office/drawing/2014/main" id="{BDFADFB3-3D44-49A8-AE3B-A87C61607F7E}"/>
+              </a:ext>
+              <a:ext uri="{C183D7F6-B498-43B3-948B-1728B52AA6E4}">
+                <adec:decorative xmlns:adec="http://schemas.microsoft.com/office/drawing/2017/decorative" val="1"/>
+              </a:ext>
+            </a:extLst>
+          </p:cNvPr>
+          <p:cNvPicPr>
+            <a:picLocks noGrp="1" noRot="1" noChangeAspect="1" noMove="1" noResize="1" noEditPoints="1" noAdjustHandles="1" noChangeArrowheads="1" noChangeShapeType="1" noCrop="1"/>
+          </p:cNvPicPr>
+          <p:nvPr>
+            <p:extLst>
+              <p:ext uri="{386F3935-93C4-4BCD-93E2-E3B085C9AB24}">
+                <p16:designElem xmlns:p16="http://schemas.microsoft.com/office/powerpoint/2015/main" val="1"/>
+              </p:ext>
+            </p:extLst>
+          </p:nvPr>
+        </p:nvPicPr>
+        <p:blipFill>
+          <a:blip r:embed="rId3">
+            <a:extLst>
+              <a:ext uri="{28A0092B-C50C-407E-A947-70E740481C1C}">
+                <a14:useLocalDpi xmlns:a14="http://schemas.microsoft.com/office/drawing/2010/main" val="0"/>
+              </a:ext>
+            </a:extLst>
+          </a:blip>
+          <a:stretch>
+            <a:fillRect/>
+          </a:stretch>
+        </p:blipFill>
+        <p:spPr>
+          <a:xfrm>
+            <a:off x="0" y="0"/>
+            <a:ext cx="12192000" cy="1441450"/>
+          </a:xfrm>
+          <a:prstGeom prst="rect">
+            <a:avLst/>
+          </a:prstGeom>
+        </p:spPr>
+      </p:pic>
+      <p:sp useBgFill="1">
+        <p:nvSpPr>
+          <p:cNvPr id="13" name="Rounded Rectangle 14">
+            <a:extLst>
+              <a:ext uri="{FF2B5EF4-FFF2-40B4-BE49-F238E27FC236}">
+                <a16:creationId xmlns:a16="http://schemas.microsoft.com/office/drawing/2014/main" id="{1FDFF85F-F105-40D5-9793-90419158C3BD}"/>
+              </a:ext>
+              <a:ext uri="{C183D7F6-B498-43B3-948B-1728B52AA6E4}">
+                <adec:decorative xmlns:adec="http://schemas.microsoft.com/office/drawing/2017/decorative" val="1"/>
+              </a:ext>
+            </a:extLst>
+          </p:cNvPr>
+          <p:cNvSpPr>
+            <a:spLocks noGrp="1" noRot="1" noChangeAspect="1" noMove="1" noResize="1" noEditPoints="1" noAdjustHandles="1" noChangeArrowheads="1" noChangeShapeType="1" noTextEdit="1"/>
+          </p:cNvSpPr>
+          <p:nvPr>
+            <p:extLst>
+              <p:ext uri="{386F3935-93C4-4BCD-93E2-E3B085C9AB24}">
+                <p16:designElem xmlns:p16="http://schemas.microsoft.com/office/powerpoint/2015/main" val="1"/>
+              </p:ext>
+            </p:extLst>
+          </p:nvPr>
+        </p:nvSpPr>
+        <p:spPr>
+          <a:xfrm>
+            <a:off x="4636008" y="0"/>
+            <a:ext cx="7555992" cy="6858000"/>
+          </a:xfrm>
+          <a:prstGeom prst="roundRect">
+            <a:avLst>
+              <a:gd name="adj" fmla="val 0"/>
+            </a:avLst>
+          </a:prstGeom>
+          <a:ln>
+            <a:noFill/>
+          </a:ln>
+          <a:effectLst/>
+        </p:spPr>
+        <p:style>
+          <a:lnRef idx="2">
+            <a:schemeClr val="accent1">
+              <a:shade val="50000"/>
+            </a:schemeClr>
+          </a:lnRef>
+          <a:fillRef idx="1">
+            <a:schemeClr val="accent1"/>
+          </a:fillRef>
+          <a:effectRef idx="0">
+            <a:schemeClr val="accent1"/>
+          </a:effectRef>
+          <a:fontRef idx="minor">
+            <a:schemeClr val="lt1"/>
+          </a:fontRef>
+        </p:style>
+        <p:txBody>
+          <a:bodyPr rtlCol="0" anchor="ctr"/>
+          <a:lstStyle/>
+          <a:p>
+            <a:pPr marL="0" marR="0" lvl="0" indent="0" algn="ctr" defTabSz="457200" rtl="0" eaLnBrk="1" fontAlgn="auto" latinLnBrk="0" hangingPunct="1">
+              <a:lnSpc>
+                <a:spcPct val="100000"/>
+              </a:lnSpc>
+              <a:spcBef>
+                <a:spcPts val="0"/>
+              </a:spcBef>
+              <a:spcAft>
+                <a:spcPts val="0"/>
+              </a:spcAft>
+              <a:buClrTx/>
+              <a:buSzTx/>
+              <a:buFontTx/>
+              <a:buNone/>
+              <a:tabLst/>
+              <a:defRPr/>
+            </a:pPr>
+            <a:endParaRPr kumimoji="0" lang="en-US" sz="1800" b="0" i="0" u="none" strike="noStrike" kern="1200" cap="none" spc="0" normalizeH="0" baseline="0" noProof="0">
+              <a:ln>
+                <a:noFill/>
+              </a:ln>
+              <a:solidFill>
+                <a:prstClr val="white"/>
+              </a:solidFill>
+              <a:effectLst/>
+              <a:uLnTx/>
+              <a:uFillTx/>
+              <a:latin typeface="Century Gothic" panose="020B0502020202020204"/>
+              <a:ea typeface="+mn-ea"/>
+              <a:cs typeface="+mn-cs"/>
+            </a:endParaRPr>
+          </a:p>
+        </p:txBody>
+      </p:sp>
+      <p:sp>
+        <p:nvSpPr>
+          <p:cNvPr id="15" name="Rectangle 14">
+            <a:extLst>
+              <a:ext uri="{FF2B5EF4-FFF2-40B4-BE49-F238E27FC236}">
+                <a16:creationId xmlns:a16="http://schemas.microsoft.com/office/drawing/2014/main" id="{35AB47A4-BA8C-4250-88BD-D49C68C5F9E9}"/>
+              </a:ext>
+              <a:ext uri="{C183D7F6-B498-43B3-948B-1728B52AA6E4}">
+                <adec:decorative xmlns:adec="http://schemas.microsoft.com/office/drawing/2017/decorative" val="1"/>
+              </a:ext>
+            </a:extLst>
+          </p:cNvPr>
+          <p:cNvSpPr>
+            <a:spLocks noGrp="1" noRot="1" noChangeAspect="1" noMove="1" noResize="1" noEditPoints="1" noAdjustHandles="1" noChangeArrowheads="1" noChangeShapeType="1" noTextEdit="1"/>
+          </p:cNvSpPr>
+          <p:nvPr>
+            <p:extLst>
+              <p:ext uri="{386F3935-93C4-4BCD-93E2-E3B085C9AB24}">
+                <p16:designElem xmlns:p16="http://schemas.microsoft.com/office/powerpoint/2015/main" val="1"/>
+              </p:ext>
+            </p:extLst>
+          </p:nvPr>
+        </p:nvSpPr>
+        <p:spPr>
+          <a:xfrm>
+            <a:off x="0" y="0"/>
+            <a:ext cx="4636008" cy="6858000"/>
+          </a:xfrm>
+          <a:prstGeom prst="rect">
+            <a:avLst/>
+          </a:prstGeom>
+          <a:solidFill>
+            <a:schemeClr val="tx1"/>
+          </a:solidFill>
+          <a:ln>
+            <a:noFill/>
+          </a:ln>
+          <a:effectLst>
+            <a:outerShdw blurRad="63500" dist="38100" algn="l" rotWithShape="0">
+              <a:prstClr val="black">
+                <a:alpha val="40000"/>
+              </a:prstClr>
+            </a:outerShdw>
+          </a:effectLst>
+        </p:spPr>
+        <p:style>
+          <a:lnRef idx="2">
+            <a:schemeClr val="accent1">
+              <a:shade val="50000"/>
+            </a:schemeClr>
+          </a:lnRef>
+          <a:fillRef idx="1">
+            <a:schemeClr val="accent1"/>
+          </a:fillRef>
+          <a:effectRef idx="0">
+            <a:schemeClr val="accent1"/>
+          </a:effectRef>
+          <a:fontRef idx="minor">
+            <a:schemeClr val="lt1"/>
+          </a:fontRef>
+        </p:style>
+        <p:txBody>
+          <a:bodyPr rtlCol="0" anchor="ctr"/>
+          <a:lstStyle/>
+          <a:p>
+            <a:pPr marL="0" marR="0" lvl="0" indent="0" algn="ctr" defTabSz="457200" rtl="0" eaLnBrk="1" fontAlgn="auto" latinLnBrk="0" hangingPunct="1">
+              <a:lnSpc>
+                <a:spcPct val="100000"/>
+              </a:lnSpc>
+              <a:spcBef>
+                <a:spcPts val="0"/>
+              </a:spcBef>
+              <a:spcAft>
+                <a:spcPts val="0"/>
+              </a:spcAft>
+              <a:buClrTx/>
+              <a:buSzTx/>
+              <a:buFontTx/>
+              <a:buNone/>
+              <a:tabLst/>
+              <a:defRPr/>
+            </a:pPr>
+            <a:endParaRPr kumimoji="0" lang="en-US" sz="1800" b="0" i="0" u="none" strike="noStrike" kern="1200" cap="none" spc="0" normalizeH="0" baseline="0" noProof="0">
+              <a:ln>
+                <a:noFill/>
+              </a:ln>
+              <a:solidFill>
+                <a:prstClr val="white"/>
+              </a:solidFill>
+              <a:effectLst/>
+              <a:uLnTx/>
+              <a:uFillTx/>
+              <a:latin typeface="Century Gothic" panose="020B0502020202020204"/>
+              <a:ea typeface="+mn-ea"/>
+              <a:cs typeface="+mn-cs"/>
+            </a:endParaRPr>
+          </a:p>
+        </p:txBody>
+      </p:sp>
+      <p:pic>
+        <p:nvPicPr>
+          <p:cNvPr id="17" name="Picture 16">
+            <a:extLst>
+              <a:ext uri="{FF2B5EF4-FFF2-40B4-BE49-F238E27FC236}">
+                <a16:creationId xmlns:a16="http://schemas.microsoft.com/office/drawing/2014/main" id="{66C8958D-EB99-414F-B735-863B67BB14D3}"/>
+              </a:ext>
+              <a:ext uri="{C183D7F6-B498-43B3-948B-1728B52AA6E4}">
+                <adec:decorative xmlns:adec="http://schemas.microsoft.com/office/drawing/2017/decorative" val="1"/>
+              </a:ext>
+            </a:extLst>
+          </p:cNvPr>
+          <p:cNvPicPr>
+            <a:picLocks noGrp="1" noRot="1" noChangeAspect="1" noMove="1" noResize="1" noEditPoints="1" noAdjustHandles="1" noChangeArrowheads="1" noChangeShapeType="1" noCrop="1"/>
+          </p:cNvPicPr>
+          <p:nvPr>
+            <p:extLst>
+              <p:ext uri="{386F3935-93C4-4BCD-93E2-E3B085C9AB24}">
+                <p16:designElem xmlns:p16="http://schemas.microsoft.com/office/powerpoint/2015/main" val="1"/>
+              </p:ext>
+            </p:extLst>
+          </p:nvPr>
+        </p:nvPicPr>
+        <p:blipFill rotWithShape="1">
+          <a:blip r:embed="rId3">
+            <a:extLst>
+              <a:ext uri="{28A0092B-C50C-407E-A947-70E740481C1C}">
+                <a14:useLocalDpi xmlns:a14="http://schemas.microsoft.com/office/drawing/2010/main" val="0"/>
+              </a:ext>
+            </a:extLst>
+          </a:blip>
+          <a:srcRect r="61975"/>
+          <a:stretch/>
+        </p:blipFill>
+        <p:spPr>
+          <a:xfrm>
+            <a:off x="0" y="0"/>
+            <a:ext cx="4636008" cy="1441450"/>
+          </a:xfrm>
+          <a:prstGeom prst="rect">
+            <a:avLst/>
+          </a:prstGeom>
+        </p:spPr>
+      </p:pic>
+      <p:sp>
+        <p:nvSpPr>
+          <p:cNvPr id="2" name="Title 1">
+            <a:extLst>
+              <a:ext uri="{FF2B5EF4-FFF2-40B4-BE49-F238E27FC236}">
+                <a16:creationId xmlns:a16="http://schemas.microsoft.com/office/drawing/2014/main" id="{DE469836-7993-9395-7AD2-0454C27E905C}"/>
+              </a:ext>
+            </a:extLst>
+          </p:cNvPr>
+          <p:cNvSpPr>
+            <a:spLocks noGrp="1"/>
+          </p:cNvSpPr>
+          <p:nvPr>
+            <p:ph type="title"/>
+          </p:nvPr>
+        </p:nvSpPr>
+        <p:spPr>
+          <a:xfrm>
+            <a:off x="685800" y="764373"/>
+            <a:ext cx="3687417" cy="1920372"/>
+          </a:xfrm>
+        </p:spPr>
+        <p:txBody>
+          <a:bodyPr vert="horz" lIns="91440" tIns="45720" rIns="91440" bIns="45720" rtlCol="0" anchor="ctr">
+            <a:normAutofit/>
+          </a:bodyPr>
+          <a:lstStyle/>
+          <a:p>
+            <a:pPr algn="l"/>
+            <a:r>
+              <a:rPr lang="en-US" sz="3600" kern="1200" cap="all" baseline="0">
+                <a:solidFill>
+                  <a:schemeClr val="bg1"/>
+                </a:solidFill>
+                <a:latin typeface="+mj-lt"/>
+                <a:ea typeface="+mj-ea"/>
+                <a:cs typeface="+mj-cs"/>
+              </a:rPr>
+              <a:t>Shapely Values</a:t>
+            </a:r>
+          </a:p>
+        </p:txBody>
+      </p:sp>
+      <p:pic>
+        <p:nvPicPr>
+          <p:cNvPr id="19" name="Picture 18">
+            <a:extLst>
+              <a:ext uri="{FF2B5EF4-FFF2-40B4-BE49-F238E27FC236}">
+                <a16:creationId xmlns:a16="http://schemas.microsoft.com/office/drawing/2014/main" id="{39E5F3CB-7BDD-4E64-B274-CD900F08C6F3}"/>
+              </a:ext>
+              <a:ext uri="{C183D7F6-B498-43B3-948B-1728B52AA6E4}">
+                <adec:decorative xmlns:adec="http://schemas.microsoft.com/office/drawing/2017/decorative" val="1"/>
+              </a:ext>
+            </a:extLst>
+          </p:cNvPr>
+          <p:cNvPicPr>
+            <a:picLocks noGrp="1" noRot="1" noChangeAspect="1" noMove="1" noResize="1" noEditPoints="1" noAdjustHandles="1" noChangeArrowheads="1" noChangeShapeType="1" noCrop="1"/>
+          </p:cNvPicPr>
+          <p:nvPr>
+            <p:extLst>
+              <p:ext uri="{386F3935-93C4-4BCD-93E2-E3B085C9AB24}">
+                <p16:designElem xmlns:p16="http://schemas.microsoft.com/office/powerpoint/2015/main" val="1"/>
+              </p:ext>
+            </p:extLst>
+          </p:nvPr>
+        </p:nvPicPr>
+        <p:blipFill rotWithShape="1">
+          <a:blip r:embed="rId4">
+            <a:extLst>
+              <a:ext uri="{28A0092B-C50C-407E-A947-70E740481C1C}">
+                <a14:useLocalDpi xmlns:a14="http://schemas.microsoft.com/office/drawing/2010/main" val="0"/>
+              </a:ext>
+            </a:extLst>
+          </a:blip>
+          <a:srcRect r="61975"/>
+          <a:stretch/>
+        </p:blipFill>
+        <p:spPr>
+          <a:xfrm>
+            <a:off x="0" y="4375150"/>
+            <a:ext cx="4636008" cy="2482850"/>
+          </a:xfrm>
+          <a:prstGeom prst="rect">
+            <a:avLst/>
+          </a:prstGeom>
+        </p:spPr>
+      </p:pic>
+      <p:sp>
+        <p:nvSpPr>
+          <p:cNvPr id="3" name="Content Placeholder 2">
+            <a:extLst>
+              <a:ext uri="{FF2B5EF4-FFF2-40B4-BE49-F238E27FC236}">
+                <a16:creationId xmlns:a16="http://schemas.microsoft.com/office/drawing/2014/main" id="{A97BAB6E-8463-C25A-CE2A-BFB2EB9700F4}"/>
+              </a:ext>
+            </a:extLst>
+          </p:cNvPr>
+          <p:cNvSpPr>
+            <a:spLocks noGrp="1"/>
+          </p:cNvSpPr>
+          <p:nvPr>
+            <p:ph sz="half" idx="1"/>
+          </p:nvPr>
+        </p:nvSpPr>
+        <p:spPr>
+          <a:xfrm>
+            <a:off x="685800" y="2821774"/>
+            <a:ext cx="3687417" cy="3148329"/>
+          </a:xfrm>
+        </p:spPr>
+        <p:txBody>
+          <a:bodyPr vert="horz" lIns="91440" tIns="45720" rIns="91440" bIns="45720" rtlCol="0">
+            <a:noAutofit/>
+          </a:bodyPr>
+          <a:lstStyle/>
+          <a:p>
+            <a:r>
+              <a:rPr lang="en-US" sz="3200" dirty="0">
+                <a:solidFill>
+                  <a:schemeClr val="bg1"/>
+                </a:solidFill>
+              </a:rPr>
+              <a:t>Contribution of each player</a:t>
+            </a:r>
+          </a:p>
+          <a:p>
+            <a:r>
+              <a:rPr lang="en-US" sz="3200" dirty="0">
+                <a:solidFill>
+                  <a:schemeClr val="bg1"/>
+                </a:solidFill>
+              </a:rPr>
+              <a:t>Positive or negative effect</a:t>
+            </a:r>
+          </a:p>
+        </p:txBody>
+      </p:sp>
+      <p:pic>
+        <p:nvPicPr>
+          <p:cNvPr id="6" name="Content Placeholder 5">
+            <a:extLst>
+              <a:ext uri="{FF2B5EF4-FFF2-40B4-BE49-F238E27FC236}">
+                <a16:creationId xmlns:a16="http://schemas.microsoft.com/office/drawing/2014/main" id="{D0C75327-6773-E83D-715B-8DE466E663E8}"/>
+              </a:ext>
+            </a:extLst>
+          </p:cNvPr>
+          <p:cNvPicPr>
+            <a:picLocks noGrp="1" noChangeAspect="1"/>
+          </p:cNvPicPr>
+          <p:nvPr>
+            <p:ph sz="half" idx="2"/>
+          </p:nvPr>
+        </p:nvPicPr>
+        <p:blipFill>
+          <a:blip r:embed="rId5"/>
+          <a:stretch>
+            <a:fillRect/>
+          </a:stretch>
+        </p:blipFill>
+        <p:spPr>
+          <a:xfrm>
+            <a:off x="5279475" y="2284897"/>
+            <a:ext cx="6269058" cy="2288205"/>
+          </a:xfrm>
+          <a:prstGeom prst="rect">
+            <a:avLst/>
+          </a:prstGeom>
+        </p:spPr>
+      </p:pic>
+    </p:spTree>
+    <p:extLst>
+      <p:ext uri="{BB962C8B-B14F-4D97-AF65-F5344CB8AC3E}">
+        <p14:creationId xmlns:p14="http://schemas.microsoft.com/office/powerpoint/2010/main" val="3694054247"/>
+      </p:ext>
+    </p:extLst>
+  </p:cSld>
+  <p:clrMapOvr>
+    <a:overrideClrMapping bg1="lt1" tx1="dk1" bg2="lt2" tx2="dk2" accent1="accent1" accent2="accent2" accent3="accent3" accent4="accent4" accent5="accent5" accent6="accent6" hlink="hlink" folHlink="folHlink"/>
+  </p:clrMapOvr>
+  <p:timing>
+    <p:tnLst>
+      <p:par>
+        <p:cTn id="1" dur="indefinite" restart="never" nodeType="tmRoot">
+          <p:childTnLst>
+            <p:seq concurrent="1" nextAc="seek">
+              <p:cTn id="2" dur="indefinite" nodeType="mainSeq">
+                <p:childTnLst>
+                  <p:par>
+                    <p:cTn id="3" fill="hold">
+                      <p:stCondLst>
+                        <p:cond delay="indefinite"/>
+                      </p:stCondLst>
+                      <p:childTnLst>
+                        <p:par>
+                          <p:cTn id="4" fill="hold">
+                            <p:stCondLst>
+                              <p:cond delay="0"/>
+                            </p:stCondLst>
+                            <p:childTnLst>
+                              <p:par>
+                                <p:cTn id="5" presetID="1" presetClass="entr" presetSubtype="0" fill="hold" grpId="0" nodeType="clickEffect">
+                                  <p:stCondLst>
+                                    <p:cond delay="0"/>
+                                  </p:stCondLst>
+                                  <p:childTnLst>
+                                    <p:set>
+                                      <p:cBhvr>
+                                        <p:cTn id="6" dur="1" fill="hold">
+                                          <p:stCondLst>
+                                            <p:cond delay="0"/>
+                                          </p:stCondLst>
+                                        </p:cTn>
+                                        <p:tgtEl>
+                                          <p:spTgt spid="3">
+                                            <p:txEl>
+                                              <p:pRg st="0" end="0"/>
+                                            </p:txEl>
+                                          </p:spTgt>
+                                        </p:tgtEl>
+                                        <p:attrNameLst>
+                                          <p:attrName>style.visibility</p:attrName>
+                                        </p:attrNameLst>
+                                      </p:cBhvr>
+                                      <p:to>
+                                        <p:strVal val="visible"/>
+                                      </p:to>
+                                    </p:set>
+                                  </p:childTnLst>
+                                </p:cTn>
+                              </p:par>
+                            </p:childTnLst>
+                          </p:cTn>
+                        </p:par>
+                      </p:childTnLst>
+                    </p:cTn>
+                  </p:par>
+                  <p:par>
+                    <p:cTn id="7" fill="hold">
+                      <p:stCondLst>
+                        <p:cond delay="indefinite"/>
+                      </p:stCondLst>
+                      <p:childTnLst>
+                        <p:par>
+                          <p:cTn id="8" fill="hold">
+                            <p:stCondLst>
+                              <p:cond delay="0"/>
+                            </p:stCondLst>
+                            <p:childTnLst>
+                              <p:par>
+                                <p:cTn id="9" presetID="1" presetClass="entr" presetSubtype="0" fill="hold" grpId="0" nodeType="clickEffect">
+                                  <p:stCondLst>
+                                    <p:cond delay="0"/>
+                                  </p:stCondLst>
+                                  <p:childTnLst>
+                                    <p:set>
+                                      <p:cBhvr>
+                                        <p:cTn id="10" dur="1" fill="hold">
+                                          <p:stCondLst>
+                                            <p:cond delay="0"/>
+                                          </p:stCondLst>
+                                        </p:cTn>
+                                        <p:tgtEl>
+                                          <p:spTgt spid="3">
+                                            <p:txEl>
+                                              <p:pRg st="1" end="1"/>
+                                            </p:txEl>
+                                          </p:spTgt>
+                                        </p:tgtEl>
+                                        <p:attrNameLst>
+                                          <p:attrName>style.visibility</p:attrName>
+                                        </p:attrNameLst>
+                                      </p:cBhvr>
+                                      <p:to>
+                                        <p:strVal val="visible"/>
+                                      </p:to>
+                                    </p:set>
+                                  </p:childTnLst>
+                                </p:cTn>
+                              </p:par>
+                            </p:childTnLst>
+                          </p:cTn>
+                        </p:par>
+                      </p:childTnLst>
+                    </p:cTn>
+                  </p:par>
+                </p:childTnLst>
+              </p:cTn>
+              <p:prevCondLst>
+                <p:cond evt="onPrev" delay="0">
+                  <p:tgtEl>
+                    <p:sldTgt/>
+                  </p:tgtEl>
+                </p:cond>
+              </p:prevCondLst>
+              <p:nextCondLst>
+                <p:cond evt="onNext" delay="0">
+                  <p:tgtEl>
+                    <p:sldTgt/>
+                  </p:tgtEl>
+                </p:cond>
+              </p:nextCondLst>
+            </p:seq>
+          </p:childTnLst>
+        </p:cTn>
+      </p:par>
+    </p:tnLst>
+    <p:bldLst>
+      <p:bldP spid="3" grpId="0" build="p"/>
+    </p:bldLst>
+  </p:timing>
 </p:sld>
 </file>
 

--- a/Why We Must Ask Why of Machine Learning.pptx
+++ b/Why We Must Ask Why of Machine Learning.pptx
@@ -209,7 +209,7 @@
           <a:p>
             <a:fld id="{43B43CC5-0823-464A-8C91-20023191DC16}" type="datetimeFigureOut">
               <a:rPr lang="en-GB" smtClean="0"/>
-              <a:t>05/04/2023</a:t>
+              <a:t>06/04/2023</a:t>
             </a:fld>
             <a:endParaRPr lang="en-GB"/>
           </a:p>
@@ -2340,7 +2340,7 @@
           <a:p>
             <a:fld id="{48A87A34-81AB-432B-8DAE-1953F412C126}" type="datetimeFigureOut">
               <a:rPr lang="en-US" dirty="0"/>
-              <a:t>4/5/2023</a:t>
+              <a:t>4/6/2023</a:t>
             </a:fld>
             <a:endParaRPr lang="en-US" dirty="0"/>
           </a:p>
@@ -2602,7 +2602,7 @@
           <a:p>
             <a:fld id="{48A87A34-81AB-432B-8DAE-1953F412C126}" type="datetimeFigureOut">
               <a:rPr lang="en-US" dirty="0"/>
-              <a:t>4/5/2023</a:t>
+              <a:t>4/6/2023</a:t>
             </a:fld>
             <a:endParaRPr lang="en-US" dirty="0"/>
           </a:p>
@@ -2829,7 +2829,7 @@
             <a:fld id="{48A87A34-81AB-432B-8DAE-1953F412C126}" type="datetimeFigureOut">
               <a:rPr lang="en-US" dirty="0"/>
               <a:pPr/>
-              <a:t>4/5/2023</a:t>
+              <a:t>4/6/2023</a:t>
             </a:fld>
             <a:endParaRPr lang="en-US" dirty="0"/>
           </a:p>
@@ -3135,7 +3135,7 @@
             <a:fld id="{48A87A34-81AB-432B-8DAE-1953F412C126}" type="datetimeFigureOut">
               <a:rPr lang="en-US" dirty="0"/>
               <a:pPr/>
-              <a:t>4/5/2023</a:t>
+              <a:t>4/6/2023</a:t>
             </a:fld>
             <a:endParaRPr lang="en-US" dirty="0"/>
           </a:p>
@@ -3604,7 +3604,7 @@
             <a:fld id="{48A87A34-81AB-432B-8DAE-1953F412C126}" type="datetimeFigureOut">
               <a:rPr lang="en-US" dirty="0"/>
               <a:pPr/>
-              <a:t>4/5/2023</a:t>
+              <a:t>4/6/2023</a:t>
             </a:fld>
             <a:endParaRPr lang="en-US" dirty="0"/>
           </a:p>
@@ -4146,7 +4146,7 @@
           <a:p>
             <a:fld id="{48A87A34-81AB-432B-8DAE-1953F412C126}" type="datetimeFigureOut">
               <a:rPr lang="en-US" dirty="0"/>
-              <a:t>4/5/2023</a:t>
+              <a:t>4/6/2023</a:t>
             </a:fld>
             <a:endParaRPr lang="en-US" dirty="0"/>
           </a:p>
@@ -4915,7 +4915,7 @@
           <a:p>
             <a:fld id="{48A87A34-81AB-432B-8DAE-1953F412C126}" type="datetimeFigureOut">
               <a:rPr lang="en-US" dirty="0"/>
-              <a:t>4/5/2023</a:t>
+              <a:t>4/6/2023</a:t>
             </a:fld>
             <a:endParaRPr lang="en-US" dirty="0"/>
           </a:p>
@@ -5085,7 +5085,7 @@
           <a:p>
             <a:fld id="{48A87A34-81AB-432B-8DAE-1953F412C126}" type="datetimeFigureOut">
               <a:rPr lang="en-US" dirty="0"/>
-              <a:t>4/5/2023</a:t>
+              <a:t>4/6/2023</a:t>
             </a:fld>
             <a:endParaRPr lang="en-US" dirty="0"/>
           </a:p>
@@ -5304,7 +5304,7 @@
             <a:fld id="{48A87A34-81AB-432B-8DAE-1953F412C126}" type="datetimeFigureOut">
               <a:rPr lang="en-US" dirty="0"/>
               <a:pPr/>
-              <a:t>4/5/2023</a:t>
+              <a:t>4/6/2023</a:t>
             </a:fld>
             <a:endParaRPr lang="en-US" dirty="0"/>
           </a:p>
@@ -5479,7 +5479,7 @@
           <a:p>
             <a:fld id="{48A87A34-81AB-432B-8DAE-1953F412C126}" type="datetimeFigureOut">
               <a:rPr lang="en-US" dirty="0"/>
-              <a:t>4/5/2023</a:t>
+              <a:t>4/6/2023</a:t>
             </a:fld>
             <a:endParaRPr lang="en-US" dirty="0"/>
           </a:p>
@@ -5764,7 +5764,7 @@
             <a:fld id="{48A87A34-81AB-432B-8DAE-1953F412C126}" type="datetimeFigureOut">
               <a:rPr lang="en-US" dirty="0"/>
               <a:pPr/>
-              <a:t>4/5/2023</a:t>
+              <a:t>4/6/2023</a:t>
             </a:fld>
             <a:endParaRPr lang="en-US" dirty="0"/>
           </a:p>
@@ -6001,7 +6001,7 @@
           <a:p>
             <a:fld id="{48A87A34-81AB-432B-8DAE-1953F412C126}" type="datetimeFigureOut">
               <a:rPr lang="en-US" dirty="0"/>
-              <a:t>4/5/2023</a:t>
+              <a:t>4/6/2023</a:t>
             </a:fld>
             <a:endParaRPr lang="en-US" dirty="0"/>
           </a:p>
@@ -6375,7 +6375,7 @@
           <a:p>
             <a:fld id="{48A87A34-81AB-432B-8DAE-1953F412C126}" type="datetimeFigureOut">
               <a:rPr lang="en-US" dirty="0"/>
-              <a:t>4/5/2023</a:t>
+              <a:t>4/6/2023</a:t>
             </a:fld>
             <a:endParaRPr lang="en-US" dirty="0"/>
           </a:p>
@@ -6488,7 +6488,7 @@
           <a:p>
             <a:fld id="{48A87A34-81AB-432B-8DAE-1953F412C126}" type="datetimeFigureOut">
               <a:rPr lang="en-US" dirty="0"/>
-              <a:t>4/5/2023</a:t>
+              <a:t>4/6/2023</a:t>
             </a:fld>
             <a:endParaRPr lang="en-US" dirty="0"/>
           </a:p>
@@ -6578,7 +6578,7 @@
           <a:p>
             <a:fld id="{48A87A34-81AB-432B-8DAE-1953F412C126}" type="datetimeFigureOut">
               <a:rPr lang="en-US" dirty="0"/>
-              <a:t>4/5/2023</a:t>
+              <a:t>4/6/2023</a:t>
             </a:fld>
             <a:endParaRPr lang="en-US" dirty="0"/>
           </a:p>
@@ -6822,7 +6822,7 @@
           <a:p>
             <a:fld id="{48A87A34-81AB-432B-8DAE-1953F412C126}" type="datetimeFigureOut">
               <a:rPr lang="en-US" dirty="0"/>
-              <a:t>4/5/2023</a:t>
+              <a:t>4/6/2023</a:t>
             </a:fld>
             <a:endParaRPr lang="en-US" dirty="0"/>
           </a:p>
@@ -7074,7 +7074,7 @@
           <a:p>
             <a:fld id="{48A87A34-81AB-432B-8DAE-1953F412C126}" type="datetimeFigureOut">
               <a:rPr lang="en-US" dirty="0"/>
-              <a:t>4/5/2023</a:t>
+              <a:t>4/6/2023</a:t>
             </a:fld>
             <a:endParaRPr lang="en-US" dirty="0"/>
           </a:p>
@@ -7313,7 +7313,7 @@
             <a:fld id="{48A87A34-81AB-432B-8DAE-1953F412C126}" type="datetimeFigureOut">
               <a:rPr lang="en-US" dirty="0"/>
               <a:pPr/>
-              <a:t>4/5/2023</a:t>
+              <a:t>4/6/2023</a:t>
             </a:fld>
             <a:endParaRPr lang="en-US" dirty="0"/>
           </a:p>
@@ -9146,7 +9146,76 @@
           <a:p>
             <a:r>
               <a:rPr lang="en-GB" dirty="0"/>
-              <a:t>Questions</a:t>
+              <a:t>Questions?</a:t>
+            </a:r>
+          </a:p>
+        </p:txBody>
+      </p:sp>
+      <p:sp>
+        <p:nvSpPr>
+          <p:cNvPr id="3" name="Content Placeholder 2">
+            <a:extLst>
+              <a:ext uri="{FF2B5EF4-FFF2-40B4-BE49-F238E27FC236}">
+                <a16:creationId xmlns:a16="http://schemas.microsoft.com/office/drawing/2014/main" id="{55F61A85-CDCD-5B55-4533-B01464995627}"/>
+              </a:ext>
+            </a:extLst>
+          </p:cNvPr>
+          <p:cNvSpPr>
+            <a:spLocks noGrp="1"/>
+          </p:cNvSpPr>
+          <p:nvPr>
+            <p:ph idx="1"/>
+          </p:nvPr>
+        </p:nvSpPr>
+        <p:spPr/>
+        <p:txBody>
+          <a:bodyPr>
+            <a:normAutofit/>
+          </a:bodyPr>
+          <a:lstStyle/>
+          <a:p>
+            <a:pPr marL="0" indent="0" algn="r">
+              <a:buNone/>
+            </a:pPr>
+            <a:endParaRPr lang="en-GB" sz="3200" dirty="0"/>
+          </a:p>
+          <a:p>
+            <a:pPr marL="0" indent="0" algn="r">
+              <a:buNone/>
+            </a:pPr>
+            <a:endParaRPr lang="en-GB" sz="3200" dirty="0"/>
+          </a:p>
+          <a:p>
+            <a:pPr marL="0" indent="0" algn="r">
+              <a:buNone/>
+            </a:pPr>
+            <a:endParaRPr lang="en-GB" sz="3200" dirty="0"/>
+          </a:p>
+          <a:p>
+            <a:pPr marL="0" indent="0" algn="r">
+              <a:buNone/>
+            </a:pPr>
+            <a:endParaRPr lang="en-GB" sz="3200" dirty="0"/>
+          </a:p>
+          <a:p>
+            <a:pPr marL="0" indent="0" algn="r">
+              <a:buNone/>
+            </a:pPr>
+            <a:endParaRPr lang="en-GB" sz="3200" dirty="0"/>
+          </a:p>
+          <a:p>
+            <a:pPr marL="0" indent="0" algn="r">
+              <a:buNone/>
+            </a:pPr>
+            <a:endParaRPr lang="en-GB" sz="3200" dirty="0"/>
+          </a:p>
+          <a:p>
+            <a:pPr marL="0" indent="0" algn="r">
+              <a:buNone/>
+            </a:pPr>
+            <a:r>
+              <a:rPr lang="en-GB" sz="3200" u="sng" dirty="0"/>
+              <a:t>https://tinyurl.com/4ef4hmfs</a:t>
             </a:r>
           </a:p>
         </p:txBody>

--- a/Why We Must Ask Why of Machine Learning.pptx
+++ b/Why We Must Ask Why of Machine Learning.pptx
@@ -5,7 +5,7 @@
     <p:sldMasterId id="2147483648" r:id="rId1"/>
   </p:sldMasterIdLst>
   <p:notesMasterIdLst>
-    <p:notesMasterId r:id="rId15"/>
+    <p:notesMasterId r:id="rId16"/>
   </p:notesMasterIdLst>
   <p:sldIdLst>
     <p:sldId id="256" r:id="rId2"/>
@@ -17,10 +17,11 @@
     <p:sldId id="261" r:id="rId8"/>
     <p:sldId id="264" r:id="rId9"/>
     <p:sldId id="265" r:id="rId10"/>
-    <p:sldId id="266" r:id="rId11"/>
-    <p:sldId id="267" r:id="rId12"/>
-    <p:sldId id="263" r:id="rId13"/>
-    <p:sldId id="268" r:id="rId14"/>
+    <p:sldId id="269" r:id="rId11"/>
+    <p:sldId id="266" r:id="rId12"/>
+    <p:sldId id="267" r:id="rId13"/>
+    <p:sldId id="263" r:id="rId14"/>
+    <p:sldId id="268" r:id="rId15"/>
   </p:sldIdLst>
   <p:sldSz cx="12192000" cy="6858000"/>
   <p:notesSz cx="6858000" cy="9144000"/>
@@ -607,25 +608,57 @@
           <a:p>
             <a:r>
               <a:rPr lang="en-GB" dirty="0"/>
-              <a:t>Emerging set of best practices around productionising ML</a:t>
+              <a:t>The MNIST example is sufficiently basic that it may not need much in the way of XAI</a:t>
             </a:r>
           </a:p>
           <a:p>
             <a:r>
               <a:rPr lang="en-GB" dirty="0"/>
-              <a:t>Forms a feedback loop which can trigger to need to train a new model</a:t>
-            </a:r>
+              <a:t>But if the domain we are applying AI is novel, then they may skew us towards wanting to get a view as to how the model is working</a:t>
+            </a:r>
+          </a:p>
+          <a:p>
+            <a:endParaRPr lang="en-GB" dirty="0"/>
           </a:p>
           <a:p>
             <a:r>
               <a:rPr lang="en-GB" dirty="0"/>
-              <a:t>For example, over time a model may cease to be sufficiently generalised as the novel data moves away from the training data</a:t>
+              <a:t>If the domain is higher risk e.g. breast cancer samples being classified as benign or malignant, recommending repair or replacement of valves in an industrial setting</a:t>
             </a:r>
           </a:p>
           <a:p>
             <a:r>
               <a:rPr lang="en-GB" dirty="0"/>
-              <a:t>This should trigger the model be evolved or a new model be developed</a:t>
+              <a:t>If the model is wrong, we may elect to pessimistically classify a mass or the state of a component</a:t>
+            </a:r>
+          </a:p>
+          <a:p>
+            <a:pPr marL="0" marR="0" lvl="0" indent="0" algn="l" defTabSz="914400" rtl="0" eaLnBrk="1" fontAlgn="auto" latinLnBrk="0" hangingPunct="1">
+              <a:lnSpc>
+                <a:spcPct val="100000"/>
+              </a:lnSpc>
+              <a:spcBef>
+                <a:spcPts val="0"/>
+              </a:spcBef>
+              <a:spcAft>
+                <a:spcPts val="0"/>
+              </a:spcAft>
+              <a:buClrTx/>
+              <a:buSzTx/>
+              <a:buFontTx/>
+              <a:buNone/>
+              <a:tabLst/>
+              <a:defRPr/>
+            </a:pPr>
+            <a:r>
+              <a:rPr lang="en-GB" dirty="0"/>
+              <a:t>We would likely be pulled towards supplying an interpretable or explainable model for such high risk domains</a:t>
+            </a:r>
+          </a:p>
+          <a:p>
+            <a:r>
+              <a:rPr lang="en-GB" dirty="0"/>
+              <a:t>But perhaps less so for recommendation engines</a:t>
             </a:r>
           </a:p>
           <a:p>
@@ -634,19 +667,40 @@
           <a:p>
             <a:r>
               <a:rPr lang="en-GB" dirty="0"/>
-              <a:t>Future requests from XAI stakeholders may mean we need to be able to explain a historic model outcome</a:t>
+              <a:t>However, even for scenarios which feel low risk, we cannot necessarily ignore XAI</a:t>
             </a:r>
           </a:p>
           <a:p>
             <a:r>
               <a:rPr lang="en-GB" dirty="0"/>
-              <a:t>Do we capture enough to be able to do that?</a:t>
+              <a:t>For example, if a content platform’s recommendation engine is found to biased this can affect the monetisation potential of a content creator</a:t>
             </a:r>
           </a:p>
           <a:p>
             <a:r>
               <a:rPr lang="en-GB" dirty="0"/>
-              <a:t>Do we record the model outcome and it’s explainer outcomes?</a:t>
+              <a:t>But it’s possible the content consumer is less concerned</a:t>
+            </a:r>
+          </a:p>
+          <a:p>
+            <a:endParaRPr lang="en-GB" dirty="0"/>
+          </a:p>
+          <a:p>
+            <a:r>
+              <a:rPr lang="en-GB" dirty="0"/>
+              <a:t>In the recent Payment Protection Insurance scandal in the UK</a:t>
+            </a:r>
+          </a:p>
+          <a:p>
+            <a:r>
+              <a:rPr lang="en-GB" dirty="0"/>
+              <a:t>Financial institutions had to provide evidence that they had not mis-sold PPI</a:t>
+            </a:r>
+          </a:p>
+          <a:p>
+            <a:r>
+              <a:rPr lang="en-GB" dirty="0"/>
+              <a:t>What if a ML model had taken part in that decision?</a:t>
             </a:r>
           </a:p>
         </p:txBody>
@@ -677,7 +731,7 @@
     </p:spTree>
     <p:extLst>
       <p:ext uri="{BB962C8B-B14F-4D97-AF65-F5344CB8AC3E}">
-        <p14:creationId xmlns:p14="http://schemas.microsoft.com/office/powerpoint/2010/main" val="197462465"/>
+        <p14:creationId xmlns:p14="http://schemas.microsoft.com/office/powerpoint/2010/main" val="1424679041"/>
       </p:ext>
     </p:extLst>
   </p:cSld>
@@ -733,35 +787,47 @@
           <a:p>
             <a:r>
               <a:rPr lang="en-GB" dirty="0"/>
-              <a:t>Be alert to AI not always getting it right</a:t>
+              <a:t>Emerging set of best practices around productionising ML</a:t>
             </a:r>
           </a:p>
           <a:p>
             <a:r>
               <a:rPr lang="en-GB" dirty="0"/>
-              <a:t>Determine what XAI needs your specific scenario has</a:t>
+              <a:t>Forms a feedback loop which can trigger to need to train a new model</a:t>
             </a:r>
           </a:p>
           <a:p>
             <a:r>
               <a:rPr lang="en-GB" dirty="0"/>
-              <a:t>Favour transparent over opaque models if possible</a:t>
+              <a:t>For example, over time a model may cease to be sufficiently generalised as the novel data moves away from the training data</a:t>
             </a:r>
           </a:p>
           <a:p>
             <a:r>
               <a:rPr lang="en-GB" dirty="0"/>
-              <a:t>Remember that your machine learning pipeline may need to produce extra artifacts (e.g. explainers)</a:t>
-            </a:r>
+              <a:t>This should trigger the model be evolved or a new model be developed</a:t>
+            </a:r>
+          </a:p>
+          <a:p>
+            <a:endParaRPr lang="en-GB" dirty="0"/>
           </a:p>
           <a:p>
             <a:r>
               <a:rPr lang="en-GB" dirty="0"/>
-              <a:t>When buying models in, ask the vendor how they have met the explainability challenge</a:t>
-            </a:r>
-          </a:p>
-          <a:p>
-            <a:endParaRPr lang="en-GB" dirty="0"/>
+              <a:t>Future requests from XAI stakeholders may mean we need to be able to explain a historic model outcome</a:t>
+            </a:r>
+          </a:p>
+          <a:p>
+            <a:r>
+              <a:rPr lang="en-GB" dirty="0"/>
+              <a:t>Do we capture enough to be able to do that?</a:t>
+            </a:r>
+          </a:p>
+          <a:p>
+            <a:r>
+              <a:rPr lang="en-GB" dirty="0"/>
+              <a:t>Do we record the model outcome and it’s explainer outcomes?</a:t>
+            </a:r>
           </a:p>
         </p:txBody>
       </p:sp>
@@ -783,6 +849,120 @@
             <a:fld id="{07869F30-5F0B-4D33-8AEC-941C8824577E}" type="slidenum">
               <a:rPr lang="en-GB" smtClean="0"/>
               <a:t>12</a:t>
+            </a:fld>
+            <a:endParaRPr lang="en-GB"/>
+          </a:p>
+        </p:txBody>
+      </p:sp>
+    </p:spTree>
+    <p:extLst>
+      <p:ext uri="{BB962C8B-B14F-4D97-AF65-F5344CB8AC3E}">
+        <p14:creationId xmlns:p14="http://schemas.microsoft.com/office/powerpoint/2010/main" val="197462465"/>
+      </p:ext>
+    </p:extLst>
+  </p:cSld>
+  <p:clrMapOvr>
+    <a:masterClrMapping/>
+  </p:clrMapOvr>
+</p:notes>
+</file>
+
+<file path=ppt/notesSlides/notesSlide12.xml><?xml version="1.0" encoding="utf-8"?>
+<p:notes xmlns:a="http://schemas.openxmlformats.org/drawingml/2006/main" xmlns:r="http://schemas.openxmlformats.org/officeDocument/2006/relationships" xmlns:p="http://schemas.openxmlformats.org/presentationml/2006/main">
+  <p:cSld>
+    <p:spTree>
+      <p:nvGrpSpPr>
+        <p:cNvPr id="1" name=""/>
+        <p:cNvGrpSpPr/>
+        <p:nvPr/>
+      </p:nvGrpSpPr>
+      <p:grpSpPr>
+        <a:xfrm>
+          <a:off x="0" y="0"/>
+          <a:ext cx="0" cy="0"/>
+          <a:chOff x="0" y="0"/>
+          <a:chExt cx="0" cy="0"/>
+        </a:xfrm>
+      </p:grpSpPr>
+      <p:sp>
+        <p:nvSpPr>
+          <p:cNvPr id="2" name="Slide Image Placeholder 1"/>
+          <p:cNvSpPr>
+            <a:spLocks noGrp="1" noRot="1" noChangeAspect="1"/>
+          </p:cNvSpPr>
+          <p:nvPr>
+            <p:ph type="sldImg"/>
+          </p:nvPr>
+        </p:nvSpPr>
+        <p:spPr/>
+      </p:sp>
+      <p:sp>
+        <p:nvSpPr>
+          <p:cNvPr id="3" name="Notes Placeholder 2"/>
+          <p:cNvSpPr>
+            <a:spLocks noGrp="1"/>
+          </p:cNvSpPr>
+          <p:nvPr>
+            <p:ph type="body" idx="1"/>
+          </p:nvPr>
+        </p:nvSpPr>
+        <p:spPr/>
+        <p:txBody>
+          <a:bodyPr/>
+          <a:lstStyle/>
+          <a:p>
+            <a:r>
+              <a:rPr lang="en-GB" dirty="0"/>
+              <a:t>Be alert to AI not always getting it right</a:t>
+            </a:r>
+          </a:p>
+          <a:p>
+            <a:r>
+              <a:rPr lang="en-GB" dirty="0"/>
+              <a:t>Determine what XAI needs your specific scenario has</a:t>
+            </a:r>
+          </a:p>
+          <a:p>
+            <a:r>
+              <a:rPr lang="en-GB" dirty="0"/>
+              <a:t>Favour transparent over opaque models if possible</a:t>
+            </a:r>
+          </a:p>
+          <a:p>
+            <a:r>
+              <a:rPr lang="en-GB" dirty="0"/>
+              <a:t>Remember that your machine learning pipeline may need to produce extra artifacts (e.g. explainers)</a:t>
+            </a:r>
+          </a:p>
+          <a:p>
+            <a:r>
+              <a:rPr lang="en-GB" dirty="0"/>
+              <a:t>When buying models in, ask the vendor how they have met the explainability challenge</a:t>
+            </a:r>
+          </a:p>
+          <a:p>
+            <a:endParaRPr lang="en-GB" dirty="0"/>
+          </a:p>
+        </p:txBody>
+      </p:sp>
+      <p:sp>
+        <p:nvSpPr>
+          <p:cNvPr id="4" name="Slide Number Placeholder 3"/>
+          <p:cNvSpPr>
+            <a:spLocks noGrp="1"/>
+          </p:cNvSpPr>
+          <p:nvPr>
+            <p:ph type="sldNum" sz="quarter" idx="5"/>
+          </p:nvPr>
+        </p:nvSpPr>
+        <p:spPr/>
+        <p:txBody>
+          <a:bodyPr/>
+          <a:lstStyle/>
+          <a:p>
+            <a:fld id="{07869F30-5F0B-4D33-8AEC-941C8824577E}" type="slidenum">
+              <a:rPr lang="en-GB" smtClean="0"/>
+              <a:t>13</a:t>
             </a:fld>
             <a:endParaRPr lang="en-GB"/>
           </a:p>
@@ -2037,99 +2217,25 @@
           <a:p>
             <a:r>
               <a:rPr lang="en-GB" dirty="0"/>
-              <a:t>The MNIST example is sufficiently basic that it may not need much in the way of XAI</a:t>
+              <a:t>Here are some instances from the test set which the model mis-classifies</a:t>
             </a:r>
           </a:p>
           <a:p>
             <a:r>
               <a:rPr lang="en-GB" dirty="0"/>
-              <a:t>But if the domain we are applying AI is novel, then they may skew us towards wanting to get a view as to how the model is working</a:t>
-            </a:r>
-          </a:p>
-          <a:p>
-            <a:endParaRPr lang="en-GB" dirty="0"/>
+              <a:t>This explainer shows us which parts of the image the model found more compelling for each classifier</a:t>
+            </a:r>
           </a:p>
           <a:p>
             <a:r>
               <a:rPr lang="en-GB" dirty="0"/>
-              <a:t>If the domain is higher risk e.g. breast cancer samples being classified as benign or malignant, recommending repair or replacement of valves in an industrial setting</a:t>
+              <a:t>But doesn’t offer any guidance as to how we can improve the classifier</a:t>
             </a:r>
           </a:p>
           <a:p>
             <a:r>
               <a:rPr lang="en-GB" dirty="0"/>
-              <a:t>If the model is wrong, we may elect to pessimistically classify a mass or the state of a component</a:t>
-            </a:r>
-          </a:p>
-          <a:p>
-            <a:pPr marL="0" marR="0" lvl="0" indent="0" algn="l" defTabSz="914400" rtl="0" eaLnBrk="1" fontAlgn="auto" latinLnBrk="0" hangingPunct="1">
-              <a:lnSpc>
-                <a:spcPct val="100000"/>
-              </a:lnSpc>
-              <a:spcBef>
-                <a:spcPts val="0"/>
-              </a:spcBef>
-              <a:spcAft>
-                <a:spcPts val="0"/>
-              </a:spcAft>
-              <a:buClrTx/>
-              <a:buSzTx/>
-              <a:buFontTx/>
-              <a:buNone/>
-              <a:tabLst/>
-              <a:defRPr/>
-            </a:pPr>
-            <a:r>
-              <a:rPr lang="en-GB" dirty="0"/>
-              <a:t>We would likely be pulled towards supplying an interpretable or explainable model for such high risk domains</a:t>
-            </a:r>
-          </a:p>
-          <a:p>
-            <a:r>
-              <a:rPr lang="en-GB" dirty="0"/>
-              <a:t>But perhaps less so for recommendation engines</a:t>
-            </a:r>
-          </a:p>
-          <a:p>
-            <a:endParaRPr lang="en-GB" dirty="0"/>
-          </a:p>
-          <a:p>
-            <a:r>
-              <a:rPr lang="en-GB" dirty="0"/>
-              <a:t>However, even for scenarios which feel low risk, we cannot necessarily ignore XAI</a:t>
-            </a:r>
-          </a:p>
-          <a:p>
-            <a:r>
-              <a:rPr lang="en-GB" dirty="0"/>
-              <a:t>For example, if a content platform’s recommendation engine is found to biased this can affect the monetisation potential of a content creator</a:t>
-            </a:r>
-          </a:p>
-          <a:p>
-            <a:r>
-              <a:rPr lang="en-GB" dirty="0"/>
-              <a:t>But it’s possible the content consumer is less concerned</a:t>
-            </a:r>
-          </a:p>
-          <a:p>
-            <a:endParaRPr lang="en-GB" dirty="0"/>
-          </a:p>
-          <a:p>
-            <a:r>
-              <a:rPr lang="en-GB" dirty="0"/>
-              <a:t>In the recent Payment Protection Insurance scandal in the UK</a:t>
-            </a:r>
-          </a:p>
-          <a:p>
-            <a:r>
-              <a:rPr lang="en-GB" dirty="0"/>
-              <a:t>Financial institutions had to provide evidence that they had not mis-sold PPI</a:t>
-            </a:r>
-          </a:p>
-          <a:p>
-            <a:r>
-              <a:rPr lang="en-GB" dirty="0"/>
-              <a:t>What if a ML model had taken part in that decision?</a:t>
+              <a:t>Could still be useful when responding the challenges</a:t>
             </a:r>
           </a:p>
         </p:txBody>
@@ -2160,7 +2266,7 @@
     </p:spTree>
     <p:extLst>
       <p:ext uri="{BB962C8B-B14F-4D97-AF65-F5344CB8AC3E}">
-        <p14:creationId xmlns:p14="http://schemas.microsoft.com/office/powerpoint/2010/main" val="1424679041"/>
+        <p14:creationId xmlns:p14="http://schemas.microsoft.com/office/powerpoint/2010/main" val="2996339148"/>
       </p:ext>
     </p:extLst>
   </p:cSld>
@@ -7815,6 +7921,93 @@
       </p:grpSpPr>
       <p:sp>
         <p:nvSpPr>
+          <p:cNvPr id="5" name="Title 4">
+            <a:extLst>
+              <a:ext uri="{FF2B5EF4-FFF2-40B4-BE49-F238E27FC236}">
+                <a16:creationId xmlns:a16="http://schemas.microsoft.com/office/drawing/2014/main" id="{34A4B2B7-6466-71AB-AC44-DFD6678A725E}"/>
+              </a:ext>
+            </a:extLst>
+          </p:cNvPr>
+          <p:cNvSpPr>
+            <a:spLocks noGrp="1"/>
+          </p:cNvSpPr>
+          <p:nvPr>
+            <p:ph type="title"/>
+          </p:nvPr>
+        </p:nvSpPr>
+        <p:spPr/>
+        <p:txBody>
+          <a:bodyPr/>
+          <a:lstStyle/>
+          <a:p>
+            <a:r>
+              <a:rPr lang="en-GB" dirty="0"/>
+              <a:t>When The Model Is Wrong</a:t>
+            </a:r>
+          </a:p>
+        </p:txBody>
+      </p:sp>
+      <p:pic>
+        <p:nvPicPr>
+          <p:cNvPr id="8" name="Content Placeholder 7">
+            <a:extLst>
+              <a:ext uri="{FF2B5EF4-FFF2-40B4-BE49-F238E27FC236}">
+                <a16:creationId xmlns:a16="http://schemas.microsoft.com/office/drawing/2014/main" id="{5401A9ED-6670-83EA-0FBE-CA946298A636}"/>
+              </a:ext>
+            </a:extLst>
+          </p:cNvPr>
+          <p:cNvPicPr>
+            <a:picLocks noGrp="1" noChangeAspect="1"/>
+          </p:cNvPicPr>
+          <p:nvPr>
+            <p:ph idx="1"/>
+          </p:nvPr>
+        </p:nvPicPr>
+        <p:blipFill>
+          <a:blip r:embed="rId3"/>
+          <a:stretch>
+            <a:fillRect/>
+          </a:stretch>
+        </p:blipFill>
+        <p:spPr>
+          <a:xfrm>
+            <a:off x="1875640" y="2193925"/>
+            <a:ext cx="8440720" cy="4024313"/>
+          </a:xfrm>
+        </p:spPr>
+      </p:pic>
+    </p:spTree>
+    <p:extLst>
+      <p:ext uri="{BB962C8B-B14F-4D97-AF65-F5344CB8AC3E}">
+        <p14:creationId xmlns:p14="http://schemas.microsoft.com/office/powerpoint/2010/main" val="3429405124"/>
+      </p:ext>
+    </p:extLst>
+  </p:cSld>
+  <p:clrMapOvr>
+    <a:masterClrMapping/>
+  </p:clrMapOvr>
+</p:sld>
+</file>
+
+<file path=ppt/slides/slide11.xml><?xml version="1.0" encoding="utf-8"?>
+<p:sld xmlns:a="http://schemas.openxmlformats.org/drawingml/2006/main" xmlns:r="http://schemas.openxmlformats.org/officeDocument/2006/relationships" xmlns:p="http://schemas.openxmlformats.org/presentationml/2006/main">
+  <p:cSld>
+    <p:spTree>
+      <p:nvGrpSpPr>
+        <p:cNvPr id="1" name=""/>
+        <p:cNvGrpSpPr/>
+        <p:nvPr/>
+      </p:nvGrpSpPr>
+      <p:grpSpPr>
+        <a:xfrm>
+          <a:off x="0" y="0"/>
+          <a:ext cx="0" cy="0"/>
+          <a:chOff x="0" y="0"/>
+          <a:chExt cx="0" cy="0"/>
+        </a:xfrm>
+      </p:grpSpPr>
+      <p:sp>
+        <p:nvSpPr>
           <p:cNvPr id="2" name="Title 1">
             <a:extLst>
               <a:ext uri="{FF2B5EF4-FFF2-40B4-BE49-F238E27FC236}">
@@ -8180,7 +8373,7 @@
 </p:sld>
 </file>
 
-<file path=ppt/slides/slide11.xml><?xml version="1.0" encoding="utf-8"?>
+<file path=ppt/slides/slide12.xml><?xml version="1.0" encoding="utf-8"?>
 <p:sld xmlns:a="http://schemas.openxmlformats.org/drawingml/2006/main" xmlns:r="http://schemas.openxmlformats.org/officeDocument/2006/relationships" xmlns:p="http://schemas.openxmlformats.org/presentationml/2006/main">
   <p:cSld>
     <p:bg>
@@ -8710,7 +8903,7 @@
 </p:sld>
 </file>
 
-<file path=ppt/slides/slide12.xml><?xml version="1.0" encoding="utf-8"?>
+<file path=ppt/slides/slide13.xml><?xml version="1.0" encoding="utf-8"?>
 <p:sld xmlns:a="http://schemas.openxmlformats.org/drawingml/2006/main" xmlns:r="http://schemas.openxmlformats.org/officeDocument/2006/relationships" xmlns:p="http://schemas.openxmlformats.org/presentationml/2006/main">
   <p:cSld>
     <p:spTree>
@@ -9106,7 +9299,7 @@
 </p:sld>
 </file>
 
-<file path=ppt/slides/slide13.xml><?xml version="1.0" encoding="utf-8"?>
+<file path=ppt/slides/slide14.xml><?xml version="1.0" encoding="utf-8"?>
 <p:sld xmlns:a="http://schemas.openxmlformats.org/drawingml/2006/main" xmlns:r="http://schemas.openxmlformats.org/officeDocument/2006/relationships" xmlns:p="http://schemas.openxmlformats.org/presentationml/2006/main">
   <p:cSld>
     <p:spTree>

--- a/Why We Must Ask Why of Machine Learning.pptx
+++ b/Why We Must Ask Why of Machine Learning.pptx
@@ -5,23 +5,24 @@
     <p:sldMasterId id="2147483648" r:id="rId1"/>
   </p:sldMasterIdLst>
   <p:notesMasterIdLst>
-    <p:notesMasterId r:id="rId16"/>
+    <p:notesMasterId r:id="rId17"/>
   </p:notesMasterIdLst>
   <p:sldIdLst>
     <p:sldId id="256" r:id="rId2"/>
-    <p:sldId id="257" r:id="rId3"/>
+    <p:sldId id="270" r:id="rId3"/>
     <p:sldId id="258" r:id="rId4"/>
     <p:sldId id="259" r:id="rId5"/>
     <p:sldId id="260" r:id="rId6"/>
     <p:sldId id="262" r:id="rId7"/>
     <p:sldId id="261" r:id="rId8"/>
-    <p:sldId id="264" r:id="rId9"/>
-    <p:sldId id="265" r:id="rId10"/>
-    <p:sldId id="269" r:id="rId11"/>
-    <p:sldId id="266" r:id="rId12"/>
-    <p:sldId id="267" r:id="rId13"/>
-    <p:sldId id="263" r:id="rId14"/>
-    <p:sldId id="268" r:id="rId15"/>
+    <p:sldId id="271" r:id="rId9"/>
+    <p:sldId id="264" r:id="rId10"/>
+    <p:sldId id="265" r:id="rId11"/>
+    <p:sldId id="269" r:id="rId12"/>
+    <p:sldId id="266" r:id="rId13"/>
+    <p:sldId id="267" r:id="rId14"/>
+    <p:sldId id="263" r:id="rId15"/>
+    <p:sldId id="268" r:id="rId16"/>
   </p:sldIdLst>
   <p:sldSz cx="12192000" cy="6858000"/>
   <p:notesSz cx="6858000" cy="9144000"/>
@@ -522,7 +523,140 @@
           <a:bodyPr/>
           <a:lstStyle/>
           <a:p>
+            <a:r>
+              <a:rPr lang="en-GB" dirty="0"/>
+              <a:t>A sub-field of Artificial Intelligence</a:t>
+            </a:r>
+          </a:p>
+          <a:p>
             <a:endParaRPr lang="en-GB" dirty="0"/>
+          </a:p>
+          <a:p>
+            <a:pPr marL="171450" indent="-171450">
+              <a:buFont typeface="Arial" panose="020B0604020202020204" pitchFamily="34" charset="0"/>
+              <a:buChar char="•"/>
+            </a:pPr>
+            <a:r>
+              <a:rPr lang="en-GB" dirty="0"/>
+              <a:t>Supervised learning involves data that is labelled in some way</a:t>
+            </a:r>
+          </a:p>
+          <a:p>
+            <a:pPr marL="628650" lvl="1" indent="-171450">
+              <a:buFont typeface="Arial" panose="020B0604020202020204" pitchFamily="34" charset="0"/>
+              <a:buChar char="•"/>
+            </a:pPr>
+            <a:r>
+              <a:rPr lang="en-GB" dirty="0"/>
+              <a:t>Classification – assign data to categories</a:t>
+            </a:r>
+          </a:p>
+          <a:p>
+            <a:pPr marL="628650" lvl="1" indent="-171450">
+              <a:buFont typeface="Arial" panose="020B0604020202020204" pitchFamily="34" charset="0"/>
+              <a:buChar char="•"/>
+            </a:pPr>
+            <a:r>
+              <a:rPr lang="en-GB" dirty="0"/>
+              <a:t>Regression – find relationships between independent and dependent values where the output is a continuous value e.g. </a:t>
+            </a:r>
+          </a:p>
+          <a:p>
+            <a:pPr marL="171450" indent="-171450">
+              <a:buFont typeface="Arial" panose="020B0604020202020204" pitchFamily="34" charset="0"/>
+              <a:buChar char="•"/>
+            </a:pPr>
+            <a:r>
+              <a:rPr lang="en-GB" dirty="0"/>
+              <a:t>Unsupervised learning involves no labelled data</a:t>
+            </a:r>
+          </a:p>
+          <a:p>
+            <a:pPr marL="628650" lvl="1" indent="-171450">
+              <a:buFont typeface="Arial" panose="020B0604020202020204" pitchFamily="34" charset="0"/>
+              <a:buChar char="•"/>
+            </a:pPr>
+            <a:r>
+              <a:rPr lang="en-GB" dirty="0"/>
+              <a:t>Clustering – put similar things together</a:t>
+            </a:r>
+          </a:p>
+          <a:p>
+            <a:pPr marL="628650" lvl="1" indent="-171450">
+              <a:buFont typeface="Arial" panose="020B0604020202020204" pitchFamily="34" charset="0"/>
+              <a:buChar char="•"/>
+            </a:pPr>
+            <a:r>
+              <a:rPr lang="en-GB" dirty="0"/>
+              <a:t>Association – find relationships, good for recommendation engines</a:t>
+            </a:r>
+          </a:p>
+          <a:p>
+            <a:pPr marL="628650" lvl="1" indent="-171450">
+              <a:buFont typeface="Arial" panose="020B0604020202020204" pitchFamily="34" charset="0"/>
+              <a:buChar char="•"/>
+            </a:pPr>
+            <a:r>
+              <a:rPr lang="en-GB" dirty="0"/>
+              <a:t>Dimensionality Reduction – reduce the number of features in a dataset without harming integrity</a:t>
+            </a:r>
+          </a:p>
+          <a:p>
+            <a:pPr marL="171450" indent="-171450">
+              <a:buFont typeface="Arial" panose="020B0604020202020204" pitchFamily="34" charset="0"/>
+              <a:buChar char="•"/>
+            </a:pPr>
+            <a:r>
+              <a:rPr lang="en-GB" dirty="0"/>
+              <a:t>Semi-supervised learning has a small amount of labelled data and large amount of unlabelled data</a:t>
+            </a:r>
+          </a:p>
+          <a:p>
+            <a:pPr marL="171450" indent="-171450">
+              <a:buFont typeface="Arial" panose="020B0604020202020204" pitchFamily="34" charset="0"/>
+              <a:buChar char="•"/>
+            </a:pPr>
+            <a:r>
+              <a:rPr lang="en-GB" dirty="0"/>
+              <a:t>Reinforcement</a:t>
+            </a:r>
+          </a:p>
+          <a:p>
+            <a:pPr marL="628650" lvl="1" indent="-171450">
+              <a:buFont typeface="Arial" panose="020B0604020202020204" pitchFamily="34" charset="0"/>
+              <a:buChar char="•"/>
+            </a:pPr>
+            <a:r>
+              <a:rPr lang="en-GB" dirty="0"/>
+              <a:t>Reward or punish the AI to encourage/discourage behaviour</a:t>
+            </a:r>
+          </a:p>
+          <a:p>
+            <a:pPr marL="171450" indent="-171450">
+              <a:buFont typeface="Arial" panose="020B0604020202020204" pitchFamily="34" charset="0"/>
+              <a:buChar char="•"/>
+            </a:pPr>
+            <a:endParaRPr lang="en-GB" dirty="0"/>
+          </a:p>
+          <a:p>
+            <a:pPr marL="0" indent="0">
+              <a:buFont typeface="Arial" panose="020B0604020202020204" pitchFamily="34" charset="0"/>
+              <a:buNone/>
+            </a:pPr>
+            <a:r>
+              <a:rPr lang="en-GB" dirty="0"/>
+              <a:t>Instead of specific instructions that represent the rules to the machine</a:t>
+            </a:r>
+          </a:p>
+          <a:p>
+            <a:pPr marL="0" indent="0">
+              <a:buFont typeface="Arial" panose="020B0604020202020204" pitchFamily="34" charset="0"/>
+              <a:buNone/>
+            </a:pPr>
+            <a:r>
+              <a:rPr lang="en-GB" dirty="0"/>
+              <a:t>We provide this data and the machine attempts to derive the rules from the dataset</a:t>
+            </a:r>
           </a:p>
         </p:txBody>
       </p:sp>
@@ -543,7 +677,7 @@
           <a:p>
             <a:fld id="{07869F30-5F0B-4D33-8AEC-941C8824577E}" type="slidenum">
               <a:rPr lang="en-GB" smtClean="0"/>
-              <a:t>2</a:t>
+              <a:t>3</a:t>
             </a:fld>
             <a:endParaRPr lang="en-GB"/>
           </a:p>
@@ -552,7 +686,7 @@
     </p:spTree>
     <p:extLst>
       <p:ext uri="{BB962C8B-B14F-4D97-AF65-F5344CB8AC3E}">
-        <p14:creationId xmlns:p14="http://schemas.microsoft.com/office/powerpoint/2010/main" val="4072648355"/>
+        <p14:creationId xmlns:p14="http://schemas.microsoft.com/office/powerpoint/2010/main" val="2328428070"/>
       </p:ext>
     </p:extLst>
   </p:cSld>
@@ -722,7 +856,7 @@
           <a:p>
             <a:fld id="{07869F30-5F0B-4D33-8AEC-941C8824577E}" type="slidenum">
               <a:rPr lang="en-GB" smtClean="0"/>
-              <a:t>11</a:t>
+              <a:t>12</a:t>
             </a:fld>
             <a:endParaRPr lang="en-GB"/>
           </a:p>
@@ -848,7 +982,7 @@
           <a:p>
             <a:fld id="{07869F30-5F0B-4D33-8AEC-941C8824577E}" type="slidenum">
               <a:rPr lang="en-GB" smtClean="0"/>
-              <a:t>12</a:t>
+              <a:t>13</a:t>
             </a:fld>
             <a:endParaRPr lang="en-GB"/>
           </a:p>
@@ -937,8 +1071,32 @@
           <a:p>
             <a:r>
               <a:rPr lang="en-GB" dirty="0"/>
-              <a:t>When buying models in, ask the vendor how they have met the explainability challenge</a:t>
-            </a:r>
+              <a:t>When buying models in, ask the vendor how they have met the </a:t>
+            </a:r>
+            <a:r>
+              <a:rPr lang="en-GB" dirty="0" err="1"/>
+              <a:t>explainability</a:t>
+            </a:r>
+            <a:r>
+              <a:rPr lang="en-GB" dirty="0"/>
+              <a:t> challenge</a:t>
+            </a:r>
+          </a:p>
+          <a:p>
+            <a:endParaRPr lang="en-GB" dirty="0"/>
+          </a:p>
+          <a:p>
+            <a:r>
+              <a:rPr lang="en-GB" dirty="0"/>
+              <a:t>AI Curriculum – part of Project Uplift - </a:t>
+            </a:r>
+            <a:r>
+              <a:rPr lang="en-GB" dirty="0">
+                <a:hlinkClick r:id="rId3"/>
+              </a:rPr>
+              <a:t>Course: Project Uplift (aveva.com)</a:t>
+            </a:r>
+            <a:endParaRPr lang="en-GB" dirty="0"/>
           </a:p>
           <a:p>
             <a:endParaRPr lang="en-GB" dirty="0"/>
@@ -962,7 +1120,7 @@
           <a:p>
             <a:fld id="{07869F30-5F0B-4D33-8AEC-941C8824577E}" type="slidenum">
               <a:rPr lang="en-GB" smtClean="0"/>
-              <a:t>13</a:t>
+              <a:t>14</a:t>
             </a:fld>
             <a:endParaRPr lang="en-GB"/>
           </a:p>
@@ -1027,137 +1185,70 @@
           <a:p>
             <a:r>
               <a:rPr lang="en-GB" dirty="0"/>
-              <a:t>A sub-field of Artificial Intelligence</a:t>
+              <a:t>Models are trained to consume input and make a prediction or take some action</a:t>
+            </a:r>
+          </a:p>
+          <a:p>
+            <a:r>
+              <a:rPr lang="en-GB" dirty="0"/>
+              <a:t>Can obtain very high accuracy levels</a:t>
+            </a:r>
+          </a:p>
+          <a:p>
+            <a:r>
+              <a:rPr lang="en-GB" dirty="0"/>
+              <a:t>But are not perfect and should not be blindly trusted</a:t>
             </a:r>
           </a:p>
           <a:p>
             <a:endParaRPr lang="en-GB" dirty="0"/>
           </a:p>
           <a:p>
-            <a:pPr marL="171450" indent="-171450">
-              <a:buFont typeface="Arial" panose="020B0604020202020204" pitchFamily="34" charset="0"/>
-              <a:buChar char="•"/>
-            </a:pPr>
             <a:r>
               <a:rPr lang="en-GB" dirty="0"/>
-              <a:t>Supervised learning involves data that is labelled in some way</a:t>
-            </a:r>
-          </a:p>
-          <a:p>
-            <a:pPr marL="628650" lvl="1" indent="-171450">
-              <a:buFont typeface="Arial" panose="020B0604020202020204" pitchFamily="34" charset="0"/>
-              <a:buChar char="•"/>
-            </a:pPr>
+              <a:t>Researchers in 2018 found that a CNN could look at the wrong thing</a:t>
+            </a:r>
+          </a:p>
+          <a:p>
             <a:r>
               <a:rPr lang="en-GB" dirty="0"/>
-              <a:t>Classification – assign data to categories</a:t>
-            </a:r>
-          </a:p>
-          <a:p>
-            <a:pPr marL="628650" lvl="1" indent="-171450">
-              <a:buFont typeface="Arial" panose="020B0604020202020204" pitchFamily="34" charset="0"/>
-              <a:buChar char="•"/>
-            </a:pPr>
+              <a:t>During training an AI recognised that portable scans were stamped as such</a:t>
+            </a:r>
+          </a:p>
+          <a:p>
             <a:r>
               <a:rPr lang="en-GB" dirty="0"/>
-              <a:t>Regression – find relationships between independent and dependent values where the output is a continuous value e.g. </a:t>
-            </a:r>
-          </a:p>
-          <a:p>
-            <a:pPr marL="171450" indent="-171450">
-              <a:buFont typeface="Arial" panose="020B0604020202020204" pitchFamily="34" charset="0"/>
-              <a:buChar char="•"/>
-            </a:pPr>
+              <a:t>The model found a correlation between portable scans and pneumonia likelihood and began looking for the portable stamp rather than evidence of pneumonia</a:t>
+            </a:r>
+          </a:p>
+          <a:p>
+            <a:endParaRPr lang="en-GB" dirty="0"/>
+          </a:p>
+          <a:p>
             <a:r>
               <a:rPr lang="en-GB" dirty="0"/>
-              <a:t>Unsupervised learning involves no labelled data</a:t>
-            </a:r>
-          </a:p>
-          <a:p>
-            <a:pPr marL="628650" lvl="1" indent="-171450">
-              <a:buFont typeface="Arial" panose="020B0604020202020204" pitchFamily="34" charset="0"/>
-              <a:buChar char="•"/>
-            </a:pPr>
+              <a:t>Organisations attempting to sell their model are disincentivised from making too much public</a:t>
+            </a:r>
+          </a:p>
+          <a:p>
             <a:r>
               <a:rPr lang="en-GB" dirty="0"/>
-              <a:t>Clustering – put similar things together</a:t>
-            </a:r>
-          </a:p>
-          <a:p>
-            <a:pPr marL="628650" lvl="1" indent="-171450">
-              <a:buFont typeface="Arial" panose="020B0604020202020204" pitchFamily="34" charset="0"/>
-              <a:buChar char="•"/>
-            </a:pPr>
+              <a:t>How and with what were the model trained, what is their internal configuration, what are the weights</a:t>
+            </a:r>
+          </a:p>
+          <a:p>
+            <a:endParaRPr lang="en-GB" dirty="0"/>
+          </a:p>
+          <a:p>
             <a:r>
               <a:rPr lang="en-GB" dirty="0"/>
-              <a:t>Association – find relationships, good for recommendation engines</a:t>
-            </a:r>
-          </a:p>
-          <a:p>
-            <a:pPr marL="628650" lvl="1" indent="-171450">
-              <a:buFont typeface="Arial" panose="020B0604020202020204" pitchFamily="34" charset="0"/>
-              <a:buChar char="•"/>
-            </a:pPr>
+              <a:t>Humans are limited as to how much they can hold in their brains at once 7±2</a:t>
+            </a:r>
+          </a:p>
+          <a:p>
             <a:r>
               <a:rPr lang="en-GB" dirty="0"/>
-              <a:t>Dimensionality Reduction – reduce the number of features in a dataset without harming integrity</a:t>
-            </a:r>
-          </a:p>
-          <a:p>
-            <a:pPr marL="171450" indent="-171450">
-              <a:buFont typeface="Arial" panose="020B0604020202020204" pitchFamily="34" charset="0"/>
-              <a:buChar char="•"/>
-            </a:pPr>
-            <a:r>
-              <a:rPr lang="en-GB" dirty="0"/>
-              <a:t>Semi-supervised learning has a small amount of labelled data and large amount of unlabelled data</a:t>
-            </a:r>
-          </a:p>
-          <a:p>
-            <a:pPr marL="171450" indent="-171450">
-              <a:buFont typeface="Arial" panose="020B0604020202020204" pitchFamily="34" charset="0"/>
-              <a:buChar char="•"/>
-            </a:pPr>
-            <a:r>
-              <a:rPr lang="en-GB" dirty="0"/>
-              <a:t>Reinforcement</a:t>
-            </a:r>
-          </a:p>
-          <a:p>
-            <a:pPr marL="628650" lvl="1" indent="-171450">
-              <a:buFont typeface="Arial" panose="020B0604020202020204" pitchFamily="34" charset="0"/>
-              <a:buChar char="•"/>
-            </a:pPr>
-            <a:r>
-              <a:rPr lang="en-GB" dirty="0"/>
-              <a:t>Reward or punish the AI to encourage/discourage behaviour</a:t>
-            </a:r>
-          </a:p>
-          <a:p>
-            <a:pPr marL="171450" indent="-171450">
-              <a:buFont typeface="Arial" panose="020B0604020202020204" pitchFamily="34" charset="0"/>
-              <a:buChar char="•"/>
-            </a:pPr>
-            <a:endParaRPr lang="en-GB" dirty="0"/>
-          </a:p>
-          <a:p>
-            <a:pPr marL="0" indent="0">
-              <a:buFont typeface="Arial" panose="020B0604020202020204" pitchFamily="34" charset="0"/>
-              <a:buNone/>
-            </a:pPr>
-            <a:r>
-              <a:rPr lang="en-GB" dirty="0"/>
-              <a:t>Instead of specific instructions that represent the rules to the machine</a:t>
-            </a:r>
-          </a:p>
-          <a:p>
-            <a:pPr marL="0" indent="0">
-              <a:buFont typeface="Arial" panose="020B0604020202020204" pitchFamily="34" charset="0"/>
-              <a:buNone/>
-            </a:pPr>
-            <a:r>
-              <a:rPr lang="en-GB" dirty="0"/>
-              <a:t>We provide this data and the machine attempts to derive the rules from the dataset</a:t>
+              <a:t>Some models are incredibly complex to the point where the become impenetrable</a:t>
             </a:r>
           </a:p>
         </p:txBody>
@@ -1179,7 +1270,7 @@
           <a:p>
             <a:fld id="{07869F30-5F0B-4D33-8AEC-941C8824577E}" type="slidenum">
               <a:rPr lang="en-GB" smtClean="0"/>
-              <a:t>3</a:t>
+              <a:t>4</a:t>
             </a:fld>
             <a:endParaRPr lang="en-GB"/>
           </a:p>
@@ -1188,7 +1279,7 @@
     </p:spTree>
     <p:extLst>
       <p:ext uri="{BB962C8B-B14F-4D97-AF65-F5344CB8AC3E}">
-        <p14:creationId xmlns:p14="http://schemas.microsoft.com/office/powerpoint/2010/main" val="2328428070"/>
+        <p14:creationId xmlns:p14="http://schemas.microsoft.com/office/powerpoint/2010/main" val="2822137148"/>
       </p:ext>
     </p:extLst>
   </p:cSld>
@@ -1244,19 +1335,22 @@
           <a:p>
             <a:r>
               <a:rPr lang="en-GB" dirty="0"/>
-              <a:t>Models are trained to consume input and make a prediction or take some action</a:t>
+              <a:t>Expert Systems developed in the 70s and 80s discovered a need for explainability</a:t>
             </a:r>
           </a:p>
           <a:p>
             <a:r>
               <a:rPr lang="en-GB" dirty="0"/>
-              <a:t>Can obtain very high accuracy levels</a:t>
-            </a:r>
+              <a:t>Both to aid system development and the grow user trust</a:t>
+            </a:r>
+          </a:p>
+          <a:p>
+            <a:endParaRPr lang="en-GB" dirty="0"/>
           </a:p>
           <a:p>
             <a:r>
               <a:rPr lang="en-GB" dirty="0"/>
-              <a:t>But are not perfect and should not be blindly trusted</a:t>
+              <a:t>An active area of research within the AI community</a:t>
             </a:r>
           </a:p>
           <a:p>
@@ -1265,49 +1359,84 @@
           <a:p>
             <a:r>
               <a:rPr lang="en-GB" dirty="0"/>
-              <a:t>Researchers in 2018 found that a CNN could look at the wrong thing</a:t>
-            </a:r>
-          </a:p>
-          <a:p>
+              <a:t>Mixture of terms being used within the XAI umbrella</a:t>
+            </a:r>
+          </a:p>
+          <a:p>
+            <a:pPr marL="171450" indent="-171450">
+              <a:buFont typeface="Arial" panose="020B0604020202020204" pitchFamily="34" charset="0"/>
+              <a:buChar char="•"/>
+            </a:pPr>
             <a:r>
               <a:rPr lang="en-GB" dirty="0"/>
-              <a:t>During training an AI recognised that portable scans were stamped as such</a:t>
-            </a:r>
-          </a:p>
-          <a:p>
+              <a:t>Interpretability – a model is inherently understandable by a domain expert</a:t>
+            </a:r>
+          </a:p>
+          <a:p>
+            <a:pPr marL="171450" indent="-171450">
+              <a:buFont typeface="Arial" panose="020B0604020202020204" pitchFamily="34" charset="0"/>
+              <a:buChar char="•"/>
+            </a:pPr>
             <a:r>
               <a:rPr lang="en-GB" dirty="0"/>
-              <a:t>The model found a correlation between portable scans and pneumonia likelihood and began looking for the portable stamp rather than evidence of pneumonia</a:t>
-            </a:r>
-          </a:p>
-          <a:p>
+              <a:t>Explainability – a mechanism by which a prediction reason (or semi-reason) can be extracted</a:t>
+            </a:r>
+          </a:p>
+          <a:p>
+            <a:pPr marL="0" indent="0">
+              <a:buFont typeface="Arial" panose="020B0604020202020204" pitchFamily="34" charset="0"/>
+              <a:buNone/>
+            </a:pPr>
             <a:endParaRPr lang="en-GB" dirty="0"/>
           </a:p>
           <a:p>
+            <a:pPr marL="0" indent="0">
+              <a:buFont typeface="Arial" panose="020B0604020202020204" pitchFamily="34" charset="0"/>
+              <a:buNone/>
+            </a:pPr>
             <a:r>
               <a:rPr lang="en-GB" dirty="0"/>
-              <a:t>Organisations attempting to sell their model are disincentivised from making too much public</a:t>
-            </a:r>
-          </a:p>
-          <a:p>
+              <a:t>Increasing Importance</a:t>
+            </a:r>
+          </a:p>
+          <a:p>
+            <a:pPr marL="171450" indent="-171450">
+              <a:buFont typeface="Arial" panose="020B0604020202020204" pitchFamily="34" charset="0"/>
+              <a:buChar char="•"/>
+            </a:pPr>
             <a:r>
               <a:rPr lang="en-GB" dirty="0"/>
-              <a:t>How and with what were the model trained, what is their internal configuration, what are the weights</a:t>
-            </a:r>
-          </a:p>
-          <a:p>
-            <a:endParaRPr lang="en-GB" dirty="0"/>
-          </a:p>
-          <a:p>
+              <a:t>EU Artificial Intelligence Act reached draft proposal in April 2021</a:t>
+            </a:r>
+          </a:p>
+          <a:p>
+            <a:pPr marL="171450" indent="-171450">
+              <a:buFont typeface="Arial" panose="020B0604020202020204" pitchFamily="34" charset="0"/>
+              <a:buChar char="•"/>
+            </a:pPr>
             <a:r>
               <a:rPr lang="en-GB" dirty="0"/>
-              <a:t>Humans are limited as to how much they can hold in their brains at once 7±2</a:t>
-            </a:r>
-          </a:p>
-          <a:p>
+              <a:t>Italy banning the use of Chat-GPT over privacy concerns</a:t>
+            </a:r>
+          </a:p>
+          <a:p>
+            <a:pPr marL="171450" indent="-171450">
+              <a:buFont typeface="Arial" panose="020B0604020202020204" pitchFamily="34" charset="0"/>
+              <a:buChar char="•"/>
+            </a:pPr>
             <a:r>
               <a:rPr lang="en-GB" dirty="0"/>
-              <a:t>Some models are incredibly complex to the point where the become impenetrable</a:t>
+              <a:t>Organisations are building products to aid in this space (e.g. IBM’s AI Explainability 360 toolkit)</a:t>
+            </a:r>
+          </a:p>
+          <a:p>
+            <a:pPr marL="171450" indent="-171450">
+              <a:buFont typeface="Arial" panose="020B0604020202020204" pitchFamily="34" charset="0"/>
+              <a:buChar char="•"/>
+            </a:pPr>
+            <a:r>
+              <a:rPr lang="en-GB" dirty="0"/>
+              <a:t>From estimated $3.5bn in 2020 to $21bn by 2030 (Research Markets Nov. 2021)</a:t>
             </a:r>
           </a:p>
         </p:txBody>
@@ -1329,7 +1458,7 @@
           <a:p>
             <a:fld id="{07869F30-5F0B-4D33-8AEC-941C8824577E}" type="slidenum">
               <a:rPr lang="en-GB" smtClean="0"/>
-              <a:t>4</a:t>
+              <a:t>5</a:t>
             </a:fld>
             <a:endParaRPr lang="en-GB"/>
           </a:p>
@@ -1338,7 +1467,7 @@
     </p:spTree>
     <p:extLst>
       <p:ext uri="{BB962C8B-B14F-4D97-AF65-F5344CB8AC3E}">
-        <p14:creationId xmlns:p14="http://schemas.microsoft.com/office/powerpoint/2010/main" val="2822137148"/>
+        <p14:creationId xmlns:p14="http://schemas.microsoft.com/office/powerpoint/2010/main" val="684808771"/>
       </p:ext>
     </p:extLst>
   </p:cSld>
@@ -1394,31 +1523,7 @@
           <a:p>
             <a:r>
               <a:rPr lang="en-GB" dirty="0"/>
-              <a:t>Expert Systems developed in the 70s and 80s discovered a need for explainability</a:t>
-            </a:r>
-          </a:p>
-          <a:p>
-            <a:r>
-              <a:rPr lang="en-GB" dirty="0"/>
-              <a:t>Both to aid system development and the grow user trust</a:t>
-            </a:r>
-          </a:p>
-          <a:p>
-            <a:endParaRPr lang="en-GB" dirty="0"/>
-          </a:p>
-          <a:p>
-            <a:r>
-              <a:rPr lang="en-GB" dirty="0"/>
-              <a:t>An active area of research within the AI community</a:t>
-            </a:r>
-          </a:p>
-          <a:p>
-            <a:endParaRPr lang="en-GB" dirty="0"/>
-          </a:p>
-          <a:p>
-            <a:r>
-              <a:rPr lang="en-GB" dirty="0"/>
-              <a:t>Mixture of terms being used within the XAI umbrella</a:t>
+              <a:t>Developers</a:t>
             </a:r>
           </a:p>
           <a:p>
@@ -1428,7 +1533,7 @@
             </a:pPr>
             <a:r>
               <a:rPr lang="en-GB" dirty="0"/>
-              <a:t>Interpretability – a model is inherently understandable by a domain expert</a:t>
+              <a:t>System Testing</a:t>
             </a:r>
           </a:p>
           <a:p>
@@ -1438,24 +1543,7 @@
             </a:pPr>
             <a:r>
               <a:rPr lang="en-GB" dirty="0"/>
-              <a:t>Explainability – a mechanism by which a prediction reason (or semi-reason) can be extracted</a:t>
-            </a:r>
-          </a:p>
-          <a:p>
-            <a:pPr marL="0" indent="0">
-              <a:buFont typeface="Arial" panose="020B0604020202020204" pitchFamily="34" charset="0"/>
-              <a:buNone/>
-            </a:pPr>
-            <a:endParaRPr lang="en-GB" dirty="0"/>
-          </a:p>
-          <a:p>
-            <a:pPr marL="0" indent="0">
-              <a:buFont typeface="Arial" panose="020B0604020202020204" pitchFamily="34" charset="0"/>
-              <a:buNone/>
-            </a:pPr>
-            <a:r>
-              <a:rPr lang="en-GB" dirty="0"/>
-              <a:t>Increasing Importance</a:t>
+              <a:t>Debugging</a:t>
             </a:r>
           </a:p>
           <a:p>
@@ -1465,7 +1553,24 @@
             </a:pPr>
             <a:r>
               <a:rPr lang="en-GB" dirty="0"/>
-              <a:t>EU Artificial Intelligence Act reached draft proposal in April 2021</a:t>
+              <a:t>Evaluating Results</a:t>
+            </a:r>
+          </a:p>
+          <a:p>
+            <a:pPr marL="0" indent="0">
+              <a:buFont typeface="Arial" panose="020B0604020202020204" pitchFamily="34" charset="0"/>
+              <a:buNone/>
+            </a:pPr>
+            <a:endParaRPr lang="en-GB" dirty="0"/>
+          </a:p>
+          <a:p>
+            <a:pPr marL="0" indent="0">
+              <a:buFont typeface="Arial" panose="020B0604020202020204" pitchFamily="34" charset="0"/>
+              <a:buNone/>
+            </a:pPr>
+            <a:r>
+              <a:rPr lang="en-GB" dirty="0"/>
+              <a:t>Users</a:t>
             </a:r>
           </a:p>
           <a:p>
@@ -1475,7 +1580,7 @@
             </a:pPr>
             <a:r>
               <a:rPr lang="en-GB" dirty="0"/>
-              <a:t>Italy banning the use of Chat-GPT over privacy concerns</a:t>
+              <a:t>Should I act based on this prediction</a:t>
             </a:r>
           </a:p>
           <a:p>
@@ -1485,7 +1590,7 @@
             </a:pPr>
             <a:r>
               <a:rPr lang="en-GB" dirty="0"/>
-              <a:t>Organisations are building products to aid in this space (e.g. IBM’s AI Explainability 360 toolkit)</a:t>
+              <a:t>How do I justify my action</a:t>
             </a:r>
           </a:p>
           <a:p>
@@ -1495,7 +1600,101 @@
             </a:pPr>
             <a:r>
               <a:rPr lang="en-GB" dirty="0"/>
-              <a:t>From estimated $3.5bn in 2020 to $21bn by 2030 (Research Markets Nov. 2021)</a:t>
+              <a:t>Do I trust this outcome</a:t>
+            </a:r>
+          </a:p>
+          <a:p>
+            <a:pPr marL="171450" indent="-171450">
+              <a:buFont typeface="Arial" panose="020B0604020202020204" pitchFamily="34" charset="0"/>
+              <a:buChar char="•"/>
+            </a:pPr>
+            <a:endParaRPr lang="en-GB" dirty="0"/>
+          </a:p>
+          <a:p>
+            <a:pPr marL="0" indent="0">
+              <a:buFont typeface="Arial" panose="020B0604020202020204" pitchFamily="34" charset="0"/>
+              <a:buNone/>
+            </a:pPr>
+            <a:r>
+              <a:rPr lang="en-GB" dirty="0"/>
+              <a:t>Theorists</a:t>
+            </a:r>
+          </a:p>
+          <a:p>
+            <a:pPr marL="171450" indent="-171450">
+              <a:buFont typeface="Arial" panose="020B0604020202020204" pitchFamily="34" charset="0"/>
+              <a:buChar char="•"/>
+            </a:pPr>
+            <a:r>
+              <a:rPr lang="en-GB" dirty="0"/>
+              <a:t>Mostly academics and researchers</a:t>
+            </a:r>
+          </a:p>
+          <a:p>
+            <a:pPr marL="171450" indent="-171450">
+              <a:buFont typeface="Arial" panose="020B0604020202020204" pitchFamily="34" charset="0"/>
+              <a:buChar char="•"/>
+            </a:pPr>
+            <a:r>
+              <a:rPr lang="en-GB" dirty="0"/>
+              <a:t>Pushing the boundaries</a:t>
+            </a:r>
+          </a:p>
+          <a:p>
+            <a:pPr marL="171450" indent="-171450">
+              <a:buFont typeface="Arial" panose="020B0604020202020204" pitchFamily="34" charset="0"/>
+              <a:buChar char="•"/>
+            </a:pPr>
+            <a:r>
+              <a:rPr lang="en-GB" dirty="0"/>
+              <a:t>May be more interested in models being easier to understand rather than explain outputs</a:t>
+            </a:r>
+          </a:p>
+          <a:p>
+            <a:pPr marL="0" indent="0">
+              <a:buFont typeface="Arial" panose="020B0604020202020204" pitchFamily="34" charset="0"/>
+              <a:buNone/>
+            </a:pPr>
+            <a:endParaRPr lang="en-GB" dirty="0"/>
+          </a:p>
+          <a:p>
+            <a:pPr marL="0" indent="0">
+              <a:buFont typeface="Arial" panose="020B0604020202020204" pitchFamily="34" charset="0"/>
+              <a:buNone/>
+            </a:pPr>
+            <a:r>
+              <a:rPr lang="en-GB" dirty="0"/>
+              <a:t>Ethicists</a:t>
+            </a:r>
+          </a:p>
+          <a:p>
+            <a:pPr marL="171450" indent="-171450">
+              <a:buFont typeface="Arial" panose="020B0604020202020204" pitchFamily="34" charset="0"/>
+              <a:buChar char="•"/>
+            </a:pPr>
+            <a:r>
+              <a:rPr lang="en-GB" dirty="0"/>
+              <a:t>Interested in Fairness, Accountability, and Transparency of AI systems</a:t>
+            </a:r>
+          </a:p>
+          <a:p>
+            <a:pPr marL="171450" indent="-171450">
+              <a:buFont typeface="Arial" panose="020B0604020202020204" pitchFamily="34" charset="0"/>
+              <a:buChar char="•"/>
+            </a:pPr>
+            <a:r>
+              <a:rPr lang="en-GB" dirty="0"/>
+              <a:t>Wide section of society</a:t>
+            </a:r>
+          </a:p>
+          <a:p>
+            <a:pPr marL="171450" indent="-171450">
+              <a:buFont typeface="Arial" panose="020B0604020202020204" pitchFamily="34" charset="0"/>
+              <a:buChar char="•"/>
+            </a:pPr>
+            <a:r>
+              <a:rPr lang="en-GB" dirty="0"/>
+              <a:t>Regulators, Legislatures</a:t>
             </a:r>
           </a:p>
         </p:txBody>
@@ -1517,7 +1716,7 @@
           <a:p>
             <a:fld id="{07869F30-5F0B-4D33-8AEC-941C8824577E}" type="slidenum">
               <a:rPr lang="en-GB" smtClean="0"/>
-              <a:t>5</a:t>
+              <a:t>6</a:t>
             </a:fld>
             <a:endParaRPr lang="en-GB"/>
           </a:p>
@@ -1526,7 +1725,7 @@
     </p:spTree>
     <p:extLst>
       <p:ext uri="{BB962C8B-B14F-4D97-AF65-F5344CB8AC3E}">
-        <p14:creationId xmlns:p14="http://schemas.microsoft.com/office/powerpoint/2010/main" val="684808771"/>
+        <p14:creationId xmlns:p14="http://schemas.microsoft.com/office/powerpoint/2010/main" val="1842525742"/>
       </p:ext>
     </p:extLst>
   </p:cSld>
@@ -1580,181 +1779,7 @@
           <a:bodyPr/>
           <a:lstStyle/>
           <a:p>
-            <a:r>
-              <a:rPr lang="en-GB" dirty="0"/>
-              <a:t>Developers</a:t>
-            </a:r>
-          </a:p>
-          <a:p>
-            <a:pPr marL="171450" indent="-171450">
-              <a:buFont typeface="Arial" panose="020B0604020202020204" pitchFamily="34" charset="0"/>
-              <a:buChar char="•"/>
-            </a:pPr>
-            <a:r>
-              <a:rPr lang="en-GB" dirty="0"/>
-              <a:t>System Testing</a:t>
-            </a:r>
-          </a:p>
-          <a:p>
-            <a:pPr marL="171450" indent="-171450">
-              <a:buFont typeface="Arial" panose="020B0604020202020204" pitchFamily="34" charset="0"/>
-              <a:buChar char="•"/>
-            </a:pPr>
-            <a:r>
-              <a:rPr lang="en-GB" dirty="0"/>
-              <a:t>Debugging</a:t>
-            </a:r>
-          </a:p>
-          <a:p>
-            <a:pPr marL="171450" indent="-171450">
-              <a:buFont typeface="Arial" panose="020B0604020202020204" pitchFamily="34" charset="0"/>
-              <a:buChar char="•"/>
-            </a:pPr>
-            <a:r>
-              <a:rPr lang="en-GB" dirty="0"/>
-              <a:t>Evaluating Results</a:t>
-            </a:r>
-          </a:p>
-          <a:p>
-            <a:pPr marL="0" indent="0">
-              <a:buFont typeface="Arial" panose="020B0604020202020204" pitchFamily="34" charset="0"/>
-              <a:buNone/>
-            </a:pPr>
             <a:endParaRPr lang="en-GB" dirty="0"/>
-          </a:p>
-          <a:p>
-            <a:pPr marL="0" indent="0">
-              <a:buFont typeface="Arial" panose="020B0604020202020204" pitchFamily="34" charset="0"/>
-              <a:buNone/>
-            </a:pPr>
-            <a:r>
-              <a:rPr lang="en-GB" dirty="0"/>
-              <a:t>Users</a:t>
-            </a:r>
-          </a:p>
-          <a:p>
-            <a:pPr marL="171450" indent="-171450">
-              <a:buFont typeface="Arial" panose="020B0604020202020204" pitchFamily="34" charset="0"/>
-              <a:buChar char="•"/>
-            </a:pPr>
-            <a:r>
-              <a:rPr lang="en-GB" dirty="0"/>
-              <a:t>Should I act based on this prediction</a:t>
-            </a:r>
-          </a:p>
-          <a:p>
-            <a:pPr marL="171450" indent="-171450">
-              <a:buFont typeface="Arial" panose="020B0604020202020204" pitchFamily="34" charset="0"/>
-              <a:buChar char="•"/>
-            </a:pPr>
-            <a:r>
-              <a:rPr lang="en-GB" dirty="0"/>
-              <a:t>How do I justify my action</a:t>
-            </a:r>
-          </a:p>
-          <a:p>
-            <a:pPr marL="171450" indent="-171450">
-              <a:buFont typeface="Arial" panose="020B0604020202020204" pitchFamily="34" charset="0"/>
-              <a:buChar char="•"/>
-            </a:pPr>
-            <a:r>
-              <a:rPr lang="en-GB" dirty="0"/>
-              <a:t>Do I trust this outcome</a:t>
-            </a:r>
-          </a:p>
-          <a:p>
-            <a:pPr marL="171450" indent="-171450">
-              <a:buFont typeface="Arial" panose="020B0604020202020204" pitchFamily="34" charset="0"/>
-              <a:buChar char="•"/>
-            </a:pPr>
-            <a:endParaRPr lang="en-GB" dirty="0"/>
-          </a:p>
-          <a:p>
-            <a:pPr marL="0" indent="0">
-              <a:buFont typeface="Arial" panose="020B0604020202020204" pitchFamily="34" charset="0"/>
-              <a:buNone/>
-            </a:pPr>
-            <a:r>
-              <a:rPr lang="en-GB" dirty="0"/>
-              <a:t>Theorists</a:t>
-            </a:r>
-          </a:p>
-          <a:p>
-            <a:pPr marL="171450" indent="-171450">
-              <a:buFont typeface="Arial" panose="020B0604020202020204" pitchFamily="34" charset="0"/>
-              <a:buChar char="•"/>
-            </a:pPr>
-            <a:r>
-              <a:rPr lang="en-GB" dirty="0"/>
-              <a:t>Mostly academics and researchers</a:t>
-            </a:r>
-          </a:p>
-          <a:p>
-            <a:pPr marL="171450" indent="-171450">
-              <a:buFont typeface="Arial" panose="020B0604020202020204" pitchFamily="34" charset="0"/>
-              <a:buChar char="•"/>
-            </a:pPr>
-            <a:r>
-              <a:rPr lang="en-GB" dirty="0"/>
-              <a:t>Pushing the boundaries</a:t>
-            </a:r>
-          </a:p>
-          <a:p>
-            <a:pPr marL="171450" indent="-171450">
-              <a:buFont typeface="Arial" panose="020B0604020202020204" pitchFamily="34" charset="0"/>
-              <a:buChar char="•"/>
-            </a:pPr>
-            <a:r>
-              <a:rPr lang="en-GB" dirty="0"/>
-              <a:t>May be more interested in models being easier to understand rather than explain outputs</a:t>
-            </a:r>
-          </a:p>
-          <a:p>
-            <a:pPr marL="0" indent="0">
-              <a:buFont typeface="Arial" panose="020B0604020202020204" pitchFamily="34" charset="0"/>
-              <a:buNone/>
-            </a:pPr>
-            <a:endParaRPr lang="en-GB" dirty="0"/>
-          </a:p>
-          <a:p>
-            <a:pPr marL="0" indent="0">
-              <a:buFont typeface="Arial" panose="020B0604020202020204" pitchFamily="34" charset="0"/>
-              <a:buNone/>
-            </a:pPr>
-            <a:r>
-              <a:rPr lang="en-GB" dirty="0"/>
-              <a:t>Ethicists</a:t>
-            </a:r>
-          </a:p>
-          <a:p>
-            <a:pPr marL="171450" indent="-171450">
-              <a:buFont typeface="Arial" panose="020B0604020202020204" pitchFamily="34" charset="0"/>
-              <a:buChar char="•"/>
-            </a:pPr>
-            <a:r>
-              <a:rPr lang="en-GB" dirty="0"/>
-              <a:t>Interested in Fairness, Accountability, and Transparency of AI systems</a:t>
-            </a:r>
-          </a:p>
-          <a:p>
-            <a:pPr marL="171450" indent="-171450">
-              <a:buFont typeface="Arial" panose="020B0604020202020204" pitchFamily="34" charset="0"/>
-              <a:buChar char="•"/>
-            </a:pPr>
-            <a:r>
-              <a:rPr lang="en-GB" dirty="0"/>
-              <a:t>Wide section of society</a:t>
-            </a:r>
-          </a:p>
-          <a:p>
-            <a:pPr marL="171450" indent="-171450">
-              <a:buFont typeface="Arial" panose="020B0604020202020204" pitchFamily="34" charset="0"/>
-              <a:buChar char="•"/>
-            </a:pPr>
-            <a:r>
-              <a:rPr lang="en-GB" dirty="0"/>
-              <a:t>Regulators, Legislatures</a:t>
-            </a:r>
           </a:p>
         </p:txBody>
       </p:sp>
@@ -1775,7 +1800,7 @@
           <a:p>
             <a:fld id="{07869F30-5F0B-4D33-8AEC-941C8824577E}" type="slidenum">
               <a:rPr lang="en-GB" smtClean="0"/>
-              <a:t>6</a:t>
+              <a:t>7</a:t>
             </a:fld>
             <a:endParaRPr lang="en-GB"/>
           </a:p>
@@ -1784,7 +1809,7 @@
     </p:spTree>
     <p:extLst>
       <p:ext uri="{BB962C8B-B14F-4D97-AF65-F5344CB8AC3E}">
-        <p14:creationId xmlns:p14="http://schemas.microsoft.com/office/powerpoint/2010/main" val="1842525742"/>
+        <p14:creationId xmlns:p14="http://schemas.microsoft.com/office/powerpoint/2010/main" val="2830987384"/>
       </p:ext>
     </p:extLst>
   </p:cSld>
@@ -1859,7 +1884,7 @@
           <a:p>
             <a:fld id="{07869F30-5F0B-4D33-8AEC-941C8824577E}" type="slidenum">
               <a:rPr lang="en-GB" smtClean="0"/>
-              <a:t>7</a:t>
+              <a:t>8</a:t>
             </a:fld>
             <a:endParaRPr lang="en-GB"/>
           </a:p>
@@ -1868,7 +1893,7 @@
     </p:spTree>
     <p:extLst>
       <p:ext uri="{BB962C8B-B14F-4D97-AF65-F5344CB8AC3E}">
-        <p14:creationId xmlns:p14="http://schemas.microsoft.com/office/powerpoint/2010/main" val="2830987384"/>
+        <p14:creationId xmlns:p14="http://schemas.microsoft.com/office/powerpoint/2010/main" val="846061268"/>
       </p:ext>
     </p:extLst>
   </p:cSld>
@@ -1934,6 +1959,12 @@
             </a:r>
           </a:p>
           <a:p>
+            <a:r>
+              <a:rPr lang="en-GB" dirty="0"/>
+              <a:t>784 pixels</a:t>
+            </a:r>
+          </a:p>
+          <a:p>
             <a:endParaRPr lang="en-GB" dirty="0"/>
           </a:p>
           <a:p>
@@ -2007,6 +2038,15 @@
           <a:p>
             <a:r>
               <a:rPr lang="en-GB" dirty="0"/>
+              <a:t>&gt;99% Accuracy</a:t>
+            </a:r>
+          </a:p>
+          <a:p>
+            <a:endParaRPr lang="en-GB" dirty="0"/>
+          </a:p>
+          <a:p>
+            <a:r>
+              <a:rPr lang="en-GB" dirty="0"/>
               <a:t>While we “could” do the mathematics here to generate the correct result, not sure it would tell us anything – we’d just be doing by hand what the ML model is doing for us</a:t>
             </a:r>
           </a:p>
@@ -2035,7 +2075,7 @@
           <a:p>
             <a:fld id="{07869F30-5F0B-4D33-8AEC-941C8824577E}" type="slidenum">
               <a:rPr lang="en-GB" smtClean="0"/>
-              <a:t>8</a:t>
+              <a:t>9</a:t>
             </a:fld>
             <a:endParaRPr lang="en-GB"/>
           </a:p>
@@ -2152,7 +2192,7 @@
           <a:p>
             <a:fld id="{07869F30-5F0B-4D33-8AEC-941C8824577E}" type="slidenum">
               <a:rPr lang="en-GB" smtClean="0"/>
-              <a:t>9</a:t>
+              <a:t>10</a:t>
             </a:fld>
             <a:endParaRPr lang="en-GB"/>
           </a:p>
@@ -2257,7 +2297,7 @@
           <a:p>
             <a:fld id="{07869F30-5F0B-4D33-8AEC-941C8824577E}" type="slidenum">
               <a:rPr lang="en-GB" smtClean="0"/>
-              <a:t>10</a:t>
+              <a:t>11</a:t>
             </a:fld>
             <a:endParaRPr lang="en-GB"/>
           </a:p>
@@ -7905,6 +7945,623 @@
 <file path=ppt/slides/slide10.xml><?xml version="1.0" encoding="utf-8"?>
 <p:sld xmlns:a="http://schemas.openxmlformats.org/drawingml/2006/main" xmlns:r="http://schemas.openxmlformats.org/officeDocument/2006/relationships" xmlns:p="http://schemas.openxmlformats.org/presentationml/2006/main">
   <p:cSld>
+    <p:bg>
+      <p:bgPr>
+        <a:solidFill>
+          <a:schemeClr val="bg1"/>
+        </a:solidFill>
+        <a:effectLst/>
+      </p:bgPr>
+    </p:bg>
+    <p:spTree>
+      <p:nvGrpSpPr>
+        <p:cNvPr id="1" name=""/>
+        <p:cNvGrpSpPr/>
+        <p:nvPr/>
+      </p:nvGrpSpPr>
+      <p:grpSpPr>
+        <a:xfrm>
+          <a:off x="0" y="0"/>
+          <a:ext cx="0" cy="0"/>
+          <a:chOff x="0" y="0"/>
+          <a:chExt cx="0" cy="0"/>
+        </a:xfrm>
+      </p:grpSpPr>
+      <p:pic>
+        <p:nvPicPr>
+          <p:cNvPr id="11" name="Picture 10">
+            <a:extLst>
+              <a:ext uri="{FF2B5EF4-FFF2-40B4-BE49-F238E27FC236}">
+                <a16:creationId xmlns:a16="http://schemas.microsoft.com/office/drawing/2014/main" id="{BDFADFB3-3D44-49A8-AE3B-A87C61607F7E}"/>
+              </a:ext>
+              <a:ext uri="{C183D7F6-B498-43B3-948B-1728B52AA6E4}">
+                <adec:decorative xmlns:adec="http://schemas.microsoft.com/office/drawing/2017/decorative" val="1"/>
+              </a:ext>
+            </a:extLst>
+          </p:cNvPr>
+          <p:cNvPicPr>
+            <a:picLocks noGrp="1" noRot="1" noChangeAspect="1" noMove="1" noResize="1" noEditPoints="1" noAdjustHandles="1" noChangeArrowheads="1" noChangeShapeType="1" noCrop="1"/>
+          </p:cNvPicPr>
+          <p:nvPr>
+            <p:extLst>
+              <p:ext uri="{386F3935-93C4-4BCD-93E2-E3B085C9AB24}">
+                <p16:designElem xmlns:p16="http://schemas.microsoft.com/office/powerpoint/2015/main" val="1"/>
+              </p:ext>
+            </p:extLst>
+          </p:nvPr>
+        </p:nvPicPr>
+        <p:blipFill>
+          <a:blip r:embed="rId3">
+            <a:extLst>
+              <a:ext uri="{28A0092B-C50C-407E-A947-70E740481C1C}">
+                <a14:useLocalDpi xmlns:a14="http://schemas.microsoft.com/office/drawing/2010/main" val="0"/>
+              </a:ext>
+            </a:extLst>
+          </a:blip>
+          <a:stretch>
+            <a:fillRect/>
+          </a:stretch>
+        </p:blipFill>
+        <p:spPr>
+          <a:xfrm>
+            <a:off x="0" y="0"/>
+            <a:ext cx="12192000" cy="1441450"/>
+          </a:xfrm>
+          <a:prstGeom prst="rect">
+            <a:avLst/>
+          </a:prstGeom>
+        </p:spPr>
+      </p:pic>
+      <p:sp useBgFill="1">
+        <p:nvSpPr>
+          <p:cNvPr id="13" name="Rounded Rectangle 14">
+            <a:extLst>
+              <a:ext uri="{FF2B5EF4-FFF2-40B4-BE49-F238E27FC236}">
+                <a16:creationId xmlns:a16="http://schemas.microsoft.com/office/drawing/2014/main" id="{1FDFF85F-F105-40D5-9793-90419158C3BD}"/>
+              </a:ext>
+              <a:ext uri="{C183D7F6-B498-43B3-948B-1728B52AA6E4}">
+                <adec:decorative xmlns:adec="http://schemas.microsoft.com/office/drawing/2017/decorative" val="1"/>
+              </a:ext>
+            </a:extLst>
+          </p:cNvPr>
+          <p:cNvSpPr>
+            <a:spLocks noGrp="1" noRot="1" noChangeAspect="1" noMove="1" noResize="1" noEditPoints="1" noAdjustHandles="1" noChangeArrowheads="1" noChangeShapeType="1" noTextEdit="1"/>
+          </p:cNvSpPr>
+          <p:nvPr>
+            <p:extLst>
+              <p:ext uri="{386F3935-93C4-4BCD-93E2-E3B085C9AB24}">
+                <p16:designElem xmlns:p16="http://schemas.microsoft.com/office/powerpoint/2015/main" val="1"/>
+              </p:ext>
+            </p:extLst>
+          </p:nvPr>
+        </p:nvSpPr>
+        <p:spPr>
+          <a:xfrm>
+            <a:off x="4636008" y="0"/>
+            <a:ext cx="7555992" cy="6858000"/>
+          </a:xfrm>
+          <a:prstGeom prst="roundRect">
+            <a:avLst>
+              <a:gd name="adj" fmla="val 0"/>
+            </a:avLst>
+          </a:prstGeom>
+          <a:ln>
+            <a:noFill/>
+          </a:ln>
+          <a:effectLst/>
+        </p:spPr>
+        <p:style>
+          <a:lnRef idx="2">
+            <a:schemeClr val="accent1">
+              <a:shade val="50000"/>
+            </a:schemeClr>
+          </a:lnRef>
+          <a:fillRef idx="1">
+            <a:schemeClr val="accent1"/>
+          </a:fillRef>
+          <a:effectRef idx="0">
+            <a:schemeClr val="accent1"/>
+          </a:effectRef>
+          <a:fontRef idx="minor">
+            <a:schemeClr val="lt1"/>
+          </a:fontRef>
+        </p:style>
+        <p:txBody>
+          <a:bodyPr rtlCol="0" anchor="ctr"/>
+          <a:lstStyle/>
+          <a:p>
+            <a:pPr marL="0" marR="0" lvl="0" indent="0" algn="ctr" defTabSz="457200" rtl="0" eaLnBrk="1" fontAlgn="auto" latinLnBrk="0" hangingPunct="1">
+              <a:lnSpc>
+                <a:spcPct val="100000"/>
+              </a:lnSpc>
+              <a:spcBef>
+                <a:spcPts val="0"/>
+              </a:spcBef>
+              <a:spcAft>
+                <a:spcPts val="0"/>
+              </a:spcAft>
+              <a:buClrTx/>
+              <a:buSzTx/>
+              <a:buFontTx/>
+              <a:buNone/>
+              <a:tabLst/>
+              <a:defRPr/>
+            </a:pPr>
+            <a:endParaRPr kumimoji="0" lang="en-US" sz="1800" b="0" i="0" u="none" strike="noStrike" kern="1200" cap="none" spc="0" normalizeH="0" baseline="0" noProof="0">
+              <a:ln>
+                <a:noFill/>
+              </a:ln>
+              <a:solidFill>
+                <a:prstClr val="white"/>
+              </a:solidFill>
+              <a:effectLst/>
+              <a:uLnTx/>
+              <a:uFillTx/>
+              <a:latin typeface="Century Gothic" panose="020B0502020202020204"/>
+              <a:ea typeface="+mn-ea"/>
+              <a:cs typeface="+mn-cs"/>
+            </a:endParaRPr>
+          </a:p>
+        </p:txBody>
+      </p:sp>
+      <p:sp>
+        <p:nvSpPr>
+          <p:cNvPr id="15" name="Rectangle 14">
+            <a:extLst>
+              <a:ext uri="{FF2B5EF4-FFF2-40B4-BE49-F238E27FC236}">
+                <a16:creationId xmlns:a16="http://schemas.microsoft.com/office/drawing/2014/main" id="{35AB47A4-BA8C-4250-88BD-D49C68C5F9E9}"/>
+              </a:ext>
+              <a:ext uri="{C183D7F6-B498-43B3-948B-1728B52AA6E4}">
+                <adec:decorative xmlns:adec="http://schemas.microsoft.com/office/drawing/2017/decorative" val="1"/>
+              </a:ext>
+            </a:extLst>
+          </p:cNvPr>
+          <p:cNvSpPr>
+            <a:spLocks noGrp="1" noRot="1" noChangeAspect="1" noMove="1" noResize="1" noEditPoints="1" noAdjustHandles="1" noChangeArrowheads="1" noChangeShapeType="1" noTextEdit="1"/>
+          </p:cNvSpPr>
+          <p:nvPr>
+            <p:extLst>
+              <p:ext uri="{386F3935-93C4-4BCD-93E2-E3B085C9AB24}">
+                <p16:designElem xmlns:p16="http://schemas.microsoft.com/office/powerpoint/2015/main" val="1"/>
+              </p:ext>
+            </p:extLst>
+          </p:nvPr>
+        </p:nvSpPr>
+        <p:spPr>
+          <a:xfrm>
+            <a:off x="0" y="0"/>
+            <a:ext cx="4636008" cy="6858000"/>
+          </a:xfrm>
+          <a:prstGeom prst="rect">
+            <a:avLst/>
+          </a:prstGeom>
+          <a:solidFill>
+            <a:schemeClr val="tx1"/>
+          </a:solidFill>
+          <a:ln>
+            <a:noFill/>
+          </a:ln>
+          <a:effectLst>
+            <a:outerShdw blurRad="63500" dist="38100" algn="l" rotWithShape="0">
+              <a:prstClr val="black">
+                <a:alpha val="40000"/>
+              </a:prstClr>
+            </a:outerShdw>
+          </a:effectLst>
+        </p:spPr>
+        <p:style>
+          <a:lnRef idx="2">
+            <a:schemeClr val="accent1">
+              <a:shade val="50000"/>
+            </a:schemeClr>
+          </a:lnRef>
+          <a:fillRef idx="1">
+            <a:schemeClr val="accent1"/>
+          </a:fillRef>
+          <a:effectRef idx="0">
+            <a:schemeClr val="accent1"/>
+          </a:effectRef>
+          <a:fontRef idx="minor">
+            <a:schemeClr val="lt1"/>
+          </a:fontRef>
+        </p:style>
+        <p:txBody>
+          <a:bodyPr rtlCol="0" anchor="ctr"/>
+          <a:lstStyle/>
+          <a:p>
+            <a:pPr marL="0" marR="0" lvl="0" indent="0" algn="ctr" defTabSz="457200" rtl="0" eaLnBrk="1" fontAlgn="auto" latinLnBrk="0" hangingPunct="1">
+              <a:lnSpc>
+                <a:spcPct val="100000"/>
+              </a:lnSpc>
+              <a:spcBef>
+                <a:spcPts val="0"/>
+              </a:spcBef>
+              <a:spcAft>
+                <a:spcPts val="0"/>
+              </a:spcAft>
+              <a:buClrTx/>
+              <a:buSzTx/>
+              <a:buFontTx/>
+              <a:buNone/>
+              <a:tabLst/>
+              <a:defRPr/>
+            </a:pPr>
+            <a:endParaRPr kumimoji="0" lang="en-US" sz="1800" b="0" i="0" u="none" strike="noStrike" kern="1200" cap="none" spc="0" normalizeH="0" baseline="0" noProof="0">
+              <a:ln>
+                <a:noFill/>
+              </a:ln>
+              <a:solidFill>
+                <a:prstClr val="white"/>
+              </a:solidFill>
+              <a:effectLst/>
+              <a:uLnTx/>
+              <a:uFillTx/>
+              <a:latin typeface="Century Gothic" panose="020B0502020202020204"/>
+              <a:ea typeface="+mn-ea"/>
+              <a:cs typeface="+mn-cs"/>
+            </a:endParaRPr>
+          </a:p>
+        </p:txBody>
+      </p:sp>
+      <p:pic>
+        <p:nvPicPr>
+          <p:cNvPr id="17" name="Picture 16">
+            <a:extLst>
+              <a:ext uri="{FF2B5EF4-FFF2-40B4-BE49-F238E27FC236}">
+                <a16:creationId xmlns:a16="http://schemas.microsoft.com/office/drawing/2014/main" id="{66C8958D-EB99-414F-B735-863B67BB14D3}"/>
+              </a:ext>
+              <a:ext uri="{C183D7F6-B498-43B3-948B-1728B52AA6E4}">
+                <adec:decorative xmlns:adec="http://schemas.microsoft.com/office/drawing/2017/decorative" val="1"/>
+              </a:ext>
+            </a:extLst>
+          </p:cNvPr>
+          <p:cNvPicPr>
+            <a:picLocks noGrp="1" noRot="1" noChangeAspect="1" noMove="1" noResize="1" noEditPoints="1" noAdjustHandles="1" noChangeArrowheads="1" noChangeShapeType="1" noCrop="1"/>
+          </p:cNvPicPr>
+          <p:nvPr>
+            <p:extLst>
+              <p:ext uri="{386F3935-93C4-4BCD-93E2-E3B085C9AB24}">
+                <p16:designElem xmlns:p16="http://schemas.microsoft.com/office/powerpoint/2015/main" val="1"/>
+              </p:ext>
+            </p:extLst>
+          </p:nvPr>
+        </p:nvPicPr>
+        <p:blipFill rotWithShape="1">
+          <a:blip r:embed="rId3">
+            <a:extLst>
+              <a:ext uri="{28A0092B-C50C-407E-A947-70E740481C1C}">
+                <a14:useLocalDpi xmlns:a14="http://schemas.microsoft.com/office/drawing/2010/main" val="0"/>
+              </a:ext>
+            </a:extLst>
+          </a:blip>
+          <a:srcRect r="61975"/>
+          <a:stretch/>
+        </p:blipFill>
+        <p:spPr>
+          <a:xfrm>
+            <a:off x="0" y="0"/>
+            <a:ext cx="4636008" cy="1441450"/>
+          </a:xfrm>
+          <a:prstGeom prst="rect">
+            <a:avLst/>
+          </a:prstGeom>
+        </p:spPr>
+      </p:pic>
+      <p:sp>
+        <p:nvSpPr>
+          <p:cNvPr id="2" name="Title 1">
+            <a:extLst>
+              <a:ext uri="{FF2B5EF4-FFF2-40B4-BE49-F238E27FC236}">
+                <a16:creationId xmlns:a16="http://schemas.microsoft.com/office/drawing/2014/main" id="{DE469836-7993-9395-7AD2-0454C27E905C}"/>
+              </a:ext>
+            </a:extLst>
+          </p:cNvPr>
+          <p:cNvSpPr>
+            <a:spLocks noGrp="1"/>
+          </p:cNvSpPr>
+          <p:nvPr>
+            <p:ph type="title"/>
+          </p:nvPr>
+        </p:nvSpPr>
+        <p:spPr>
+          <a:xfrm>
+            <a:off x="685800" y="764373"/>
+            <a:ext cx="3687417" cy="1920372"/>
+          </a:xfrm>
+        </p:spPr>
+        <p:txBody>
+          <a:bodyPr vert="horz" lIns="91440" tIns="45720" rIns="91440" bIns="45720" rtlCol="0" anchor="ctr">
+            <a:normAutofit/>
+          </a:bodyPr>
+          <a:lstStyle/>
+          <a:p>
+            <a:pPr algn="l"/>
+            <a:r>
+              <a:rPr lang="en-US" sz="3600" kern="1200" cap="all" baseline="0">
+                <a:solidFill>
+                  <a:schemeClr val="bg1"/>
+                </a:solidFill>
+                <a:latin typeface="+mj-lt"/>
+                <a:ea typeface="+mj-ea"/>
+                <a:cs typeface="+mj-cs"/>
+              </a:rPr>
+              <a:t>Shapely Values</a:t>
+            </a:r>
+          </a:p>
+        </p:txBody>
+      </p:sp>
+      <p:pic>
+        <p:nvPicPr>
+          <p:cNvPr id="19" name="Picture 18">
+            <a:extLst>
+              <a:ext uri="{FF2B5EF4-FFF2-40B4-BE49-F238E27FC236}">
+                <a16:creationId xmlns:a16="http://schemas.microsoft.com/office/drawing/2014/main" id="{39E5F3CB-7BDD-4E64-B274-CD900F08C6F3}"/>
+              </a:ext>
+              <a:ext uri="{C183D7F6-B498-43B3-948B-1728B52AA6E4}">
+                <adec:decorative xmlns:adec="http://schemas.microsoft.com/office/drawing/2017/decorative" val="1"/>
+              </a:ext>
+            </a:extLst>
+          </p:cNvPr>
+          <p:cNvPicPr>
+            <a:picLocks noGrp="1" noRot="1" noChangeAspect="1" noMove="1" noResize="1" noEditPoints="1" noAdjustHandles="1" noChangeArrowheads="1" noChangeShapeType="1" noCrop="1"/>
+          </p:cNvPicPr>
+          <p:nvPr>
+            <p:extLst>
+              <p:ext uri="{386F3935-93C4-4BCD-93E2-E3B085C9AB24}">
+                <p16:designElem xmlns:p16="http://schemas.microsoft.com/office/powerpoint/2015/main" val="1"/>
+              </p:ext>
+            </p:extLst>
+          </p:nvPr>
+        </p:nvPicPr>
+        <p:blipFill rotWithShape="1">
+          <a:blip r:embed="rId4">
+            <a:extLst>
+              <a:ext uri="{28A0092B-C50C-407E-A947-70E740481C1C}">
+                <a14:useLocalDpi xmlns:a14="http://schemas.microsoft.com/office/drawing/2010/main" val="0"/>
+              </a:ext>
+            </a:extLst>
+          </a:blip>
+          <a:srcRect r="61975"/>
+          <a:stretch/>
+        </p:blipFill>
+        <p:spPr>
+          <a:xfrm>
+            <a:off x="0" y="4375150"/>
+            <a:ext cx="4636008" cy="2482850"/>
+          </a:xfrm>
+          <a:prstGeom prst="rect">
+            <a:avLst/>
+          </a:prstGeom>
+        </p:spPr>
+      </p:pic>
+      <p:sp>
+        <p:nvSpPr>
+          <p:cNvPr id="3" name="Content Placeholder 2">
+            <a:extLst>
+              <a:ext uri="{FF2B5EF4-FFF2-40B4-BE49-F238E27FC236}">
+                <a16:creationId xmlns:a16="http://schemas.microsoft.com/office/drawing/2014/main" id="{A97BAB6E-8463-C25A-CE2A-BFB2EB9700F4}"/>
+              </a:ext>
+            </a:extLst>
+          </p:cNvPr>
+          <p:cNvSpPr>
+            <a:spLocks noGrp="1"/>
+          </p:cNvSpPr>
+          <p:nvPr>
+            <p:ph sz="half" idx="1"/>
+          </p:nvPr>
+        </p:nvSpPr>
+        <p:spPr>
+          <a:xfrm>
+            <a:off x="685800" y="2821774"/>
+            <a:ext cx="3687417" cy="3148329"/>
+          </a:xfrm>
+        </p:spPr>
+        <p:txBody>
+          <a:bodyPr vert="horz" lIns="91440" tIns="45720" rIns="91440" bIns="45720" rtlCol="0">
+            <a:noAutofit/>
+          </a:bodyPr>
+          <a:lstStyle/>
+          <a:p>
+            <a:r>
+              <a:rPr lang="en-US" sz="3200" dirty="0">
+                <a:solidFill>
+                  <a:schemeClr val="bg1"/>
+                </a:solidFill>
+              </a:rPr>
+              <a:t>Contribution of each player</a:t>
+            </a:r>
+          </a:p>
+          <a:p>
+            <a:r>
+              <a:rPr lang="en-US" sz="3200" dirty="0">
+                <a:solidFill>
+                  <a:schemeClr val="bg1"/>
+                </a:solidFill>
+              </a:rPr>
+              <a:t>Positive or negative effect</a:t>
+            </a:r>
+          </a:p>
+        </p:txBody>
+      </p:sp>
+      <p:pic>
+        <p:nvPicPr>
+          <p:cNvPr id="6" name="Content Placeholder 5">
+            <a:extLst>
+              <a:ext uri="{FF2B5EF4-FFF2-40B4-BE49-F238E27FC236}">
+                <a16:creationId xmlns:a16="http://schemas.microsoft.com/office/drawing/2014/main" id="{D0C75327-6773-E83D-715B-8DE466E663E8}"/>
+              </a:ext>
+            </a:extLst>
+          </p:cNvPr>
+          <p:cNvPicPr>
+            <a:picLocks noGrp="1" noChangeAspect="1"/>
+          </p:cNvPicPr>
+          <p:nvPr>
+            <p:ph sz="half" idx="2"/>
+          </p:nvPr>
+        </p:nvPicPr>
+        <p:blipFill>
+          <a:blip r:embed="rId5"/>
+          <a:stretch>
+            <a:fillRect/>
+          </a:stretch>
+        </p:blipFill>
+        <p:spPr>
+          <a:xfrm>
+            <a:off x="5279475" y="2284897"/>
+            <a:ext cx="6269058" cy="2288205"/>
+          </a:xfrm>
+          <a:prstGeom prst="rect">
+            <a:avLst/>
+          </a:prstGeom>
+        </p:spPr>
+      </p:pic>
+    </p:spTree>
+    <p:extLst>
+      <p:ext uri="{BB962C8B-B14F-4D97-AF65-F5344CB8AC3E}">
+        <p14:creationId xmlns:p14="http://schemas.microsoft.com/office/powerpoint/2010/main" val="3694054247"/>
+      </p:ext>
+    </p:extLst>
+  </p:cSld>
+  <p:clrMapOvr>
+    <a:overrideClrMapping bg1="lt1" tx1="dk1" bg2="lt2" tx2="dk2" accent1="accent1" accent2="accent2" accent3="accent3" accent4="accent4" accent5="accent5" accent6="accent6" hlink="hlink" folHlink="folHlink"/>
+  </p:clrMapOvr>
+  <p:timing>
+    <p:tnLst>
+      <p:par>
+        <p:cTn id="1" dur="indefinite" restart="never" nodeType="tmRoot">
+          <p:childTnLst>
+            <p:seq concurrent="1" nextAc="seek">
+              <p:cTn id="2" dur="indefinite" nodeType="mainSeq">
+                <p:childTnLst>
+                  <p:par>
+                    <p:cTn id="3" fill="hold">
+                      <p:stCondLst>
+                        <p:cond delay="indefinite"/>
+                      </p:stCondLst>
+                      <p:childTnLst>
+                        <p:par>
+                          <p:cTn id="4" fill="hold">
+                            <p:stCondLst>
+                              <p:cond delay="0"/>
+                            </p:stCondLst>
+                            <p:childTnLst>
+                              <p:par>
+                                <p:cTn id="5" presetID="1" presetClass="entr" presetSubtype="0" fill="hold" grpId="0" nodeType="clickEffect">
+                                  <p:stCondLst>
+                                    <p:cond delay="0"/>
+                                  </p:stCondLst>
+                                  <p:childTnLst>
+                                    <p:set>
+                                      <p:cBhvr>
+                                        <p:cTn id="6" dur="1" fill="hold">
+                                          <p:stCondLst>
+                                            <p:cond delay="0"/>
+                                          </p:stCondLst>
+                                        </p:cTn>
+                                        <p:tgtEl>
+                                          <p:spTgt spid="3">
+                                            <p:txEl>
+                                              <p:pRg st="0" end="0"/>
+                                            </p:txEl>
+                                          </p:spTgt>
+                                        </p:tgtEl>
+                                        <p:attrNameLst>
+                                          <p:attrName>style.visibility</p:attrName>
+                                        </p:attrNameLst>
+                                      </p:cBhvr>
+                                      <p:to>
+                                        <p:strVal val="visible"/>
+                                      </p:to>
+                                    </p:set>
+                                  </p:childTnLst>
+                                </p:cTn>
+                              </p:par>
+                            </p:childTnLst>
+                          </p:cTn>
+                        </p:par>
+                      </p:childTnLst>
+                    </p:cTn>
+                  </p:par>
+                  <p:par>
+                    <p:cTn id="7" fill="hold">
+                      <p:stCondLst>
+                        <p:cond delay="indefinite"/>
+                      </p:stCondLst>
+                      <p:childTnLst>
+                        <p:par>
+                          <p:cTn id="8" fill="hold">
+                            <p:stCondLst>
+                              <p:cond delay="0"/>
+                            </p:stCondLst>
+                            <p:childTnLst>
+                              <p:par>
+                                <p:cTn id="9" presetID="1" presetClass="entr" presetSubtype="0" fill="hold" grpId="0" nodeType="clickEffect">
+                                  <p:stCondLst>
+                                    <p:cond delay="0"/>
+                                  </p:stCondLst>
+                                  <p:childTnLst>
+                                    <p:set>
+                                      <p:cBhvr>
+                                        <p:cTn id="10" dur="1" fill="hold">
+                                          <p:stCondLst>
+                                            <p:cond delay="0"/>
+                                          </p:stCondLst>
+                                        </p:cTn>
+                                        <p:tgtEl>
+                                          <p:spTgt spid="3">
+                                            <p:txEl>
+                                              <p:pRg st="1" end="1"/>
+                                            </p:txEl>
+                                          </p:spTgt>
+                                        </p:tgtEl>
+                                        <p:attrNameLst>
+                                          <p:attrName>style.visibility</p:attrName>
+                                        </p:attrNameLst>
+                                      </p:cBhvr>
+                                      <p:to>
+                                        <p:strVal val="visible"/>
+                                      </p:to>
+                                    </p:set>
+                                  </p:childTnLst>
+                                </p:cTn>
+                              </p:par>
+                            </p:childTnLst>
+                          </p:cTn>
+                        </p:par>
+                      </p:childTnLst>
+                    </p:cTn>
+                  </p:par>
+                </p:childTnLst>
+              </p:cTn>
+              <p:prevCondLst>
+                <p:cond evt="onPrev" delay="0">
+                  <p:tgtEl>
+                    <p:sldTgt/>
+                  </p:tgtEl>
+                </p:cond>
+              </p:prevCondLst>
+              <p:nextCondLst>
+                <p:cond evt="onNext" delay="0">
+                  <p:tgtEl>
+                    <p:sldTgt/>
+                  </p:tgtEl>
+                </p:cond>
+              </p:nextCondLst>
+            </p:seq>
+          </p:childTnLst>
+        </p:cTn>
+      </p:par>
+    </p:tnLst>
+    <p:bldLst>
+      <p:bldP spid="3" grpId="0" build="p"/>
+    </p:bldLst>
+  </p:timing>
+</p:sld>
+</file>
+
+<file path=ppt/slides/slide11.xml><?xml version="1.0" encoding="utf-8"?>
+<p:sld xmlns:a="http://schemas.openxmlformats.org/drawingml/2006/main" xmlns:r="http://schemas.openxmlformats.org/officeDocument/2006/relationships" xmlns:p="http://schemas.openxmlformats.org/presentationml/2006/main">
+  <p:cSld>
     <p:spTree>
       <p:nvGrpSpPr>
         <p:cNvPr id="1" name=""/>
@@ -7989,7 +8646,7 @@
 </p:sld>
 </file>
 
-<file path=ppt/slides/slide11.xml><?xml version="1.0" encoding="utf-8"?>
+<file path=ppt/slides/slide12.xml><?xml version="1.0" encoding="utf-8"?>
 <p:sld xmlns:a="http://schemas.openxmlformats.org/drawingml/2006/main" xmlns:r="http://schemas.openxmlformats.org/officeDocument/2006/relationships" xmlns:p="http://schemas.openxmlformats.org/presentationml/2006/main">
   <p:cSld>
     <p:spTree>
@@ -8373,7 +9030,7 @@
 </p:sld>
 </file>
 
-<file path=ppt/slides/slide12.xml><?xml version="1.0" encoding="utf-8"?>
+<file path=ppt/slides/slide13.xml><?xml version="1.0" encoding="utf-8"?>
 <p:sld xmlns:a="http://schemas.openxmlformats.org/drawingml/2006/main" xmlns:r="http://schemas.openxmlformats.org/officeDocument/2006/relationships" xmlns:p="http://schemas.openxmlformats.org/presentationml/2006/main">
   <p:cSld>
     <p:bg>
@@ -8903,7 +9560,7 @@
 </p:sld>
 </file>
 
-<file path=ppt/slides/slide13.xml><?xml version="1.0" encoding="utf-8"?>
+<file path=ppt/slides/slide14.xml><?xml version="1.0" encoding="utf-8"?>
 <p:sld xmlns:a="http://schemas.openxmlformats.org/drawingml/2006/main" xmlns:r="http://schemas.openxmlformats.org/officeDocument/2006/relationships" xmlns:p="http://schemas.openxmlformats.org/presentationml/2006/main">
   <p:cSld>
     <p:spTree>
@@ -8997,7 +9654,13 @@
           <a:p>
             <a:r>
               <a:rPr lang="en-GB" sz="3200" dirty="0"/>
-              <a:t>Ask model vendors about interpretability and explainability</a:t>
+              <a:t>Ask model vendors about XAI</a:t>
+            </a:r>
+          </a:p>
+          <a:p>
+            <a:r>
+              <a:rPr lang="en-GB" sz="3200" dirty="0"/>
+              <a:t>Check out the AI Curriculum on the Knowledge Centre</a:t>
             </a:r>
           </a:p>
           <a:p>
@@ -9271,6 +9934,55 @@
                       </p:childTnLst>
                     </p:cTn>
                   </p:par>
+                  <p:par>
+                    <p:cTn id="23" fill="hold">
+                      <p:stCondLst>
+                        <p:cond delay="indefinite"/>
+                      </p:stCondLst>
+                      <p:childTnLst>
+                        <p:par>
+                          <p:cTn id="24" fill="hold">
+                            <p:stCondLst>
+                              <p:cond delay="0"/>
+                            </p:stCondLst>
+                            <p:childTnLst>
+                              <p:par>
+                                <p:cTn id="25" presetID="1" presetClass="entr" presetSubtype="0" fill="hold" grpId="0" nodeType="clickEffect">
+                                  <p:stCondLst>
+                                    <p:cond delay="0"/>
+                                  </p:stCondLst>
+                                  <p:childTnLst>
+                                    <p:set>
+                                      <p:cBhvr>
+                                        <p:cTn id="26" dur="1" fill="hold">
+                                          <p:stCondLst>
+                                            <p:cond delay="0"/>
+                                          </p:stCondLst>
+                                        </p:cTn>
+                                        <p:tgtEl>
+                                          <p:spTgt spid="5">
+                                            <p:txEl>
+                                              <p:pRg st="5" end="5"/>
+                                            </p:txEl>
+                                          </p:spTgt>
+                                        </p:tgtEl>
+                                        <p:attrNameLst>
+                                          <p:attrName>style.visibility</p:attrName>
+                                        </p:attrNameLst>
+                                      </p:cBhvr>
+                                      <p:to>
+                                        <p:strVal val="visible"/>
+                                      </p:to>
+                                    </p:set>
+                                  </p:childTnLst>
+                                </p:cTn>
+                              </p:par>
+                            </p:childTnLst>
+                          </p:cTn>
+                        </p:par>
+                      </p:childTnLst>
+                    </p:cTn>
+                  </p:par>
                 </p:childTnLst>
               </p:cTn>
               <p:prevCondLst>
@@ -9299,7 +10011,7 @@
 </p:sld>
 </file>
 
-<file path=ppt/slides/slide14.xml><?xml version="1.0" encoding="utf-8"?>
+<file path=ppt/slides/slide15.xml><?xml version="1.0" encoding="utf-8"?>
 <p:sld xmlns:a="http://schemas.openxmlformats.org/drawingml/2006/main" xmlns:r="http://schemas.openxmlformats.org/officeDocument/2006/relationships" xmlns:p="http://schemas.openxmlformats.org/presentationml/2006/main">
   <p:cSld>
     <p:spTree>
@@ -9401,15 +10113,6 @@
               <a:buNone/>
             </a:pPr>
             <a:endParaRPr lang="en-GB" sz="3200" dirty="0"/>
-          </a:p>
-          <a:p>
-            <a:pPr marL="0" indent="0" algn="r">
-              <a:buNone/>
-            </a:pPr>
-            <a:r>
-              <a:rPr lang="en-GB" sz="3200" u="sng" dirty="0"/>
-              <a:t>https://tinyurl.com/4ef4hmfs</a:t>
-            </a:r>
           </a:p>
         </p:txBody>
       </p:sp>
@@ -9448,7 +10151,7 @@
           <p:cNvPr id="2" name="Title 1">
             <a:extLst>
               <a:ext uri="{FF2B5EF4-FFF2-40B4-BE49-F238E27FC236}">
-                <a16:creationId xmlns:a16="http://schemas.microsoft.com/office/drawing/2014/main" id="{62E35B8D-316A-4133-0088-5447A252D33A}"/>
+                <a16:creationId xmlns:a16="http://schemas.microsoft.com/office/drawing/2014/main" id="{4D872A36-2186-4175-00AC-C7B9C366329A}"/>
               </a:ext>
             </a:extLst>
           </p:cNvPr>
@@ -9465,8 +10168,8 @@
           <a:lstStyle/>
           <a:p>
             <a:r>
-              <a:rPr lang="en-US" dirty="0"/>
-              <a:t>Introduction</a:t>
+              <a:rPr lang="en-GB" dirty="0"/>
+              <a:t>Why Use Machine Learning?</a:t>
             </a:r>
           </a:p>
         </p:txBody>
@@ -9476,7 +10179,7 @@
           <p:cNvPr id="3" name="Content Placeholder 2">
             <a:extLst>
               <a:ext uri="{FF2B5EF4-FFF2-40B4-BE49-F238E27FC236}">
-                <a16:creationId xmlns:a16="http://schemas.microsoft.com/office/drawing/2014/main" id="{2EC956CA-AF20-3A87-C90E-B05B324CE684}"/>
+                <a16:creationId xmlns:a16="http://schemas.microsoft.com/office/drawing/2014/main" id="{8D663438-5FBE-7D46-0D8F-61876D62A926}"/>
               </a:ext>
             </a:extLst>
           </p:cNvPr>
@@ -9487,12 +10190,7 @@
             <p:ph idx="1"/>
           </p:nvPr>
         </p:nvSpPr>
-        <p:spPr>
-          <a:xfrm>
-            <a:off x="685800" y="2194561"/>
-            <a:ext cx="10820400" cy="4111236"/>
-          </a:xfrm>
-        </p:spPr>
+        <p:spPr/>
         <p:txBody>
           <a:bodyPr>
             <a:normAutofit/>
@@ -9500,220 +10198,324 @@
           <a:lstStyle/>
           <a:p>
             <a:r>
-              <a:rPr lang="en-US" sz="3200" dirty="0"/>
-              <a:t>Stephen (Steve) Newman</a:t>
-            </a:r>
-          </a:p>
-          <a:p>
-            <a:r>
-              <a:rPr lang="en-US" sz="3200" dirty="0"/>
-              <a:t>Principal Software Engineer</a:t>
-            </a:r>
-          </a:p>
-          <a:p>
-            <a:r>
-              <a:rPr lang="en-US" sz="3200" dirty="0"/>
-              <a:t>Common Cloud Platform on AVEVA Connect</a:t>
-            </a:r>
-          </a:p>
-          <a:p>
-            <a:pPr marL="0" indent="0">
-              <a:buNone/>
-            </a:pPr>
-            <a:endParaRPr lang="en-US" sz="3200" dirty="0"/>
-          </a:p>
-          <a:p>
-            <a:pPr marL="0" indent="0">
-              <a:buNone/>
-            </a:pPr>
-            <a:r>
-              <a:rPr lang="en-US" sz="3200" dirty="0"/>
-              <a:t>	</a:t>
-            </a:r>
-            <a:r>
-              <a:rPr lang="en-US" sz="3200" dirty="0">
-                <a:hlinkClick r:id="rId3">
-                  <a:extLst>
-                    <a:ext uri="{A12FA001-AC4F-418D-AE19-62706E023703}">
-                      <ahyp:hlinkClr xmlns:ahyp="http://schemas.microsoft.com/office/drawing/2018/hyperlinkcolor" val="tx"/>
-                    </a:ext>
-                  </a:extLst>
-                </a:hlinkClick>
-              </a:rPr>
-              <a:t>/newmancodes</a:t>
-            </a:r>
-            <a:endParaRPr lang="en-US" sz="3200" dirty="0"/>
-          </a:p>
-          <a:p>
-            <a:pPr marL="0" indent="0">
-              <a:buNone/>
-            </a:pPr>
-            <a:r>
-              <a:rPr lang="en-US" sz="3200" dirty="0"/>
-              <a:t>	</a:t>
-            </a:r>
-            <a:r>
-              <a:rPr lang="en-US" sz="3200" dirty="0">
-                <a:hlinkClick r:id="rId4">
-                  <a:extLst>
-                    <a:ext uri="{A12FA001-AC4F-418D-AE19-62706E023703}">
-                      <ahyp:hlinkClr xmlns:ahyp="http://schemas.microsoft.com/office/drawing/2018/hyperlinkcolor" val="tx"/>
-                    </a:ext>
-                  </a:extLst>
-                </a:hlinkClick>
-              </a:rPr>
-              <a:t>/newmancodes</a:t>
-            </a:r>
-            <a:endParaRPr lang="en-US" sz="3200" dirty="0"/>
-          </a:p>
-          <a:p>
-            <a:pPr marL="0" indent="0">
-              <a:buNone/>
-            </a:pPr>
-            <a:r>
-              <a:rPr lang="en-US" sz="3200" dirty="0"/>
-              <a:t>	</a:t>
-            </a:r>
-            <a:r>
-              <a:rPr lang="en-US" sz="3200" dirty="0">
-                <a:hlinkClick r:id="rId5">
-                  <a:extLst>
-                    <a:ext uri="{A12FA001-AC4F-418D-AE19-62706E023703}">
-                      <ahyp:hlinkClr xmlns:ahyp="http://schemas.microsoft.com/office/drawing/2018/hyperlinkcolor" val="tx"/>
-                    </a:ext>
-                  </a:extLst>
-                </a:hlinkClick>
-              </a:rPr>
-              <a:t>newman.digital</a:t>
-            </a:r>
-            <a:endParaRPr lang="en-US" sz="3200" dirty="0"/>
-          </a:p>
-          <a:p>
-            <a:pPr marL="0" indent="0">
-              <a:buNone/>
-            </a:pPr>
-            <a:endParaRPr lang="en-US" sz="2800" dirty="0"/>
-          </a:p>
-        </p:txBody>
-      </p:sp>
-      <p:pic>
-        <p:nvPicPr>
-          <p:cNvPr id="5" name="Graphic 4" descr="Twitter Logo">
-            <a:extLst>
-              <a:ext uri="{FF2B5EF4-FFF2-40B4-BE49-F238E27FC236}">
-                <a16:creationId xmlns:a16="http://schemas.microsoft.com/office/drawing/2014/main" id="{3228597A-48F0-2287-0207-508C4745F193}"/>
-              </a:ext>
-            </a:extLst>
-          </p:cNvPr>
-          <p:cNvPicPr>
-            <a:picLocks noChangeAspect="1"/>
-          </p:cNvPicPr>
-          <p:nvPr/>
-        </p:nvPicPr>
-        <p:blipFill>
-          <a:blip r:embed="rId6">
-            <a:extLst>
-              <a:ext uri="{96DAC541-7B7A-43D3-8B79-37D633B846F1}">
-                <asvg:svgBlip xmlns:asvg="http://schemas.microsoft.com/office/drawing/2016/SVG/main" r:embed="rId7"/>
-              </a:ext>
-            </a:extLst>
-          </a:blip>
-          <a:stretch>
-            <a:fillRect/>
-          </a:stretch>
-        </p:blipFill>
-        <p:spPr>
-          <a:xfrm>
-            <a:off x="1101899" y="4397046"/>
-            <a:ext cx="523702" cy="523702"/>
-          </a:xfrm>
-          <a:prstGeom prst="rect">
-            <a:avLst/>
-          </a:prstGeom>
-        </p:spPr>
-      </p:pic>
-      <p:pic>
-        <p:nvPicPr>
-          <p:cNvPr id="13" name="Graphic 12" descr="GitHub Logo">
-            <a:extLst>
-              <a:ext uri="{FF2B5EF4-FFF2-40B4-BE49-F238E27FC236}">
-                <a16:creationId xmlns:a16="http://schemas.microsoft.com/office/drawing/2014/main" id="{E943F8BA-EE38-54C0-508E-0DF1FEA4390C}"/>
-              </a:ext>
-            </a:extLst>
-          </p:cNvPr>
-          <p:cNvPicPr>
-            <a:picLocks noChangeAspect="1"/>
-          </p:cNvPicPr>
-          <p:nvPr/>
-        </p:nvPicPr>
-        <p:blipFill>
-          <a:blip r:embed="rId8">
-            <a:extLst>
-              <a:ext uri="{96DAC541-7B7A-43D3-8B79-37D633B846F1}">
-                <asvg:svgBlip xmlns:asvg="http://schemas.microsoft.com/office/drawing/2016/SVG/main" r:embed="rId9"/>
-              </a:ext>
-            </a:extLst>
-          </a:blip>
-          <a:stretch>
-            <a:fillRect/>
-          </a:stretch>
-        </p:blipFill>
-        <p:spPr>
-          <a:xfrm>
-            <a:off x="1073399" y="4976876"/>
-            <a:ext cx="552203" cy="552203"/>
-          </a:xfrm>
-          <a:prstGeom prst="rect">
-            <a:avLst/>
-          </a:prstGeom>
-        </p:spPr>
-      </p:pic>
-      <p:pic>
-        <p:nvPicPr>
-          <p:cNvPr id="15" name="Graphic 14" descr="http:// Logo">
-            <a:extLst>
-              <a:ext uri="{FF2B5EF4-FFF2-40B4-BE49-F238E27FC236}">
-                <a16:creationId xmlns:a16="http://schemas.microsoft.com/office/drawing/2014/main" id="{82578EC4-C745-2E0E-4322-E491ACD714CE}"/>
-              </a:ext>
-            </a:extLst>
-          </p:cNvPr>
-          <p:cNvPicPr>
-            <a:picLocks noChangeAspect="1"/>
-          </p:cNvPicPr>
-          <p:nvPr/>
-        </p:nvPicPr>
-        <p:blipFill>
-          <a:blip r:embed="rId10">
-            <a:extLst>
-              <a:ext uri="{96DAC541-7B7A-43D3-8B79-37D633B846F1}">
-                <asvg:svgBlip xmlns:asvg="http://schemas.microsoft.com/office/drawing/2016/SVG/main" r:embed="rId11"/>
-              </a:ext>
-            </a:extLst>
-          </a:blip>
-          <a:stretch>
-            <a:fillRect/>
-          </a:stretch>
-        </p:blipFill>
-        <p:spPr>
-          <a:xfrm>
-            <a:off x="1073398" y="5641336"/>
-            <a:ext cx="552203" cy="552203"/>
-          </a:xfrm>
-          <a:prstGeom prst="rect">
-            <a:avLst/>
-          </a:prstGeom>
-        </p:spPr>
-      </p:pic>
+              <a:rPr lang="en-GB" sz="3200" dirty="0"/>
+              <a:t>Access to massive amounts of data</a:t>
+            </a:r>
+          </a:p>
+          <a:p>
+            <a:r>
+              <a:rPr lang="en-GB" sz="3200" dirty="0"/>
+              <a:t>Ability to discover hidden patterns</a:t>
+            </a:r>
+          </a:p>
+          <a:p>
+            <a:r>
+              <a:rPr lang="en-GB" sz="3200" dirty="0"/>
+              <a:t>Huge compute requirements</a:t>
+            </a:r>
+          </a:p>
+          <a:p>
+            <a:r>
+              <a:rPr lang="en-GB" sz="3200" dirty="0"/>
+              <a:t>Data is the new oil</a:t>
+            </a:r>
+          </a:p>
+          <a:p>
+            <a:r>
+              <a:rPr lang="en-GB" sz="3200" dirty="0"/>
+              <a:t>ML is the new refinery</a:t>
+            </a:r>
+          </a:p>
+        </p:txBody>
+      </p:sp>
     </p:spTree>
     <p:extLst>
       <p:ext uri="{BB962C8B-B14F-4D97-AF65-F5344CB8AC3E}">
-        <p14:creationId xmlns:p14="http://schemas.microsoft.com/office/powerpoint/2010/main" val="953610781"/>
+        <p14:creationId xmlns:p14="http://schemas.microsoft.com/office/powerpoint/2010/main" val="2355808507"/>
       </p:ext>
     </p:extLst>
   </p:cSld>
   <p:clrMapOvr>
     <a:masterClrMapping/>
   </p:clrMapOvr>
+  <p:timing>
+    <p:tnLst>
+      <p:par>
+        <p:cTn id="1" dur="indefinite" restart="never" nodeType="tmRoot">
+          <p:childTnLst>
+            <p:seq concurrent="1" nextAc="seek">
+              <p:cTn id="2" dur="indefinite" nodeType="mainSeq">
+                <p:childTnLst>
+                  <p:par>
+                    <p:cTn id="3" fill="hold">
+                      <p:stCondLst>
+                        <p:cond delay="indefinite"/>
+                      </p:stCondLst>
+                      <p:childTnLst>
+                        <p:par>
+                          <p:cTn id="4" fill="hold">
+                            <p:stCondLst>
+                              <p:cond delay="0"/>
+                            </p:stCondLst>
+                            <p:childTnLst>
+                              <p:par>
+                                <p:cTn id="5" presetID="1" presetClass="entr" presetSubtype="0" fill="hold" grpId="0" nodeType="clickEffect">
+                                  <p:stCondLst>
+                                    <p:cond delay="0"/>
+                                  </p:stCondLst>
+                                  <p:childTnLst>
+                                    <p:set>
+                                      <p:cBhvr>
+                                        <p:cTn id="6" dur="1" fill="hold">
+                                          <p:stCondLst>
+                                            <p:cond delay="0"/>
+                                          </p:stCondLst>
+                                        </p:cTn>
+                                        <p:tgtEl>
+                                          <p:spTgt spid="3">
+                                            <p:txEl>
+                                              <p:pRg st="0" end="0"/>
+                                            </p:txEl>
+                                          </p:spTgt>
+                                        </p:tgtEl>
+                                        <p:attrNameLst>
+                                          <p:attrName>style.visibility</p:attrName>
+                                        </p:attrNameLst>
+                                      </p:cBhvr>
+                                      <p:to>
+                                        <p:strVal val="visible"/>
+                                      </p:to>
+                                    </p:set>
+                                  </p:childTnLst>
+                                </p:cTn>
+                              </p:par>
+                            </p:childTnLst>
+                          </p:cTn>
+                        </p:par>
+                      </p:childTnLst>
+                    </p:cTn>
+                  </p:par>
+                  <p:par>
+                    <p:cTn id="7" fill="hold">
+                      <p:stCondLst>
+                        <p:cond delay="indefinite"/>
+                      </p:stCondLst>
+                      <p:childTnLst>
+                        <p:par>
+                          <p:cTn id="8" fill="hold">
+                            <p:stCondLst>
+                              <p:cond delay="0"/>
+                            </p:stCondLst>
+                            <p:childTnLst>
+                              <p:par>
+                                <p:cTn id="9" presetID="1" presetClass="entr" presetSubtype="0" fill="hold" grpId="0" nodeType="clickEffect">
+                                  <p:stCondLst>
+                                    <p:cond delay="0"/>
+                                  </p:stCondLst>
+                                  <p:childTnLst>
+                                    <p:set>
+                                      <p:cBhvr>
+                                        <p:cTn id="10" dur="1" fill="hold">
+                                          <p:stCondLst>
+                                            <p:cond delay="0"/>
+                                          </p:stCondLst>
+                                        </p:cTn>
+                                        <p:tgtEl>
+                                          <p:spTgt spid="3">
+                                            <p:txEl>
+                                              <p:pRg st="1" end="1"/>
+                                            </p:txEl>
+                                          </p:spTgt>
+                                        </p:tgtEl>
+                                        <p:attrNameLst>
+                                          <p:attrName>style.visibility</p:attrName>
+                                        </p:attrNameLst>
+                                      </p:cBhvr>
+                                      <p:to>
+                                        <p:strVal val="visible"/>
+                                      </p:to>
+                                    </p:set>
+                                  </p:childTnLst>
+                                </p:cTn>
+                              </p:par>
+                            </p:childTnLst>
+                          </p:cTn>
+                        </p:par>
+                      </p:childTnLst>
+                    </p:cTn>
+                  </p:par>
+                  <p:par>
+                    <p:cTn id="11" fill="hold">
+                      <p:stCondLst>
+                        <p:cond delay="indefinite"/>
+                      </p:stCondLst>
+                      <p:childTnLst>
+                        <p:par>
+                          <p:cTn id="12" fill="hold">
+                            <p:stCondLst>
+                              <p:cond delay="0"/>
+                            </p:stCondLst>
+                            <p:childTnLst>
+                              <p:par>
+                                <p:cTn id="13" presetID="1" presetClass="entr" presetSubtype="0" fill="hold" grpId="0" nodeType="clickEffect">
+                                  <p:stCondLst>
+                                    <p:cond delay="0"/>
+                                  </p:stCondLst>
+                                  <p:childTnLst>
+                                    <p:set>
+                                      <p:cBhvr>
+                                        <p:cTn id="14" dur="1" fill="hold">
+                                          <p:stCondLst>
+                                            <p:cond delay="0"/>
+                                          </p:stCondLst>
+                                        </p:cTn>
+                                        <p:tgtEl>
+                                          <p:spTgt spid="3">
+                                            <p:txEl>
+                                              <p:pRg st="2" end="2"/>
+                                            </p:txEl>
+                                          </p:spTgt>
+                                        </p:tgtEl>
+                                        <p:attrNameLst>
+                                          <p:attrName>style.visibility</p:attrName>
+                                        </p:attrNameLst>
+                                      </p:cBhvr>
+                                      <p:to>
+                                        <p:strVal val="visible"/>
+                                      </p:to>
+                                    </p:set>
+                                  </p:childTnLst>
+                                </p:cTn>
+                              </p:par>
+                            </p:childTnLst>
+                          </p:cTn>
+                        </p:par>
+                      </p:childTnLst>
+                    </p:cTn>
+                  </p:par>
+                  <p:par>
+                    <p:cTn id="15" fill="hold">
+                      <p:stCondLst>
+                        <p:cond delay="indefinite"/>
+                      </p:stCondLst>
+                      <p:childTnLst>
+                        <p:par>
+                          <p:cTn id="16" fill="hold">
+                            <p:stCondLst>
+                              <p:cond delay="0"/>
+                            </p:stCondLst>
+                            <p:childTnLst>
+                              <p:par>
+                                <p:cTn id="17" presetID="1" presetClass="entr" presetSubtype="0" fill="hold" grpId="0" nodeType="clickEffect">
+                                  <p:stCondLst>
+                                    <p:cond delay="0"/>
+                                  </p:stCondLst>
+                                  <p:childTnLst>
+                                    <p:set>
+                                      <p:cBhvr>
+                                        <p:cTn id="18" dur="1" fill="hold">
+                                          <p:stCondLst>
+                                            <p:cond delay="0"/>
+                                          </p:stCondLst>
+                                        </p:cTn>
+                                        <p:tgtEl>
+                                          <p:spTgt spid="3">
+                                            <p:txEl>
+                                              <p:pRg st="3" end="3"/>
+                                            </p:txEl>
+                                          </p:spTgt>
+                                        </p:tgtEl>
+                                        <p:attrNameLst>
+                                          <p:attrName>style.visibility</p:attrName>
+                                        </p:attrNameLst>
+                                      </p:cBhvr>
+                                      <p:to>
+                                        <p:strVal val="visible"/>
+                                      </p:to>
+                                    </p:set>
+                                  </p:childTnLst>
+                                </p:cTn>
+                              </p:par>
+                            </p:childTnLst>
+                          </p:cTn>
+                        </p:par>
+                      </p:childTnLst>
+                    </p:cTn>
+                  </p:par>
+                  <p:par>
+                    <p:cTn id="19" fill="hold">
+                      <p:stCondLst>
+                        <p:cond delay="indefinite"/>
+                      </p:stCondLst>
+                      <p:childTnLst>
+                        <p:par>
+                          <p:cTn id="20" fill="hold">
+                            <p:stCondLst>
+                              <p:cond delay="0"/>
+                            </p:stCondLst>
+                            <p:childTnLst>
+                              <p:par>
+                                <p:cTn id="21" presetID="1" presetClass="entr" presetSubtype="0" fill="hold" grpId="0" nodeType="clickEffect">
+                                  <p:stCondLst>
+                                    <p:cond delay="0"/>
+                                  </p:stCondLst>
+                                  <p:childTnLst>
+                                    <p:set>
+                                      <p:cBhvr>
+                                        <p:cTn id="22" dur="1" fill="hold">
+                                          <p:stCondLst>
+                                            <p:cond delay="0"/>
+                                          </p:stCondLst>
+                                        </p:cTn>
+                                        <p:tgtEl>
+                                          <p:spTgt spid="3">
+                                            <p:txEl>
+                                              <p:pRg st="4" end="4"/>
+                                            </p:txEl>
+                                          </p:spTgt>
+                                        </p:tgtEl>
+                                        <p:attrNameLst>
+                                          <p:attrName>style.visibility</p:attrName>
+                                        </p:attrNameLst>
+                                      </p:cBhvr>
+                                      <p:to>
+                                        <p:strVal val="visible"/>
+                                      </p:to>
+                                    </p:set>
+                                  </p:childTnLst>
+                                </p:cTn>
+                              </p:par>
+                            </p:childTnLst>
+                          </p:cTn>
+                        </p:par>
+                      </p:childTnLst>
+                    </p:cTn>
+                  </p:par>
+                </p:childTnLst>
+              </p:cTn>
+              <p:prevCondLst>
+                <p:cond evt="onPrev" delay="0">
+                  <p:tgtEl>
+                    <p:sldTgt/>
+                  </p:tgtEl>
+                </p:cond>
+              </p:prevCondLst>
+              <p:nextCondLst>
+                <p:cond evt="onNext" delay="0">
+                  <p:tgtEl>
+                    <p:sldTgt/>
+                  </p:tgtEl>
+                </p:cond>
+              </p:nextCondLst>
+            </p:seq>
+          </p:childTnLst>
+        </p:cTn>
+      </p:par>
+    </p:tnLst>
+    <p:bldLst>
+      <p:bldP spid="3" grpId="0" build="p"/>
+    </p:bldLst>
+  </p:timing>
 </p:sld>
 </file>
 
@@ -11845,6 +12647,161 @@
           <p:cNvPr id="2" name="Title 1">
             <a:extLst>
               <a:ext uri="{FF2B5EF4-FFF2-40B4-BE49-F238E27FC236}">
+                <a16:creationId xmlns:a16="http://schemas.microsoft.com/office/drawing/2014/main" id="{754D6949-6138-6BE2-526B-56A9110A9936}"/>
+              </a:ext>
+            </a:extLst>
+          </p:cNvPr>
+          <p:cNvSpPr>
+            <a:spLocks noGrp="1"/>
+          </p:cNvSpPr>
+          <p:nvPr>
+            <p:ph type="title"/>
+          </p:nvPr>
+        </p:nvSpPr>
+        <p:spPr/>
+        <p:txBody>
+          <a:bodyPr/>
+          <a:lstStyle/>
+          <a:p>
+            <a:r>
+              <a:rPr lang="en-GB" dirty="0"/>
+              <a:t>Neural Network</a:t>
+            </a:r>
+          </a:p>
+        </p:txBody>
+      </p:sp>
+      <p:sp>
+        <p:nvSpPr>
+          <p:cNvPr id="3" name="Content Placeholder 2">
+            <a:extLst>
+              <a:ext uri="{FF2B5EF4-FFF2-40B4-BE49-F238E27FC236}">
+                <a16:creationId xmlns:a16="http://schemas.microsoft.com/office/drawing/2014/main" id="{5C63E4AE-893B-5590-3B9C-638114F9776D}"/>
+              </a:ext>
+            </a:extLst>
+          </p:cNvPr>
+          <p:cNvSpPr>
+            <a:spLocks noGrp="1"/>
+          </p:cNvSpPr>
+          <p:nvPr>
+            <p:ph sz="half" idx="1"/>
+          </p:nvPr>
+        </p:nvSpPr>
+        <p:spPr/>
+        <p:txBody>
+          <a:bodyPr>
+            <a:normAutofit/>
+          </a:bodyPr>
+          <a:lstStyle/>
+          <a:p>
+            <a:r>
+              <a:rPr lang="en-GB" sz="3200" dirty="0"/>
+              <a:t>Influenced by the human brain</a:t>
+            </a:r>
+          </a:p>
+          <a:p>
+            <a:r>
+              <a:rPr lang="en-GB" sz="3200" dirty="0"/>
+              <a:t>Constructed of layers</a:t>
+            </a:r>
+          </a:p>
+          <a:p>
+            <a:r>
+              <a:rPr lang="en-GB" sz="3200" dirty="0"/>
+              <a:t>Neurons are connected via weighted connections</a:t>
+            </a:r>
+          </a:p>
+          <a:p>
+            <a:r>
+              <a:rPr lang="en-GB" sz="3200" dirty="0"/>
+              <a:t>An activation function controls the next value</a:t>
+            </a:r>
+          </a:p>
+        </p:txBody>
+      </p:sp>
+      <p:pic>
+        <p:nvPicPr>
+          <p:cNvPr id="1028" name="Picture 4" descr="An Artificial Neural Network (ANN) with two hidden layers and six nodes ...">
+            <a:extLst>
+              <a:ext uri="{FF2B5EF4-FFF2-40B4-BE49-F238E27FC236}">
+                <a16:creationId xmlns:a16="http://schemas.microsoft.com/office/drawing/2014/main" id="{355AD803-34E9-32E3-D603-6D7BCED2EC44}"/>
+              </a:ext>
+            </a:extLst>
+          </p:cNvPr>
+          <p:cNvPicPr>
+            <a:picLocks noGrp="1" noChangeAspect="1" noChangeArrowheads="1"/>
+          </p:cNvPicPr>
+          <p:nvPr>
+            <p:ph sz="half" idx="2"/>
+          </p:nvPr>
+        </p:nvPicPr>
+        <p:blipFill>
+          <a:blip r:embed="rId3">
+            <a:extLst>
+              <a:ext uri="{28A0092B-C50C-407E-A947-70E740481C1C}">
+                <a14:useLocalDpi xmlns:a14="http://schemas.microsoft.com/office/drawing/2010/main" val="0"/>
+              </a:ext>
+            </a:extLst>
+          </a:blip>
+          <a:srcRect/>
+          <a:stretch>
+            <a:fillRect/>
+          </a:stretch>
+        </p:blipFill>
+        <p:spPr bwMode="auto">
+          <a:xfrm>
+            <a:off x="6172200" y="2204960"/>
+            <a:ext cx="5334000" cy="4002243"/>
+          </a:xfrm>
+          <a:prstGeom prst="rect">
+            <a:avLst/>
+          </a:prstGeom>
+          <a:noFill/>
+          <a:extLst>
+            <a:ext uri="{909E8E84-426E-40DD-AFC4-6F175D3DCCD1}">
+              <a14:hiddenFill xmlns:a14="http://schemas.microsoft.com/office/drawing/2010/main">
+                <a:solidFill>
+                  <a:srgbClr val="FFFFFF"/>
+                </a:solidFill>
+              </a14:hiddenFill>
+            </a:ext>
+          </a:extLst>
+        </p:spPr>
+      </p:pic>
+    </p:spTree>
+    <p:extLst>
+      <p:ext uri="{BB962C8B-B14F-4D97-AF65-F5344CB8AC3E}">
+        <p14:creationId xmlns:p14="http://schemas.microsoft.com/office/powerpoint/2010/main" val="1099894315"/>
+      </p:ext>
+    </p:extLst>
+  </p:cSld>
+  <p:clrMapOvr>
+    <a:masterClrMapping/>
+  </p:clrMapOvr>
+</p:sld>
+</file>
+
+<file path=ppt/slides/slide9.xml><?xml version="1.0" encoding="utf-8"?>
+<p:sld xmlns:a="http://schemas.openxmlformats.org/drawingml/2006/main" xmlns:r="http://schemas.openxmlformats.org/officeDocument/2006/relationships" xmlns:p="http://schemas.openxmlformats.org/presentationml/2006/main">
+  <p:cSld>
+    <p:spTree>
+      <p:nvGrpSpPr>
+        <p:cNvPr id="1" name=""/>
+        <p:cNvGrpSpPr/>
+        <p:nvPr/>
+      </p:nvGrpSpPr>
+      <p:grpSpPr>
+        <a:xfrm>
+          <a:off x="0" y="0"/>
+          <a:ext cx="0" cy="0"/>
+          <a:chOff x="0" y="0"/>
+          <a:chExt cx="0" cy="0"/>
+        </a:xfrm>
+      </p:grpSpPr>
+      <p:sp>
+        <p:nvSpPr>
+          <p:cNvPr id="2" name="Title 1">
+            <a:extLst>
+              <a:ext uri="{FF2B5EF4-FFF2-40B4-BE49-F238E27FC236}">
                 <a16:creationId xmlns:a16="http://schemas.microsoft.com/office/drawing/2014/main" id="{B1EF7706-CA2C-01FF-6200-1B683296FB10}"/>
               </a:ext>
             </a:extLst>
@@ -11887,43 +12844,37 @@
         <p:spPr/>
         <p:txBody>
           <a:bodyPr>
-            <a:normAutofit fontScale="92500" lnSpcReduction="10000"/>
+            <a:noAutofit/>
           </a:bodyPr>
           <a:lstStyle/>
           <a:p>
             <a:r>
-              <a:rPr lang="en-GB" sz="3200" dirty="0"/>
+              <a:rPr lang="en-GB" sz="2800" dirty="0"/>
               <a:t>ML “Hello, World!”</a:t>
             </a:r>
           </a:p>
           <a:p>
             <a:r>
-              <a:rPr lang="en-GB" sz="3200" dirty="0"/>
+              <a:rPr lang="en-GB" sz="2800" dirty="0"/>
               <a:t>Supervised Learning</a:t>
             </a:r>
           </a:p>
           <a:p>
             <a:r>
-              <a:rPr lang="en-GB" sz="3200" dirty="0"/>
+              <a:rPr lang="en-GB" sz="2800" dirty="0"/>
               <a:t>Handwritten Digit Classification</a:t>
             </a:r>
           </a:p>
           <a:p>
             <a:r>
-              <a:rPr lang="en-GB" sz="3200" dirty="0"/>
+              <a:rPr lang="en-GB" sz="2800" dirty="0"/>
               <a:t>70,000 28x28 greyscale handwritten digits</a:t>
             </a:r>
           </a:p>
           <a:p>
             <a:r>
-              <a:rPr lang="en-GB" sz="3200" dirty="0"/>
-              <a:t>CNN</a:t>
-            </a:r>
-          </a:p>
-          <a:p>
-            <a:r>
-              <a:rPr lang="en-GB" sz="3200" dirty="0"/>
-              <a:t>&gt;99% Accuracy</a:t>
+              <a:rPr lang="en-GB" sz="2800" dirty="0"/>
+              <a:t>Convolutional Neural Network</a:t>
             </a:r>
           </a:p>
         </p:txBody>
@@ -12289,9 +13240,9 @@
                                           </p:stCondLst>
                                         </p:cTn>
                                         <p:tgtEl>
-                                          <p:spTgt spid="3">
+                                          <p:spTgt spid="4">
                                             <p:txEl>
-                                              <p:pRg st="5" end="5"/>
+                                              <p:pRg st="0" end="0"/>
                                             </p:txEl>
                                           </p:spTgt>
                                         </p:tgtEl>
@@ -12340,7 +13291,7 @@
                                         <p:tgtEl>
                                           <p:spTgt spid="4">
                                             <p:txEl>
-                                              <p:pRg st="0" end="0"/>
+                                              <p:pRg st="1" end="1"/>
                                             </p:txEl>
                                           </p:spTgt>
                                         </p:tgtEl>
@@ -12389,7 +13340,7 @@
                                         <p:tgtEl>
                                           <p:spTgt spid="4">
                                             <p:txEl>
-                                              <p:pRg st="1" end="1"/>
+                                              <p:pRg st="2" end="2"/>
                                             </p:txEl>
                                           </p:spTgt>
                                         </p:tgtEl>
@@ -12438,7 +13389,7 @@
                                         <p:tgtEl>
                                           <p:spTgt spid="4">
                                             <p:txEl>
-                                              <p:pRg st="2" end="2"/>
+                                              <p:pRg st="3" end="3"/>
                                             </p:txEl>
                                           </p:spTgt>
                                         </p:tgtEl>
@@ -12487,7 +13438,7 @@
                                         <p:tgtEl>
                                           <p:spTgt spid="4">
                                             <p:txEl>
-                                              <p:pRg st="3" end="3"/>
+                                              <p:pRg st="4" end="4"/>
                                             </p:txEl>
                                           </p:spTgt>
                                         </p:tgtEl>
@@ -12536,7 +13487,7 @@
                                         <p:tgtEl>
                                           <p:spTgt spid="4">
                                             <p:txEl>
-                                              <p:pRg st="4" end="4"/>
+                                              <p:pRg st="5" end="5"/>
                                             </p:txEl>
                                           </p:spTgt>
                                         </p:tgtEl>
@@ -12585,7 +13536,7 @@
                                         <p:tgtEl>
                                           <p:spTgt spid="4">
                                             <p:txEl>
-                                              <p:pRg st="5" end="5"/>
+                                              <p:pRg st="6" end="6"/>
                                             </p:txEl>
                                           </p:spTgt>
                                         </p:tgtEl>
@@ -12627,55 +13578,6 @@
                                     <p:set>
                                       <p:cBhvr>
                                         <p:cTn id="54" dur="1" fill="hold">
-                                          <p:stCondLst>
-                                            <p:cond delay="0"/>
-                                          </p:stCondLst>
-                                        </p:cTn>
-                                        <p:tgtEl>
-                                          <p:spTgt spid="4">
-                                            <p:txEl>
-                                              <p:pRg st="6" end="6"/>
-                                            </p:txEl>
-                                          </p:spTgt>
-                                        </p:tgtEl>
-                                        <p:attrNameLst>
-                                          <p:attrName>style.visibility</p:attrName>
-                                        </p:attrNameLst>
-                                      </p:cBhvr>
-                                      <p:to>
-                                        <p:strVal val="visible"/>
-                                      </p:to>
-                                    </p:set>
-                                  </p:childTnLst>
-                                </p:cTn>
-                              </p:par>
-                            </p:childTnLst>
-                          </p:cTn>
-                        </p:par>
-                      </p:childTnLst>
-                    </p:cTn>
-                  </p:par>
-                  <p:par>
-                    <p:cTn id="55" fill="hold">
-                      <p:stCondLst>
-                        <p:cond delay="indefinite"/>
-                      </p:stCondLst>
-                      <p:childTnLst>
-                        <p:par>
-                          <p:cTn id="56" fill="hold">
-                            <p:stCondLst>
-                              <p:cond delay="0"/>
-                            </p:stCondLst>
-                            <p:childTnLst>
-                              <p:par>
-                                <p:cTn id="57" presetID="1" presetClass="entr" presetSubtype="0" fill="hold" grpId="0" nodeType="clickEffect">
-                                  <p:stCondLst>
-                                    <p:cond delay="0"/>
-                                  </p:stCondLst>
-                                  <p:childTnLst>
-                                    <p:set>
-                                      <p:cBhvr>
-                                        <p:cTn id="58" dur="1" fill="hold">
                                           <p:stCondLst>
                                             <p:cond delay="0"/>
                                           </p:stCondLst>
@@ -12728,623 +13630,6 @@
     <p:bldLst>
       <p:bldP spid="3" grpId="0" build="p"/>
       <p:bldP spid="4" grpId="0" build="p"/>
-    </p:bldLst>
-  </p:timing>
-</p:sld>
-</file>
-
-<file path=ppt/slides/slide9.xml><?xml version="1.0" encoding="utf-8"?>
-<p:sld xmlns:a="http://schemas.openxmlformats.org/drawingml/2006/main" xmlns:r="http://schemas.openxmlformats.org/officeDocument/2006/relationships" xmlns:p="http://schemas.openxmlformats.org/presentationml/2006/main">
-  <p:cSld>
-    <p:bg>
-      <p:bgPr>
-        <a:solidFill>
-          <a:schemeClr val="bg1"/>
-        </a:solidFill>
-        <a:effectLst/>
-      </p:bgPr>
-    </p:bg>
-    <p:spTree>
-      <p:nvGrpSpPr>
-        <p:cNvPr id="1" name=""/>
-        <p:cNvGrpSpPr/>
-        <p:nvPr/>
-      </p:nvGrpSpPr>
-      <p:grpSpPr>
-        <a:xfrm>
-          <a:off x="0" y="0"/>
-          <a:ext cx="0" cy="0"/>
-          <a:chOff x="0" y="0"/>
-          <a:chExt cx="0" cy="0"/>
-        </a:xfrm>
-      </p:grpSpPr>
-      <p:pic>
-        <p:nvPicPr>
-          <p:cNvPr id="11" name="Picture 10">
-            <a:extLst>
-              <a:ext uri="{FF2B5EF4-FFF2-40B4-BE49-F238E27FC236}">
-                <a16:creationId xmlns:a16="http://schemas.microsoft.com/office/drawing/2014/main" id="{BDFADFB3-3D44-49A8-AE3B-A87C61607F7E}"/>
-              </a:ext>
-              <a:ext uri="{C183D7F6-B498-43B3-948B-1728B52AA6E4}">
-                <adec:decorative xmlns:adec="http://schemas.microsoft.com/office/drawing/2017/decorative" val="1"/>
-              </a:ext>
-            </a:extLst>
-          </p:cNvPr>
-          <p:cNvPicPr>
-            <a:picLocks noGrp="1" noRot="1" noChangeAspect="1" noMove="1" noResize="1" noEditPoints="1" noAdjustHandles="1" noChangeArrowheads="1" noChangeShapeType="1" noCrop="1"/>
-          </p:cNvPicPr>
-          <p:nvPr>
-            <p:extLst>
-              <p:ext uri="{386F3935-93C4-4BCD-93E2-E3B085C9AB24}">
-                <p16:designElem xmlns:p16="http://schemas.microsoft.com/office/powerpoint/2015/main" val="1"/>
-              </p:ext>
-            </p:extLst>
-          </p:nvPr>
-        </p:nvPicPr>
-        <p:blipFill>
-          <a:blip r:embed="rId3">
-            <a:extLst>
-              <a:ext uri="{28A0092B-C50C-407E-A947-70E740481C1C}">
-                <a14:useLocalDpi xmlns:a14="http://schemas.microsoft.com/office/drawing/2010/main" val="0"/>
-              </a:ext>
-            </a:extLst>
-          </a:blip>
-          <a:stretch>
-            <a:fillRect/>
-          </a:stretch>
-        </p:blipFill>
-        <p:spPr>
-          <a:xfrm>
-            <a:off x="0" y="0"/>
-            <a:ext cx="12192000" cy="1441450"/>
-          </a:xfrm>
-          <a:prstGeom prst="rect">
-            <a:avLst/>
-          </a:prstGeom>
-        </p:spPr>
-      </p:pic>
-      <p:sp useBgFill="1">
-        <p:nvSpPr>
-          <p:cNvPr id="13" name="Rounded Rectangle 14">
-            <a:extLst>
-              <a:ext uri="{FF2B5EF4-FFF2-40B4-BE49-F238E27FC236}">
-                <a16:creationId xmlns:a16="http://schemas.microsoft.com/office/drawing/2014/main" id="{1FDFF85F-F105-40D5-9793-90419158C3BD}"/>
-              </a:ext>
-              <a:ext uri="{C183D7F6-B498-43B3-948B-1728B52AA6E4}">
-                <adec:decorative xmlns:adec="http://schemas.microsoft.com/office/drawing/2017/decorative" val="1"/>
-              </a:ext>
-            </a:extLst>
-          </p:cNvPr>
-          <p:cNvSpPr>
-            <a:spLocks noGrp="1" noRot="1" noChangeAspect="1" noMove="1" noResize="1" noEditPoints="1" noAdjustHandles="1" noChangeArrowheads="1" noChangeShapeType="1" noTextEdit="1"/>
-          </p:cNvSpPr>
-          <p:nvPr>
-            <p:extLst>
-              <p:ext uri="{386F3935-93C4-4BCD-93E2-E3B085C9AB24}">
-                <p16:designElem xmlns:p16="http://schemas.microsoft.com/office/powerpoint/2015/main" val="1"/>
-              </p:ext>
-            </p:extLst>
-          </p:nvPr>
-        </p:nvSpPr>
-        <p:spPr>
-          <a:xfrm>
-            <a:off x="4636008" y="0"/>
-            <a:ext cx="7555992" cy="6858000"/>
-          </a:xfrm>
-          <a:prstGeom prst="roundRect">
-            <a:avLst>
-              <a:gd name="adj" fmla="val 0"/>
-            </a:avLst>
-          </a:prstGeom>
-          <a:ln>
-            <a:noFill/>
-          </a:ln>
-          <a:effectLst/>
-        </p:spPr>
-        <p:style>
-          <a:lnRef idx="2">
-            <a:schemeClr val="accent1">
-              <a:shade val="50000"/>
-            </a:schemeClr>
-          </a:lnRef>
-          <a:fillRef idx="1">
-            <a:schemeClr val="accent1"/>
-          </a:fillRef>
-          <a:effectRef idx="0">
-            <a:schemeClr val="accent1"/>
-          </a:effectRef>
-          <a:fontRef idx="minor">
-            <a:schemeClr val="lt1"/>
-          </a:fontRef>
-        </p:style>
-        <p:txBody>
-          <a:bodyPr rtlCol="0" anchor="ctr"/>
-          <a:lstStyle/>
-          <a:p>
-            <a:pPr marL="0" marR="0" lvl="0" indent="0" algn="ctr" defTabSz="457200" rtl="0" eaLnBrk="1" fontAlgn="auto" latinLnBrk="0" hangingPunct="1">
-              <a:lnSpc>
-                <a:spcPct val="100000"/>
-              </a:lnSpc>
-              <a:spcBef>
-                <a:spcPts val="0"/>
-              </a:spcBef>
-              <a:spcAft>
-                <a:spcPts val="0"/>
-              </a:spcAft>
-              <a:buClrTx/>
-              <a:buSzTx/>
-              <a:buFontTx/>
-              <a:buNone/>
-              <a:tabLst/>
-              <a:defRPr/>
-            </a:pPr>
-            <a:endParaRPr kumimoji="0" lang="en-US" sz="1800" b="0" i="0" u="none" strike="noStrike" kern="1200" cap="none" spc="0" normalizeH="0" baseline="0" noProof="0">
-              <a:ln>
-                <a:noFill/>
-              </a:ln>
-              <a:solidFill>
-                <a:prstClr val="white"/>
-              </a:solidFill>
-              <a:effectLst/>
-              <a:uLnTx/>
-              <a:uFillTx/>
-              <a:latin typeface="Century Gothic" panose="020B0502020202020204"/>
-              <a:ea typeface="+mn-ea"/>
-              <a:cs typeface="+mn-cs"/>
-            </a:endParaRPr>
-          </a:p>
-        </p:txBody>
-      </p:sp>
-      <p:sp>
-        <p:nvSpPr>
-          <p:cNvPr id="15" name="Rectangle 14">
-            <a:extLst>
-              <a:ext uri="{FF2B5EF4-FFF2-40B4-BE49-F238E27FC236}">
-                <a16:creationId xmlns:a16="http://schemas.microsoft.com/office/drawing/2014/main" id="{35AB47A4-BA8C-4250-88BD-D49C68C5F9E9}"/>
-              </a:ext>
-              <a:ext uri="{C183D7F6-B498-43B3-948B-1728B52AA6E4}">
-                <adec:decorative xmlns:adec="http://schemas.microsoft.com/office/drawing/2017/decorative" val="1"/>
-              </a:ext>
-            </a:extLst>
-          </p:cNvPr>
-          <p:cNvSpPr>
-            <a:spLocks noGrp="1" noRot="1" noChangeAspect="1" noMove="1" noResize="1" noEditPoints="1" noAdjustHandles="1" noChangeArrowheads="1" noChangeShapeType="1" noTextEdit="1"/>
-          </p:cNvSpPr>
-          <p:nvPr>
-            <p:extLst>
-              <p:ext uri="{386F3935-93C4-4BCD-93E2-E3B085C9AB24}">
-                <p16:designElem xmlns:p16="http://schemas.microsoft.com/office/powerpoint/2015/main" val="1"/>
-              </p:ext>
-            </p:extLst>
-          </p:nvPr>
-        </p:nvSpPr>
-        <p:spPr>
-          <a:xfrm>
-            <a:off x="0" y="0"/>
-            <a:ext cx="4636008" cy="6858000"/>
-          </a:xfrm>
-          <a:prstGeom prst="rect">
-            <a:avLst/>
-          </a:prstGeom>
-          <a:solidFill>
-            <a:schemeClr val="tx1"/>
-          </a:solidFill>
-          <a:ln>
-            <a:noFill/>
-          </a:ln>
-          <a:effectLst>
-            <a:outerShdw blurRad="63500" dist="38100" algn="l" rotWithShape="0">
-              <a:prstClr val="black">
-                <a:alpha val="40000"/>
-              </a:prstClr>
-            </a:outerShdw>
-          </a:effectLst>
-        </p:spPr>
-        <p:style>
-          <a:lnRef idx="2">
-            <a:schemeClr val="accent1">
-              <a:shade val="50000"/>
-            </a:schemeClr>
-          </a:lnRef>
-          <a:fillRef idx="1">
-            <a:schemeClr val="accent1"/>
-          </a:fillRef>
-          <a:effectRef idx="0">
-            <a:schemeClr val="accent1"/>
-          </a:effectRef>
-          <a:fontRef idx="minor">
-            <a:schemeClr val="lt1"/>
-          </a:fontRef>
-        </p:style>
-        <p:txBody>
-          <a:bodyPr rtlCol="0" anchor="ctr"/>
-          <a:lstStyle/>
-          <a:p>
-            <a:pPr marL="0" marR="0" lvl="0" indent="0" algn="ctr" defTabSz="457200" rtl="0" eaLnBrk="1" fontAlgn="auto" latinLnBrk="0" hangingPunct="1">
-              <a:lnSpc>
-                <a:spcPct val="100000"/>
-              </a:lnSpc>
-              <a:spcBef>
-                <a:spcPts val="0"/>
-              </a:spcBef>
-              <a:spcAft>
-                <a:spcPts val="0"/>
-              </a:spcAft>
-              <a:buClrTx/>
-              <a:buSzTx/>
-              <a:buFontTx/>
-              <a:buNone/>
-              <a:tabLst/>
-              <a:defRPr/>
-            </a:pPr>
-            <a:endParaRPr kumimoji="0" lang="en-US" sz="1800" b="0" i="0" u="none" strike="noStrike" kern="1200" cap="none" spc="0" normalizeH="0" baseline="0" noProof="0">
-              <a:ln>
-                <a:noFill/>
-              </a:ln>
-              <a:solidFill>
-                <a:prstClr val="white"/>
-              </a:solidFill>
-              <a:effectLst/>
-              <a:uLnTx/>
-              <a:uFillTx/>
-              <a:latin typeface="Century Gothic" panose="020B0502020202020204"/>
-              <a:ea typeface="+mn-ea"/>
-              <a:cs typeface="+mn-cs"/>
-            </a:endParaRPr>
-          </a:p>
-        </p:txBody>
-      </p:sp>
-      <p:pic>
-        <p:nvPicPr>
-          <p:cNvPr id="17" name="Picture 16">
-            <a:extLst>
-              <a:ext uri="{FF2B5EF4-FFF2-40B4-BE49-F238E27FC236}">
-                <a16:creationId xmlns:a16="http://schemas.microsoft.com/office/drawing/2014/main" id="{66C8958D-EB99-414F-B735-863B67BB14D3}"/>
-              </a:ext>
-              <a:ext uri="{C183D7F6-B498-43B3-948B-1728B52AA6E4}">
-                <adec:decorative xmlns:adec="http://schemas.microsoft.com/office/drawing/2017/decorative" val="1"/>
-              </a:ext>
-            </a:extLst>
-          </p:cNvPr>
-          <p:cNvPicPr>
-            <a:picLocks noGrp="1" noRot="1" noChangeAspect="1" noMove="1" noResize="1" noEditPoints="1" noAdjustHandles="1" noChangeArrowheads="1" noChangeShapeType="1" noCrop="1"/>
-          </p:cNvPicPr>
-          <p:nvPr>
-            <p:extLst>
-              <p:ext uri="{386F3935-93C4-4BCD-93E2-E3B085C9AB24}">
-                <p16:designElem xmlns:p16="http://schemas.microsoft.com/office/powerpoint/2015/main" val="1"/>
-              </p:ext>
-            </p:extLst>
-          </p:nvPr>
-        </p:nvPicPr>
-        <p:blipFill rotWithShape="1">
-          <a:blip r:embed="rId3">
-            <a:extLst>
-              <a:ext uri="{28A0092B-C50C-407E-A947-70E740481C1C}">
-                <a14:useLocalDpi xmlns:a14="http://schemas.microsoft.com/office/drawing/2010/main" val="0"/>
-              </a:ext>
-            </a:extLst>
-          </a:blip>
-          <a:srcRect r="61975"/>
-          <a:stretch/>
-        </p:blipFill>
-        <p:spPr>
-          <a:xfrm>
-            <a:off x="0" y="0"/>
-            <a:ext cx="4636008" cy="1441450"/>
-          </a:xfrm>
-          <a:prstGeom prst="rect">
-            <a:avLst/>
-          </a:prstGeom>
-        </p:spPr>
-      </p:pic>
-      <p:sp>
-        <p:nvSpPr>
-          <p:cNvPr id="2" name="Title 1">
-            <a:extLst>
-              <a:ext uri="{FF2B5EF4-FFF2-40B4-BE49-F238E27FC236}">
-                <a16:creationId xmlns:a16="http://schemas.microsoft.com/office/drawing/2014/main" id="{DE469836-7993-9395-7AD2-0454C27E905C}"/>
-              </a:ext>
-            </a:extLst>
-          </p:cNvPr>
-          <p:cNvSpPr>
-            <a:spLocks noGrp="1"/>
-          </p:cNvSpPr>
-          <p:nvPr>
-            <p:ph type="title"/>
-          </p:nvPr>
-        </p:nvSpPr>
-        <p:spPr>
-          <a:xfrm>
-            <a:off x="685800" y="764373"/>
-            <a:ext cx="3687417" cy="1920372"/>
-          </a:xfrm>
-        </p:spPr>
-        <p:txBody>
-          <a:bodyPr vert="horz" lIns="91440" tIns="45720" rIns="91440" bIns="45720" rtlCol="0" anchor="ctr">
-            <a:normAutofit/>
-          </a:bodyPr>
-          <a:lstStyle/>
-          <a:p>
-            <a:pPr algn="l"/>
-            <a:r>
-              <a:rPr lang="en-US" sz="3600" kern="1200" cap="all" baseline="0">
-                <a:solidFill>
-                  <a:schemeClr val="bg1"/>
-                </a:solidFill>
-                <a:latin typeface="+mj-lt"/>
-                <a:ea typeface="+mj-ea"/>
-                <a:cs typeface="+mj-cs"/>
-              </a:rPr>
-              <a:t>Shapely Values</a:t>
-            </a:r>
-          </a:p>
-        </p:txBody>
-      </p:sp>
-      <p:pic>
-        <p:nvPicPr>
-          <p:cNvPr id="19" name="Picture 18">
-            <a:extLst>
-              <a:ext uri="{FF2B5EF4-FFF2-40B4-BE49-F238E27FC236}">
-                <a16:creationId xmlns:a16="http://schemas.microsoft.com/office/drawing/2014/main" id="{39E5F3CB-7BDD-4E64-B274-CD900F08C6F3}"/>
-              </a:ext>
-              <a:ext uri="{C183D7F6-B498-43B3-948B-1728B52AA6E4}">
-                <adec:decorative xmlns:adec="http://schemas.microsoft.com/office/drawing/2017/decorative" val="1"/>
-              </a:ext>
-            </a:extLst>
-          </p:cNvPr>
-          <p:cNvPicPr>
-            <a:picLocks noGrp="1" noRot="1" noChangeAspect="1" noMove="1" noResize="1" noEditPoints="1" noAdjustHandles="1" noChangeArrowheads="1" noChangeShapeType="1" noCrop="1"/>
-          </p:cNvPicPr>
-          <p:nvPr>
-            <p:extLst>
-              <p:ext uri="{386F3935-93C4-4BCD-93E2-E3B085C9AB24}">
-                <p16:designElem xmlns:p16="http://schemas.microsoft.com/office/powerpoint/2015/main" val="1"/>
-              </p:ext>
-            </p:extLst>
-          </p:nvPr>
-        </p:nvPicPr>
-        <p:blipFill rotWithShape="1">
-          <a:blip r:embed="rId4">
-            <a:extLst>
-              <a:ext uri="{28A0092B-C50C-407E-A947-70E740481C1C}">
-                <a14:useLocalDpi xmlns:a14="http://schemas.microsoft.com/office/drawing/2010/main" val="0"/>
-              </a:ext>
-            </a:extLst>
-          </a:blip>
-          <a:srcRect r="61975"/>
-          <a:stretch/>
-        </p:blipFill>
-        <p:spPr>
-          <a:xfrm>
-            <a:off x="0" y="4375150"/>
-            <a:ext cx="4636008" cy="2482850"/>
-          </a:xfrm>
-          <a:prstGeom prst="rect">
-            <a:avLst/>
-          </a:prstGeom>
-        </p:spPr>
-      </p:pic>
-      <p:sp>
-        <p:nvSpPr>
-          <p:cNvPr id="3" name="Content Placeholder 2">
-            <a:extLst>
-              <a:ext uri="{FF2B5EF4-FFF2-40B4-BE49-F238E27FC236}">
-                <a16:creationId xmlns:a16="http://schemas.microsoft.com/office/drawing/2014/main" id="{A97BAB6E-8463-C25A-CE2A-BFB2EB9700F4}"/>
-              </a:ext>
-            </a:extLst>
-          </p:cNvPr>
-          <p:cNvSpPr>
-            <a:spLocks noGrp="1"/>
-          </p:cNvSpPr>
-          <p:nvPr>
-            <p:ph sz="half" idx="1"/>
-          </p:nvPr>
-        </p:nvSpPr>
-        <p:spPr>
-          <a:xfrm>
-            <a:off x="685800" y="2821774"/>
-            <a:ext cx="3687417" cy="3148329"/>
-          </a:xfrm>
-        </p:spPr>
-        <p:txBody>
-          <a:bodyPr vert="horz" lIns="91440" tIns="45720" rIns="91440" bIns="45720" rtlCol="0">
-            <a:noAutofit/>
-          </a:bodyPr>
-          <a:lstStyle/>
-          <a:p>
-            <a:r>
-              <a:rPr lang="en-US" sz="3200" dirty="0">
-                <a:solidFill>
-                  <a:schemeClr val="bg1"/>
-                </a:solidFill>
-              </a:rPr>
-              <a:t>Contribution of each player</a:t>
-            </a:r>
-          </a:p>
-          <a:p>
-            <a:r>
-              <a:rPr lang="en-US" sz="3200" dirty="0">
-                <a:solidFill>
-                  <a:schemeClr val="bg1"/>
-                </a:solidFill>
-              </a:rPr>
-              <a:t>Positive or negative effect</a:t>
-            </a:r>
-          </a:p>
-        </p:txBody>
-      </p:sp>
-      <p:pic>
-        <p:nvPicPr>
-          <p:cNvPr id="6" name="Content Placeholder 5">
-            <a:extLst>
-              <a:ext uri="{FF2B5EF4-FFF2-40B4-BE49-F238E27FC236}">
-                <a16:creationId xmlns:a16="http://schemas.microsoft.com/office/drawing/2014/main" id="{D0C75327-6773-E83D-715B-8DE466E663E8}"/>
-              </a:ext>
-            </a:extLst>
-          </p:cNvPr>
-          <p:cNvPicPr>
-            <a:picLocks noGrp="1" noChangeAspect="1"/>
-          </p:cNvPicPr>
-          <p:nvPr>
-            <p:ph sz="half" idx="2"/>
-          </p:nvPr>
-        </p:nvPicPr>
-        <p:blipFill>
-          <a:blip r:embed="rId5"/>
-          <a:stretch>
-            <a:fillRect/>
-          </a:stretch>
-        </p:blipFill>
-        <p:spPr>
-          <a:xfrm>
-            <a:off x="5279475" y="2284897"/>
-            <a:ext cx="6269058" cy="2288205"/>
-          </a:xfrm>
-          <a:prstGeom prst="rect">
-            <a:avLst/>
-          </a:prstGeom>
-        </p:spPr>
-      </p:pic>
-    </p:spTree>
-    <p:extLst>
-      <p:ext uri="{BB962C8B-B14F-4D97-AF65-F5344CB8AC3E}">
-        <p14:creationId xmlns:p14="http://schemas.microsoft.com/office/powerpoint/2010/main" val="3694054247"/>
-      </p:ext>
-    </p:extLst>
-  </p:cSld>
-  <p:clrMapOvr>
-    <a:overrideClrMapping bg1="lt1" tx1="dk1" bg2="lt2" tx2="dk2" accent1="accent1" accent2="accent2" accent3="accent3" accent4="accent4" accent5="accent5" accent6="accent6" hlink="hlink" folHlink="folHlink"/>
-  </p:clrMapOvr>
-  <p:timing>
-    <p:tnLst>
-      <p:par>
-        <p:cTn id="1" dur="indefinite" restart="never" nodeType="tmRoot">
-          <p:childTnLst>
-            <p:seq concurrent="1" nextAc="seek">
-              <p:cTn id="2" dur="indefinite" nodeType="mainSeq">
-                <p:childTnLst>
-                  <p:par>
-                    <p:cTn id="3" fill="hold">
-                      <p:stCondLst>
-                        <p:cond delay="indefinite"/>
-                      </p:stCondLst>
-                      <p:childTnLst>
-                        <p:par>
-                          <p:cTn id="4" fill="hold">
-                            <p:stCondLst>
-                              <p:cond delay="0"/>
-                            </p:stCondLst>
-                            <p:childTnLst>
-                              <p:par>
-                                <p:cTn id="5" presetID="1" presetClass="entr" presetSubtype="0" fill="hold" grpId="0" nodeType="clickEffect">
-                                  <p:stCondLst>
-                                    <p:cond delay="0"/>
-                                  </p:stCondLst>
-                                  <p:childTnLst>
-                                    <p:set>
-                                      <p:cBhvr>
-                                        <p:cTn id="6" dur="1" fill="hold">
-                                          <p:stCondLst>
-                                            <p:cond delay="0"/>
-                                          </p:stCondLst>
-                                        </p:cTn>
-                                        <p:tgtEl>
-                                          <p:spTgt spid="3">
-                                            <p:txEl>
-                                              <p:pRg st="0" end="0"/>
-                                            </p:txEl>
-                                          </p:spTgt>
-                                        </p:tgtEl>
-                                        <p:attrNameLst>
-                                          <p:attrName>style.visibility</p:attrName>
-                                        </p:attrNameLst>
-                                      </p:cBhvr>
-                                      <p:to>
-                                        <p:strVal val="visible"/>
-                                      </p:to>
-                                    </p:set>
-                                  </p:childTnLst>
-                                </p:cTn>
-                              </p:par>
-                            </p:childTnLst>
-                          </p:cTn>
-                        </p:par>
-                      </p:childTnLst>
-                    </p:cTn>
-                  </p:par>
-                  <p:par>
-                    <p:cTn id="7" fill="hold">
-                      <p:stCondLst>
-                        <p:cond delay="indefinite"/>
-                      </p:stCondLst>
-                      <p:childTnLst>
-                        <p:par>
-                          <p:cTn id="8" fill="hold">
-                            <p:stCondLst>
-                              <p:cond delay="0"/>
-                            </p:stCondLst>
-                            <p:childTnLst>
-                              <p:par>
-                                <p:cTn id="9" presetID="1" presetClass="entr" presetSubtype="0" fill="hold" grpId="0" nodeType="clickEffect">
-                                  <p:stCondLst>
-                                    <p:cond delay="0"/>
-                                  </p:stCondLst>
-                                  <p:childTnLst>
-                                    <p:set>
-                                      <p:cBhvr>
-                                        <p:cTn id="10" dur="1" fill="hold">
-                                          <p:stCondLst>
-                                            <p:cond delay="0"/>
-                                          </p:stCondLst>
-                                        </p:cTn>
-                                        <p:tgtEl>
-                                          <p:spTgt spid="3">
-                                            <p:txEl>
-                                              <p:pRg st="1" end="1"/>
-                                            </p:txEl>
-                                          </p:spTgt>
-                                        </p:tgtEl>
-                                        <p:attrNameLst>
-                                          <p:attrName>style.visibility</p:attrName>
-                                        </p:attrNameLst>
-                                      </p:cBhvr>
-                                      <p:to>
-                                        <p:strVal val="visible"/>
-                                      </p:to>
-                                    </p:set>
-                                  </p:childTnLst>
-                                </p:cTn>
-                              </p:par>
-                            </p:childTnLst>
-                          </p:cTn>
-                        </p:par>
-                      </p:childTnLst>
-                    </p:cTn>
-                  </p:par>
-                </p:childTnLst>
-              </p:cTn>
-              <p:prevCondLst>
-                <p:cond evt="onPrev" delay="0">
-                  <p:tgtEl>
-                    <p:sldTgt/>
-                  </p:tgtEl>
-                </p:cond>
-              </p:prevCondLst>
-              <p:nextCondLst>
-                <p:cond evt="onNext" delay="0">
-                  <p:tgtEl>
-                    <p:sldTgt/>
-                  </p:tgtEl>
-                </p:cond>
-              </p:nextCondLst>
-            </p:seq>
-          </p:childTnLst>
-        </p:cTn>
-      </p:par>
-    </p:tnLst>
-    <p:bldLst>
-      <p:bldP spid="3" grpId="0" build="p"/>
     </p:bldLst>
   </p:timing>
 </p:sld>
